--- a/A.O.K. Laptop Overhaul System.pptx
+++ b/A.O.K. Laptop Overhaul System.pptx
@@ -2,40 +2,49 @@
 <file path=ppt/presentation.xml><?xml version="1.0" encoding="utf-8"?>
 <p:presentation xmlns:a="http://schemas.openxmlformats.org/drawingml/2006/main" xmlns:r="http://schemas.openxmlformats.org/officeDocument/2006/relationships" xmlns:mc="http://schemas.openxmlformats.org/markup-compatibility/2006" xmlns:mv="urn:schemas-microsoft-com:mac:vml" xmlns:p="http://schemas.openxmlformats.org/presentationml/2006/main" xmlns:c="http://schemas.openxmlformats.org/drawingml/2006/chart" xmlns:dgm="http://schemas.openxmlformats.org/drawingml/2006/diagram" xmlns:o="urn:schemas-microsoft-com:office:office" xmlns:v="urn:schemas-microsoft-com:vml" xmlns:pvml="urn:schemas-microsoft-com:office:powerpoint" xmlns:com="http://schemas.openxmlformats.org/drawingml/2006/compatibility" xmlns:p14="http://schemas.microsoft.com/office/powerpoint/2010/main" xmlns:p15="http://schemas.microsoft.com/office/powerpoint/2012/main" autoCompressPictures="0" embedTrueTypeFonts="1" strictFirstAndLastChars="0" saveSubsetFonts="1">
   <p:sldMasterIdLst>
-    <p:sldMasterId id="2147483659" r:id="rId4"/>
+    <p:sldMasterId id="2147483659" r:id="rId5"/>
   </p:sldMasterIdLst>
   <p:notesMasterIdLst>
-    <p:notesMasterId r:id="rId5"/>
+    <p:notesMasterId r:id="rId6"/>
   </p:notesMasterIdLst>
   <p:sldIdLst>
-    <p:sldId id="256" r:id="rId6"/>
-    <p:sldId id="257" r:id="rId7"/>
-    <p:sldId id="258" r:id="rId8"/>
-    <p:sldId id="259" r:id="rId9"/>
-    <p:sldId id="260" r:id="rId10"/>
-    <p:sldId id="261" r:id="rId11"/>
-    <p:sldId id="262" r:id="rId12"/>
-    <p:sldId id="263" r:id="rId13"/>
-    <p:sldId id="264" r:id="rId14"/>
-    <p:sldId id="265" r:id="rId15"/>
-    <p:sldId id="266" r:id="rId16"/>
+    <p:sldId id="256" r:id="rId7"/>
+    <p:sldId id="257" r:id="rId8"/>
+    <p:sldId id="258" r:id="rId9"/>
+    <p:sldId id="259" r:id="rId10"/>
+    <p:sldId id="260" r:id="rId11"/>
+    <p:sldId id="261" r:id="rId12"/>
+    <p:sldId id="262" r:id="rId13"/>
+    <p:sldId id="263" r:id="rId14"/>
+    <p:sldId id="264" r:id="rId15"/>
+    <p:sldId id="265" r:id="rId16"/>
+    <p:sldId id="266" r:id="rId17"/>
+    <p:sldId id="267" r:id="rId18"/>
+    <p:sldId id="268" r:id="rId19"/>
+    <p:sldId id="269" r:id="rId20"/>
+    <p:sldId id="270" r:id="rId21"/>
+    <p:sldId id="271" r:id="rId22"/>
+    <p:sldId id="272" r:id="rId23"/>
+    <p:sldId id="273" r:id="rId24"/>
+    <p:sldId id="274" r:id="rId25"/>
+    <p:sldId id="275" r:id="rId26"/>
   </p:sldIdLst>
   <p:sldSz cy="5143500" cx="9144000"/>
   <p:notesSz cx="6858000" cy="9144000"/>
   <p:embeddedFontLst>
     <p:embeddedFont>
       <p:font typeface="Raleway"/>
-      <p:regular r:id="rId17"/>
-      <p:bold r:id="rId18"/>
-      <p:italic r:id="rId19"/>
-      <p:boldItalic r:id="rId20"/>
+      <p:regular r:id="rId27"/>
+      <p:bold r:id="rId28"/>
+      <p:italic r:id="rId29"/>
+      <p:boldItalic r:id="rId30"/>
     </p:embeddedFont>
     <p:embeddedFont>
       <p:font typeface="Lato"/>
-      <p:regular r:id="rId21"/>
-      <p:bold r:id="rId22"/>
-      <p:italic r:id="rId23"/>
-      <p:boldItalic r:id="rId24"/>
+      <p:regular r:id="rId31"/>
+      <p:bold r:id="rId32"/>
+      <p:italic r:id="rId33"/>
+      <p:boldItalic r:id="rId34"/>
     </p:embeddedFont>
   </p:embeddedFontLst>
   <p:defaultTextStyle>
@@ -284,6 +293,26 @@
     </p:ext>
   </p:extLst>
 </p:presentation>
+</file>
+
+<file path=ppt/commentAuthors.xml><?xml version="1.0" encoding="utf-8"?>
+<p:cmAuthorLst xmlns:a="http://schemas.openxmlformats.org/drawingml/2006/main" xmlns:r="http://schemas.openxmlformats.org/officeDocument/2006/relationships" xmlns:mc="http://schemas.openxmlformats.org/markup-compatibility/2006" xmlns:mv="urn:schemas-microsoft-com:mac:vml" xmlns:p="http://schemas.openxmlformats.org/presentationml/2006/main" xmlns:c="http://schemas.openxmlformats.org/drawingml/2006/chart" xmlns:dgm="http://schemas.openxmlformats.org/drawingml/2006/diagram" xmlns:o="urn:schemas-microsoft-com:office:office" xmlns:v="urn:schemas-microsoft-com:vml" xmlns:pvml="urn:schemas-microsoft-com:office:powerpoint" xmlns:com="http://schemas.openxmlformats.org/drawingml/2006/compatibility" xmlns:p14="http://schemas.microsoft.com/office/powerpoint/2010/main" xmlns:p15="http://schemas.microsoft.com/office/powerpoint/2012/main">
+  <p:cmAuthor clrIdx="0" id="0" initials="" lastIdx="1" name="Nima Roomi"/>
+  <p:cmAuthor clrIdx="1" id="1" initials="" lastIdx="1" name="Omar Al-Hedari"/>
+</p:cmAuthorLst>
+</file>
+
+<file path=ppt/comments/comment1.xml><?xml version="1.0" encoding="utf-8"?>
+<p:cmLst xmlns:a="http://schemas.openxmlformats.org/drawingml/2006/main" xmlns:r="http://schemas.openxmlformats.org/officeDocument/2006/relationships" xmlns:mc="http://schemas.openxmlformats.org/markup-compatibility/2006" xmlns:mv="urn:schemas-microsoft-com:mac:vml" xmlns:p="http://schemas.openxmlformats.org/presentationml/2006/main" xmlns:c="http://schemas.openxmlformats.org/drawingml/2006/chart" xmlns:dgm="http://schemas.openxmlformats.org/drawingml/2006/diagram" xmlns:o="urn:schemas-microsoft-com:office:office" xmlns:v="urn:schemas-microsoft-com:vml" xmlns:pvml="urn:schemas-microsoft-com:office:powerpoint" xmlns:com="http://schemas.openxmlformats.org/drawingml/2006/compatibility" xmlns:p14="http://schemas.microsoft.com/office/powerpoint/2010/main" xmlns:p15="http://schemas.microsoft.com/office/powerpoint/2012/main">
+  <p:cm authorId="0" idx="1" dt="2019-10-03T22:48:18.350">
+    <p:pos x="0" y="1809"/>
+    <p:text>WTF is this. This makes no sense grammatical</p:text>
+  </p:cm>
+  <p:cm authorId="1" idx="1" dt="2019-10-03T22:48:18.350">
+    <p:pos x="0" y="1809"/>
+    <p:text>What do you want me to change?</p:text>
+  </p:cm>
+</p:cmLst>
 </file>
 
 <file path=ppt/notesMasters/notesMaster1.xml><?xml version="1.0" encoding="utf-8"?>
@@ -787,17 +816,40 @@
           </a:bodyPr>
           <a:lstStyle/>
           <a:p>
-            <a:pPr indent="0" lvl="0" marL="0" rtl="0" algn="l">
-              <a:spcBef>
-                <a:spcPts val="0"/>
-              </a:spcBef>
-              <a:spcAft>
-                <a:spcPts val="0"/>
-              </a:spcAft>
-              <a:buNone/>
-            </a:pPr>
-            <a:r>
-              <a:t/>
+            <a:pPr indent="0" lvl="0" marL="0" rtl="0" algn="ctr">
+              <a:lnSpc>
+                <a:spcPct val="115000"/>
+              </a:lnSpc>
+              <a:spcBef>
+                <a:spcPts val="0"/>
+              </a:spcBef>
+              <a:spcAft>
+                <a:spcPts val="0"/>
+              </a:spcAft>
+              <a:buNone/>
+            </a:pPr>
+            <a:r>
+              <a:rPr lang="en" sz="1200"/>
+              <a:t>Deliverable 1 – “System Request” (D1) </a:t>
+            </a:r>
+            <a:endParaRPr sz="1200"/>
+          </a:p>
+          <a:p>
+            <a:pPr indent="0" lvl="0" marL="0" rtl="0" algn="ctr">
+              <a:lnSpc>
+                <a:spcPct val="115000"/>
+              </a:lnSpc>
+              <a:spcBef>
+                <a:spcPts val="0"/>
+              </a:spcBef>
+              <a:spcAft>
+                <a:spcPts val="0"/>
+              </a:spcAft>
+              <a:buNone/>
+            </a:pPr>
+            <a:r>
+              <a:rPr lang="en" sz="1200"/>
+              <a:t>10/03/2019</a:t>
             </a:r>
             <a:endParaRPr/>
           </a:p>
@@ -816,7 +868,7 @@
   <p:cSld>
     <p:spTree>
       <p:nvGrpSpPr>
-        <p:cNvPr id="136" name="Shape 136"/>
+        <p:cNvPr id="144" name="Shape 144"/>
         <p:cNvGrpSpPr/>
         <p:nvPr/>
       </p:nvGrpSpPr>
@@ -830,7 +882,7 @@
       </p:grpSpPr>
       <p:sp>
         <p:nvSpPr>
-          <p:cNvPr id="137" name="Google Shape;137;g61fad319bb_0_1004:notes"/>
+          <p:cNvPr id="145" name="Google Shape;145;g61fad319bb_0_969:notes"/>
           <p:cNvSpPr/>
           <p:nvPr>
             <p:ph idx="2" type="sldImg"/>
@@ -865,7 +917,7 @@
       </p:sp>
       <p:sp>
         <p:nvSpPr>
-          <p:cNvPr id="138" name="Google Shape;138;g61fad319bb_0_1004:notes"/>
+          <p:cNvPr id="146" name="Google Shape;146;g61fad319bb_0_969:notes"/>
           <p:cNvSpPr txBox="1"/>
           <p:nvPr>
             <p:ph idx="1" type="body"/>
@@ -915,7 +967,7 @@
   <p:cSld>
     <p:spTree>
       <p:nvGrpSpPr>
-        <p:cNvPr id="142" name="Shape 142"/>
+        <p:cNvPr id="150" name="Shape 150"/>
         <p:cNvGrpSpPr/>
         <p:nvPr/>
       </p:nvGrpSpPr>
@@ -929,7 +981,7 @@
       </p:grpSpPr>
       <p:sp>
         <p:nvSpPr>
-          <p:cNvPr id="143" name="Google Shape;143;g61fad319bb_0_1009:notes"/>
+          <p:cNvPr id="151" name="Google Shape;151;g61fad319bb_0_974:notes"/>
           <p:cNvSpPr/>
           <p:nvPr>
             <p:ph idx="2" type="sldImg"/>
@@ -964,7 +1016,7 @@
       </p:sp>
       <p:sp>
         <p:nvSpPr>
-          <p:cNvPr id="144" name="Google Shape;144;g61fad319bb_0_1009:notes"/>
+          <p:cNvPr id="152" name="Google Shape;152;g61fad319bb_0_974:notes"/>
           <p:cNvSpPr txBox="1"/>
           <p:nvPr>
             <p:ph idx="1" type="body"/>
@@ -1009,12 +1061,12 @@
 </p:notes>
 </file>
 
-<file path=ppt/notesSlides/notesSlide2.xml><?xml version="1.0" encoding="utf-8"?>
+<file path=ppt/notesSlides/notesSlide12.xml><?xml version="1.0" encoding="utf-8"?>
 <p:notes xmlns:a="http://schemas.openxmlformats.org/drawingml/2006/main" xmlns:r="http://schemas.openxmlformats.org/officeDocument/2006/relationships" xmlns:mc="http://schemas.openxmlformats.org/markup-compatibility/2006" xmlns:mv="urn:schemas-microsoft-com:mac:vml" xmlns:p="http://schemas.openxmlformats.org/presentationml/2006/main" xmlns:c="http://schemas.openxmlformats.org/drawingml/2006/chart" xmlns:dgm="http://schemas.openxmlformats.org/drawingml/2006/diagram" xmlns:o="urn:schemas-microsoft-com:office:office" xmlns:v="urn:schemas-microsoft-com:vml" xmlns:pvml="urn:schemas-microsoft-com:office:powerpoint" xmlns:com="http://schemas.openxmlformats.org/drawingml/2006/compatibility" xmlns:p14="http://schemas.microsoft.com/office/powerpoint/2010/main" xmlns:p15="http://schemas.microsoft.com/office/powerpoint/2012/main" showMasterPhAnim="0" showMasterSp="0">
   <p:cSld>
     <p:spTree>
       <p:nvGrpSpPr>
-        <p:cNvPr id="88" name="Shape 88"/>
+        <p:cNvPr id="156" name="Shape 156"/>
         <p:cNvGrpSpPr/>
         <p:nvPr/>
       </p:nvGrpSpPr>
@@ -1028,7 +1080,7 @@
       </p:grpSpPr>
       <p:sp>
         <p:nvSpPr>
-          <p:cNvPr id="89" name="Google Shape;89;g61fad319bb_0_964:notes"/>
+          <p:cNvPr id="157" name="Google Shape;157;g62065c4480_0_2:notes"/>
           <p:cNvSpPr/>
           <p:nvPr>
             <p:ph idx="2" type="sldImg"/>
@@ -1063,7 +1115,7 @@
       </p:sp>
       <p:sp>
         <p:nvSpPr>
-          <p:cNvPr id="90" name="Google Shape;90;g61fad319bb_0_964:notes"/>
+          <p:cNvPr id="158" name="Google Shape;158;g62065c4480_0_2:notes"/>
           <p:cNvSpPr txBox="1"/>
           <p:nvPr>
             <p:ph idx="1" type="body"/>
@@ -1108,12 +1160,12 @@
 </p:notes>
 </file>
 
-<file path=ppt/notesSlides/notesSlide3.xml><?xml version="1.0" encoding="utf-8"?>
+<file path=ppt/notesSlides/notesSlide13.xml><?xml version="1.0" encoding="utf-8"?>
 <p:notes xmlns:a="http://schemas.openxmlformats.org/drawingml/2006/main" xmlns:r="http://schemas.openxmlformats.org/officeDocument/2006/relationships" xmlns:mc="http://schemas.openxmlformats.org/markup-compatibility/2006" xmlns:mv="urn:schemas-microsoft-com:mac:vml" xmlns:p="http://schemas.openxmlformats.org/presentationml/2006/main" xmlns:c="http://schemas.openxmlformats.org/drawingml/2006/chart" xmlns:dgm="http://schemas.openxmlformats.org/drawingml/2006/diagram" xmlns:o="urn:schemas-microsoft-com:office:office" xmlns:v="urn:schemas-microsoft-com:vml" xmlns:pvml="urn:schemas-microsoft-com:office:powerpoint" xmlns:com="http://schemas.openxmlformats.org/drawingml/2006/compatibility" xmlns:p14="http://schemas.microsoft.com/office/powerpoint/2010/main" xmlns:p15="http://schemas.microsoft.com/office/powerpoint/2012/main" showMasterPhAnim="0" showMasterSp="0">
   <p:cSld>
     <p:spTree>
       <p:nvGrpSpPr>
-        <p:cNvPr id="94" name="Shape 94"/>
+        <p:cNvPr id="162" name="Shape 162"/>
         <p:cNvGrpSpPr/>
         <p:nvPr/>
       </p:nvGrpSpPr>
@@ -1127,7 +1179,7 @@
       </p:grpSpPr>
       <p:sp>
         <p:nvSpPr>
-          <p:cNvPr id="95" name="Google Shape;95;g61fad319bb_0_969:notes"/>
+          <p:cNvPr id="163" name="Google Shape;163;g61fad319bb_0_979:notes"/>
           <p:cNvSpPr/>
           <p:nvPr>
             <p:ph idx="2" type="sldImg"/>
@@ -1162,7 +1214,7 @@
       </p:sp>
       <p:sp>
         <p:nvSpPr>
-          <p:cNvPr id="96" name="Google Shape;96;g61fad319bb_0_969:notes"/>
+          <p:cNvPr id="164" name="Google Shape;164;g61fad319bb_0_979:notes"/>
           <p:cNvSpPr txBox="1"/>
           <p:nvPr>
             <p:ph idx="1" type="body"/>
@@ -1207,12 +1259,12 @@
 </p:notes>
 </file>
 
-<file path=ppt/notesSlides/notesSlide4.xml><?xml version="1.0" encoding="utf-8"?>
+<file path=ppt/notesSlides/notesSlide14.xml><?xml version="1.0" encoding="utf-8"?>
 <p:notes xmlns:a="http://schemas.openxmlformats.org/drawingml/2006/main" xmlns:r="http://schemas.openxmlformats.org/officeDocument/2006/relationships" xmlns:mc="http://schemas.openxmlformats.org/markup-compatibility/2006" xmlns:mv="urn:schemas-microsoft-com:mac:vml" xmlns:p="http://schemas.openxmlformats.org/presentationml/2006/main" xmlns:c="http://schemas.openxmlformats.org/drawingml/2006/chart" xmlns:dgm="http://schemas.openxmlformats.org/drawingml/2006/diagram" xmlns:o="urn:schemas-microsoft-com:office:office" xmlns:v="urn:schemas-microsoft-com:vml" xmlns:pvml="urn:schemas-microsoft-com:office:powerpoint" xmlns:com="http://schemas.openxmlformats.org/drawingml/2006/compatibility" xmlns:p14="http://schemas.microsoft.com/office/powerpoint/2010/main" xmlns:p15="http://schemas.microsoft.com/office/powerpoint/2012/main" showMasterPhAnim="0" showMasterSp="0">
   <p:cSld>
     <p:spTree>
       <p:nvGrpSpPr>
-        <p:cNvPr id="100" name="Shape 100"/>
+        <p:cNvPr id="168" name="Shape 168"/>
         <p:cNvGrpSpPr/>
         <p:nvPr/>
       </p:nvGrpSpPr>
@@ -1226,7 +1278,7 @@
       </p:grpSpPr>
       <p:sp>
         <p:nvSpPr>
-          <p:cNvPr id="101" name="Google Shape;101;g61fad319bb_0_974:notes"/>
+          <p:cNvPr id="169" name="Google Shape;169;g61fad319bb_0_984:notes"/>
           <p:cNvSpPr/>
           <p:nvPr>
             <p:ph idx="2" type="sldImg"/>
@@ -1261,7 +1313,7 @@
       </p:sp>
       <p:sp>
         <p:nvSpPr>
-          <p:cNvPr id="102" name="Google Shape;102;g61fad319bb_0_974:notes"/>
+          <p:cNvPr id="170" name="Google Shape;170;g61fad319bb_0_984:notes"/>
           <p:cNvSpPr txBox="1"/>
           <p:nvPr>
             <p:ph idx="1" type="body"/>
@@ -1306,12 +1358,12 @@
 </p:notes>
 </file>
 
-<file path=ppt/notesSlides/notesSlide5.xml><?xml version="1.0" encoding="utf-8"?>
+<file path=ppt/notesSlides/notesSlide15.xml><?xml version="1.0" encoding="utf-8"?>
 <p:notes xmlns:a="http://schemas.openxmlformats.org/drawingml/2006/main" xmlns:r="http://schemas.openxmlformats.org/officeDocument/2006/relationships" xmlns:mc="http://schemas.openxmlformats.org/markup-compatibility/2006" xmlns:mv="urn:schemas-microsoft-com:mac:vml" xmlns:p="http://schemas.openxmlformats.org/presentationml/2006/main" xmlns:c="http://schemas.openxmlformats.org/drawingml/2006/chart" xmlns:dgm="http://schemas.openxmlformats.org/drawingml/2006/diagram" xmlns:o="urn:schemas-microsoft-com:office:office" xmlns:v="urn:schemas-microsoft-com:vml" xmlns:pvml="urn:schemas-microsoft-com:office:powerpoint" xmlns:com="http://schemas.openxmlformats.org/drawingml/2006/compatibility" xmlns:p14="http://schemas.microsoft.com/office/powerpoint/2010/main" xmlns:p15="http://schemas.microsoft.com/office/powerpoint/2012/main" showMasterPhAnim="0" showMasterSp="0">
   <p:cSld>
     <p:spTree>
       <p:nvGrpSpPr>
-        <p:cNvPr id="106" name="Shape 106"/>
+        <p:cNvPr id="174" name="Shape 174"/>
         <p:cNvGrpSpPr/>
         <p:nvPr/>
       </p:nvGrpSpPr>
@@ -1325,7 +1377,7 @@
       </p:grpSpPr>
       <p:sp>
         <p:nvSpPr>
-          <p:cNvPr id="107" name="Google Shape;107;g61fad319bb_0_979:notes"/>
+          <p:cNvPr id="175" name="Google Shape;175;g61fad319bb_0_989:notes"/>
           <p:cNvSpPr/>
           <p:nvPr>
             <p:ph idx="2" type="sldImg"/>
@@ -1360,7 +1412,7 @@
       </p:sp>
       <p:sp>
         <p:nvSpPr>
-          <p:cNvPr id="108" name="Google Shape;108;g61fad319bb_0_979:notes"/>
+          <p:cNvPr id="176" name="Google Shape;176;g61fad319bb_0_989:notes"/>
           <p:cNvSpPr txBox="1"/>
           <p:nvPr>
             <p:ph idx="1" type="body"/>
@@ -1405,12 +1457,12 @@
 </p:notes>
 </file>
 
-<file path=ppt/notesSlides/notesSlide6.xml><?xml version="1.0" encoding="utf-8"?>
+<file path=ppt/notesSlides/notesSlide16.xml><?xml version="1.0" encoding="utf-8"?>
 <p:notes xmlns:a="http://schemas.openxmlformats.org/drawingml/2006/main" xmlns:r="http://schemas.openxmlformats.org/officeDocument/2006/relationships" xmlns:mc="http://schemas.openxmlformats.org/markup-compatibility/2006" xmlns:mv="urn:schemas-microsoft-com:mac:vml" xmlns:p="http://schemas.openxmlformats.org/presentationml/2006/main" xmlns:c="http://schemas.openxmlformats.org/drawingml/2006/chart" xmlns:dgm="http://schemas.openxmlformats.org/drawingml/2006/diagram" xmlns:o="urn:schemas-microsoft-com:office:office" xmlns:v="urn:schemas-microsoft-com:vml" xmlns:pvml="urn:schemas-microsoft-com:office:powerpoint" xmlns:com="http://schemas.openxmlformats.org/drawingml/2006/compatibility" xmlns:p14="http://schemas.microsoft.com/office/powerpoint/2010/main" xmlns:p15="http://schemas.microsoft.com/office/powerpoint/2012/main" showMasterPhAnim="0" showMasterSp="0">
   <p:cSld>
     <p:spTree>
       <p:nvGrpSpPr>
-        <p:cNvPr id="112" name="Shape 112"/>
+        <p:cNvPr id="180" name="Shape 180"/>
         <p:cNvGrpSpPr/>
         <p:nvPr/>
       </p:nvGrpSpPr>
@@ -1424,7 +1476,7 @@
       </p:grpSpPr>
       <p:sp>
         <p:nvSpPr>
-          <p:cNvPr id="113" name="Google Shape;113;g61fad319bb_0_984:notes"/>
+          <p:cNvPr id="181" name="Google Shape;181;g61fe8b33db_1_0:notes"/>
           <p:cNvSpPr/>
           <p:nvPr>
             <p:ph idx="2" type="sldImg"/>
@@ -1459,7 +1511,7 @@
       </p:sp>
       <p:sp>
         <p:nvSpPr>
-          <p:cNvPr id="114" name="Google Shape;114;g61fad319bb_0_984:notes"/>
+          <p:cNvPr id="182" name="Google Shape;182;g61fe8b33db_1_0:notes"/>
           <p:cNvSpPr txBox="1"/>
           <p:nvPr>
             <p:ph idx="1" type="body"/>
@@ -1504,12 +1556,12 @@
 </p:notes>
 </file>
 
-<file path=ppt/notesSlides/notesSlide7.xml><?xml version="1.0" encoding="utf-8"?>
+<file path=ppt/notesSlides/notesSlide17.xml><?xml version="1.0" encoding="utf-8"?>
 <p:notes xmlns:a="http://schemas.openxmlformats.org/drawingml/2006/main" xmlns:r="http://schemas.openxmlformats.org/officeDocument/2006/relationships" xmlns:mc="http://schemas.openxmlformats.org/markup-compatibility/2006" xmlns:mv="urn:schemas-microsoft-com:mac:vml" xmlns:p="http://schemas.openxmlformats.org/presentationml/2006/main" xmlns:c="http://schemas.openxmlformats.org/drawingml/2006/chart" xmlns:dgm="http://schemas.openxmlformats.org/drawingml/2006/diagram" xmlns:o="urn:schemas-microsoft-com:office:office" xmlns:v="urn:schemas-microsoft-com:vml" xmlns:pvml="urn:schemas-microsoft-com:office:powerpoint" xmlns:com="http://schemas.openxmlformats.org/drawingml/2006/compatibility" xmlns:p14="http://schemas.microsoft.com/office/powerpoint/2010/main" xmlns:p15="http://schemas.microsoft.com/office/powerpoint/2012/main" showMasterPhAnim="0" showMasterSp="0">
   <p:cSld>
     <p:spTree>
       <p:nvGrpSpPr>
-        <p:cNvPr id="118" name="Shape 118"/>
+        <p:cNvPr id="186" name="Shape 186"/>
         <p:cNvGrpSpPr/>
         <p:nvPr/>
       </p:nvGrpSpPr>
@@ -1523,7 +1575,7 @@
       </p:grpSpPr>
       <p:sp>
         <p:nvSpPr>
-          <p:cNvPr id="119" name="Google Shape;119;g61fad319bb_0_989:notes"/>
+          <p:cNvPr id="187" name="Google Shape;187;g61fad319bb_0_994:notes"/>
           <p:cNvSpPr/>
           <p:nvPr>
             <p:ph idx="2" type="sldImg"/>
@@ -1558,7 +1610,7 @@
       </p:sp>
       <p:sp>
         <p:nvSpPr>
-          <p:cNvPr id="120" name="Google Shape;120;g61fad319bb_0_989:notes"/>
+          <p:cNvPr id="188" name="Google Shape;188;g61fad319bb_0_994:notes"/>
           <p:cNvSpPr txBox="1"/>
           <p:nvPr>
             <p:ph idx="1" type="body"/>
@@ -1603,12 +1655,12 @@
 </p:notes>
 </file>
 
-<file path=ppt/notesSlides/notesSlide8.xml><?xml version="1.0" encoding="utf-8"?>
+<file path=ppt/notesSlides/notesSlide18.xml><?xml version="1.0" encoding="utf-8"?>
 <p:notes xmlns:a="http://schemas.openxmlformats.org/drawingml/2006/main" xmlns:r="http://schemas.openxmlformats.org/officeDocument/2006/relationships" xmlns:mc="http://schemas.openxmlformats.org/markup-compatibility/2006" xmlns:mv="urn:schemas-microsoft-com:mac:vml" xmlns:p="http://schemas.openxmlformats.org/presentationml/2006/main" xmlns:c="http://schemas.openxmlformats.org/drawingml/2006/chart" xmlns:dgm="http://schemas.openxmlformats.org/drawingml/2006/diagram" xmlns:o="urn:schemas-microsoft-com:office:office" xmlns:v="urn:schemas-microsoft-com:vml" xmlns:pvml="urn:schemas-microsoft-com:office:powerpoint" xmlns:com="http://schemas.openxmlformats.org/drawingml/2006/compatibility" xmlns:p14="http://schemas.microsoft.com/office/powerpoint/2010/main" xmlns:p15="http://schemas.microsoft.com/office/powerpoint/2012/main" showMasterPhAnim="0" showMasterSp="0">
   <p:cSld>
     <p:spTree>
       <p:nvGrpSpPr>
-        <p:cNvPr id="124" name="Shape 124"/>
+        <p:cNvPr id="192" name="Shape 192"/>
         <p:cNvGrpSpPr/>
         <p:nvPr/>
       </p:nvGrpSpPr>
@@ -1622,7 +1674,7 @@
       </p:grpSpPr>
       <p:sp>
         <p:nvSpPr>
-          <p:cNvPr id="125" name="Google Shape;125;g61fad319bb_0_994:notes"/>
+          <p:cNvPr id="193" name="Google Shape;193;g61fad319bb_0_999:notes"/>
           <p:cNvSpPr/>
           <p:nvPr>
             <p:ph idx="2" type="sldImg"/>
@@ -1657,7 +1709,7 @@
       </p:sp>
       <p:sp>
         <p:nvSpPr>
-          <p:cNvPr id="126" name="Google Shape;126;g61fad319bb_0_994:notes"/>
+          <p:cNvPr id="194" name="Google Shape;194;g61fad319bb_0_999:notes"/>
           <p:cNvSpPr txBox="1"/>
           <p:nvPr>
             <p:ph idx="1" type="body"/>
@@ -1702,12 +1754,12 @@
 </p:notes>
 </file>
 
-<file path=ppt/notesSlides/notesSlide9.xml><?xml version="1.0" encoding="utf-8"?>
+<file path=ppt/notesSlides/notesSlide19.xml><?xml version="1.0" encoding="utf-8"?>
 <p:notes xmlns:a="http://schemas.openxmlformats.org/drawingml/2006/main" xmlns:r="http://schemas.openxmlformats.org/officeDocument/2006/relationships" xmlns:mc="http://schemas.openxmlformats.org/markup-compatibility/2006" xmlns:mv="urn:schemas-microsoft-com:mac:vml" xmlns:p="http://schemas.openxmlformats.org/presentationml/2006/main" xmlns:c="http://schemas.openxmlformats.org/drawingml/2006/chart" xmlns:dgm="http://schemas.openxmlformats.org/drawingml/2006/diagram" xmlns:o="urn:schemas-microsoft-com:office:office" xmlns:v="urn:schemas-microsoft-com:vml" xmlns:pvml="urn:schemas-microsoft-com:office:powerpoint" xmlns:com="http://schemas.openxmlformats.org/drawingml/2006/compatibility" xmlns:p14="http://schemas.microsoft.com/office/powerpoint/2010/main" xmlns:p15="http://schemas.microsoft.com/office/powerpoint/2012/main" showMasterPhAnim="0" showMasterSp="0">
   <p:cSld>
     <p:spTree>
       <p:nvGrpSpPr>
-        <p:cNvPr id="130" name="Shape 130"/>
+        <p:cNvPr id="198" name="Shape 198"/>
         <p:cNvGrpSpPr/>
         <p:nvPr/>
       </p:nvGrpSpPr>
@@ -1721,7 +1773,7 @@
       </p:grpSpPr>
       <p:sp>
         <p:nvSpPr>
-          <p:cNvPr id="131" name="Google Shape;131;g61fad319bb_0_999:notes"/>
+          <p:cNvPr id="199" name="Google Shape;199;g61fad319bb_0_1004:notes"/>
           <p:cNvSpPr/>
           <p:nvPr>
             <p:ph idx="2" type="sldImg"/>
@@ -1756,7 +1808,898 @@
       </p:sp>
       <p:sp>
         <p:nvSpPr>
-          <p:cNvPr id="132" name="Google Shape;132;g61fad319bb_0_999:notes"/>
+          <p:cNvPr id="200" name="Google Shape;200;g61fad319bb_0_1004:notes"/>
+          <p:cNvSpPr txBox="1"/>
+          <p:nvPr>
+            <p:ph idx="1" type="body"/>
+          </p:nvPr>
+        </p:nvSpPr>
+        <p:spPr>
+          <a:xfrm>
+            <a:off x="685800" y="4343400"/>
+            <a:ext cx="5486400" cy="4114800"/>
+          </a:xfrm>
+          <a:prstGeom prst="rect">
+            <a:avLst/>
+          </a:prstGeom>
+        </p:spPr>
+        <p:txBody>
+          <a:bodyPr anchorCtr="0" anchor="t" bIns="91425" lIns="91425" spcFirstLastPara="1" rIns="91425" wrap="square" tIns="91425">
+            <a:noAutofit/>
+          </a:bodyPr>
+          <a:lstStyle/>
+          <a:p>
+            <a:pPr indent="0" lvl="0" marL="0" rtl="0" algn="l">
+              <a:spcBef>
+                <a:spcPts val="0"/>
+              </a:spcBef>
+              <a:spcAft>
+                <a:spcPts val="0"/>
+              </a:spcAft>
+              <a:buNone/>
+            </a:pPr>
+            <a:r>
+              <a:t/>
+            </a:r>
+            <a:endParaRPr/>
+          </a:p>
+        </p:txBody>
+      </p:sp>
+    </p:spTree>
+  </p:cSld>
+  <p:clrMapOvr>
+    <a:masterClrMapping/>
+  </p:clrMapOvr>
+</p:notes>
+</file>
+
+<file path=ppt/notesSlides/notesSlide2.xml><?xml version="1.0" encoding="utf-8"?>
+<p:notes xmlns:a="http://schemas.openxmlformats.org/drawingml/2006/main" xmlns:r="http://schemas.openxmlformats.org/officeDocument/2006/relationships" xmlns:mc="http://schemas.openxmlformats.org/markup-compatibility/2006" xmlns:mv="urn:schemas-microsoft-com:mac:vml" xmlns:p="http://schemas.openxmlformats.org/presentationml/2006/main" xmlns:c="http://schemas.openxmlformats.org/drawingml/2006/chart" xmlns:dgm="http://schemas.openxmlformats.org/drawingml/2006/diagram" xmlns:o="urn:schemas-microsoft-com:office:office" xmlns:v="urn:schemas-microsoft-com:vml" xmlns:pvml="urn:schemas-microsoft-com:office:powerpoint" xmlns:com="http://schemas.openxmlformats.org/drawingml/2006/compatibility" xmlns:p14="http://schemas.microsoft.com/office/powerpoint/2010/main" xmlns:p15="http://schemas.microsoft.com/office/powerpoint/2012/main" showMasterPhAnim="0" showMasterSp="0">
+  <p:cSld>
+    <p:spTree>
+      <p:nvGrpSpPr>
+        <p:cNvPr id="90" name="Shape 90"/>
+        <p:cNvGrpSpPr/>
+        <p:nvPr/>
+      </p:nvGrpSpPr>
+      <p:grpSpPr>
+        <a:xfrm>
+          <a:off x="0" y="0"/>
+          <a:ext cx="0" cy="0"/>
+          <a:chOff x="0" y="0"/>
+          <a:chExt cx="0" cy="0"/>
+        </a:xfrm>
+      </p:grpSpPr>
+      <p:sp>
+        <p:nvSpPr>
+          <p:cNvPr id="91" name="Google Shape;91;g62065c4a45_1_10:notes"/>
+          <p:cNvSpPr/>
+          <p:nvPr>
+            <p:ph idx="2" type="sldImg"/>
+          </p:nvPr>
+        </p:nvSpPr>
+        <p:spPr>
+          <a:xfrm>
+            <a:off x="381300" y="685800"/>
+            <a:ext cx="6096000" cy="3429000"/>
+          </a:xfrm>
+          <a:custGeom>
+            <a:rect b="b" l="l" r="r" t="t"/>
+            <a:pathLst>
+              <a:path extrusionOk="0" h="120000" w="120000">
+                <a:moveTo>
+                  <a:pt x="0" y="0"/>
+                </a:moveTo>
+                <a:lnTo>
+                  <a:pt x="120000" y="0"/>
+                </a:lnTo>
+                <a:lnTo>
+                  <a:pt x="120000" y="120000"/>
+                </a:lnTo>
+                <a:lnTo>
+                  <a:pt x="0" y="120000"/>
+                </a:lnTo>
+                <a:close/>
+              </a:path>
+            </a:pathLst>
+          </a:custGeom>
+        </p:spPr>
+      </p:sp>
+      <p:sp>
+        <p:nvSpPr>
+          <p:cNvPr id="92" name="Google Shape;92;g62065c4a45_1_10:notes"/>
+          <p:cNvSpPr txBox="1"/>
+          <p:nvPr>
+            <p:ph idx="1" type="body"/>
+          </p:nvPr>
+        </p:nvSpPr>
+        <p:spPr>
+          <a:xfrm>
+            <a:off x="685800" y="4343400"/>
+            <a:ext cx="5486400" cy="4114800"/>
+          </a:xfrm>
+          <a:prstGeom prst="rect">
+            <a:avLst/>
+          </a:prstGeom>
+        </p:spPr>
+        <p:txBody>
+          <a:bodyPr anchorCtr="0" anchor="t" bIns="91425" lIns="91425" spcFirstLastPara="1" rIns="91425" wrap="square" tIns="91425">
+            <a:noAutofit/>
+          </a:bodyPr>
+          <a:lstStyle/>
+          <a:p>
+            <a:pPr indent="0" lvl="0" marL="0" rtl="0" algn="l">
+              <a:spcBef>
+                <a:spcPts val="0"/>
+              </a:spcBef>
+              <a:spcAft>
+                <a:spcPts val="0"/>
+              </a:spcAft>
+              <a:buNone/>
+            </a:pPr>
+            <a:r>
+              <a:t/>
+            </a:r>
+            <a:endParaRPr/>
+          </a:p>
+        </p:txBody>
+      </p:sp>
+    </p:spTree>
+  </p:cSld>
+  <p:clrMapOvr>
+    <a:masterClrMapping/>
+  </p:clrMapOvr>
+</p:notes>
+</file>
+
+<file path=ppt/notesSlides/notesSlide20.xml><?xml version="1.0" encoding="utf-8"?>
+<p:notes xmlns:a="http://schemas.openxmlformats.org/drawingml/2006/main" xmlns:r="http://schemas.openxmlformats.org/officeDocument/2006/relationships" xmlns:mc="http://schemas.openxmlformats.org/markup-compatibility/2006" xmlns:mv="urn:schemas-microsoft-com:mac:vml" xmlns:p="http://schemas.openxmlformats.org/presentationml/2006/main" xmlns:c="http://schemas.openxmlformats.org/drawingml/2006/chart" xmlns:dgm="http://schemas.openxmlformats.org/drawingml/2006/diagram" xmlns:o="urn:schemas-microsoft-com:office:office" xmlns:v="urn:schemas-microsoft-com:vml" xmlns:pvml="urn:schemas-microsoft-com:office:powerpoint" xmlns:com="http://schemas.openxmlformats.org/drawingml/2006/compatibility" xmlns:p14="http://schemas.microsoft.com/office/powerpoint/2010/main" xmlns:p15="http://schemas.microsoft.com/office/powerpoint/2012/main" showMasterPhAnim="0" showMasterSp="0">
+  <p:cSld>
+    <p:spTree>
+      <p:nvGrpSpPr>
+        <p:cNvPr id="204" name="Shape 204"/>
+        <p:cNvGrpSpPr/>
+        <p:nvPr/>
+      </p:nvGrpSpPr>
+      <p:grpSpPr>
+        <a:xfrm>
+          <a:off x="0" y="0"/>
+          <a:ext cx="0" cy="0"/>
+          <a:chOff x="0" y="0"/>
+          <a:chExt cx="0" cy="0"/>
+        </a:xfrm>
+      </p:grpSpPr>
+      <p:sp>
+        <p:nvSpPr>
+          <p:cNvPr id="205" name="Google Shape;205;g61fad319bb_0_1009:notes"/>
+          <p:cNvSpPr/>
+          <p:nvPr>
+            <p:ph idx="2" type="sldImg"/>
+          </p:nvPr>
+        </p:nvSpPr>
+        <p:spPr>
+          <a:xfrm>
+            <a:off x="381300" y="685800"/>
+            <a:ext cx="6096000" cy="3429000"/>
+          </a:xfrm>
+          <a:custGeom>
+            <a:rect b="b" l="l" r="r" t="t"/>
+            <a:pathLst>
+              <a:path extrusionOk="0" h="120000" w="120000">
+                <a:moveTo>
+                  <a:pt x="0" y="0"/>
+                </a:moveTo>
+                <a:lnTo>
+                  <a:pt x="120000" y="0"/>
+                </a:lnTo>
+                <a:lnTo>
+                  <a:pt x="120000" y="120000"/>
+                </a:lnTo>
+                <a:lnTo>
+                  <a:pt x="0" y="120000"/>
+                </a:lnTo>
+                <a:close/>
+              </a:path>
+            </a:pathLst>
+          </a:custGeom>
+        </p:spPr>
+      </p:sp>
+      <p:sp>
+        <p:nvSpPr>
+          <p:cNvPr id="206" name="Google Shape;206;g61fad319bb_0_1009:notes"/>
+          <p:cNvSpPr txBox="1"/>
+          <p:nvPr>
+            <p:ph idx="1" type="body"/>
+          </p:nvPr>
+        </p:nvSpPr>
+        <p:spPr>
+          <a:xfrm>
+            <a:off x="685800" y="4343400"/>
+            <a:ext cx="5486400" cy="4114800"/>
+          </a:xfrm>
+          <a:prstGeom prst="rect">
+            <a:avLst/>
+          </a:prstGeom>
+        </p:spPr>
+        <p:txBody>
+          <a:bodyPr anchorCtr="0" anchor="t" bIns="91425" lIns="91425" spcFirstLastPara="1" rIns="91425" wrap="square" tIns="91425">
+            <a:noAutofit/>
+          </a:bodyPr>
+          <a:lstStyle/>
+          <a:p>
+            <a:pPr indent="0" lvl="0" marL="0" rtl="0" algn="l">
+              <a:spcBef>
+                <a:spcPts val="0"/>
+              </a:spcBef>
+              <a:spcAft>
+                <a:spcPts val="0"/>
+              </a:spcAft>
+              <a:buNone/>
+            </a:pPr>
+            <a:r>
+              <a:t/>
+            </a:r>
+            <a:endParaRPr/>
+          </a:p>
+        </p:txBody>
+      </p:sp>
+    </p:spTree>
+  </p:cSld>
+  <p:clrMapOvr>
+    <a:masterClrMapping/>
+  </p:clrMapOvr>
+</p:notes>
+</file>
+
+<file path=ppt/notesSlides/notesSlide3.xml><?xml version="1.0" encoding="utf-8"?>
+<p:notes xmlns:a="http://schemas.openxmlformats.org/drawingml/2006/main" xmlns:r="http://schemas.openxmlformats.org/officeDocument/2006/relationships" xmlns:mc="http://schemas.openxmlformats.org/markup-compatibility/2006" xmlns:mv="urn:schemas-microsoft-com:mac:vml" xmlns:p="http://schemas.openxmlformats.org/presentationml/2006/main" xmlns:c="http://schemas.openxmlformats.org/drawingml/2006/chart" xmlns:dgm="http://schemas.openxmlformats.org/drawingml/2006/diagram" xmlns:o="urn:schemas-microsoft-com:office:office" xmlns:v="urn:schemas-microsoft-com:vml" xmlns:pvml="urn:schemas-microsoft-com:office:powerpoint" xmlns:com="http://schemas.openxmlformats.org/drawingml/2006/compatibility" xmlns:p14="http://schemas.microsoft.com/office/powerpoint/2010/main" xmlns:p15="http://schemas.microsoft.com/office/powerpoint/2012/main" showMasterPhAnim="0" showMasterSp="0">
+  <p:cSld>
+    <p:spTree>
+      <p:nvGrpSpPr>
+        <p:cNvPr id="96" name="Shape 96"/>
+        <p:cNvGrpSpPr/>
+        <p:nvPr/>
+      </p:nvGrpSpPr>
+      <p:grpSpPr>
+        <a:xfrm>
+          <a:off x="0" y="0"/>
+          <a:ext cx="0" cy="0"/>
+          <a:chOff x="0" y="0"/>
+          <a:chExt cx="0" cy="0"/>
+        </a:xfrm>
+      </p:grpSpPr>
+      <p:sp>
+        <p:nvSpPr>
+          <p:cNvPr id="97" name="Google Shape;97;g62065c4a45_1_24:notes"/>
+          <p:cNvSpPr/>
+          <p:nvPr>
+            <p:ph idx="2" type="sldImg"/>
+          </p:nvPr>
+        </p:nvSpPr>
+        <p:spPr>
+          <a:xfrm>
+            <a:off x="381300" y="685800"/>
+            <a:ext cx="6096000" cy="3429000"/>
+          </a:xfrm>
+          <a:custGeom>
+            <a:rect b="b" l="l" r="r" t="t"/>
+            <a:pathLst>
+              <a:path extrusionOk="0" h="120000" w="120000">
+                <a:moveTo>
+                  <a:pt x="0" y="0"/>
+                </a:moveTo>
+                <a:lnTo>
+                  <a:pt x="120000" y="0"/>
+                </a:lnTo>
+                <a:lnTo>
+                  <a:pt x="120000" y="120000"/>
+                </a:lnTo>
+                <a:lnTo>
+                  <a:pt x="0" y="120000"/>
+                </a:lnTo>
+                <a:close/>
+              </a:path>
+            </a:pathLst>
+          </a:custGeom>
+        </p:spPr>
+      </p:sp>
+      <p:sp>
+        <p:nvSpPr>
+          <p:cNvPr id="98" name="Google Shape;98;g62065c4a45_1_24:notes"/>
+          <p:cNvSpPr txBox="1"/>
+          <p:nvPr>
+            <p:ph idx="1" type="body"/>
+          </p:nvPr>
+        </p:nvSpPr>
+        <p:spPr>
+          <a:xfrm>
+            <a:off x="685800" y="4343400"/>
+            <a:ext cx="5486400" cy="4114800"/>
+          </a:xfrm>
+          <a:prstGeom prst="rect">
+            <a:avLst/>
+          </a:prstGeom>
+        </p:spPr>
+        <p:txBody>
+          <a:bodyPr anchorCtr="0" anchor="t" bIns="91425" lIns="91425" spcFirstLastPara="1" rIns="91425" wrap="square" tIns="91425">
+            <a:noAutofit/>
+          </a:bodyPr>
+          <a:lstStyle/>
+          <a:p>
+            <a:pPr indent="0" lvl="0" marL="0" rtl="0" algn="l">
+              <a:spcBef>
+                <a:spcPts val="0"/>
+              </a:spcBef>
+              <a:spcAft>
+                <a:spcPts val="0"/>
+              </a:spcAft>
+              <a:buNone/>
+            </a:pPr>
+            <a:r>
+              <a:t/>
+            </a:r>
+            <a:endParaRPr/>
+          </a:p>
+        </p:txBody>
+      </p:sp>
+    </p:spTree>
+  </p:cSld>
+  <p:clrMapOvr>
+    <a:masterClrMapping/>
+  </p:clrMapOvr>
+</p:notes>
+</file>
+
+<file path=ppt/notesSlides/notesSlide4.xml><?xml version="1.0" encoding="utf-8"?>
+<p:notes xmlns:a="http://schemas.openxmlformats.org/drawingml/2006/main" xmlns:r="http://schemas.openxmlformats.org/officeDocument/2006/relationships" xmlns:mc="http://schemas.openxmlformats.org/markup-compatibility/2006" xmlns:mv="urn:schemas-microsoft-com:mac:vml" xmlns:p="http://schemas.openxmlformats.org/presentationml/2006/main" xmlns:c="http://schemas.openxmlformats.org/drawingml/2006/chart" xmlns:dgm="http://schemas.openxmlformats.org/drawingml/2006/diagram" xmlns:o="urn:schemas-microsoft-com:office:office" xmlns:v="urn:schemas-microsoft-com:vml" xmlns:pvml="urn:schemas-microsoft-com:office:powerpoint" xmlns:com="http://schemas.openxmlformats.org/drawingml/2006/compatibility" xmlns:p14="http://schemas.microsoft.com/office/powerpoint/2010/main" xmlns:p15="http://schemas.microsoft.com/office/powerpoint/2012/main" showMasterPhAnim="0" showMasterSp="0">
+  <p:cSld>
+    <p:spTree>
+      <p:nvGrpSpPr>
+        <p:cNvPr id="105" name="Shape 105"/>
+        <p:cNvGrpSpPr/>
+        <p:nvPr/>
+      </p:nvGrpSpPr>
+      <p:grpSpPr>
+        <a:xfrm>
+          <a:off x="0" y="0"/>
+          <a:ext cx="0" cy="0"/>
+          <a:chOff x="0" y="0"/>
+          <a:chExt cx="0" cy="0"/>
+        </a:xfrm>
+      </p:grpSpPr>
+      <p:sp>
+        <p:nvSpPr>
+          <p:cNvPr id="106" name="Google Shape;106;g62065c4a45_1_30:notes"/>
+          <p:cNvSpPr/>
+          <p:nvPr>
+            <p:ph idx="2" type="sldImg"/>
+          </p:nvPr>
+        </p:nvSpPr>
+        <p:spPr>
+          <a:xfrm>
+            <a:off x="381300" y="685800"/>
+            <a:ext cx="6096000" cy="3429000"/>
+          </a:xfrm>
+          <a:custGeom>
+            <a:rect b="b" l="l" r="r" t="t"/>
+            <a:pathLst>
+              <a:path extrusionOk="0" h="120000" w="120000">
+                <a:moveTo>
+                  <a:pt x="0" y="0"/>
+                </a:moveTo>
+                <a:lnTo>
+                  <a:pt x="120000" y="0"/>
+                </a:lnTo>
+                <a:lnTo>
+                  <a:pt x="120000" y="120000"/>
+                </a:lnTo>
+                <a:lnTo>
+                  <a:pt x="0" y="120000"/>
+                </a:lnTo>
+                <a:close/>
+              </a:path>
+            </a:pathLst>
+          </a:custGeom>
+        </p:spPr>
+      </p:sp>
+      <p:sp>
+        <p:nvSpPr>
+          <p:cNvPr id="107" name="Google Shape;107;g62065c4a45_1_30:notes"/>
+          <p:cNvSpPr txBox="1"/>
+          <p:nvPr>
+            <p:ph idx="1" type="body"/>
+          </p:nvPr>
+        </p:nvSpPr>
+        <p:spPr>
+          <a:xfrm>
+            <a:off x="685800" y="4343400"/>
+            <a:ext cx="5486400" cy="4114800"/>
+          </a:xfrm>
+          <a:prstGeom prst="rect">
+            <a:avLst/>
+          </a:prstGeom>
+        </p:spPr>
+        <p:txBody>
+          <a:bodyPr anchorCtr="0" anchor="t" bIns="91425" lIns="91425" spcFirstLastPara="1" rIns="91425" wrap="square" tIns="91425">
+            <a:noAutofit/>
+          </a:bodyPr>
+          <a:lstStyle/>
+          <a:p>
+            <a:pPr indent="0" lvl="0" marL="0" rtl="0" algn="l">
+              <a:spcBef>
+                <a:spcPts val="0"/>
+              </a:spcBef>
+              <a:spcAft>
+                <a:spcPts val="0"/>
+              </a:spcAft>
+              <a:buNone/>
+            </a:pPr>
+            <a:r>
+              <a:t/>
+            </a:r>
+            <a:endParaRPr/>
+          </a:p>
+        </p:txBody>
+      </p:sp>
+    </p:spTree>
+  </p:cSld>
+  <p:clrMapOvr>
+    <a:masterClrMapping/>
+  </p:clrMapOvr>
+</p:notes>
+</file>
+
+<file path=ppt/notesSlides/notesSlide5.xml><?xml version="1.0" encoding="utf-8"?>
+<p:notes xmlns:a="http://schemas.openxmlformats.org/drawingml/2006/main" xmlns:r="http://schemas.openxmlformats.org/officeDocument/2006/relationships" xmlns:mc="http://schemas.openxmlformats.org/markup-compatibility/2006" xmlns:mv="urn:schemas-microsoft-com:mac:vml" xmlns:p="http://schemas.openxmlformats.org/presentationml/2006/main" xmlns:c="http://schemas.openxmlformats.org/drawingml/2006/chart" xmlns:dgm="http://schemas.openxmlformats.org/drawingml/2006/diagram" xmlns:o="urn:schemas-microsoft-com:office:office" xmlns:v="urn:schemas-microsoft-com:vml" xmlns:pvml="urn:schemas-microsoft-com:office:powerpoint" xmlns:com="http://schemas.openxmlformats.org/drawingml/2006/compatibility" xmlns:p14="http://schemas.microsoft.com/office/powerpoint/2010/main" xmlns:p15="http://schemas.microsoft.com/office/powerpoint/2012/main" showMasterPhAnim="0" showMasterSp="0">
+  <p:cSld>
+    <p:spTree>
+      <p:nvGrpSpPr>
+        <p:cNvPr id="112" name="Shape 112"/>
+        <p:cNvGrpSpPr/>
+        <p:nvPr/>
+      </p:nvGrpSpPr>
+      <p:grpSpPr>
+        <a:xfrm>
+          <a:off x="0" y="0"/>
+          <a:ext cx="0" cy="0"/>
+          <a:chOff x="0" y="0"/>
+          <a:chExt cx="0" cy="0"/>
+        </a:xfrm>
+      </p:grpSpPr>
+      <p:sp>
+        <p:nvSpPr>
+          <p:cNvPr id="113" name="Google Shape;113;g62065c4a45_1_38:notes"/>
+          <p:cNvSpPr/>
+          <p:nvPr>
+            <p:ph idx="2" type="sldImg"/>
+          </p:nvPr>
+        </p:nvSpPr>
+        <p:spPr>
+          <a:xfrm>
+            <a:off x="381300" y="685800"/>
+            <a:ext cx="6096000" cy="3429000"/>
+          </a:xfrm>
+          <a:custGeom>
+            <a:rect b="b" l="l" r="r" t="t"/>
+            <a:pathLst>
+              <a:path extrusionOk="0" h="120000" w="120000">
+                <a:moveTo>
+                  <a:pt x="0" y="0"/>
+                </a:moveTo>
+                <a:lnTo>
+                  <a:pt x="120000" y="0"/>
+                </a:lnTo>
+                <a:lnTo>
+                  <a:pt x="120000" y="120000"/>
+                </a:lnTo>
+                <a:lnTo>
+                  <a:pt x="0" y="120000"/>
+                </a:lnTo>
+                <a:close/>
+              </a:path>
+            </a:pathLst>
+          </a:custGeom>
+        </p:spPr>
+      </p:sp>
+      <p:sp>
+        <p:nvSpPr>
+          <p:cNvPr id="114" name="Google Shape;114;g62065c4a45_1_38:notes"/>
+          <p:cNvSpPr txBox="1"/>
+          <p:nvPr>
+            <p:ph idx="1" type="body"/>
+          </p:nvPr>
+        </p:nvSpPr>
+        <p:spPr>
+          <a:xfrm>
+            <a:off x="685800" y="4343400"/>
+            <a:ext cx="5486400" cy="4114800"/>
+          </a:xfrm>
+          <a:prstGeom prst="rect">
+            <a:avLst/>
+          </a:prstGeom>
+        </p:spPr>
+        <p:txBody>
+          <a:bodyPr anchorCtr="0" anchor="t" bIns="91425" lIns="91425" spcFirstLastPara="1" rIns="91425" wrap="square" tIns="91425">
+            <a:noAutofit/>
+          </a:bodyPr>
+          <a:lstStyle/>
+          <a:p>
+            <a:pPr indent="0" lvl="0" marL="0" rtl="0" algn="l">
+              <a:spcBef>
+                <a:spcPts val="0"/>
+              </a:spcBef>
+              <a:spcAft>
+                <a:spcPts val="0"/>
+              </a:spcAft>
+              <a:buNone/>
+            </a:pPr>
+            <a:r>
+              <a:t/>
+            </a:r>
+            <a:endParaRPr/>
+          </a:p>
+        </p:txBody>
+      </p:sp>
+    </p:spTree>
+  </p:cSld>
+  <p:clrMapOvr>
+    <a:masterClrMapping/>
+  </p:clrMapOvr>
+</p:notes>
+</file>
+
+<file path=ppt/notesSlides/notesSlide6.xml><?xml version="1.0" encoding="utf-8"?>
+<p:notes xmlns:a="http://schemas.openxmlformats.org/drawingml/2006/main" xmlns:r="http://schemas.openxmlformats.org/officeDocument/2006/relationships" xmlns:mc="http://schemas.openxmlformats.org/markup-compatibility/2006" xmlns:mv="urn:schemas-microsoft-com:mac:vml" xmlns:p="http://schemas.openxmlformats.org/presentationml/2006/main" xmlns:c="http://schemas.openxmlformats.org/drawingml/2006/chart" xmlns:dgm="http://schemas.openxmlformats.org/drawingml/2006/diagram" xmlns:o="urn:schemas-microsoft-com:office:office" xmlns:v="urn:schemas-microsoft-com:vml" xmlns:pvml="urn:schemas-microsoft-com:office:powerpoint" xmlns:com="http://schemas.openxmlformats.org/drawingml/2006/compatibility" xmlns:p14="http://schemas.microsoft.com/office/powerpoint/2010/main" xmlns:p15="http://schemas.microsoft.com/office/powerpoint/2012/main" showMasterPhAnim="0" showMasterSp="0">
+  <p:cSld>
+    <p:spTree>
+      <p:nvGrpSpPr>
+        <p:cNvPr id="119" name="Shape 119"/>
+        <p:cNvGrpSpPr/>
+        <p:nvPr/>
+      </p:nvGrpSpPr>
+      <p:grpSpPr>
+        <a:xfrm>
+          <a:off x="0" y="0"/>
+          <a:ext cx="0" cy="0"/>
+          <a:chOff x="0" y="0"/>
+          <a:chExt cx="0" cy="0"/>
+        </a:xfrm>
+      </p:grpSpPr>
+      <p:sp>
+        <p:nvSpPr>
+          <p:cNvPr id="120" name="Google Shape;120;g62065c4a45_1_46:notes"/>
+          <p:cNvSpPr/>
+          <p:nvPr>
+            <p:ph idx="2" type="sldImg"/>
+          </p:nvPr>
+        </p:nvSpPr>
+        <p:spPr>
+          <a:xfrm>
+            <a:off x="381300" y="685800"/>
+            <a:ext cx="6096000" cy="3429000"/>
+          </a:xfrm>
+          <a:custGeom>
+            <a:rect b="b" l="l" r="r" t="t"/>
+            <a:pathLst>
+              <a:path extrusionOk="0" h="120000" w="120000">
+                <a:moveTo>
+                  <a:pt x="0" y="0"/>
+                </a:moveTo>
+                <a:lnTo>
+                  <a:pt x="120000" y="0"/>
+                </a:lnTo>
+                <a:lnTo>
+                  <a:pt x="120000" y="120000"/>
+                </a:lnTo>
+                <a:lnTo>
+                  <a:pt x="0" y="120000"/>
+                </a:lnTo>
+                <a:close/>
+              </a:path>
+            </a:pathLst>
+          </a:custGeom>
+        </p:spPr>
+      </p:sp>
+      <p:sp>
+        <p:nvSpPr>
+          <p:cNvPr id="121" name="Google Shape;121;g62065c4a45_1_46:notes"/>
+          <p:cNvSpPr txBox="1"/>
+          <p:nvPr>
+            <p:ph idx="1" type="body"/>
+          </p:nvPr>
+        </p:nvSpPr>
+        <p:spPr>
+          <a:xfrm>
+            <a:off x="685800" y="4343400"/>
+            <a:ext cx="5486400" cy="4114800"/>
+          </a:xfrm>
+          <a:prstGeom prst="rect">
+            <a:avLst/>
+          </a:prstGeom>
+        </p:spPr>
+        <p:txBody>
+          <a:bodyPr anchorCtr="0" anchor="t" bIns="91425" lIns="91425" spcFirstLastPara="1" rIns="91425" wrap="square" tIns="91425">
+            <a:noAutofit/>
+          </a:bodyPr>
+          <a:lstStyle/>
+          <a:p>
+            <a:pPr indent="0" lvl="0" marL="0" rtl="0" algn="l">
+              <a:spcBef>
+                <a:spcPts val="0"/>
+              </a:spcBef>
+              <a:spcAft>
+                <a:spcPts val="0"/>
+              </a:spcAft>
+              <a:buNone/>
+            </a:pPr>
+            <a:r>
+              <a:t/>
+            </a:r>
+            <a:endParaRPr/>
+          </a:p>
+        </p:txBody>
+      </p:sp>
+    </p:spTree>
+  </p:cSld>
+  <p:clrMapOvr>
+    <a:masterClrMapping/>
+  </p:clrMapOvr>
+</p:notes>
+</file>
+
+<file path=ppt/notesSlides/notesSlide7.xml><?xml version="1.0" encoding="utf-8"?>
+<p:notes xmlns:a="http://schemas.openxmlformats.org/drawingml/2006/main" xmlns:r="http://schemas.openxmlformats.org/officeDocument/2006/relationships" xmlns:mc="http://schemas.openxmlformats.org/markup-compatibility/2006" xmlns:mv="urn:schemas-microsoft-com:mac:vml" xmlns:p="http://schemas.openxmlformats.org/presentationml/2006/main" xmlns:c="http://schemas.openxmlformats.org/drawingml/2006/chart" xmlns:dgm="http://schemas.openxmlformats.org/drawingml/2006/diagram" xmlns:o="urn:schemas-microsoft-com:office:office" xmlns:v="urn:schemas-microsoft-com:vml" xmlns:pvml="urn:schemas-microsoft-com:office:powerpoint" xmlns:com="http://schemas.openxmlformats.org/drawingml/2006/compatibility" xmlns:p14="http://schemas.microsoft.com/office/powerpoint/2010/main" xmlns:p15="http://schemas.microsoft.com/office/powerpoint/2012/main" showMasterPhAnim="0" showMasterSp="0">
+  <p:cSld>
+    <p:spTree>
+      <p:nvGrpSpPr>
+        <p:cNvPr id="126" name="Shape 126"/>
+        <p:cNvGrpSpPr/>
+        <p:nvPr/>
+      </p:nvGrpSpPr>
+      <p:grpSpPr>
+        <a:xfrm>
+          <a:off x="0" y="0"/>
+          <a:ext cx="0" cy="0"/>
+          <a:chOff x="0" y="0"/>
+          <a:chExt cx="0" cy="0"/>
+        </a:xfrm>
+      </p:grpSpPr>
+      <p:sp>
+        <p:nvSpPr>
+          <p:cNvPr id="127" name="Google Shape;127;g62065c4a45_1_56:notes"/>
+          <p:cNvSpPr/>
+          <p:nvPr>
+            <p:ph idx="2" type="sldImg"/>
+          </p:nvPr>
+        </p:nvSpPr>
+        <p:spPr>
+          <a:xfrm>
+            <a:off x="381300" y="685800"/>
+            <a:ext cx="6096000" cy="3429000"/>
+          </a:xfrm>
+          <a:custGeom>
+            <a:rect b="b" l="l" r="r" t="t"/>
+            <a:pathLst>
+              <a:path extrusionOk="0" h="120000" w="120000">
+                <a:moveTo>
+                  <a:pt x="0" y="0"/>
+                </a:moveTo>
+                <a:lnTo>
+                  <a:pt x="120000" y="0"/>
+                </a:lnTo>
+                <a:lnTo>
+                  <a:pt x="120000" y="120000"/>
+                </a:lnTo>
+                <a:lnTo>
+                  <a:pt x="0" y="120000"/>
+                </a:lnTo>
+                <a:close/>
+              </a:path>
+            </a:pathLst>
+          </a:custGeom>
+        </p:spPr>
+      </p:sp>
+      <p:sp>
+        <p:nvSpPr>
+          <p:cNvPr id="128" name="Google Shape;128;g62065c4a45_1_56:notes"/>
+          <p:cNvSpPr txBox="1"/>
+          <p:nvPr>
+            <p:ph idx="1" type="body"/>
+          </p:nvPr>
+        </p:nvSpPr>
+        <p:spPr>
+          <a:xfrm>
+            <a:off x="685800" y="4343400"/>
+            <a:ext cx="5486400" cy="4114800"/>
+          </a:xfrm>
+          <a:prstGeom prst="rect">
+            <a:avLst/>
+          </a:prstGeom>
+        </p:spPr>
+        <p:txBody>
+          <a:bodyPr anchorCtr="0" anchor="t" bIns="91425" lIns="91425" spcFirstLastPara="1" rIns="91425" wrap="square" tIns="91425">
+            <a:noAutofit/>
+          </a:bodyPr>
+          <a:lstStyle/>
+          <a:p>
+            <a:pPr indent="0" lvl="0" marL="0" rtl="0" algn="l">
+              <a:spcBef>
+                <a:spcPts val="0"/>
+              </a:spcBef>
+              <a:spcAft>
+                <a:spcPts val="0"/>
+              </a:spcAft>
+              <a:buNone/>
+            </a:pPr>
+            <a:r>
+              <a:t/>
+            </a:r>
+            <a:endParaRPr/>
+          </a:p>
+        </p:txBody>
+      </p:sp>
+    </p:spTree>
+  </p:cSld>
+  <p:clrMapOvr>
+    <a:masterClrMapping/>
+  </p:clrMapOvr>
+</p:notes>
+</file>
+
+<file path=ppt/notesSlides/notesSlide8.xml><?xml version="1.0" encoding="utf-8"?>
+<p:notes xmlns:a="http://schemas.openxmlformats.org/drawingml/2006/main" xmlns:r="http://schemas.openxmlformats.org/officeDocument/2006/relationships" xmlns:mc="http://schemas.openxmlformats.org/markup-compatibility/2006" xmlns:mv="urn:schemas-microsoft-com:mac:vml" xmlns:p="http://schemas.openxmlformats.org/presentationml/2006/main" xmlns:c="http://schemas.openxmlformats.org/drawingml/2006/chart" xmlns:dgm="http://schemas.openxmlformats.org/drawingml/2006/diagram" xmlns:o="urn:schemas-microsoft-com:office:office" xmlns:v="urn:schemas-microsoft-com:vml" xmlns:pvml="urn:schemas-microsoft-com:office:powerpoint" xmlns:com="http://schemas.openxmlformats.org/drawingml/2006/compatibility" xmlns:p14="http://schemas.microsoft.com/office/powerpoint/2010/main" xmlns:p15="http://schemas.microsoft.com/office/powerpoint/2012/main" showMasterPhAnim="0" showMasterSp="0">
+  <p:cSld>
+    <p:spTree>
+      <p:nvGrpSpPr>
+        <p:cNvPr id="132" name="Shape 132"/>
+        <p:cNvGrpSpPr/>
+        <p:nvPr/>
+      </p:nvGrpSpPr>
+      <p:grpSpPr>
+        <a:xfrm>
+          <a:off x="0" y="0"/>
+          <a:ext cx="0" cy="0"/>
+          <a:chOff x="0" y="0"/>
+          <a:chExt cx="0" cy="0"/>
+        </a:xfrm>
+      </p:grpSpPr>
+      <p:sp>
+        <p:nvSpPr>
+          <p:cNvPr id="133" name="Google Shape;133;g62065c4a45_1_68:notes"/>
+          <p:cNvSpPr/>
+          <p:nvPr>
+            <p:ph idx="2" type="sldImg"/>
+          </p:nvPr>
+        </p:nvSpPr>
+        <p:spPr>
+          <a:xfrm>
+            <a:off x="381300" y="685800"/>
+            <a:ext cx="6096000" cy="3429000"/>
+          </a:xfrm>
+          <a:custGeom>
+            <a:rect b="b" l="l" r="r" t="t"/>
+            <a:pathLst>
+              <a:path extrusionOk="0" h="120000" w="120000">
+                <a:moveTo>
+                  <a:pt x="0" y="0"/>
+                </a:moveTo>
+                <a:lnTo>
+                  <a:pt x="120000" y="0"/>
+                </a:lnTo>
+                <a:lnTo>
+                  <a:pt x="120000" y="120000"/>
+                </a:lnTo>
+                <a:lnTo>
+                  <a:pt x="0" y="120000"/>
+                </a:lnTo>
+                <a:close/>
+              </a:path>
+            </a:pathLst>
+          </a:custGeom>
+        </p:spPr>
+      </p:sp>
+      <p:sp>
+        <p:nvSpPr>
+          <p:cNvPr id="134" name="Google Shape;134;g62065c4a45_1_68:notes"/>
+          <p:cNvSpPr txBox="1"/>
+          <p:nvPr>
+            <p:ph idx="1" type="body"/>
+          </p:nvPr>
+        </p:nvSpPr>
+        <p:spPr>
+          <a:xfrm>
+            <a:off x="685800" y="4343400"/>
+            <a:ext cx="5486400" cy="4114800"/>
+          </a:xfrm>
+          <a:prstGeom prst="rect">
+            <a:avLst/>
+          </a:prstGeom>
+        </p:spPr>
+        <p:txBody>
+          <a:bodyPr anchorCtr="0" anchor="t" bIns="91425" lIns="91425" spcFirstLastPara="1" rIns="91425" wrap="square" tIns="91425">
+            <a:noAutofit/>
+          </a:bodyPr>
+          <a:lstStyle/>
+          <a:p>
+            <a:pPr indent="0" lvl="0" marL="0" rtl="0" algn="l">
+              <a:spcBef>
+                <a:spcPts val="0"/>
+              </a:spcBef>
+              <a:spcAft>
+                <a:spcPts val="0"/>
+              </a:spcAft>
+              <a:buNone/>
+            </a:pPr>
+            <a:r>
+              <a:t/>
+            </a:r>
+            <a:endParaRPr/>
+          </a:p>
+        </p:txBody>
+      </p:sp>
+    </p:spTree>
+  </p:cSld>
+  <p:clrMapOvr>
+    <a:masterClrMapping/>
+  </p:clrMapOvr>
+</p:notes>
+</file>
+
+<file path=ppt/notesSlides/notesSlide9.xml><?xml version="1.0" encoding="utf-8"?>
+<p:notes xmlns:a="http://schemas.openxmlformats.org/drawingml/2006/main" xmlns:r="http://schemas.openxmlformats.org/officeDocument/2006/relationships" xmlns:mc="http://schemas.openxmlformats.org/markup-compatibility/2006" xmlns:mv="urn:schemas-microsoft-com:mac:vml" xmlns:p="http://schemas.openxmlformats.org/presentationml/2006/main" xmlns:c="http://schemas.openxmlformats.org/drawingml/2006/chart" xmlns:dgm="http://schemas.openxmlformats.org/drawingml/2006/diagram" xmlns:o="urn:schemas-microsoft-com:office:office" xmlns:v="urn:schemas-microsoft-com:vml" xmlns:pvml="urn:schemas-microsoft-com:office:powerpoint" xmlns:com="http://schemas.openxmlformats.org/drawingml/2006/compatibility" xmlns:p14="http://schemas.microsoft.com/office/powerpoint/2010/main" xmlns:p15="http://schemas.microsoft.com/office/powerpoint/2012/main" showMasterPhAnim="0" showMasterSp="0">
+  <p:cSld>
+    <p:spTree>
+      <p:nvGrpSpPr>
+        <p:cNvPr id="138" name="Shape 138"/>
+        <p:cNvGrpSpPr/>
+        <p:nvPr/>
+      </p:nvGrpSpPr>
+      <p:grpSpPr>
+        <a:xfrm>
+          <a:off x="0" y="0"/>
+          <a:ext cx="0" cy="0"/>
+          <a:chOff x="0" y="0"/>
+          <a:chExt cx="0" cy="0"/>
+        </a:xfrm>
+      </p:grpSpPr>
+      <p:sp>
+        <p:nvSpPr>
+          <p:cNvPr id="139" name="Google Shape;139;g61fad319bb_0_964:notes"/>
+          <p:cNvSpPr/>
+          <p:nvPr>
+            <p:ph idx="2" type="sldImg"/>
+          </p:nvPr>
+        </p:nvSpPr>
+        <p:spPr>
+          <a:xfrm>
+            <a:off x="381300" y="685800"/>
+            <a:ext cx="6096000" cy="3429000"/>
+          </a:xfrm>
+          <a:custGeom>
+            <a:rect b="b" l="l" r="r" t="t"/>
+            <a:pathLst>
+              <a:path extrusionOk="0" h="120000" w="120000">
+                <a:moveTo>
+                  <a:pt x="0" y="0"/>
+                </a:moveTo>
+                <a:lnTo>
+                  <a:pt x="120000" y="0"/>
+                </a:lnTo>
+                <a:lnTo>
+                  <a:pt x="120000" y="120000"/>
+                </a:lnTo>
+                <a:lnTo>
+                  <a:pt x="0" y="120000"/>
+                </a:lnTo>
+                <a:close/>
+              </a:path>
+            </a:pathLst>
+          </a:custGeom>
+        </p:spPr>
+      </p:sp>
+      <p:sp>
+        <p:nvSpPr>
+          <p:cNvPr id="140" name="Google Shape;140;g61fad319bb_0_964:notes"/>
           <p:cNvSpPr txBox="1"/>
           <p:nvPr>
             <p:ph idx="1" type="body"/>
@@ -3936,11 +4879,11 @@
               </a:spcAft>
               <a:buSzPts val="1300"/>
               <a:buChar char="●"/>
-              <a:defRPr/>
+              <a:defRPr sz="1800"/>
             </a:lvl1pPr>
             <a:lvl2pPr indent="-298450" lvl="1" marL="914400">
               <a:spcBef>
-                <a:spcPts val="1600"/>
+                <a:spcPts val="0"/>
               </a:spcBef>
               <a:spcAft>
                 <a:spcPts val="0"/>
@@ -8439,8 +9382,8 @@
         </p:nvSpPr>
         <p:spPr>
           <a:xfrm>
-            <a:off x="729450" y="1322450"/>
-            <a:ext cx="7688100" cy="1664700"/>
+            <a:off x="727950" y="2124900"/>
+            <a:ext cx="7688100" cy="893700"/>
           </a:xfrm>
           <a:prstGeom prst="rect">
             <a:avLst/>
@@ -8476,21 +9419,6 @@
             <a:r>
               <a:rPr lang="en" sz="3600"/>
               <a:t>Overhaul System</a:t>
-            </a:r>
-            <a:endParaRPr sz="3600"/>
-          </a:p>
-          <a:p>
-            <a:pPr indent="0" lvl="0" marL="0" rtl="0" algn="l">
-              <a:spcBef>
-                <a:spcPts val="0"/>
-              </a:spcBef>
-              <a:spcAft>
-                <a:spcPts val="0"/>
-              </a:spcAft>
-              <a:buNone/>
-            </a:pPr>
-            <a:r>
-              <a:t/>
             </a:r>
             <a:endParaRPr/>
           </a:p>
@@ -8506,8 +9434,8 @@
         </p:nvSpPr>
         <p:spPr>
           <a:xfrm>
-            <a:off x="729627" y="3172900"/>
-            <a:ext cx="7688100" cy="541200"/>
+            <a:off x="727950" y="3182150"/>
+            <a:ext cx="7688100" cy="1304400"/>
           </a:xfrm>
           <a:prstGeom prst="rect">
             <a:avLst/>
@@ -8593,26 +9521,10 @@
               <a:buNone/>
             </a:pPr>
             <a:r>
-              <a:rPr lang="en" sz="1200">
-                <a:solidFill>
-                  <a:srgbClr val="000000"/>
-                </a:solidFill>
-                <a:latin typeface="Arial"/>
-                <a:ea typeface="Arial"/>
-                <a:cs typeface="Arial"/>
-                <a:sym typeface="Arial"/>
-              </a:rPr>
-              <a:t>Deliverable 1 – “System Request” (D1) </a:t>
-            </a:r>
-            <a:endParaRPr sz="1200">
-              <a:solidFill>
-                <a:srgbClr val="000000"/>
-              </a:solidFill>
-              <a:latin typeface="Arial"/>
-              <a:ea typeface="Arial"/>
-              <a:cs typeface="Arial"/>
-              <a:sym typeface="Arial"/>
-            </a:endParaRPr>
+              <a:rPr lang="en"/>
+              <a:t>Presented By: </a:t>
+            </a:r>
+            <a:endParaRPr/>
           </a:p>
           <a:p>
             <a:pPr indent="0" lvl="0" marL="0" rtl="0" algn="ctr">
@@ -8628,21 +9540,68 @@
               <a:buNone/>
             </a:pPr>
             <a:r>
-              <a:rPr lang="en" sz="1200">
-                <a:solidFill>
-                  <a:srgbClr val="000000"/>
-                </a:solidFill>
-                <a:latin typeface="Arial"/>
-                <a:ea typeface="Arial"/>
-                <a:cs typeface="Arial"/>
-                <a:sym typeface="Arial"/>
-              </a:rPr>
-              <a:t>10/03/2019</a:t>
+              <a:rPr lang="en"/>
+              <a:t>Nima Roomi, Upen Adhikari, Omar Al-Hedari, Alex Varghese </a:t>
             </a:r>
             <a:endParaRPr/>
           </a:p>
         </p:txBody>
       </p:sp>
+      <p:pic>
+        <p:nvPicPr>
+          <p:cNvPr id="88" name="Google Shape;88;p13"/>
+          <p:cNvPicPr preferRelativeResize="0"/>
+          <p:nvPr/>
+        </p:nvPicPr>
+        <p:blipFill>
+          <a:blip r:embed="rId3">
+            <a:alphaModFix/>
+          </a:blip>
+          <a:stretch>
+            <a:fillRect/>
+          </a:stretch>
+        </p:blipFill>
+        <p:spPr>
+          <a:xfrm>
+            <a:off x="727950" y="1310650"/>
+            <a:ext cx="2857500" cy="704850"/>
+          </a:xfrm>
+          <a:prstGeom prst="rect">
+            <a:avLst/>
+          </a:prstGeom>
+          <a:noFill/>
+          <a:ln>
+            <a:noFill/>
+          </a:ln>
+        </p:spPr>
+      </p:pic>
+      <p:pic>
+        <p:nvPicPr>
+          <p:cNvPr id="89" name="Google Shape;89;p13"/>
+          <p:cNvPicPr preferRelativeResize="0"/>
+          <p:nvPr/>
+        </p:nvPicPr>
+        <p:blipFill rotWithShape="1">
+          <a:blip r:embed="rId4">
+            <a:alphaModFix/>
+          </a:blip>
+          <a:srcRect b="23189" l="0" r="0" t="0"/>
+          <a:stretch/>
+        </p:blipFill>
+        <p:spPr>
+          <a:xfrm>
+            <a:off x="7090600" y="700250"/>
+            <a:ext cx="1204374" cy="1424651"/>
+          </a:xfrm>
+          <a:prstGeom prst="rect">
+            <a:avLst/>
+          </a:prstGeom>
+          <a:noFill/>
+          <a:ln>
+            <a:noFill/>
+          </a:ln>
+        </p:spPr>
+      </p:pic>
     </p:spTree>
   </p:cSld>
   <p:clrMapOvr>
@@ -8656,7 +9615,7 @@
   <p:cSld>
     <p:spTree>
       <p:nvGrpSpPr>
-        <p:cNvPr id="139" name="Shape 139"/>
+        <p:cNvPr id="147" name="Shape 147"/>
         <p:cNvGrpSpPr/>
         <p:nvPr/>
       </p:nvGrpSpPr>
@@ -8670,7 +9629,7 @@
       </p:grpSpPr>
       <p:sp>
         <p:nvSpPr>
-          <p:cNvPr id="140" name="Google Shape;140;p22"/>
+          <p:cNvPr id="148" name="Google Shape;148;p22"/>
           <p:cNvSpPr txBox="1"/>
           <p:nvPr>
             <p:ph type="title"/>
@@ -8702,7 +9661,7 @@
             </a:pPr>
             <a:r>
               <a:rPr lang="en"/>
-              <a:t>Project Methodology</a:t>
+              <a:t>Project Sponsor</a:t>
             </a:r>
             <a:endParaRPr/>
           </a:p>
@@ -8710,7 +9669,1781 @@
       </p:sp>
       <p:sp>
         <p:nvSpPr>
-          <p:cNvPr id="141" name="Google Shape;141;p22"/>
+          <p:cNvPr id="149" name="Google Shape;149;p22"/>
+          <p:cNvSpPr txBox="1"/>
+          <p:nvPr>
+            <p:ph idx="1" type="body"/>
+          </p:nvPr>
+        </p:nvSpPr>
+        <p:spPr>
+          <a:xfrm>
+            <a:off x="729450" y="2078875"/>
+            <a:ext cx="7688700" cy="2723700"/>
+          </a:xfrm>
+          <a:prstGeom prst="rect">
+            <a:avLst/>
+          </a:prstGeom>
+        </p:spPr>
+        <p:txBody>
+          <a:bodyPr anchorCtr="0" anchor="t" bIns="91425" lIns="91425" spcFirstLastPara="1" rIns="91425" wrap="square" tIns="91425">
+            <a:noAutofit/>
+          </a:bodyPr>
+          <a:lstStyle/>
+          <a:p>
+            <a:pPr indent="-342900" lvl="0" marL="457200" rtl="0" algn="l">
+              <a:lnSpc>
+                <a:spcPct val="150000"/>
+              </a:lnSpc>
+              <a:spcBef>
+                <a:spcPts val="0"/>
+              </a:spcBef>
+              <a:spcAft>
+                <a:spcPts val="0"/>
+              </a:spcAft>
+              <a:buSzPts val="1800"/>
+              <a:buChar char="●"/>
+            </a:pPr>
+            <a:r>
+              <a:rPr lang="en" sz="1800"/>
+              <a:t>Paula Langley - Library Services Manager</a:t>
+            </a:r>
+            <a:endParaRPr sz="1800"/>
+          </a:p>
+          <a:p>
+            <a:pPr indent="-342900" lvl="0" marL="457200" rtl="0" algn="l">
+              <a:lnSpc>
+                <a:spcPct val="150000"/>
+              </a:lnSpc>
+              <a:spcBef>
+                <a:spcPts val="0"/>
+              </a:spcBef>
+              <a:spcAft>
+                <a:spcPts val="0"/>
+              </a:spcAft>
+              <a:buSzPts val="1800"/>
+              <a:buChar char="●"/>
+            </a:pPr>
+            <a:r>
+              <a:rPr lang="en" sz="1800"/>
+              <a:t>B</a:t>
+            </a:r>
+            <a:r>
+              <a:rPr lang="en" sz="1800"/>
+              <a:t>riefed team with existing circulation systems</a:t>
+            </a:r>
+            <a:endParaRPr sz="1800"/>
+          </a:p>
+          <a:p>
+            <a:pPr indent="-342900" lvl="0" marL="457200" rtl="0" algn="l">
+              <a:lnSpc>
+                <a:spcPct val="150000"/>
+              </a:lnSpc>
+              <a:spcBef>
+                <a:spcPts val="0"/>
+              </a:spcBef>
+              <a:spcAft>
+                <a:spcPts val="0"/>
+              </a:spcAft>
+              <a:buSzPts val="1800"/>
+              <a:buChar char="●"/>
+            </a:pPr>
+            <a:r>
+              <a:rPr lang="en" sz="1800"/>
+              <a:t>Established communications with relevant personnel</a:t>
+            </a:r>
+            <a:endParaRPr sz="1800"/>
+          </a:p>
+          <a:p>
+            <a:pPr indent="-342900" lvl="0" marL="457200" rtl="0" algn="l">
+              <a:lnSpc>
+                <a:spcPct val="150000"/>
+              </a:lnSpc>
+              <a:spcBef>
+                <a:spcPts val="0"/>
+              </a:spcBef>
+              <a:spcAft>
+                <a:spcPts val="0"/>
+              </a:spcAft>
+              <a:buSzPts val="1800"/>
+              <a:buChar char="●"/>
+            </a:pPr>
+            <a:r>
+              <a:rPr lang="en" sz="1800"/>
+              <a:t>Approved system request</a:t>
+            </a:r>
+            <a:endParaRPr sz="1800"/>
+          </a:p>
+          <a:p>
+            <a:pPr indent="-342900" lvl="0" marL="457200" rtl="0" algn="l">
+              <a:lnSpc>
+                <a:spcPct val="150000"/>
+              </a:lnSpc>
+              <a:spcBef>
+                <a:spcPts val="0"/>
+              </a:spcBef>
+              <a:spcAft>
+                <a:spcPts val="0"/>
+              </a:spcAft>
+              <a:buSzPts val="1800"/>
+              <a:buChar char="●"/>
+            </a:pPr>
+            <a:r>
+              <a:rPr lang="en" sz="1800"/>
+              <a:t>Will provide our team with </a:t>
+            </a:r>
+            <a:r>
+              <a:rPr lang="en" sz="1800"/>
+              <a:t>appropriate</a:t>
+            </a:r>
+            <a:r>
+              <a:rPr lang="en" sz="1800"/>
+              <a:t> resources</a:t>
+            </a:r>
+            <a:endParaRPr sz="1800"/>
+          </a:p>
+          <a:p>
+            <a:pPr indent="-342900" lvl="0" marL="457200" rtl="0" algn="l">
+              <a:lnSpc>
+                <a:spcPct val="150000"/>
+              </a:lnSpc>
+              <a:spcBef>
+                <a:spcPts val="0"/>
+              </a:spcBef>
+              <a:spcAft>
+                <a:spcPts val="0"/>
+              </a:spcAft>
+              <a:buSzPts val="1800"/>
+              <a:buChar char="●"/>
+            </a:pPr>
+            <a:r>
+              <a:rPr lang="en" sz="1800"/>
+              <a:t>Provided </a:t>
+            </a:r>
+            <a:r>
+              <a:rPr lang="en" sz="1800"/>
+              <a:t>financial</a:t>
+            </a:r>
+            <a:r>
+              <a:rPr lang="en" sz="1800"/>
+              <a:t> data and designated the </a:t>
+            </a:r>
+            <a:r>
+              <a:rPr lang="en" sz="1800"/>
+              <a:t>overall</a:t>
+            </a:r>
+            <a:r>
+              <a:rPr lang="en" sz="1800"/>
+              <a:t> budget</a:t>
+            </a:r>
+            <a:endParaRPr sz="1800"/>
+          </a:p>
+          <a:p>
+            <a:pPr indent="0" lvl="0" marL="457200" rtl="0" algn="l">
+              <a:lnSpc>
+                <a:spcPct val="150000"/>
+              </a:lnSpc>
+              <a:spcBef>
+                <a:spcPts val="0"/>
+              </a:spcBef>
+              <a:spcAft>
+                <a:spcPts val="0"/>
+              </a:spcAft>
+              <a:buNone/>
+            </a:pPr>
+            <a:r>
+              <a:t/>
+            </a:r>
+            <a:endParaRPr sz="1800"/>
+          </a:p>
+        </p:txBody>
+      </p:sp>
+    </p:spTree>
+  </p:cSld>
+  <p:clrMapOvr>
+    <a:masterClrMapping/>
+  </p:clrMapOvr>
+</p:sld>
+</file>
+
+<file path=ppt/slides/slide11.xml><?xml version="1.0" encoding="utf-8"?>
+<p:sld xmlns:a="http://schemas.openxmlformats.org/drawingml/2006/main" xmlns:r="http://schemas.openxmlformats.org/officeDocument/2006/relationships" xmlns:mc="http://schemas.openxmlformats.org/markup-compatibility/2006" xmlns:mv="urn:schemas-microsoft-com:mac:vml" xmlns:p="http://schemas.openxmlformats.org/presentationml/2006/main" xmlns:c="http://schemas.openxmlformats.org/drawingml/2006/chart" xmlns:dgm="http://schemas.openxmlformats.org/drawingml/2006/diagram" xmlns:o="urn:schemas-microsoft-com:office:office" xmlns:v="urn:schemas-microsoft-com:vml" xmlns:pvml="urn:schemas-microsoft-com:office:powerpoint" xmlns:com="http://schemas.openxmlformats.org/drawingml/2006/compatibility" xmlns:p14="http://schemas.microsoft.com/office/powerpoint/2010/main" xmlns:p15="http://schemas.microsoft.com/office/powerpoint/2012/main">
+  <p:cSld>
+    <p:spTree>
+      <p:nvGrpSpPr>
+        <p:cNvPr id="153" name="Shape 153"/>
+        <p:cNvGrpSpPr/>
+        <p:nvPr/>
+      </p:nvGrpSpPr>
+      <p:grpSpPr>
+        <a:xfrm>
+          <a:off x="0" y="0"/>
+          <a:ext cx="0" cy="0"/>
+          <a:chOff x="0" y="0"/>
+          <a:chExt cx="0" cy="0"/>
+        </a:xfrm>
+      </p:grpSpPr>
+      <p:sp>
+        <p:nvSpPr>
+          <p:cNvPr id="154" name="Google Shape;154;p23"/>
+          <p:cNvSpPr txBox="1"/>
+          <p:nvPr>
+            <p:ph type="title"/>
+          </p:nvPr>
+        </p:nvSpPr>
+        <p:spPr>
+          <a:xfrm>
+            <a:off x="729450" y="1318650"/>
+            <a:ext cx="7688700" cy="535200"/>
+          </a:xfrm>
+          <a:prstGeom prst="rect">
+            <a:avLst/>
+          </a:prstGeom>
+        </p:spPr>
+        <p:txBody>
+          <a:bodyPr anchorCtr="0" anchor="t" bIns="91425" lIns="91425" spcFirstLastPara="1" rIns="91425" wrap="square" tIns="91425">
+            <a:noAutofit/>
+          </a:bodyPr>
+          <a:lstStyle/>
+          <a:p>
+            <a:pPr indent="0" lvl="0" marL="0" rtl="0" algn="l">
+              <a:spcBef>
+                <a:spcPts val="0"/>
+              </a:spcBef>
+              <a:spcAft>
+                <a:spcPts val="0"/>
+              </a:spcAft>
+              <a:buNone/>
+            </a:pPr>
+            <a:r>
+              <a:rPr lang="en"/>
+              <a:t>Business Needs</a:t>
+            </a:r>
+            <a:endParaRPr/>
+          </a:p>
+        </p:txBody>
+      </p:sp>
+      <p:sp>
+        <p:nvSpPr>
+          <p:cNvPr id="155" name="Google Shape;155;p23"/>
+          <p:cNvSpPr txBox="1"/>
+          <p:nvPr>
+            <p:ph idx="1" type="body"/>
+          </p:nvPr>
+        </p:nvSpPr>
+        <p:spPr>
+          <a:xfrm>
+            <a:off x="636400" y="1853850"/>
+            <a:ext cx="8122200" cy="3057900"/>
+          </a:xfrm>
+          <a:prstGeom prst="rect">
+            <a:avLst/>
+          </a:prstGeom>
+        </p:spPr>
+        <p:txBody>
+          <a:bodyPr anchorCtr="0" anchor="t" bIns="91425" lIns="91425" spcFirstLastPara="1" rIns="91425" wrap="square" tIns="91425">
+            <a:noAutofit/>
+          </a:bodyPr>
+          <a:lstStyle/>
+          <a:p>
+            <a:pPr indent="-342900" lvl="0" marL="457200" rtl="0" algn="l">
+              <a:spcBef>
+                <a:spcPts val="0"/>
+              </a:spcBef>
+              <a:spcAft>
+                <a:spcPts val="0"/>
+              </a:spcAft>
+              <a:buSzPts val="1800"/>
+              <a:buChar char="●"/>
+            </a:pPr>
+            <a:r>
+              <a:rPr lang="en" sz="1800"/>
+              <a:t>Speeds up the checkout process, resulting in wait time periods during rush hours of operation to be minimized</a:t>
+            </a:r>
+            <a:endParaRPr sz="1800"/>
+          </a:p>
+          <a:p>
+            <a:pPr indent="-342900" lvl="0" marL="457200" rtl="0" algn="l">
+              <a:spcBef>
+                <a:spcPts val="0"/>
+              </a:spcBef>
+              <a:spcAft>
+                <a:spcPts val="0"/>
+              </a:spcAft>
+              <a:buSzPts val="1800"/>
+              <a:buChar char="●"/>
+            </a:pPr>
+            <a:r>
+              <a:rPr lang="en" sz="1800"/>
+              <a:t>Online queue-dequeue, push notifications for more natural varying checkout times </a:t>
+            </a:r>
+            <a:endParaRPr sz="1800"/>
+          </a:p>
+          <a:p>
+            <a:pPr indent="-342900" lvl="0" marL="457200" rtl="0" algn="l">
+              <a:spcBef>
+                <a:spcPts val="0"/>
+              </a:spcBef>
+              <a:spcAft>
+                <a:spcPts val="0"/>
+              </a:spcAft>
+              <a:buSzPts val="1800"/>
+              <a:buChar char="●"/>
+            </a:pPr>
+            <a:r>
+              <a:rPr lang="en" sz="1800"/>
+              <a:t>Boost employee morale by having a structured automated tasks</a:t>
+            </a:r>
+            <a:endParaRPr sz="1800"/>
+          </a:p>
+          <a:p>
+            <a:pPr indent="-342900" lvl="0" marL="457200" rtl="0" algn="l">
+              <a:spcBef>
+                <a:spcPts val="0"/>
+              </a:spcBef>
+              <a:spcAft>
+                <a:spcPts val="0"/>
+              </a:spcAft>
+              <a:buSzPts val="1800"/>
+              <a:buChar char="●"/>
+            </a:pPr>
+            <a:r>
+              <a:rPr lang="en" sz="1800"/>
+              <a:t>Reducing stress level of employees dealing with confusion to follow library procedures to lend laptops</a:t>
+            </a:r>
+            <a:endParaRPr sz="1800"/>
+          </a:p>
+          <a:p>
+            <a:pPr indent="-342900" lvl="0" marL="457200" rtl="0" algn="l">
+              <a:spcBef>
+                <a:spcPts val="0"/>
+              </a:spcBef>
+              <a:spcAft>
+                <a:spcPts val="0"/>
+              </a:spcAft>
+              <a:buSzPts val="1800"/>
+              <a:buChar char="●"/>
+            </a:pPr>
+            <a:r>
+              <a:rPr lang="en" sz="1800"/>
+              <a:t>Need of tracking to increase patrons liability on possible damages occurring when they check out the laptop</a:t>
+            </a:r>
+            <a:endParaRPr sz="1800"/>
+          </a:p>
+        </p:txBody>
+      </p:sp>
+    </p:spTree>
+  </p:cSld>
+  <p:clrMapOvr>
+    <a:masterClrMapping/>
+  </p:clrMapOvr>
+</p:sld>
+</file>
+
+<file path=ppt/slides/slide12.xml><?xml version="1.0" encoding="utf-8"?>
+<p:sld xmlns:a="http://schemas.openxmlformats.org/drawingml/2006/main" xmlns:r="http://schemas.openxmlformats.org/officeDocument/2006/relationships" xmlns:mc="http://schemas.openxmlformats.org/markup-compatibility/2006" xmlns:mv="urn:schemas-microsoft-com:mac:vml" xmlns:p="http://schemas.openxmlformats.org/presentationml/2006/main" xmlns:c="http://schemas.openxmlformats.org/drawingml/2006/chart" xmlns:dgm="http://schemas.openxmlformats.org/drawingml/2006/diagram" xmlns:o="urn:schemas-microsoft-com:office:office" xmlns:v="urn:schemas-microsoft-com:vml" xmlns:pvml="urn:schemas-microsoft-com:office:powerpoint" xmlns:com="http://schemas.openxmlformats.org/drawingml/2006/compatibility" xmlns:p14="http://schemas.microsoft.com/office/powerpoint/2010/main" xmlns:p15="http://schemas.microsoft.com/office/powerpoint/2012/main">
+  <p:cSld>
+    <p:spTree>
+      <p:nvGrpSpPr>
+        <p:cNvPr id="159" name="Shape 159"/>
+        <p:cNvGrpSpPr/>
+        <p:nvPr/>
+      </p:nvGrpSpPr>
+      <p:grpSpPr>
+        <a:xfrm>
+          <a:off x="0" y="0"/>
+          <a:ext cx="0" cy="0"/>
+          <a:chOff x="0" y="0"/>
+          <a:chExt cx="0" cy="0"/>
+        </a:xfrm>
+      </p:grpSpPr>
+      <p:sp>
+        <p:nvSpPr>
+          <p:cNvPr id="160" name="Google Shape;160;p24"/>
+          <p:cNvSpPr txBox="1"/>
+          <p:nvPr>
+            <p:ph type="title"/>
+          </p:nvPr>
+        </p:nvSpPr>
+        <p:spPr>
+          <a:xfrm>
+            <a:off x="729450" y="1318650"/>
+            <a:ext cx="7688700" cy="535200"/>
+          </a:xfrm>
+          <a:prstGeom prst="rect">
+            <a:avLst/>
+          </a:prstGeom>
+        </p:spPr>
+        <p:txBody>
+          <a:bodyPr anchorCtr="0" anchor="t" bIns="91425" lIns="91425" spcFirstLastPara="1" rIns="91425" wrap="square" tIns="91425">
+            <a:noAutofit/>
+          </a:bodyPr>
+          <a:lstStyle/>
+          <a:p>
+            <a:pPr indent="0" lvl="0" marL="0" rtl="0" algn="l">
+              <a:spcBef>
+                <a:spcPts val="0"/>
+              </a:spcBef>
+              <a:spcAft>
+                <a:spcPts val="0"/>
+              </a:spcAft>
+              <a:buNone/>
+            </a:pPr>
+            <a:r>
+              <a:rPr lang="en"/>
+              <a:t>Business Need Cont.</a:t>
+            </a:r>
+            <a:endParaRPr/>
+          </a:p>
+          <a:p>
+            <a:pPr indent="0" lvl="0" marL="0" rtl="0" algn="l">
+              <a:spcBef>
+                <a:spcPts val="0"/>
+              </a:spcBef>
+              <a:spcAft>
+                <a:spcPts val="0"/>
+              </a:spcAft>
+              <a:buNone/>
+            </a:pPr>
+            <a:r>
+              <a:t/>
+            </a:r>
+            <a:endParaRPr/>
+          </a:p>
+        </p:txBody>
+      </p:sp>
+      <p:sp>
+        <p:nvSpPr>
+          <p:cNvPr id="161" name="Google Shape;161;p24"/>
+          <p:cNvSpPr txBox="1"/>
+          <p:nvPr>
+            <p:ph idx="1" type="body"/>
+          </p:nvPr>
+        </p:nvSpPr>
+        <p:spPr>
+          <a:xfrm>
+            <a:off x="729450" y="2078875"/>
+            <a:ext cx="7688700" cy="2819700"/>
+          </a:xfrm>
+          <a:prstGeom prst="rect">
+            <a:avLst/>
+          </a:prstGeom>
+        </p:spPr>
+        <p:txBody>
+          <a:bodyPr anchorCtr="0" anchor="t" bIns="91425" lIns="91425" spcFirstLastPara="1" rIns="91425" wrap="square" tIns="91425">
+            <a:noAutofit/>
+          </a:bodyPr>
+          <a:lstStyle/>
+          <a:p>
+            <a:pPr indent="-342900" lvl="0" marL="457200" rtl="0" algn="l">
+              <a:spcBef>
+                <a:spcPts val="0"/>
+              </a:spcBef>
+              <a:spcAft>
+                <a:spcPts val="0"/>
+              </a:spcAft>
+              <a:buSzPts val="1800"/>
+              <a:buChar char="●"/>
+            </a:pPr>
+            <a:r>
+              <a:rPr lang="en" sz="1800"/>
+              <a:t>Reduce angry patrons along with reducing frequently asked questions in regards to the loaning laptop process.</a:t>
+            </a:r>
+            <a:endParaRPr sz="1800"/>
+          </a:p>
+          <a:p>
+            <a:pPr indent="-342900" lvl="0" marL="457200" rtl="0" algn="l">
+              <a:spcBef>
+                <a:spcPts val="0"/>
+              </a:spcBef>
+              <a:spcAft>
+                <a:spcPts val="0"/>
+              </a:spcAft>
+              <a:buSzPts val="1800"/>
+              <a:buChar char="●"/>
+            </a:pPr>
+            <a:r>
+              <a:rPr lang="en" sz="1800"/>
+              <a:t>Decrease the repair frequency cost to make efficient use of resources to be lended out to patrons</a:t>
+            </a:r>
+            <a:endParaRPr sz="1800"/>
+          </a:p>
+          <a:p>
+            <a:pPr indent="-342900" lvl="0" marL="457200" rtl="0" algn="l">
+              <a:spcBef>
+                <a:spcPts val="0"/>
+              </a:spcBef>
+              <a:spcAft>
+                <a:spcPts val="0"/>
+              </a:spcAft>
+              <a:buSzPts val="1800"/>
+              <a:buChar char="●"/>
+            </a:pPr>
+            <a:r>
+              <a:rPr lang="en" sz="1800"/>
+              <a:t>Mandatory photo attachment feature of the new system in reducing damage repair costs along with the maintenance cost.</a:t>
+            </a:r>
+            <a:endParaRPr sz="1800"/>
+          </a:p>
+          <a:p>
+            <a:pPr indent="-342900" lvl="0" marL="457200" rtl="0" algn="l">
+              <a:spcBef>
+                <a:spcPts val="0"/>
+              </a:spcBef>
+              <a:spcAft>
+                <a:spcPts val="0"/>
+              </a:spcAft>
+              <a:buSzPts val="1800"/>
+              <a:buChar char="●"/>
+            </a:pPr>
+            <a:r>
+              <a:rPr lang="en" sz="1800"/>
+              <a:t>Provide detailed information about the lending process assisting in the proper logging, queueing, and the loaning support.</a:t>
+            </a:r>
+            <a:endParaRPr sz="1800"/>
+          </a:p>
+        </p:txBody>
+      </p:sp>
+    </p:spTree>
+  </p:cSld>
+  <p:clrMapOvr>
+    <a:masterClrMapping/>
+  </p:clrMapOvr>
+</p:sld>
+</file>
+
+<file path=ppt/slides/slide13.xml><?xml version="1.0" encoding="utf-8"?>
+<p:sld xmlns:a="http://schemas.openxmlformats.org/drawingml/2006/main" xmlns:r="http://schemas.openxmlformats.org/officeDocument/2006/relationships" xmlns:mc="http://schemas.openxmlformats.org/markup-compatibility/2006" xmlns:mv="urn:schemas-microsoft-com:mac:vml" xmlns:p="http://schemas.openxmlformats.org/presentationml/2006/main" xmlns:c="http://schemas.openxmlformats.org/drawingml/2006/chart" xmlns:dgm="http://schemas.openxmlformats.org/drawingml/2006/diagram" xmlns:o="urn:schemas-microsoft-com:office:office" xmlns:v="urn:schemas-microsoft-com:vml" xmlns:pvml="urn:schemas-microsoft-com:office:powerpoint" xmlns:com="http://schemas.openxmlformats.org/drawingml/2006/compatibility" xmlns:p14="http://schemas.microsoft.com/office/powerpoint/2010/main" xmlns:p15="http://schemas.microsoft.com/office/powerpoint/2012/main">
+  <p:cSld>
+    <p:spTree>
+      <p:nvGrpSpPr>
+        <p:cNvPr id="165" name="Shape 165"/>
+        <p:cNvGrpSpPr/>
+        <p:nvPr/>
+      </p:nvGrpSpPr>
+      <p:grpSpPr>
+        <a:xfrm>
+          <a:off x="0" y="0"/>
+          <a:ext cx="0" cy="0"/>
+          <a:chOff x="0" y="0"/>
+          <a:chExt cx="0" cy="0"/>
+        </a:xfrm>
+      </p:grpSpPr>
+      <p:sp>
+        <p:nvSpPr>
+          <p:cNvPr id="166" name="Google Shape;166;p25"/>
+          <p:cNvSpPr txBox="1"/>
+          <p:nvPr>
+            <p:ph type="title"/>
+          </p:nvPr>
+        </p:nvSpPr>
+        <p:spPr>
+          <a:xfrm>
+            <a:off x="729450" y="1318650"/>
+            <a:ext cx="7688700" cy="535200"/>
+          </a:xfrm>
+          <a:prstGeom prst="rect">
+            <a:avLst/>
+          </a:prstGeom>
+        </p:spPr>
+        <p:txBody>
+          <a:bodyPr anchorCtr="0" anchor="t" bIns="91425" lIns="91425" spcFirstLastPara="1" rIns="91425" wrap="square" tIns="91425">
+            <a:noAutofit/>
+          </a:bodyPr>
+          <a:lstStyle/>
+          <a:p>
+            <a:pPr indent="0" lvl="0" marL="0" rtl="0" algn="l">
+              <a:spcBef>
+                <a:spcPts val="0"/>
+              </a:spcBef>
+              <a:spcAft>
+                <a:spcPts val="0"/>
+              </a:spcAft>
+              <a:buNone/>
+            </a:pPr>
+            <a:r>
+              <a:rPr lang="en"/>
+              <a:t>Business Requirement </a:t>
+            </a:r>
+            <a:endParaRPr/>
+          </a:p>
+        </p:txBody>
+      </p:sp>
+      <p:sp>
+        <p:nvSpPr>
+          <p:cNvPr id="167" name="Google Shape;167;p25"/>
+          <p:cNvSpPr txBox="1"/>
+          <p:nvPr>
+            <p:ph idx="1" type="body"/>
+          </p:nvPr>
+        </p:nvSpPr>
+        <p:spPr>
+          <a:xfrm>
+            <a:off x="729450" y="2078875"/>
+            <a:ext cx="7829700" cy="2872800"/>
+          </a:xfrm>
+          <a:prstGeom prst="rect">
+            <a:avLst/>
+          </a:prstGeom>
+        </p:spPr>
+        <p:txBody>
+          <a:bodyPr anchorCtr="0" anchor="t" bIns="91425" lIns="91425" spcFirstLastPara="1" rIns="91425" wrap="square" tIns="91425">
+            <a:noAutofit/>
+          </a:bodyPr>
+          <a:lstStyle/>
+          <a:p>
+            <a:pPr indent="-330200" lvl="0" marL="457200" rtl="0" algn="l">
+              <a:spcBef>
+                <a:spcPts val="0"/>
+              </a:spcBef>
+              <a:spcAft>
+                <a:spcPts val="0"/>
+              </a:spcAft>
+              <a:buSzPts val="1600"/>
+              <a:buChar char="●"/>
+            </a:pPr>
+            <a:r>
+              <a:rPr lang="en" sz="1600"/>
+              <a:t>Small budget for changes to be taken care of to reduce long term costs of implementation</a:t>
+            </a:r>
+            <a:endParaRPr sz="1600"/>
+          </a:p>
+          <a:p>
+            <a:pPr indent="-330200" lvl="0" marL="457200" rtl="0" algn="l">
+              <a:spcBef>
+                <a:spcPts val="0"/>
+              </a:spcBef>
+              <a:spcAft>
+                <a:spcPts val="0"/>
+              </a:spcAft>
+              <a:buSzPts val="1600"/>
+              <a:buChar char="●"/>
+            </a:pPr>
+            <a:r>
+              <a:rPr lang="en" sz="1600"/>
+              <a:t>Solution needs to be economical and appropriate to implement</a:t>
+            </a:r>
+            <a:endParaRPr sz="1600"/>
+          </a:p>
+          <a:p>
+            <a:pPr indent="-330200" lvl="0" marL="457200" rtl="0" algn="l">
+              <a:spcBef>
+                <a:spcPts val="0"/>
+              </a:spcBef>
+              <a:spcAft>
+                <a:spcPts val="0"/>
+              </a:spcAft>
+              <a:buSzPts val="1600"/>
+              <a:buChar char="●"/>
+            </a:pPr>
+            <a:r>
+              <a:rPr lang="en" sz="1600"/>
+              <a:t>The new system must integrated into legacy systems, ALEPH, to ensure compatibility. </a:t>
+            </a:r>
+            <a:endParaRPr sz="1600"/>
+          </a:p>
+          <a:p>
+            <a:pPr indent="-330200" lvl="0" marL="457200" rtl="0" algn="l">
+              <a:spcBef>
+                <a:spcPts val="0"/>
+              </a:spcBef>
+              <a:spcAft>
+                <a:spcPts val="0"/>
+              </a:spcAft>
+              <a:buSzPts val="1600"/>
+              <a:buChar char="●"/>
+            </a:pPr>
+            <a:r>
+              <a:rPr lang="en" sz="1600"/>
+              <a:t>New systems must have minimal costs with respect to hardware along with being easy to manage. </a:t>
+            </a:r>
+            <a:endParaRPr sz="1600"/>
+          </a:p>
+          <a:p>
+            <a:pPr indent="-330200" lvl="0" marL="457200" rtl="0" algn="l">
+              <a:spcBef>
+                <a:spcPts val="0"/>
+              </a:spcBef>
+              <a:spcAft>
+                <a:spcPts val="0"/>
+              </a:spcAft>
+              <a:buSzPts val="1600"/>
+              <a:buChar char="●"/>
+            </a:pPr>
+            <a:r>
+              <a:rPr lang="en" sz="1600"/>
+              <a:t>Hardware must be approved by Sheffield, Carolyn Associate Director, Library Technology &amp; Digital Strategies to ensure proper resource allocation and training. </a:t>
+            </a:r>
+            <a:endParaRPr sz="1600"/>
+          </a:p>
+          <a:p>
+            <a:pPr indent="0" lvl="0" marL="0" rtl="0" algn="l">
+              <a:spcBef>
+                <a:spcPts val="0"/>
+              </a:spcBef>
+              <a:spcAft>
+                <a:spcPts val="0"/>
+              </a:spcAft>
+              <a:buNone/>
+            </a:pPr>
+            <a:r>
+              <a:t/>
+            </a:r>
+            <a:endParaRPr/>
+          </a:p>
+        </p:txBody>
+      </p:sp>
+    </p:spTree>
+  </p:cSld>
+  <p:clrMapOvr>
+    <a:masterClrMapping/>
+  </p:clrMapOvr>
+</p:sld>
+</file>
+
+<file path=ppt/slides/slide14.xml><?xml version="1.0" encoding="utf-8"?>
+<p:sld xmlns:a="http://schemas.openxmlformats.org/drawingml/2006/main" xmlns:r="http://schemas.openxmlformats.org/officeDocument/2006/relationships" xmlns:mc="http://schemas.openxmlformats.org/markup-compatibility/2006" xmlns:mv="urn:schemas-microsoft-com:mac:vml" xmlns:p="http://schemas.openxmlformats.org/presentationml/2006/main" xmlns:c="http://schemas.openxmlformats.org/drawingml/2006/chart" xmlns:dgm="http://schemas.openxmlformats.org/drawingml/2006/diagram" xmlns:o="urn:schemas-microsoft-com:office:office" xmlns:v="urn:schemas-microsoft-com:vml" xmlns:pvml="urn:schemas-microsoft-com:office:powerpoint" xmlns:com="http://schemas.openxmlformats.org/drawingml/2006/compatibility" xmlns:p14="http://schemas.microsoft.com/office/powerpoint/2010/main" xmlns:p15="http://schemas.microsoft.com/office/powerpoint/2012/main">
+  <p:cSld>
+    <p:spTree>
+      <p:nvGrpSpPr>
+        <p:cNvPr id="171" name="Shape 171"/>
+        <p:cNvGrpSpPr/>
+        <p:nvPr/>
+      </p:nvGrpSpPr>
+      <p:grpSpPr>
+        <a:xfrm>
+          <a:off x="0" y="0"/>
+          <a:ext cx="0" cy="0"/>
+          <a:chOff x="0" y="0"/>
+          <a:chExt cx="0" cy="0"/>
+        </a:xfrm>
+      </p:grpSpPr>
+      <p:sp>
+        <p:nvSpPr>
+          <p:cNvPr id="172" name="Google Shape;172;p26"/>
+          <p:cNvSpPr txBox="1"/>
+          <p:nvPr>
+            <p:ph type="title"/>
+          </p:nvPr>
+        </p:nvSpPr>
+        <p:spPr>
+          <a:xfrm>
+            <a:off x="729450" y="1318650"/>
+            <a:ext cx="7688700" cy="535200"/>
+          </a:xfrm>
+          <a:prstGeom prst="rect">
+            <a:avLst/>
+          </a:prstGeom>
+        </p:spPr>
+        <p:txBody>
+          <a:bodyPr anchorCtr="0" anchor="t" bIns="91425" lIns="91425" spcFirstLastPara="1" rIns="91425" wrap="square" tIns="91425">
+            <a:noAutofit/>
+          </a:bodyPr>
+          <a:lstStyle/>
+          <a:p>
+            <a:pPr indent="0" lvl="0" marL="0" rtl="0" algn="l">
+              <a:spcBef>
+                <a:spcPts val="0"/>
+              </a:spcBef>
+              <a:spcAft>
+                <a:spcPts val="0"/>
+              </a:spcAft>
+              <a:buNone/>
+            </a:pPr>
+            <a:r>
+              <a:rPr lang="en"/>
+              <a:t>Feasibility Analysis Part 1</a:t>
+            </a:r>
+            <a:endParaRPr/>
+          </a:p>
+        </p:txBody>
+      </p:sp>
+      <p:sp>
+        <p:nvSpPr>
+          <p:cNvPr id="173" name="Google Shape;173;p26"/>
+          <p:cNvSpPr txBox="1"/>
+          <p:nvPr>
+            <p:ph idx="1" type="body"/>
+          </p:nvPr>
+        </p:nvSpPr>
+        <p:spPr>
+          <a:xfrm>
+            <a:off x="727650" y="1853850"/>
+            <a:ext cx="7688700" cy="2261100"/>
+          </a:xfrm>
+          <a:prstGeom prst="rect">
+            <a:avLst/>
+          </a:prstGeom>
+        </p:spPr>
+        <p:txBody>
+          <a:bodyPr anchorCtr="0" anchor="t" bIns="91425" lIns="91425" spcFirstLastPara="1" rIns="91425" wrap="square" tIns="91425">
+            <a:noAutofit/>
+          </a:bodyPr>
+          <a:lstStyle/>
+          <a:p>
+            <a:pPr indent="0" lvl="0" marL="0" rtl="0" algn="l">
+              <a:spcBef>
+                <a:spcPts val="0"/>
+              </a:spcBef>
+              <a:spcAft>
+                <a:spcPts val="0"/>
+              </a:spcAft>
+              <a:buNone/>
+            </a:pPr>
+            <a:r>
+              <a:rPr lang="en"/>
+              <a:t>Technical Feasibility </a:t>
+            </a:r>
+            <a:endParaRPr/>
+          </a:p>
+          <a:p>
+            <a:pPr indent="-317500" lvl="0" marL="457200" rtl="0" algn="l">
+              <a:spcBef>
+                <a:spcPts val="0"/>
+              </a:spcBef>
+              <a:spcAft>
+                <a:spcPts val="0"/>
+              </a:spcAft>
+              <a:buSzPts val="1400"/>
+              <a:buChar char="●"/>
+            </a:pPr>
+            <a:r>
+              <a:rPr lang="en" sz="1400"/>
+              <a:t>There are so</a:t>
+            </a:r>
+            <a:r>
+              <a:rPr lang="en" sz="1400"/>
+              <a:t>me risks that occur when implementing this system, such as user familiarity with the technology. </a:t>
+            </a:r>
+            <a:r>
+              <a:rPr lang="en" sz="1400"/>
+              <a:t>For example, because ALEPH does not store pictures, we would have to implement an additional system to be able to store the pictures of laptops to check for damages. </a:t>
+            </a:r>
+            <a:endParaRPr sz="1400"/>
+          </a:p>
+          <a:p>
+            <a:pPr indent="-317500" lvl="0" marL="457200" rtl="0" algn="l">
+              <a:spcBef>
+                <a:spcPts val="0"/>
+              </a:spcBef>
+              <a:spcAft>
+                <a:spcPts val="0"/>
+              </a:spcAft>
+              <a:buSzPts val="1400"/>
+              <a:buChar char="●"/>
+            </a:pPr>
+            <a:r>
+              <a:rPr lang="en" sz="1400"/>
+              <a:t>The change can cause confusion with the library employees, but we can fix this issue by requiring a seminar for all employees to familiarize the workers with the new system.  </a:t>
+            </a:r>
+            <a:endParaRPr sz="1400"/>
+          </a:p>
+          <a:p>
+            <a:pPr indent="-317500" lvl="0" marL="457200" rtl="0" algn="l">
+              <a:spcBef>
+                <a:spcPts val="0"/>
+              </a:spcBef>
+              <a:spcAft>
+                <a:spcPts val="0"/>
+              </a:spcAft>
+              <a:buSzPts val="1400"/>
+              <a:buChar char="●"/>
+            </a:pPr>
+            <a:r>
+              <a:rPr lang="en" sz="1400"/>
+              <a:t>Project size: The development team for the app will consist of 2 freelancers, the mobile app will take 6 months to develop, and the new system will be compatible with ALEPH.</a:t>
+            </a:r>
+            <a:endParaRPr sz="1400"/>
+          </a:p>
+          <a:p>
+            <a:pPr indent="0" lvl="0" marL="0" rtl="0" algn="l">
+              <a:spcBef>
+                <a:spcPts val="0"/>
+              </a:spcBef>
+              <a:spcAft>
+                <a:spcPts val="0"/>
+              </a:spcAft>
+              <a:buNone/>
+            </a:pPr>
+            <a:r>
+              <a:t/>
+            </a:r>
+            <a:endParaRPr/>
+          </a:p>
+          <a:p>
+            <a:pPr indent="0" lvl="0" marL="0" rtl="0" algn="l">
+              <a:spcBef>
+                <a:spcPts val="0"/>
+              </a:spcBef>
+              <a:spcAft>
+                <a:spcPts val="0"/>
+              </a:spcAft>
+              <a:buNone/>
+            </a:pPr>
+            <a:r>
+              <a:t/>
+            </a:r>
+            <a:endParaRPr/>
+          </a:p>
+        </p:txBody>
+      </p:sp>
+    </p:spTree>
+  </p:cSld>
+  <p:clrMapOvr>
+    <a:masterClrMapping/>
+  </p:clrMapOvr>
+</p:sld>
+</file>
+
+<file path=ppt/slides/slide15.xml><?xml version="1.0" encoding="utf-8"?>
+<p:sld xmlns:a="http://schemas.openxmlformats.org/drawingml/2006/main" xmlns:r="http://schemas.openxmlformats.org/officeDocument/2006/relationships" xmlns:mc="http://schemas.openxmlformats.org/markup-compatibility/2006" xmlns:mv="urn:schemas-microsoft-com:mac:vml" xmlns:p="http://schemas.openxmlformats.org/presentationml/2006/main" xmlns:c="http://schemas.openxmlformats.org/drawingml/2006/chart" xmlns:dgm="http://schemas.openxmlformats.org/drawingml/2006/diagram" xmlns:o="urn:schemas-microsoft-com:office:office" xmlns:v="urn:schemas-microsoft-com:vml" xmlns:pvml="urn:schemas-microsoft-com:office:powerpoint" xmlns:com="http://schemas.openxmlformats.org/drawingml/2006/compatibility" xmlns:p14="http://schemas.microsoft.com/office/powerpoint/2010/main" xmlns:p15="http://schemas.microsoft.com/office/powerpoint/2012/main">
+  <p:cSld>
+    <p:spTree>
+      <p:nvGrpSpPr>
+        <p:cNvPr id="177" name="Shape 177"/>
+        <p:cNvGrpSpPr/>
+        <p:nvPr/>
+      </p:nvGrpSpPr>
+      <p:grpSpPr>
+        <a:xfrm>
+          <a:off x="0" y="0"/>
+          <a:ext cx="0" cy="0"/>
+          <a:chOff x="0" y="0"/>
+          <a:chExt cx="0" cy="0"/>
+        </a:xfrm>
+      </p:grpSpPr>
+      <p:sp>
+        <p:nvSpPr>
+          <p:cNvPr id="178" name="Google Shape;178;p27"/>
+          <p:cNvSpPr txBox="1"/>
+          <p:nvPr>
+            <p:ph type="title"/>
+          </p:nvPr>
+        </p:nvSpPr>
+        <p:spPr>
+          <a:xfrm>
+            <a:off x="729450" y="1318650"/>
+            <a:ext cx="7688700" cy="535200"/>
+          </a:xfrm>
+          <a:prstGeom prst="rect">
+            <a:avLst/>
+          </a:prstGeom>
+        </p:spPr>
+        <p:txBody>
+          <a:bodyPr anchorCtr="0" anchor="t" bIns="91425" lIns="91425" spcFirstLastPara="1" rIns="91425" wrap="square" tIns="91425">
+            <a:noAutofit/>
+          </a:bodyPr>
+          <a:lstStyle/>
+          <a:p>
+            <a:pPr indent="0" lvl="0" marL="0" rtl="0" algn="l">
+              <a:spcBef>
+                <a:spcPts val="0"/>
+              </a:spcBef>
+              <a:spcAft>
+                <a:spcPts val="0"/>
+              </a:spcAft>
+              <a:buNone/>
+            </a:pPr>
+            <a:r>
+              <a:rPr lang="en"/>
+              <a:t>Feasibility Analysis Part 2</a:t>
+            </a:r>
+            <a:endParaRPr/>
+          </a:p>
+          <a:p>
+            <a:pPr indent="0" lvl="0" marL="0" rtl="0" algn="l">
+              <a:spcBef>
+                <a:spcPts val="0"/>
+              </a:spcBef>
+              <a:spcAft>
+                <a:spcPts val="0"/>
+              </a:spcAft>
+              <a:buNone/>
+            </a:pPr>
+            <a:r>
+              <a:t/>
+            </a:r>
+            <a:endParaRPr/>
+          </a:p>
+        </p:txBody>
+      </p:sp>
+      <p:sp>
+        <p:nvSpPr>
+          <p:cNvPr id="179" name="Google Shape;179;p27"/>
+          <p:cNvSpPr txBox="1"/>
+          <p:nvPr>
+            <p:ph idx="1" type="body"/>
+          </p:nvPr>
+        </p:nvSpPr>
+        <p:spPr>
+          <a:xfrm>
+            <a:off x="729450" y="2078875"/>
+            <a:ext cx="7688700" cy="2983200"/>
+          </a:xfrm>
+          <a:prstGeom prst="rect">
+            <a:avLst/>
+          </a:prstGeom>
+        </p:spPr>
+        <p:txBody>
+          <a:bodyPr anchorCtr="0" anchor="t" bIns="91425" lIns="91425" spcFirstLastPara="1" rIns="91425" wrap="square" tIns="91425">
+            <a:noAutofit/>
+          </a:bodyPr>
+          <a:lstStyle/>
+          <a:p>
+            <a:pPr indent="0" lvl="0" marL="0" rtl="0" algn="l">
+              <a:spcBef>
+                <a:spcPts val="0"/>
+              </a:spcBef>
+              <a:spcAft>
+                <a:spcPts val="0"/>
+              </a:spcAft>
+              <a:buNone/>
+            </a:pPr>
+            <a:r>
+              <a:rPr lang="en"/>
+              <a:t>Economic Feasibility</a:t>
+            </a:r>
+            <a:endParaRPr/>
+          </a:p>
+          <a:p>
+            <a:pPr indent="-304800" lvl="0" marL="914400" rtl="0" algn="l">
+              <a:spcBef>
+                <a:spcPts val="0"/>
+              </a:spcBef>
+              <a:spcAft>
+                <a:spcPts val="0"/>
+              </a:spcAft>
+              <a:buSzPts val="1200"/>
+              <a:buFont typeface="Arial"/>
+              <a:buChar char="●"/>
+            </a:pPr>
+            <a:r>
+              <a:rPr lang="en" sz="1200">
+                <a:latin typeface="Arial"/>
+                <a:ea typeface="Arial"/>
+                <a:cs typeface="Arial"/>
+                <a:sym typeface="Arial"/>
+              </a:rPr>
+              <a:t>Economically feasible due to no need of profit from the library to lend laptops to patrons.</a:t>
+            </a:r>
+            <a:endParaRPr sz="1200">
+              <a:latin typeface="Arial"/>
+              <a:ea typeface="Arial"/>
+              <a:cs typeface="Arial"/>
+              <a:sym typeface="Arial"/>
+            </a:endParaRPr>
+          </a:p>
+          <a:p>
+            <a:pPr indent="-304800" lvl="0" marL="914400" rtl="0" algn="l">
+              <a:spcBef>
+                <a:spcPts val="0"/>
+              </a:spcBef>
+              <a:spcAft>
+                <a:spcPts val="0"/>
+              </a:spcAft>
+              <a:buSzPts val="1200"/>
+              <a:buFont typeface="Arial"/>
+              <a:buChar char="●"/>
+            </a:pPr>
+            <a:r>
+              <a:rPr lang="en" sz="1200">
+                <a:latin typeface="Arial"/>
+                <a:ea typeface="Arial"/>
+                <a:cs typeface="Arial"/>
+                <a:sym typeface="Arial"/>
+              </a:rPr>
+              <a:t>Loaning laptops to UMBC students is a student service that helps students who don’t have one</a:t>
+            </a:r>
+            <a:endParaRPr sz="1200">
+              <a:latin typeface="Arial"/>
+              <a:ea typeface="Arial"/>
+              <a:cs typeface="Arial"/>
+              <a:sym typeface="Arial"/>
+            </a:endParaRPr>
+          </a:p>
+          <a:p>
+            <a:pPr indent="-304800" lvl="0" marL="914400" rtl="0" algn="l">
+              <a:spcBef>
+                <a:spcPts val="0"/>
+              </a:spcBef>
+              <a:spcAft>
+                <a:spcPts val="0"/>
+              </a:spcAft>
+              <a:buSzPts val="1200"/>
+              <a:buFont typeface="Arial"/>
+              <a:buChar char="●"/>
+            </a:pPr>
+            <a:r>
+              <a:rPr lang="en" sz="1200">
+                <a:latin typeface="Arial"/>
+                <a:ea typeface="Arial"/>
+                <a:cs typeface="Arial"/>
+                <a:sym typeface="Arial"/>
+              </a:rPr>
+              <a:t>Reduces the necessary work of the administrative and technical staff while will reduce operational costs. </a:t>
+            </a:r>
+            <a:endParaRPr sz="1200">
+              <a:latin typeface="Arial"/>
+              <a:ea typeface="Arial"/>
+              <a:cs typeface="Arial"/>
+              <a:sym typeface="Arial"/>
+            </a:endParaRPr>
+          </a:p>
+          <a:p>
+            <a:pPr indent="-304800" lvl="0" marL="914400" rtl="0" algn="l">
+              <a:spcBef>
+                <a:spcPts val="0"/>
+              </a:spcBef>
+              <a:spcAft>
+                <a:spcPts val="0"/>
+              </a:spcAft>
+              <a:buSzPts val="1200"/>
+              <a:buFont typeface="Arial"/>
+              <a:buChar char="●"/>
+            </a:pPr>
+            <a:r>
+              <a:rPr lang="en" sz="1200">
+                <a:latin typeface="Arial"/>
+                <a:ea typeface="Arial"/>
+                <a:cs typeface="Arial"/>
+                <a:sym typeface="Arial"/>
+              </a:rPr>
+              <a:t>Ability to track damages of laptops with pictures to make the right decision on whom to charge for it.</a:t>
+            </a:r>
+            <a:endParaRPr sz="1200">
+              <a:latin typeface="Arial"/>
+              <a:ea typeface="Arial"/>
+              <a:cs typeface="Arial"/>
+              <a:sym typeface="Arial"/>
+            </a:endParaRPr>
+          </a:p>
+          <a:p>
+            <a:pPr indent="-304800" lvl="0" marL="914400" rtl="0" algn="l">
+              <a:spcBef>
+                <a:spcPts val="0"/>
+              </a:spcBef>
+              <a:spcAft>
+                <a:spcPts val="0"/>
+              </a:spcAft>
+              <a:buSzPts val="1200"/>
+              <a:buFont typeface="Arial"/>
+              <a:buChar char="●"/>
+            </a:pPr>
+            <a:r>
+              <a:rPr lang="en" sz="1200">
+                <a:latin typeface="Arial"/>
+                <a:ea typeface="Arial"/>
+                <a:cs typeface="Arial"/>
+                <a:sym typeface="Arial"/>
+              </a:rPr>
+              <a:t>Cut down some of the miscellaneous expenses such as printing cost, paper, and the storing cost for paper file storage and documents.</a:t>
+            </a:r>
+            <a:endParaRPr sz="1200">
+              <a:latin typeface="Arial"/>
+              <a:ea typeface="Arial"/>
+              <a:cs typeface="Arial"/>
+              <a:sym typeface="Arial"/>
+            </a:endParaRPr>
+          </a:p>
+          <a:p>
+            <a:pPr indent="0" lvl="0" marL="914400" rtl="0" algn="l">
+              <a:spcBef>
+                <a:spcPts val="0"/>
+              </a:spcBef>
+              <a:spcAft>
+                <a:spcPts val="0"/>
+              </a:spcAft>
+              <a:buNone/>
+            </a:pPr>
+            <a:r>
+              <a:t/>
+            </a:r>
+            <a:endParaRPr/>
+          </a:p>
+          <a:p>
+            <a:pPr indent="0" lvl="0" marL="0" rtl="0" algn="l">
+              <a:spcBef>
+                <a:spcPts val="0"/>
+              </a:spcBef>
+              <a:spcAft>
+                <a:spcPts val="0"/>
+              </a:spcAft>
+              <a:buNone/>
+            </a:pPr>
+            <a:r>
+              <a:t/>
+            </a:r>
+            <a:endParaRPr/>
+          </a:p>
+          <a:p>
+            <a:pPr indent="0" lvl="0" marL="0" rtl="0" algn="l">
+              <a:spcBef>
+                <a:spcPts val="0"/>
+              </a:spcBef>
+              <a:spcAft>
+                <a:spcPts val="0"/>
+              </a:spcAft>
+              <a:buNone/>
+            </a:pPr>
+            <a:r>
+              <a:t/>
+            </a:r>
+            <a:endParaRPr/>
+          </a:p>
+        </p:txBody>
+      </p:sp>
+    </p:spTree>
+  </p:cSld>
+  <p:clrMapOvr>
+    <a:masterClrMapping/>
+  </p:clrMapOvr>
+</p:sld>
+</file>
+
+<file path=ppt/slides/slide16.xml><?xml version="1.0" encoding="utf-8"?>
+<p:sld xmlns:a="http://schemas.openxmlformats.org/drawingml/2006/main" xmlns:r="http://schemas.openxmlformats.org/officeDocument/2006/relationships" xmlns:mc="http://schemas.openxmlformats.org/markup-compatibility/2006" xmlns:mv="urn:schemas-microsoft-com:mac:vml" xmlns:p="http://schemas.openxmlformats.org/presentationml/2006/main" xmlns:c="http://schemas.openxmlformats.org/drawingml/2006/chart" xmlns:dgm="http://schemas.openxmlformats.org/drawingml/2006/diagram" xmlns:o="urn:schemas-microsoft-com:office:office" xmlns:v="urn:schemas-microsoft-com:vml" xmlns:pvml="urn:schemas-microsoft-com:office:powerpoint" xmlns:com="http://schemas.openxmlformats.org/drawingml/2006/compatibility" xmlns:p14="http://schemas.microsoft.com/office/powerpoint/2010/main" xmlns:p15="http://schemas.microsoft.com/office/powerpoint/2012/main">
+  <p:cSld>
+    <p:spTree>
+      <p:nvGrpSpPr>
+        <p:cNvPr id="183" name="Shape 183"/>
+        <p:cNvGrpSpPr/>
+        <p:nvPr/>
+      </p:nvGrpSpPr>
+      <p:grpSpPr>
+        <a:xfrm>
+          <a:off x="0" y="0"/>
+          <a:ext cx="0" cy="0"/>
+          <a:chOff x="0" y="0"/>
+          <a:chExt cx="0" cy="0"/>
+        </a:xfrm>
+      </p:grpSpPr>
+      <p:sp>
+        <p:nvSpPr>
+          <p:cNvPr id="184" name="Google Shape;184;p28"/>
+          <p:cNvSpPr txBox="1"/>
+          <p:nvPr>
+            <p:ph type="title"/>
+          </p:nvPr>
+        </p:nvSpPr>
+        <p:spPr>
+          <a:xfrm>
+            <a:off x="729450" y="1318650"/>
+            <a:ext cx="7688700" cy="535200"/>
+          </a:xfrm>
+          <a:prstGeom prst="rect">
+            <a:avLst/>
+          </a:prstGeom>
+        </p:spPr>
+        <p:txBody>
+          <a:bodyPr anchorCtr="0" anchor="t" bIns="91425" lIns="91425" spcFirstLastPara="1" rIns="91425" wrap="square" tIns="91425">
+            <a:noAutofit/>
+          </a:bodyPr>
+          <a:lstStyle/>
+          <a:p>
+            <a:pPr indent="0" lvl="0" marL="0" rtl="0" algn="l">
+              <a:spcBef>
+                <a:spcPts val="0"/>
+              </a:spcBef>
+              <a:spcAft>
+                <a:spcPts val="0"/>
+              </a:spcAft>
+              <a:buNone/>
+            </a:pPr>
+            <a:r>
+              <a:rPr lang="en"/>
+              <a:t>Feasibility Analysis Part 3</a:t>
+            </a:r>
+            <a:endParaRPr/>
+          </a:p>
+        </p:txBody>
+      </p:sp>
+      <p:sp>
+        <p:nvSpPr>
+          <p:cNvPr id="185" name="Google Shape;185;p28"/>
+          <p:cNvSpPr txBox="1"/>
+          <p:nvPr>
+            <p:ph idx="1" type="body"/>
+          </p:nvPr>
+        </p:nvSpPr>
+        <p:spPr>
+          <a:xfrm>
+            <a:off x="729450" y="2078875"/>
+            <a:ext cx="8277900" cy="2932500"/>
+          </a:xfrm>
+          <a:prstGeom prst="rect">
+            <a:avLst/>
+          </a:prstGeom>
+        </p:spPr>
+        <p:txBody>
+          <a:bodyPr anchorCtr="0" anchor="t" bIns="91425" lIns="91425" spcFirstLastPara="1" rIns="91425" wrap="square" tIns="91425">
+            <a:noAutofit/>
+          </a:bodyPr>
+          <a:lstStyle/>
+          <a:p>
+            <a:pPr indent="0" lvl="0" marL="0" rtl="0" algn="l">
+              <a:spcBef>
+                <a:spcPts val="0"/>
+              </a:spcBef>
+              <a:spcAft>
+                <a:spcPts val="0"/>
+              </a:spcAft>
+              <a:buNone/>
+            </a:pPr>
+            <a:r>
+              <a:rPr lang="en"/>
+              <a:t>Economic Feasibility </a:t>
+            </a:r>
+            <a:endParaRPr/>
+          </a:p>
+          <a:p>
+            <a:pPr indent="0" lvl="0" marL="0" rtl="0" algn="l">
+              <a:spcBef>
+                <a:spcPts val="0"/>
+              </a:spcBef>
+              <a:spcAft>
+                <a:spcPts val="0"/>
+              </a:spcAft>
+              <a:buNone/>
+            </a:pPr>
+            <a:r>
+              <a:t/>
+            </a:r>
+            <a:endParaRPr/>
+          </a:p>
+          <a:p>
+            <a:pPr indent="0" lvl="0" marL="0" rtl="0" algn="l">
+              <a:spcBef>
+                <a:spcPts val="0"/>
+              </a:spcBef>
+              <a:spcAft>
+                <a:spcPts val="0"/>
+              </a:spcAft>
+              <a:buNone/>
+            </a:pPr>
+            <a:r>
+              <a:rPr lang="en" sz="1200">
+                <a:latin typeface="Arial"/>
+                <a:ea typeface="Arial"/>
+                <a:cs typeface="Arial"/>
+                <a:sym typeface="Arial"/>
+              </a:rPr>
+              <a:t>Intangible:</a:t>
+            </a:r>
+            <a:endParaRPr sz="1200">
+              <a:latin typeface="Arial"/>
+              <a:ea typeface="Arial"/>
+              <a:cs typeface="Arial"/>
+              <a:sym typeface="Arial"/>
+            </a:endParaRPr>
+          </a:p>
+          <a:p>
+            <a:pPr indent="0" lvl="0" marL="0" rtl="0" algn="l">
+              <a:spcBef>
+                <a:spcPts val="0"/>
+              </a:spcBef>
+              <a:spcAft>
+                <a:spcPts val="0"/>
+              </a:spcAft>
+              <a:buNone/>
+            </a:pPr>
+            <a:r>
+              <a:t/>
+            </a:r>
+            <a:endParaRPr sz="1200">
+              <a:latin typeface="Arial"/>
+              <a:ea typeface="Arial"/>
+              <a:cs typeface="Arial"/>
+              <a:sym typeface="Arial"/>
+            </a:endParaRPr>
+          </a:p>
+          <a:p>
+            <a:pPr indent="-330200" lvl="0" marL="457200" rtl="0" algn="l">
+              <a:spcBef>
+                <a:spcPts val="0"/>
+              </a:spcBef>
+              <a:spcAft>
+                <a:spcPts val="0"/>
+              </a:spcAft>
+              <a:buSzPts val="1600"/>
+              <a:buChar char="●"/>
+            </a:pPr>
+            <a:r>
+              <a:rPr lang="en" sz="1600"/>
+              <a:t>Provide effective and efficient customer service by avoiding operational inefficiencies. </a:t>
+            </a:r>
+            <a:endParaRPr sz="1600"/>
+          </a:p>
+          <a:p>
+            <a:pPr indent="-330200" lvl="0" marL="457200" rtl="0" algn="l">
+              <a:spcBef>
+                <a:spcPts val="0"/>
+              </a:spcBef>
+              <a:spcAft>
+                <a:spcPts val="0"/>
+              </a:spcAft>
+              <a:buSzPts val="1600"/>
+              <a:buChar char="●"/>
+            </a:pPr>
+            <a:r>
+              <a:rPr lang="en" sz="1600"/>
+              <a:t>Boost employee morale leading up to an increase of goodwill of the library. </a:t>
+            </a:r>
+            <a:endParaRPr sz="1600"/>
+          </a:p>
+          <a:p>
+            <a:pPr indent="-330200" lvl="0" marL="457200" rtl="0" algn="l">
+              <a:spcBef>
+                <a:spcPts val="0"/>
+              </a:spcBef>
+              <a:spcAft>
+                <a:spcPts val="0"/>
+              </a:spcAft>
+              <a:buSzPts val="1600"/>
+              <a:buChar char="●"/>
+            </a:pPr>
+            <a:r>
+              <a:rPr lang="en" sz="1600"/>
+              <a:t>Environmentally friendly due to less consumption of paper.</a:t>
+            </a:r>
+            <a:endParaRPr sz="1600"/>
+          </a:p>
+          <a:p>
+            <a:pPr indent="0" lvl="0" marL="457200" rtl="0" algn="l">
+              <a:spcBef>
+                <a:spcPts val="0"/>
+              </a:spcBef>
+              <a:spcAft>
+                <a:spcPts val="0"/>
+              </a:spcAft>
+              <a:buNone/>
+            </a:pPr>
+            <a:r>
+              <a:t/>
+            </a:r>
+            <a:endParaRPr sz="1200">
+              <a:latin typeface="Arial"/>
+              <a:ea typeface="Arial"/>
+              <a:cs typeface="Arial"/>
+              <a:sym typeface="Arial"/>
+            </a:endParaRPr>
+          </a:p>
+          <a:p>
+            <a:pPr indent="0" lvl="0" marL="0" rtl="0" algn="l">
+              <a:spcBef>
+                <a:spcPts val="0"/>
+              </a:spcBef>
+              <a:spcAft>
+                <a:spcPts val="0"/>
+              </a:spcAft>
+              <a:buNone/>
+            </a:pPr>
+            <a:r>
+              <a:t/>
+            </a:r>
+            <a:endParaRPr/>
+          </a:p>
+        </p:txBody>
+      </p:sp>
+    </p:spTree>
+  </p:cSld>
+  <p:clrMapOvr>
+    <a:masterClrMapping/>
+  </p:clrMapOvr>
+</p:sld>
+</file>
+
+<file path=ppt/slides/slide17.xml><?xml version="1.0" encoding="utf-8"?>
+<p:sld xmlns:a="http://schemas.openxmlformats.org/drawingml/2006/main" xmlns:r="http://schemas.openxmlformats.org/officeDocument/2006/relationships" xmlns:mc="http://schemas.openxmlformats.org/markup-compatibility/2006" xmlns:mv="urn:schemas-microsoft-com:mac:vml" xmlns:p="http://schemas.openxmlformats.org/presentationml/2006/main" xmlns:c="http://schemas.openxmlformats.org/drawingml/2006/chart" xmlns:dgm="http://schemas.openxmlformats.org/drawingml/2006/diagram" xmlns:o="urn:schemas-microsoft-com:office:office" xmlns:v="urn:schemas-microsoft-com:vml" xmlns:pvml="urn:schemas-microsoft-com:office:powerpoint" xmlns:com="http://schemas.openxmlformats.org/drawingml/2006/compatibility" xmlns:p14="http://schemas.microsoft.com/office/powerpoint/2010/main" xmlns:p15="http://schemas.microsoft.com/office/powerpoint/2012/main">
+  <p:cSld>
+    <p:spTree>
+      <p:nvGrpSpPr>
+        <p:cNvPr id="189" name="Shape 189"/>
+        <p:cNvGrpSpPr/>
+        <p:nvPr/>
+      </p:nvGrpSpPr>
+      <p:grpSpPr>
+        <a:xfrm>
+          <a:off x="0" y="0"/>
+          <a:ext cx="0" cy="0"/>
+          <a:chOff x="0" y="0"/>
+          <a:chExt cx="0" cy="0"/>
+        </a:xfrm>
+      </p:grpSpPr>
+      <p:sp>
+        <p:nvSpPr>
+          <p:cNvPr id="190" name="Google Shape;190;p29"/>
+          <p:cNvSpPr txBox="1"/>
+          <p:nvPr>
+            <p:ph type="title"/>
+          </p:nvPr>
+        </p:nvSpPr>
+        <p:spPr>
+          <a:xfrm>
+            <a:off x="729450" y="1318650"/>
+            <a:ext cx="7688700" cy="535200"/>
+          </a:xfrm>
+          <a:prstGeom prst="rect">
+            <a:avLst/>
+          </a:prstGeom>
+        </p:spPr>
+        <p:txBody>
+          <a:bodyPr anchorCtr="0" anchor="t" bIns="91425" lIns="91425" spcFirstLastPara="1" rIns="91425" wrap="square" tIns="91425">
+            <a:noAutofit/>
+          </a:bodyPr>
+          <a:lstStyle/>
+          <a:p>
+            <a:pPr indent="0" lvl="0" marL="0" rtl="0" algn="l">
+              <a:spcBef>
+                <a:spcPts val="0"/>
+              </a:spcBef>
+              <a:spcAft>
+                <a:spcPts val="0"/>
+              </a:spcAft>
+              <a:buNone/>
+            </a:pPr>
+            <a:r>
+              <a:rPr lang="en"/>
+              <a:t>Feasibility Analysis Part 4</a:t>
+            </a:r>
+            <a:endParaRPr/>
+          </a:p>
+        </p:txBody>
+      </p:sp>
+      <p:sp>
+        <p:nvSpPr>
+          <p:cNvPr id="191" name="Google Shape;191;p29"/>
+          <p:cNvSpPr txBox="1"/>
+          <p:nvPr>
+            <p:ph idx="1" type="body"/>
+          </p:nvPr>
+        </p:nvSpPr>
+        <p:spPr>
+          <a:xfrm>
+            <a:off x="729450" y="1925650"/>
+            <a:ext cx="7688700" cy="3167400"/>
+          </a:xfrm>
+          <a:prstGeom prst="rect">
+            <a:avLst/>
+          </a:prstGeom>
+        </p:spPr>
+        <p:txBody>
+          <a:bodyPr anchorCtr="0" anchor="t" bIns="91425" lIns="91425" spcFirstLastPara="1" rIns="91425" wrap="square" tIns="91425">
+            <a:noAutofit/>
+          </a:bodyPr>
+          <a:lstStyle/>
+          <a:p>
+            <a:pPr indent="0" lvl="0" marL="0" rtl="0" algn="l">
+              <a:spcBef>
+                <a:spcPts val="0"/>
+              </a:spcBef>
+              <a:spcAft>
+                <a:spcPts val="0"/>
+              </a:spcAft>
+              <a:buNone/>
+            </a:pPr>
+            <a:r>
+              <a:rPr lang="en"/>
+              <a:t>Organizational</a:t>
+            </a:r>
+            <a:r>
+              <a:rPr lang="en"/>
+              <a:t> Feasibility</a:t>
+            </a:r>
+            <a:endParaRPr/>
+          </a:p>
+          <a:p>
+            <a:pPr indent="-311150" lvl="0" marL="457200" rtl="0" algn="l">
+              <a:spcBef>
+                <a:spcPts val="0"/>
+              </a:spcBef>
+              <a:spcAft>
+                <a:spcPts val="0"/>
+              </a:spcAft>
+              <a:buSzPts val="1300"/>
+              <a:buChar char="●"/>
+            </a:pPr>
+            <a:r>
+              <a:rPr lang="en" sz="1200">
+                <a:latin typeface="Arial"/>
+                <a:ea typeface="Arial"/>
+                <a:cs typeface="Arial"/>
+                <a:sym typeface="Arial"/>
+              </a:rPr>
+              <a:t>A</a:t>
+            </a:r>
+            <a:r>
+              <a:rPr lang="en"/>
+              <a:t>ddress existing issues of the UMBC Laptop loaning problem</a:t>
+            </a:r>
+            <a:endParaRPr/>
+          </a:p>
+          <a:p>
+            <a:pPr indent="-342900" lvl="0" marL="457200" rtl="0" algn="l">
+              <a:spcBef>
+                <a:spcPts val="0"/>
+              </a:spcBef>
+              <a:spcAft>
+                <a:spcPts val="0"/>
+              </a:spcAft>
+              <a:buSzPts val="1800"/>
+              <a:buChar char="●"/>
+            </a:pPr>
+            <a:r>
+              <a:rPr lang="en"/>
+              <a:t>System will reduce workload and any inconvenience for both the department and its patron. </a:t>
+            </a:r>
+            <a:endParaRPr/>
+          </a:p>
+          <a:p>
+            <a:pPr indent="-342900" lvl="0" marL="457200" rtl="0" algn="l">
+              <a:spcBef>
+                <a:spcPts val="0"/>
+              </a:spcBef>
+              <a:spcAft>
+                <a:spcPts val="0"/>
+              </a:spcAft>
+              <a:buSzPts val="1800"/>
+              <a:buChar char="●"/>
+            </a:pPr>
+            <a:r>
+              <a:rPr lang="en"/>
+              <a:t>Library has enough space to accommodate hardware devices so the implementation of the system would not affect any organizational structure</a:t>
+            </a:r>
+            <a:endParaRPr/>
+          </a:p>
+          <a:p>
+            <a:pPr indent="-342900" lvl="0" marL="457200" rtl="0" algn="l">
+              <a:spcBef>
+                <a:spcPts val="0"/>
+              </a:spcBef>
+              <a:spcAft>
+                <a:spcPts val="0"/>
+              </a:spcAft>
+              <a:buSzPts val="1800"/>
+              <a:buChar char="●"/>
+            </a:pPr>
+            <a:r>
+              <a:rPr lang="en"/>
+              <a:t>System can be implemented within existing hardware devices of the library.</a:t>
+            </a:r>
+            <a:endParaRPr/>
+          </a:p>
+          <a:p>
+            <a:pPr indent="-342900" lvl="0" marL="457200" rtl="0" algn="l">
+              <a:spcBef>
+                <a:spcPts val="0"/>
+              </a:spcBef>
+              <a:spcAft>
+                <a:spcPts val="0"/>
+              </a:spcAft>
+              <a:buSzPts val="1800"/>
+              <a:buChar char="●"/>
+            </a:pPr>
+            <a:r>
+              <a:rPr lang="en"/>
+              <a:t>User friendly with current library employees</a:t>
+            </a:r>
+            <a:endParaRPr/>
+          </a:p>
+          <a:p>
+            <a:pPr indent="0" lvl="0" marL="457200" rtl="0" algn="l">
+              <a:spcBef>
+                <a:spcPts val="0"/>
+              </a:spcBef>
+              <a:spcAft>
+                <a:spcPts val="0"/>
+              </a:spcAft>
+              <a:buNone/>
+            </a:pPr>
+            <a:r>
+              <a:t/>
+            </a:r>
+            <a:endParaRPr/>
+          </a:p>
+          <a:p>
+            <a:pPr indent="0" lvl="0" marL="0" rtl="0" algn="l">
+              <a:spcBef>
+                <a:spcPts val="0"/>
+              </a:spcBef>
+              <a:spcAft>
+                <a:spcPts val="0"/>
+              </a:spcAft>
+              <a:buNone/>
+            </a:pPr>
+            <a:r>
+              <a:t/>
+            </a:r>
+            <a:endParaRPr/>
+          </a:p>
+        </p:txBody>
+      </p:sp>
+    </p:spTree>
+  </p:cSld>
+  <p:clrMapOvr>
+    <a:masterClrMapping/>
+  </p:clrMapOvr>
+</p:sld>
+</file>
+
+<file path=ppt/slides/slide18.xml><?xml version="1.0" encoding="utf-8"?>
+<p:sld xmlns:a="http://schemas.openxmlformats.org/drawingml/2006/main" xmlns:r="http://schemas.openxmlformats.org/officeDocument/2006/relationships" xmlns:mc="http://schemas.openxmlformats.org/markup-compatibility/2006" xmlns:mv="urn:schemas-microsoft-com:mac:vml" xmlns:p="http://schemas.openxmlformats.org/presentationml/2006/main" xmlns:c="http://schemas.openxmlformats.org/drawingml/2006/chart" xmlns:dgm="http://schemas.openxmlformats.org/drawingml/2006/diagram" xmlns:o="urn:schemas-microsoft-com:office:office" xmlns:v="urn:schemas-microsoft-com:vml" xmlns:pvml="urn:schemas-microsoft-com:office:powerpoint" xmlns:com="http://schemas.openxmlformats.org/drawingml/2006/compatibility" xmlns:p14="http://schemas.microsoft.com/office/powerpoint/2010/main" xmlns:p15="http://schemas.microsoft.com/office/powerpoint/2012/main">
+  <p:cSld>
+    <p:spTree>
+      <p:nvGrpSpPr>
+        <p:cNvPr id="195" name="Shape 195"/>
+        <p:cNvGrpSpPr/>
+        <p:nvPr/>
+      </p:nvGrpSpPr>
+      <p:grpSpPr>
+        <a:xfrm>
+          <a:off x="0" y="0"/>
+          <a:ext cx="0" cy="0"/>
+          <a:chOff x="0" y="0"/>
+          <a:chExt cx="0" cy="0"/>
+        </a:xfrm>
+      </p:grpSpPr>
+      <p:sp>
+        <p:nvSpPr>
+          <p:cNvPr id="196" name="Google Shape;196;p30"/>
+          <p:cNvSpPr txBox="1"/>
+          <p:nvPr>
+            <p:ph type="title"/>
+          </p:nvPr>
+        </p:nvSpPr>
+        <p:spPr>
+          <a:xfrm>
+            <a:off x="729450" y="1318650"/>
+            <a:ext cx="7688700" cy="535200"/>
+          </a:xfrm>
+          <a:prstGeom prst="rect">
+            <a:avLst/>
+          </a:prstGeom>
+        </p:spPr>
+        <p:txBody>
+          <a:bodyPr anchorCtr="0" anchor="t" bIns="91425" lIns="91425" spcFirstLastPara="1" rIns="91425" wrap="square" tIns="91425">
+            <a:noAutofit/>
+          </a:bodyPr>
+          <a:lstStyle/>
+          <a:p>
+            <a:pPr indent="0" lvl="0" marL="0" rtl="0" algn="l">
+              <a:spcBef>
+                <a:spcPts val="0"/>
+              </a:spcBef>
+              <a:spcAft>
+                <a:spcPts val="0"/>
+              </a:spcAft>
+              <a:buNone/>
+            </a:pPr>
+            <a:r>
+              <a:rPr lang="en"/>
+              <a:t>Special Issues or Constraints </a:t>
+            </a:r>
+            <a:endParaRPr/>
+          </a:p>
+        </p:txBody>
+      </p:sp>
+      <p:sp>
+        <p:nvSpPr>
+          <p:cNvPr id="197" name="Google Shape;197;p30"/>
           <p:cNvSpPr txBox="1"/>
           <p:nvPr>
             <p:ph idx="1" type="body"/>
@@ -8731,12 +11464,43 @@
           </a:bodyPr>
           <a:lstStyle/>
           <a:p>
+            <a:pPr indent="-311150" lvl="0" marL="457200" rtl="0" algn="l">
+              <a:lnSpc>
+                <a:spcPct val="100000"/>
+              </a:lnSpc>
+              <a:spcBef>
+                <a:spcPts val="0"/>
+              </a:spcBef>
+              <a:spcAft>
+                <a:spcPts val="0"/>
+              </a:spcAft>
+              <a:buSzPts val="1300"/>
+              <a:buChar char="●"/>
+            </a:pPr>
+            <a:r>
+              <a:rPr lang="en">
+                <a:solidFill>
+                  <a:srgbClr val="000000"/>
+                </a:solidFill>
+              </a:rPr>
+              <a:t>Potential scalability and interfacing problems due to integration of online reservation on myUMBC site due to the site being able to be accessed from different departments of UMBC</a:t>
+            </a:r>
+            <a:endParaRPr>
+              <a:solidFill>
+                <a:srgbClr val="000000"/>
+              </a:solidFill>
+            </a:endParaRPr>
+          </a:p>
+          <a:p>
             <a:pPr indent="0" lvl="0" marL="0" rtl="0" algn="l">
-              <a:spcBef>
-                <a:spcPts val="0"/>
-              </a:spcBef>
-              <a:spcAft>
-                <a:spcPts val="1600"/>
+              <a:lnSpc>
+                <a:spcPct val="100000"/>
+              </a:lnSpc>
+              <a:spcBef>
+                <a:spcPts val="0"/>
+              </a:spcBef>
+              <a:spcAft>
+                <a:spcPts val="0"/>
               </a:spcAft>
               <a:buNone/>
             </a:pPr>
@@ -8755,12 +11519,12 @@
 </p:sld>
 </file>
 
-<file path=ppt/slides/slide11.xml><?xml version="1.0" encoding="utf-8"?>
+<file path=ppt/slides/slide19.xml><?xml version="1.0" encoding="utf-8"?>
 <p:sld xmlns:a="http://schemas.openxmlformats.org/drawingml/2006/main" xmlns:r="http://schemas.openxmlformats.org/officeDocument/2006/relationships" xmlns:mc="http://schemas.openxmlformats.org/markup-compatibility/2006" xmlns:mv="urn:schemas-microsoft-com:mac:vml" xmlns:p="http://schemas.openxmlformats.org/presentationml/2006/main" xmlns:c="http://schemas.openxmlformats.org/drawingml/2006/chart" xmlns:dgm="http://schemas.openxmlformats.org/drawingml/2006/diagram" xmlns:o="urn:schemas-microsoft-com:office:office" xmlns:v="urn:schemas-microsoft-com:vml" xmlns:pvml="urn:schemas-microsoft-com:office:powerpoint" xmlns:com="http://schemas.openxmlformats.org/drawingml/2006/compatibility" xmlns:p14="http://schemas.microsoft.com/office/powerpoint/2010/main" xmlns:p15="http://schemas.microsoft.com/office/powerpoint/2012/main">
   <p:cSld>
     <p:spTree>
       <p:nvGrpSpPr>
-        <p:cNvPr id="145" name="Shape 145"/>
+        <p:cNvPr id="201" name="Shape 201"/>
         <p:cNvGrpSpPr/>
         <p:nvPr/>
       </p:nvGrpSpPr>
@@ -8774,7 +11538,7 @@
       </p:grpSpPr>
       <p:sp>
         <p:nvSpPr>
-          <p:cNvPr id="146" name="Google Shape;146;p23"/>
+          <p:cNvPr id="202" name="Google Shape;202;p31"/>
           <p:cNvSpPr txBox="1"/>
           <p:nvPr>
             <p:ph type="title"/>
@@ -8806,7 +11570,7 @@
             </a:pPr>
             <a:r>
               <a:rPr lang="en"/>
-              <a:t>Work Plan</a:t>
+              <a:t>Project Methodology</a:t>
             </a:r>
             <a:endParaRPr/>
           </a:p>
@@ -8814,7 +11578,7 @@
       </p:sp>
       <p:sp>
         <p:nvSpPr>
-          <p:cNvPr id="147" name="Google Shape;147;p23"/>
+          <p:cNvPr id="203" name="Google Shape;203;p31"/>
           <p:cNvSpPr txBox="1"/>
           <p:nvPr>
             <p:ph idx="1" type="body"/>
@@ -8835,17 +11599,82 @@
           </a:bodyPr>
           <a:lstStyle/>
           <a:p>
-            <a:pPr indent="0" lvl="0" marL="0" rtl="0" algn="l">
-              <a:spcBef>
-                <a:spcPts val="0"/>
-              </a:spcBef>
-              <a:spcAft>
-                <a:spcPts val="1600"/>
-              </a:spcAft>
-              <a:buNone/>
-            </a:pPr>
-            <a:r>
-              <a:t/>
+            <a:pPr indent="-342900" lvl="0" marL="457200" rtl="0" algn="l">
+              <a:lnSpc>
+                <a:spcPct val="150000"/>
+              </a:lnSpc>
+              <a:spcBef>
+                <a:spcPts val="0"/>
+              </a:spcBef>
+              <a:spcAft>
+                <a:spcPts val="0"/>
+              </a:spcAft>
+              <a:buSzPts val="1800"/>
+              <a:buChar char="●"/>
+            </a:pPr>
+            <a:r>
+              <a:rPr lang="en"/>
+              <a:t>Design and implement our project using Agile methodology</a:t>
+            </a:r>
+            <a:endParaRPr/>
+          </a:p>
+          <a:p>
+            <a:pPr indent="-342900" lvl="0" marL="457200" rtl="0" algn="l">
+              <a:lnSpc>
+                <a:spcPct val="150000"/>
+              </a:lnSpc>
+              <a:spcBef>
+                <a:spcPts val="0"/>
+              </a:spcBef>
+              <a:spcAft>
+                <a:spcPts val="0"/>
+              </a:spcAft>
+              <a:buSzPts val="1800"/>
+              <a:buChar char="●"/>
+            </a:pPr>
+            <a:r>
+              <a:rPr lang="en"/>
+              <a:t>The methodology will give us the  opportunity to work through prototyping to improve every iteration in the development cycle.</a:t>
+            </a:r>
+            <a:endParaRPr/>
+          </a:p>
+          <a:p>
+            <a:pPr indent="-342900" lvl="0" marL="457200" rtl="0" algn="l">
+              <a:lnSpc>
+                <a:spcPct val="150000"/>
+              </a:lnSpc>
+              <a:spcBef>
+                <a:spcPts val="0"/>
+              </a:spcBef>
+              <a:spcAft>
+                <a:spcPts val="0"/>
+              </a:spcAft>
+              <a:buSzPts val="1800"/>
+              <a:buChar char="●"/>
+            </a:pPr>
+            <a:r>
+              <a:rPr lang="en"/>
+              <a:t>Best fit to address specific requirement changes</a:t>
+            </a:r>
+            <a:endParaRPr/>
+          </a:p>
+          <a:p>
+            <a:pPr indent="-342900" lvl="0" marL="457200" rtl="0" algn="l">
+              <a:lnSpc>
+                <a:spcPct val="150000"/>
+              </a:lnSpc>
+              <a:spcBef>
+                <a:spcPts val="0"/>
+              </a:spcBef>
+              <a:spcAft>
+                <a:spcPts val="0"/>
+              </a:spcAft>
+              <a:buSzPts val="1800"/>
+              <a:buChar char="●"/>
+            </a:pPr>
+            <a:r>
+              <a:rPr lang="en"/>
+              <a:t>Flexible with increase of productivity for the team. </a:t>
             </a:r>
             <a:endParaRPr/>
           </a:p>
@@ -8864,7 +11693,7 @@
   <p:cSld>
     <p:spTree>
       <p:nvGrpSpPr>
-        <p:cNvPr id="91" name="Shape 91"/>
+        <p:cNvPr id="93" name="Shape 93"/>
         <p:cNvGrpSpPr/>
         <p:nvPr/>
       </p:nvGrpSpPr>
@@ -8878,7 +11707,100 @@
       </p:grpSpPr>
       <p:sp>
         <p:nvSpPr>
-          <p:cNvPr id="92" name="Google Shape;92;p14"/>
+          <p:cNvPr id="94" name="Google Shape;94;p14"/>
+          <p:cNvSpPr txBox="1"/>
+          <p:nvPr>
+            <p:ph type="ctrTitle"/>
+          </p:nvPr>
+        </p:nvSpPr>
+        <p:spPr>
+          <a:xfrm>
+            <a:off x="727950" y="1470475"/>
+            <a:ext cx="7688100" cy="1664700"/>
+          </a:xfrm>
+          <a:prstGeom prst="rect">
+            <a:avLst/>
+          </a:prstGeom>
+        </p:spPr>
+        <p:txBody>
+          <a:bodyPr anchorCtr="0" anchor="t" bIns="91425" lIns="91425" spcFirstLastPara="1" rIns="91425" wrap="square" tIns="91425">
+            <a:noAutofit/>
+          </a:bodyPr>
+          <a:lstStyle/>
+          <a:p>
+            <a:pPr indent="0" lvl="0" marL="0" rtl="0" algn="ctr">
+              <a:spcBef>
+                <a:spcPts val="0"/>
+              </a:spcBef>
+              <a:spcAft>
+                <a:spcPts val="0"/>
+              </a:spcAft>
+              <a:buNone/>
+            </a:pPr>
+            <a:r>
+              <a:rPr lang="en"/>
+              <a:t>Team Introductions</a:t>
+            </a:r>
+            <a:endParaRPr/>
+          </a:p>
+        </p:txBody>
+      </p:sp>
+      <p:pic>
+        <p:nvPicPr>
+          <p:cNvPr id="95" name="Google Shape;95;p14"/>
+          <p:cNvPicPr preferRelativeResize="0"/>
+          <p:nvPr/>
+        </p:nvPicPr>
+        <p:blipFill>
+          <a:blip r:embed="rId3">
+            <a:alphaModFix/>
+          </a:blip>
+          <a:stretch>
+            <a:fillRect/>
+          </a:stretch>
+        </p:blipFill>
+        <p:spPr>
+          <a:xfrm>
+            <a:off x="2947563" y="2648450"/>
+            <a:ext cx="3248879" cy="1703524"/>
+          </a:xfrm>
+          <a:prstGeom prst="rect">
+            <a:avLst/>
+          </a:prstGeom>
+          <a:noFill/>
+          <a:ln>
+            <a:noFill/>
+          </a:ln>
+        </p:spPr>
+      </p:pic>
+    </p:spTree>
+  </p:cSld>
+  <p:clrMapOvr>
+    <a:masterClrMapping/>
+  </p:clrMapOvr>
+</p:sld>
+</file>
+
+<file path=ppt/slides/slide20.xml><?xml version="1.0" encoding="utf-8"?>
+<p:sld xmlns:a="http://schemas.openxmlformats.org/drawingml/2006/main" xmlns:r="http://schemas.openxmlformats.org/officeDocument/2006/relationships" xmlns:mc="http://schemas.openxmlformats.org/markup-compatibility/2006" xmlns:mv="urn:schemas-microsoft-com:mac:vml" xmlns:p="http://schemas.openxmlformats.org/presentationml/2006/main" xmlns:c="http://schemas.openxmlformats.org/drawingml/2006/chart" xmlns:dgm="http://schemas.openxmlformats.org/drawingml/2006/diagram" xmlns:o="urn:schemas-microsoft-com:office:office" xmlns:v="urn:schemas-microsoft-com:vml" xmlns:pvml="urn:schemas-microsoft-com:office:powerpoint" xmlns:com="http://schemas.openxmlformats.org/drawingml/2006/compatibility" xmlns:p14="http://schemas.microsoft.com/office/powerpoint/2010/main" xmlns:p15="http://schemas.microsoft.com/office/powerpoint/2012/main">
+  <p:cSld>
+    <p:spTree>
+      <p:nvGrpSpPr>
+        <p:cNvPr id="207" name="Shape 207"/>
+        <p:cNvGrpSpPr/>
+        <p:nvPr/>
+      </p:nvGrpSpPr>
+      <p:grpSpPr>
+        <a:xfrm>
+          <a:off x="0" y="0"/>
+          <a:ext cx="0" cy="0"/>
+          <a:chOff x="0" y="0"/>
+          <a:chExt cx="0" cy="0"/>
+        </a:xfrm>
+      </p:grpSpPr>
+      <p:sp>
+        <p:nvSpPr>
+          <p:cNvPr id="208" name="Google Shape;208;p32"/>
           <p:cNvSpPr txBox="1"/>
           <p:nvPr>
             <p:ph type="title"/>
@@ -8910,22 +11832,7 @@
             </a:pPr>
             <a:r>
               <a:rPr lang="en"/>
-              <a:t>Purpose</a:t>
-            </a:r>
-            <a:endParaRPr/>
-          </a:p>
-          <a:p>
-            <a:pPr indent="0" lvl="0" marL="0" rtl="0" algn="l">
-              <a:spcBef>
-                <a:spcPts val="0"/>
-              </a:spcBef>
-              <a:spcAft>
-                <a:spcPts val="0"/>
-              </a:spcAft>
-              <a:buNone/>
-            </a:pPr>
-            <a:r>
-              <a:t/>
+              <a:t>Work Plan</a:t>
             </a:r>
             <a:endParaRPr/>
           </a:p>
@@ -8933,7 +11840,7 @@
       </p:sp>
       <p:sp>
         <p:nvSpPr>
-          <p:cNvPr id="93" name="Google Shape;93;p14"/>
+          <p:cNvPr id="209" name="Google Shape;209;p32"/>
           <p:cNvSpPr txBox="1"/>
           <p:nvPr>
             <p:ph idx="1" type="body"/>
@@ -8954,40 +11861,14 @@
           </a:bodyPr>
           <a:lstStyle/>
           <a:p>
-            <a:pPr indent="-311150" lvl="0" marL="457200" rtl="0" algn="l">
-              <a:spcBef>
-                <a:spcPts val="0"/>
-              </a:spcBef>
-              <a:spcAft>
-                <a:spcPts val="0"/>
-              </a:spcAft>
-              <a:buSzPts val="1300"/>
-              <a:buChar char="●"/>
-            </a:pPr>
-            <a:r>
-              <a:rPr lang="en"/>
-              <a:t>Loaning laptops is </a:t>
-            </a:r>
-            <a:r>
-              <a:rPr lang="en"/>
-              <a:t>inefficient</a:t>
-            </a:r>
-            <a:r>
-              <a:rPr lang="en"/>
-              <a:t> resulting in unused laptops</a:t>
-            </a:r>
-            <a:endParaRPr/>
-          </a:p>
-          <a:p>
-            <a:pPr indent="-311150" lvl="0" marL="457200" rtl="0" algn="l">
-              <a:spcBef>
-                <a:spcPts val="0"/>
-              </a:spcBef>
-              <a:spcAft>
-                <a:spcPts val="0"/>
-              </a:spcAft>
-              <a:buSzPts val="1300"/>
-              <a:buChar char="●"/>
+            <a:pPr indent="0" lvl="0" marL="0" rtl="0" algn="l">
+              <a:spcBef>
+                <a:spcPts val="0"/>
+              </a:spcBef>
+              <a:spcAft>
+                <a:spcPts val="0"/>
+              </a:spcAft>
+              <a:buNone/>
             </a:pPr>
             <a:r>
               <a:t/>
@@ -8996,6 +11877,34 @@
           </a:p>
         </p:txBody>
       </p:sp>
+      <p:pic>
+        <p:nvPicPr>
+          <p:cNvPr id="210" name="Google Shape;210;p32"/>
+          <p:cNvPicPr preferRelativeResize="0"/>
+          <p:nvPr/>
+        </p:nvPicPr>
+        <p:blipFill>
+          <a:blip r:embed="rId3">
+            <a:alphaModFix/>
+          </a:blip>
+          <a:stretch>
+            <a:fillRect/>
+          </a:stretch>
+        </p:blipFill>
+        <p:spPr>
+          <a:xfrm>
+            <a:off x="788050" y="2167900"/>
+            <a:ext cx="7554725" cy="2261100"/>
+          </a:xfrm>
+          <a:prstGeom prst="rect">
+            <a:avLst/>
+          </a:prstGeom>
+          <a:noFill/>
+          <a:ln>
+            <a:noFill/>
+          </a:ln>
+        </p:spPr>
+      </p:pic>
     </p:spTree>
   </p:cSld>
   <p:clrMapOvr>
@@ -9009,7 +11918,7 @@
   <p:cSld>
     <p:spTree>
       <p:nvGrpSpPr>
-        <p:cNvPr id="97" name="Shape 97"/>
+        <p:cNvPr id="99" name="Shape 99"/>
         <p:cNvGrpSpPr/>
         <p:nvPr/>
       </p:nvGrpSpPr>
@@ -9023,7 +11932,1003 @@
       </p:grpSpPr>
       <p:sp>
         <p:nvSpPr>
-          <p:cNvPr id="98" name="Google Shape;98;p15"/>
+          <p:cNvPr id="100" name="Google Shape;100;p15"/>
+          <p:cNvSpPr txBox="1"/>
+          <p:nvPr>
+            <p:ph type="title"/>
+          </p:nvPr>
+        </p:nvSpPr>
+        <p:spPr>
+          <a:xfrm>
+            <a:off x="729450" y="1318650"/>
+            <a:ext cx="7688700" cy="760200"/>
+          </a:xfrm>
+          <a:prstGeom prst="rect">
+            <a:avLst/>
+          </a:prstGeom>
+        </p:spPr>
+        <p:txBody>
+          <a:bodyPr anchorCtr="0" anchor="t" bIns="91425" lIns="91425" spcFirstLastPara="1" rIns="91425" wrap="square" tIns="91425">
+            <a:noAutofit/>
+          </a:bodyPr>
+          <a:lstStyle/>
+          <a:p>
+            <a:pPr indent="0" lvl="0" marL="0" rtl="0" algn="l">
+              <a:spcBef>
+                <a:spcPts val="0"/>
+              </a:spcBef>
+              <a:spcAft>
+                <a:spcPts val="0"/>
+              </a:spcAft>
+              <a:buNone/>
+            </a:pPr>
+            <a:r>
+              <a:rPr lang="en" sz="4200"/>
+              <a:t>Omar Al-Hedari</a:t>
+            </a:r>
+            <a:endParaRPr sz="4200"/>
+          </a:p>
+          <a:p>
+            <a:pPr indent="0" lvl="0" marL="0" rtl="0" algn="l">
+              <a:spcBef>
+                <a:spcPts val="0"/>
+              </a:spcBef>
+              <a:spcAft>
+                <a:spcPts val="0"/>
+              </a:spcAft>
+              <a:buNone/>
+            </a:pPr>
+            <a:r>
+              <a:t/>
+            </a:r>
+            <a:endParaRPr/>
+          </a:p>
+        </p:txBody>
+      </p:sp>
+      <p:sp>
+        <p:nvSpPr>
+          <p:cNvPr id="101" name="Google Shape;101;p15"/>
+          <p:cNvSpPr txBox="1"/>
+          <p:nvPr>
+            <p:ph idx="1" type="body"/>
+          </p:nvPr>
+        </p:nvSpPr>
+        <p:spPr>
+          <a:xfrm>
+            <a:off x="0" y="2871850"/>
+            <a:ext cx="7602300" cy="1734300"/>
+          </a:xfrm>
+          <a:prstGeom prst="rect">
+            <a:avLst/>
+          </a:prstGeom>
+        </p:spPr>
+        <p:txBody>
+          <a:bodyPr anchorCtr="0" anchor="t" bIns="91425" lIns="91425" spcFirstLastPara="1" rIns="91425" wrap="square" tIns="91425">
+            <a:noAutofit/>
+          </a:bodyPr>
+          <a:lstStyle/>
+          <a:p>
+            <a:pPr indent="-342900" lvl="0" marL="457200" rtl="0" algn="l">
+              <a:lnSpc>
+                <a:spcPct val="100000"/>
+              </a:lnSpc>
+              <a:spcBef>
+                <a:spcPts val="0"/>
+              </a:spcBef>
+              <a:spcAft>
+                <a:spcPts val="0"/>
+              </a:spcAft>
+              <a:buSzPts val="1800"/>
+              <a:buChar char="●"/>
+            </a:pPr>
+            <a:r>
+              <a:rPr lang="en" sz="1800">
+                <a:highlight>
+                  <a:srgbClr val="FFFFFF"/>
+                </a:highlight>
+              </a:rPr>
+              <a:t>Lead the success of  </a:t>
+            </a:r>
+            <a:r>
+              <a:rPr b="1" lang="en" sz="1800">
+                <a:highlight>
+                  <a:srgbClr val="FFFFFF"/>
+                </a:highlight>
+              </a:rPr>
+              <a:t>implementation</a:t>
+            </a:r>
+            <a:endParaRPr sz="1800">
+              <a:highlight>
+                <a:srgbClr val="FFFFFF"/>
+              </a:highlight>
+            </a:endParaRPr>
+          </a:p>
+          <a:p>
+            <a:pPr indent="-342900" lvl="0" marL="457200" rtl="0" algn="l">
+              <a:lnSpc>
+                <a:spcPct val="100000"/>
+              </a:lnSpc>
+              <a:spcBef>
+                <a:spcPts val="0"/>
+              </a:spcBef>
+              <a:spcAft>
+                <a:spcPts val="0"/>
+              </a:spcAft>
+              <a:buSzPts val="1800"/>
+              <a:buChar char="●"/>
+            </a:pPr>
+            <a:r>
+              <a:rPr lang="en" sz="1800">
+                <a:highlight>
+                  <a:srgbClr val="FFFFFF"/>
+                </a:highlight>
+              </a:rPr>
+              <a:t>Meeting timelines and budget requirements. </a:t>
+            </a:r>
+            <a:endParaRPr sz="1800">
+              <a:highlight>
+                <a:srgbClr val="FFFFFF"/>
+              </a:highlight>
+            </a:endParaRPr>
+          </a:p>
+          <a:p>
+            <a:pPr indent="-342900" lvl="0" marL="457200" rtl="0" algn="l">
+              <a:lnSpc>
+                <a:spcPct val="100000"/>
+              </a:lnSpc>
+              <a:spcBef>
+                <a:spcPts val="0"/>
+              </a:spcBef>
+              <a:spcAft>
+                <a:spcPts val="0"/>
+              </a:spcAft>
+              <a:buSzPts val="1800"/>
+              <a:buChar char="●"/>
+            </a:pPr>
+            <a:r>
+              <a:rPr lang="en" sz="1800">
+                <a:highlight>
+                  <a:srgbClr val="FFFFFF"/>
+                </a:highlight>
+              </a:rPr>
+              <a:t>Coordinates and prioritizes </a:t>
+            </a:r>
+            <a:r>
+              <a:rPr b="1" lang="en" sz="1800">
+                <a:highlight>
+                  <a:srgbClr val="FFFFFF"/>
+                </a:highlight>
+              </a:rPr>
+              <a:t>project</a:t>
+            </a:r>
+            <a:r>
+              <a:rPr lang="en" sz="1800">
+                <a:highlight>
+                  <a:srgbClr val="FFFFFF"/>
+                </a:highlight>
+              </a:rPr>
+              <a:t> tasks, manages timelines, maintains </a:t>
+            </a:r>
+            <a:r>
+              <a:rPr b="1" lang="en" sz="1800">
+                <a:highlight>
+                  <a:srgbClr val="FFFFFF"/>
+                </a:highlight>
+              </a:rPr>
+              <a:t>project</a:t>
+            </a:r>
+            <a:r>
+              <a:rPr lang="en" sz="1800">
+                <a:highlight>
+                  <a:srgbClr val="FFFFFF"/>
+                </a:highlight>
+              </a:rPr>
+              <a:t> plans </a:t>
+            </a:r>
+            <a:endParaRPr sz="1800">
+              <a:highlight>
+                <a:srgbClr val="FFFFFF"/>
+              </a:highlight>
+            </a:endParaRPr>
+          </a:p>
+          <a:p>
+            <a:pPr indent="-342900" lvl="0" marL="457200" rtl="0" algn="l">
+              <a:lnSpc>
+                <a:spcPct val="100000"/>
+              </a:lnSpc>
+              <a:spcBef>
+                <a:spcPts val="0"/>
+              </a:spcBef>
+              <a:spcAft>
+                <a:spcPts val="0"/>
+              </a:spcAft>
+              <a:buSzPts val="1800"/>
+              <a:buChar char="●"/>
+            </a:pPr>
+            <a:r>
+              <a:rPr lang="en" sz="1800">
+                <a:highlight>
+                  <a:srgbClr val="FFFFFF"/>
+                </a:highlight>
+              </a:rPr>
+              <a:t>Communicates status to  </a:t>
+            </a:r>
+            <a:r>
+              <a:rPr b="1" lang="en" sz="1800">
+                <a:highlight>
+                  <a:srgbClr val="FFFFFF"/>
+                </a:highlight>
+              </a:rPr>
+              <a:t>project</a:t>
+            </a:r>
+            <a:r>
+              <a:rPr lang="en" sz="1800">
+                <a:highlight>
+                  <a:srgbClr val="FFFFFF"/>
+                </a:highlight>
+              </a:rPr>
+              <a:t> sponsor</a:t>
+            </a:r>
+            <a:endParaRPr sz="1800"/>
+          </a:p>
+        </p:txBody>
+      </p:sp>
+      <p:sp>
+        <p:nvSpPr>
+          <p:cNvPr id="102" name="Google Shape;102;p15"/>
+          <p:cNvSpPr txBox="1"/>
+          <p:nvPr/>
+        </p:nvSpPr>
+        <p:spPr>
+          <a:xfrm>
+            <a:off x="862325" y="2078875"/>
+            <a:ext cx="3915900" cy="507300"/>
+          </a:xfrm>
+          <a:prstGeom prst="rect">
+            <a:avLst/>
+          </a:prstGeom>
+          <a:noFill/>
+          <a:ln>
+            <a:noFill/>
+          </a:ln>
+        </p:spPr>
+        <p:txBody>
+          <a:bodyPr anchorCtr="0" anchor="t" bIns="91425" lIns="91425" spcFirstLastPara="1" rIns="91425" wrap="square" tIns="91425">
+            <a:noAutofit/>
+          </a:bodyPr>
+          <a:lstStyle/>
+          <a:p>
+            <a:pPr indent="0" lvl="0" marL="0" rtl="0" algn="ctr">
+              <a:spcBef>
+                <a:spcPts val="0"/>
+              </a:spcBef>
+              <a:spcAft>
+                <a:spcPts val="0"/>
+              </a:spcAft>
+              <a:buNone/>
+            </a:pPr>
+            <a:r>
+              <a:rPr lang="en" sz="2400">
+                <a:latin typeface="Lato"/>
+                <a:ea typeface="Lato"/>
+                <a:cs typeface="Lato"/>
+                <a:sym typeface="Lato"/>
+              </a:rPr>
+              <a:t>Project Manager</a:t>
+            </a:r>
+            <a:endParaRPr sz="2400">
+              <a:latin typeface="Lato"/>
+              <a:ea typeface="Lato"/>
+              <a:cs typeface="Lato"/>
+              <a:sym typeface="Lato"/>
+            </a:endParaRPr>
+          </a:p>
+        </p:txBody>
+      </p:sp>
+      <p:pic>
+        <p:nvPicPr>
+          <p:cNvPr id="103" name="Google Shape;103;p15"/>
+          <p:cNvPicPr preferRelativeResize="0"/>
+          <p:nvPr/>
+        </p:nvPicPr>
+        <p:blipFill>
+          <a:blip r:embed="rId4">
+            <a:alphaModFix/>
+          </a:blip>
+          <a:stretch>
+            <a:fillRect/>
+          </a:stretch>
+        </p:blipFill>
+        <p:spPr>
+          <a:xfrm>
+            <a:off x="5150475" y="670575"/>
+            <a:ext cx="3413875" cy="2056350"/>
+          </a:xfrm>
+          <a:prstGeom prst="rect">
+            <a:avLst/>
+          </a:prstGeom>
+          <a:noFill/>
+          <a:ln cap="flat" cmpd="sng" w="28575">
+            <a:solidFill>
+              <a:schemeClr val="dk1"/>
+            </a:solidFill>
+            <a:prstDash val="solid"/>
+            <a:round/>
+            <a:headEnd len="sm" w="sm" type="none"/>
+            <a:tailEnd len="sm" w="sm" type="none"/>
+          </a:ln>
+          <a:effectLst>
+            <a:outerShdw blurRad="57150" rotWithShape="0" algn="bl" dir="5400000" dist="47625">
+              <a:srgbClr val="000000">
+                <a:alpha val="50000"/>
+              </a:srgbClr>
+            </a:outerShdw>
+          </a:effectLst>
+        </p:spPr>
+      </p:pic>
+      <p:pic>
+        <p:nvPicPr>
+          <p:cNvPr id="104" name="Google Shape;104;p15"/>
+          <p:cNvPicPr preferRelativeResize="0"/>
+          <p:nvPr/>
+        </p:nvPicPr>
+        <p:blipFill>
+          <a:blip r:embed="rId5">
+            <a:alphaModFix/>
+          </a:blip>
+          <a:stretch>
+            <a:fillRect/>
+          </a:stretch>
+        </p:blipFill>
+        <p:spPr>
+          <a:xfrm>
+            <a:off x="6109750" y="3849582"/>
+            <a:ext cx="2747450" cy="1293906"/>
+          </a:xfrm>
+          <a:prstGeom prst="rect">
+            <a:avLst/>
+          </a:prstGeom>
+          <a:noFill/>
+          <a:ln>
+            <a:noFill/>
+          </a:ln>
+        </p:spPr>
+      </p:pic>
+    </p:spTree>
+  </p:cSld>
+  <p:clrMapOvr>
+    <a:masterClrMapping/>
+  </p:clrMapOvr>
+</p:sld>
+</file>
+
+<file path=ppt/slides/slide4.xml><?xml version="1.0" encoding="utf-8"?>
+<p:sld xmlns:a="http://schemas.openxmlformats.org/drawingml/2006/main" xmlns:r="http://schemas.openxmlformats.org/officeDocument/2006/relationships" xmlns:mc="http://schemas.openxmlformats.org/markup-compatibility/2006" xmlns:mv="urn:schemas-microsoft-com:mac:vml" xmlns:p="http://schemas.openxmlformats.org/presentationml/2006/main" xmlns:c="http://schemas.openxmlformats.org/drawingml/2006/chart" xmlns:dgm="http://schemas.openxmlformats.org/drawingml/2006/diagram" xmlns:o="urn:schemas-microsoft-com:office:office" xmlns:v="urn:schemas-microsoft-com:vml" xmlns:pvml="urn:schemas-microsoft-com:office:powerpoint" xmlns:com="http://schemas.openxmlformats.org/drawingml/2006/compatibility" xmlns:p14="http://schemas.microsoft.com/office/powerpoint/2010/main" xmlns:p15="http://schemas.microsoft.com/office/powerpoint/2012/main">
+  <p:cSld>
+    <p:spTree>
+      <p:nvGrpSpPr>
+        <p:cNvPr id="108" name="Shape 108"/>
+        <p:cNvGrpSpPr/>
+        <p:nvPr/>
+      </p:nvGrpSpPr>
+      <p:grpSpPr>
+        <a:xfrm>
+          <a:off x="0" y="0"/>
+          <a:ext cx="0" cy="0"/>
+          <a:chOff x="0" y="0"/>
+          <a:chExt cx="0" cy="0"/>
+        </a:xfrm>
+      </p:grpSpPr>
+      <p:sp>
+        <p:nvSpPr>
+          <p:cNvPr id="109" name="Google Shape;109;p16"/>
+          <p:cNvSpPr txBox="1"/>
+          <p:nvPr>
+            <p:ph type="title"/>
+          </p:nvPr>
+        </p:nvSpPr>
+        <p:spPr>
+          <a:xfrm>
+            <a:off x="729450" y="1318650"/>
+            <a:ext cx="7688700" cy="760200"/>
+          </a:xfrm>
+          <a:prstGeom prst="rect">
+            <a:avLst/>
+          </a:prstGeom>
+        </p:spPr>
+        <p:txBody>
+          <a:bodyPr anchorCtr="0" anchor="t" bIns="91425" lIns="91425" spcFirstLastPara="1" rIns="91425" wrap="square" tIns="91425">
+            <a:noAutofit/>
+          </a:bodyPr>
+          <a:lstStyle/>
+          <a:p>
+            <a:pPr indent="0" lvl="0" marL="0" rtl="0" algn="l">
+              <a:spcBef>
+                <a:spcPts val="0"/>
+              </a:spcBef>
+              <a:spcAft>
+                <a:spcPts val="0"/>
+              </a:spcAft>
+              <a:buNone/>
+            </a:pPr>
+            <a:r>
+              <a:rPr lang="en" sz="4200"/>
+              <a:t>Nima Roomi </a:t>
+            </a:r>
+            <a:endParaRPr/>
+          </a:p>
+        </p:txBody>
+      </p:sp>
+      <p:sp>
+        <p:nvSpPr>
+          <p:cNvPr id="110" name="Google Shape;110;p16"/>
+          <p:cNvSpPr txBox="1"/>
+          <p:nvPr>
+            <p:ph idx="1" type="body"/>
+          </p:nvPr>
+        </p:nvSpPr>
+        <p:spPr>
+          <a:xfrm>
+            <a:off x="727650" y="2978175"/>
+            <a:ext cx="7688700" cy="1686600"/>
+          </a:xfrm>
+          <a:prstGeom prst="rect">
+            <a:avLst/>
+          </a:prstGeom>
+        </p:spPr>
+        <p:txBody>
+          <a:bodyPr anchorCtr="0" anchor="t" bIns="91425" lIns="91425" spcFirstLastPara="1" rIns="91425" wrap="square" tIns="91425">
+            <a:noAutofit/>
+          </a:bodyPr>
+          <a:lstStyle/>
+          <a:p>
+            <a:pPr indent="-342900" lvl="0" marL="457200" rtl="0" algn="l">
+              <a:lnSpc>
+                <a:spcPct val="200000"/>
+              </a:lnSpc>
+              <a:spcBef>
+                <a:spcPts val="0"/>
+              </a:spcBef>
+              <a:spcAft>
+                <a:spcPts val="0"/>
+              </a:spcAft>
+              <a:buSzPts val="1800"/>
+              <a:buChar char="●"/>
+            </a:pPr>
+            <a:r>
+              <a:rPr lang="en" sz="1800"/>
+              <a:t>R</a:t>
+            </a:r>
+            <a:r>
+              <a:rPr lang="en" sz="1800"/>
+              <a:t>esponsible for the underlying architecture of software</a:t>
+            </a:r>
+            <a:endParaRPr sz="1800"/>
+          </a:p>
+          <a:p>
+            <a:pPr indent="-342900" lvl="0" marL="457200" rtl="0" algn="l">
+              <a:lnSpc>
+                <a:spcPct val="200000"/>
+              </a:lnSpc>
+              <a:spcBef>
+                <a:spcPts val="0"/>
+              </a:spcBef>
+              <a:spcAft>
+                <a:spcPts val="0"/>
+              </a:spcAft>
+              <a:buSzPts val="1800"/>
+              <a:buChar char="●"/>
+            </a:pPr>
+            <a:r>
+              <a:rPr lang="en" sz="1800"/>
+              <a:t>Serve as an interface between the programmers and management</a:t>
+            </a:r>
+            <a:endParaRPr sz="1800"/>
+          </a:p>
+          <a:p>
+            <a:pPr indent="-342900" lvl="0" marL="457200" rtl="0" algn="l">
+              <a:lnSpc>
+                <a:spcPct val="200000"/>
+              </a:lnSpc>
+              <a:spcBef>
+                <a:spcPts val="0"/>
+              </a:spcBef>
+              <a:spcAft>
+                <a:spcPts val="0"/>
+              </a:spcAft>
+              <a:buSzPts val="1800"/>
+              <a:buChar char="●"/>
+            </a:pPr>
+            <a:r>
+              <a:rPr lang="en" sz="1800"/>
+              <a:t>Supervise and delegate software and programing tasks</a:t>
+            </a:r>
+            <a:endParaRPr sz="1800"/>
+          </a:p>
+        </p:txBody>
+      </p:sp>
+      <p:sp>
+        <p:nvSpPr>
+          <p:cNvPr id="111" name="Google Shape;111;p16"/>
+          <p:cNvSpPr txBox="1"/>
+          <p:nvPr/>
+        </p:nvSpPr>
+        <p:spPr>
+          <a:xfrm>
+            <a:off x="842050" y="2078850"/>
+            <a:ext cx="4128900" cy="507300"/>
+          </a:xfrm>
+          <a:prstGeom prst="rect">
+            <a:avLst/>
+          </a:prstGeom>
+          <a:noFill/>
+          <a:ln>
+            <a:noFill/>
+          </a:ln>
+        </p:spPr>
+        <p:txBody>
+          <a:bodyPr anchorCtr="0" anchor="t" bIns="91425" lIns="91425" spcFirstLastPara="1" rIns="91425" wrap="square" tIns="91425">
+            <a:noAutofit/>
+          </a:bodyPr>
+          <a:lstStyle/>
+          <a:p>
+            <a:pPr indent="0" lvl="0" marL="0" rtl="0" algn="ctr">
+              <a:spcBef>
+                <a:spcPts val="0"/>
+              </a:spcBef>
+              <a:spcAft>
+                <a:spcPts val="0"/>
+              </a:spcAft>
+              <a:buNone/>
+            </a:pPr>
+            <a:r>
+              <a:rPr lang="en" sz="2400">
+                <a:latin typeface="Lato"/>
+                <a:ea typeface="Lato"/>
+                <a:cs typeface="Lato"/>
+                <a:sym typeface="Lato"/>
+              </a:rPr>
+              <a:t>Lead Developer/Programmer</a:t>
+            </a:r>
+            <a:endParaRPr sz="2400">
+              <a:latin typeface="Lato"/>
+              <a:ea typeface="Lato"/>
+              <a:cs typeface="Lato"/>
+              <a:sym typeface="Lato"/>
+            </a:endParaRPr>
+          </a:p>
+        </p:txBody>
+      </p:sp>
+    </p:spTree>
+  </p:cSld>
+  <p:clrMapOvr>
+    <a:masterClrMapping/>
+  </p:clrMapOvr>
+</p:sld>
+</file>
+
+<file path=ppt/slides/slide5.xml><?xml version="1.0" encoding="utf-8"?>
+<p:sld xmlns:a="http://schemas.openxmlformats.org/drawingml/2006/main" xmlns:r="http://schemas.openxmlformats.org/officeDocument/2006/relationships" xmlns:mc="http://schemas.openxmlformats.org/markup-compatibility/2006" xmlns:mv="urn:schemas-microsoft-com:mac:vml" xmlns:p="http://schemas.openxmlformats.org/presentationml/2006/main" xmlns:c="http://schemas.openxmlformats.org/drawingml/2006/chart" xmlns:dgm="http://schemas.openxmlformats.org/drawingml/2006/diagram" xmlns:o="urn:schemas-microsoft-com:office:office" xmlns:v="urn:schemas-microsoft-com:vml" xmlns:pvml="urn:schemas-microsoft-com:office:powerpoint" xmlns:com="http://schemas.openxmlformats.org/drawingml/2006/compatibility" xmlns:p14="http://schemas.microsoft.com/office/powerpoint/2010/main" xmlns:p15="http://schemas.microsoft.com/office/powerpoint/2012/main">
+  <p:cSld>
+    <p:spTree>
+      <p:nvGrpSpPr>
+        <p:cNvPr id="115" name="Shape 115"/>
+        <p:cNvGrpSpPr/>
+        <p:nvPr/>
+      </p:nvGrpSpPr>
+      <p:grpSpPr>
+        <a:xfrm>
+          <a:off x="0" y="0"/>
+          <a:ext cx="0" cy="0"/>
+          <a:chOff x="0" y="0"/>
+          <a:chExt cx="0" cy="0"/>
+        </a:xfrm>
+      </p:grpSpPr>
+      <p:sp>
+        <p:nvSpPr>
+          <p:cNvPr id="116" name="Google Shape;116;p17"/>
+          <p:cNvSpPr txBox="1"/>
+          <p:nvPr>
+            <p:ph type="title"/>
+          </p:nvPr>
+        </p:nvSpPr>
+        <p:spPr>
+          <a:xfrm>
+            <a:off x="729450" y="1318650"/>
+            <a:ext cx="7688700" cy="760200"/>
+          </a:xfrm>
+          <a:prstGeom prst="rect">
+            <a:avLst/>
+          </a:prstGeom>
+        </p:spPr>
+        <p:txBody>
+          <a:bodyPr anchorCtr="0" anchor="t" bIns="91425" lIns="91425" spcFirstLastPara="1" rIns="91425" wrap="square" tIns="91425">
+            <a:noAutofit/>
+          </a:bodyPr>
+          <a:lstStyle/>
+          <a:p>
+            <a:pPr indent="0" lvl="0" marL="0" rtl="0" algn="l">
+              <a:spcBef>
+                <a:spcPts val="0"/>
+              </a:spcBef>
+              <a:spcAft>
+                <a:spcPts val="0"/>
+              </a:spcAft>
+              <a:buNone/>
+            </a:pPr>
+            <a:r>
+              <a:rPr lang="en" sz="4200"/>
+              <a:t>Alex Varghese</a:t>
+            </a:r>
+            <a:endParaRPr/>
+          </a:p>
+        </p:txBody>
+      </p:sp>
+      <p:sp>
+        <p:nvSpPr>
+          <p:cNvPr id="117" name="Google Shape;117;p17"/>
+          <p:cNvSpPr txBox="1"/>
+          <p:nvPr>
+            <p:ph idx="1" type="body"/>
+          </p:nvPr>
+        </p:nvSpPr>
+        <p:spPr>
+          <a:xfrm>
+            <a:off x="727650" y="2899750"/>
+            <a:ext cx="7688700" cy="1686600"/>
+          </a:xfrm>
+          <a:prstGeom prst="rect">
+            <a:avLst/>
+          </a:prstGeom>
+        </p:spPr>
+        <p:txBody>
+          <a:bodyPr anchorCtr="0" anchor="t" bIns="91425" lIns="91425" spcFirstLastPara="1" rIns="91425" wrap="square" tIns="91425">
+            <a:noAutofit/>
+          </a:bodyPr>
+          <a:lstStyle/>
+          <a:p>
+            <a:pPr indent="-342900" lvl="0" marL="457200" rtl="0" algn="l">
+              <a:lnSpc>
+                <a:spcPct val="150000"/>
+              </a:lnSpc>
+              <a:spcBef>
+                <a:spcPts val="0"/>
+              </a:spcBef>
+              <a:spcAft>
+                <a:spcPts val="0"/>
+              </a:spcAft>
+              <a:buSzPts val="1800"/>
+              <a:buChar char="●"/>
+            </a:pPr>
+            <a:r>
+              <a:rPr lang="en" sz="1800"/>
+              <a:t>Responsible for the architecture of the database to store and organize necessary information</a:t>
+            </a:r>
+            <a:endParaRPr sz="1800"/>
+          </a:p>
+          <a:p>
+            <a:pPr indent="-342900" lvl="0" marL="457200" rtl="0" algn="l">
+              <a:lnSpc>
+                <a:spcPct val="150000"/>
+              </a:lnSpc>
+              <a:spcBef>
+                <a:spcPts val="0"/>
+              </a:spcBef>
+              <a:spcAft>
+                <a:spcPts val="0"/>
+              </a:spcAft>
+              <a:buSzPts val="1800"/>
+              <a:buChar char="●"/>
+            </a:pPr>
+            <a:r>
+              <a:rPr lang="en" sz="1800"/>
+              <a:t>In charge of capacity planning of the proposed system</a:t>
+            </a:r>
+            <a:endParaRPr sz="1800"/>
+          </a:p>
+          <a:p>
+            <a:pPr indent="-342900" lvl="0" marL="457200" rtl="0" algn="l">
+              <a:lnSpc>
+                <a:spcPct val="150000"/>
+              </a:lnSpc>
+              <a:spcBef>
+                <a:spcPts val="0"/>
+              </a:spcBef>
+              <a:spcAft>
+                <a:spcPts val="0"/>
+              </a:spcAft>
+              <a:buSzPts val="1800"/>
+              <a:buChar char="●"/>
+            </a:pPr>
+            <a:r>
+              <a:rPr lang="en" sz="1800"/>
+              <a:t>Also responsible software installation of the database and monitoring database performance</a:t>
+            </a:r>
+            <a:endParaRPr sz="1800"/>
+          </a:p>
+        </p:txBody>
+      </p:sp>
+      <p:sp>
+        <p:nvSpPr>
+          <p:cNvPr id="118" name="Google Shape;118;p17"/>
+          <p:cNvSpPr txBox="1"/>
+          <p:nvPr/>
+        </p:nvSpPr>
+        <p:spPr>
+          <a:xfrm>
+            <a:off x="862325" y="2078875"/>
+            <a:ext cx="3915900" cy="507300"/>
+          </a:xfrm>
+          <a:prstGeom prst="rect">
+            <a:avLst/>
+          </a:prstGeom>
+          <a:noFill/>
+          <a:ln>
+            <a:noFill/>
+          </a:ln>
+        </p:spPr>
+        <p:txBody>
+          <a:bodyPr anchorCtr="0" anchor="t" bIns="91425" lIns="91425" spcFirstLastPara="1" rIns="91425" wrap="square" tIns="91425">
+            <a:noAutofit/>
+          </a:bodyPr>
+          <a:lstStyle/>
+          <a:p>
+            <a:pPr indent="0" lvl="0" marL="0" rtl="0" algn="ctr">
+              <a:spcBef>
+                <a:spcPts val="0"/>
+              </a:spcBef>
+              <a:spcAft>
+                <a:spcPts val="0"/>
+              </a:spcAft>
+              <a:buNone/>
+            </a:pPr>
+            <a:r>
+              <a:rPr lang="en" sz="2400">
+                <a:latin typeface="Lato"/>
+                <a:ea typeface="Lato"/>
+                <a:cs typeface="Lato"/>
+                <a:sym typeface="Lato"/>
+              </a:rPr>
+              <a:t>Database Administrator</a:t>
+            </a:r>
+            <a:endParaRPr sz="2400">
+              <a:latin typeface="Lato"/>
+              <a:ea typeface="Lato"/>
+              <a:cs typeface="Lato"/>
+              <a:sym typeface="Lato"/>
+            </a:endParaRPr>
+          </a:p>
+        </p:txBody>
+      </p:sp>
+    </p:spTree>
+  </p:cSld>
+  <p:clrMapOvr>
+    <a:masterClrMapping/>
+  </p:clrMapOvr>
+</p:sld>
+</file>
+
+<file path=ppt/slides/slide6.xml><?xml version="1.0" encoding="utf-8"?>
+<p:sld xmlns:a="http://schemas.openxmlformats.org/drawingml/2006/main" xmlns:r="http://schemas.openxmlformats.org/officeDocument/2006/relationships" xmlns:mc="http://schemas.openxmlformats.org/markup-compatibility/2006" xmlns:mv="urn:schemas-microsoft-com:mac:vml" xmlns:p="http://schemas.openxmlformats.org/presentationml/2006/main" xmlns:c="http://schemas.openxmlformats.org/drawingml/2006/chart" xmlns:dgm="http://schemas.openxmlformats.org/drawingml/2006/diagram" xmlns:o="urn:schemas-microsoft-com:office:office" xmlns:v="urn:schemas-microsoft-com:vml" xmlns:pvml="urn:schemas-microsoft-com:office:powerpoint" xmlns:com="http://schemas.openxmlformats.org/drawingml/2006/compatibility" xmlns:p14="http://schemas.microsoft.com/office/powerpoint/2010/main" xmlns:p15="http://schemas.microsoft.com/office/powerpoint/2012/main">
+  <p:cSld>
+    <p:spTree>
+      <p:nvGrpSpPr>
+        <p:cNvPr id="122" name="Shape 122"/>
+        <p:cNvGrpSpPr/>
+        <p:nvPr/>
+      </p:nvGrpSpPr>
+      <p:grpSpPr>
+        <a:xfrm>
+          <a:off x="0" y="0"/>
+          <a:ext cx="0" cy="0"/>
+          <a:chOff x="0" y="0"/>
+          <a:chExt cx="0" cy="0"/>
+        </a:xfrm>
+      </p:grpSpPr>
+      <p:sp>
+        <p:nvSpPr>
+          <p:cNvPr id="123" name="Google Shape;123;p18"/>
+          <p:cNvSpPr txBox="1"/>
+          <p:nvPr>
+            <p:ph type="title"/>
+          </p:nvPr>
+        </p:nvSpPr>
+        <p:spPr>
+          <a:xfrm>
+            <a:off x="729450" y="1318650"/>
+            <a:ext cx="7688700" cy="760200"/>
+          </a:xfrm>
+          <a:prstGeom prst="rect">
+            <a:avLst/>
+          </a:prstGeom>
+        </p:spPr>
+        <p:txBody>
+          <a:bodyPr anchorCtr="0" anchor="t" bIns="91425" lIns="91425" spcFirstLastPara="1" rIns="91425" wrap="square" tIns="91425">
+            <a:noAutofit/>
+          </a:bodyPr>
+          <a:lstStyle/>
+          <a:p>
+            <a:pPr indent="0" lvl="0" marL="0" rtl="0" algn="l">
+              <a:spcBef>
+                <a:spcPts val="0"/>
+              </a:spcBef>
+              <a:spcAft>
+                <a:spcPts val="0"/>
+              </a:spcAft>
+              <a:buNone/>
+            </a:pPr>
+            <a:r>
+              <a:rPr lang="en" sz="4200"/>
+              <a:t>Upen Adhikari</a:t>
+            </a:r>
+            <a:endParaRPr/>
+          </a:p>
+        </p:txBody>
+      </p:sp>
+      <p:sp>
+        <p:nvSpPr>
+          <p:cNvPr id="124" name="Google Shape;124;p18"/>
+          <p:cNvSpPr txBox="1"/>
+          <p:nvPr>
+            <p:ph idx="1" type="body"/>
+          </p:nvPr>
+        </p:nvSpPr>
+        <p:spPr>
+          <a:xfrm>
+            <a:off x="729450" y="3118175"/>
+            <a:ext cx="7688700" cy="1686600"/>
+          </a:xfrm>
+          <a:prstGeom prst="rect">
+            <a:avLst/>
+          </a:prstGeom>
+        </p:spPr>
+        <p:txBody>
+          <a:bodyPr anchorCtr="0" anchor="t" bIns="91425" lIns="91425" spcFirstLastPara="1" rIns="91425" wrap="square" tIns="91425">
+            <a:noAutofit/>
+          </a:bodyPr>
+          <a:lstStyle/>
+          <a:p>
+            <a:pPr indent="-342900" lvl="0" marL="457200" rtl="0" algn="l">
+              <a:lnSpc>
+                <a:spcPct val="150000"/>
+              </a:lnSpc>
+              <a:spcBef>
+                <a:spcPts val="0"/>
+              </a:spcBef>
+              <a:spcAft>
+                <a:spcPts val="0"/>
+              </a:spcAft>
+              <a:buSzPts val="1800"/>
+              <a:buChar char="●"/>
+            </a:pPr>
+            <a:r>
+              <a:rPr lang="en" sz="1800"/>
+              <a:t>Investigate users complaints and non-conformance issues.</a:t>
+            </a:r>
+            <a:endParaRPr sz="1800"/>
+          </a:p>
+          <a:p>
+            <a:pPr indent="-342900" lvl="0" marL="457200" rtl="0" algn="l">
+              <a:lnSpc>
+                <a:spcPct val="150000"/>
+              </a:lnSpc>
+              <a:spcBef>
+                <a:spcPts val="0"/>
+              </a:spcBef>
+              <a:spcAft>
+                <a:spcPts val="0"/>
+              </a:spcAft>
+              <a:buSzPts val="1800"/>
+              <a:buChar char="●"/>
+            </a:pPr>
+            <a:r>
+              <a:rPr lang="en" sz="1800"/>
+              <a:t>Monitor risk management activities</a:t>
+            </a:r>
+            <a:endParaRPr sz="1800"/>
+          </a:p>
+          <a:p>
+            <a:pPr indent="-342900" lvl="0" marL="457200" rtl="0" algn="l">
+              <a:lnSpc>
+                <a:spcPct val="150000"/>
+              </a:lnSpc>
+              <a:spcBef>
+                <a:spcPts val="0"/>
+              </a:spcBef>
+              <a:spcAft>
+                <a:spcPts val="0"/>
+              </a:spcAft>
+              <a:buSzPts val="1800"/>
+              <a:buChar char="●"/>
+            </a:pPr>
+            <a:r>
+              <a:rPr lang="en" sz="1800"/>
+              <a:t>Develop, recommend and monitor corrective and preventive actions</a:t>
+            </a:r>
+            <a:endParaRPr sz="1800"/>
+          </a:p>
+        </p:txBody>
+      </p:sp>
+      <p:sp>
+        <p:nvSpPr>
+          <p:cNvPr id="125" name="Google Shape;125;p18"/>
+          <p:cNvSpPr txBox="1"/>
+          <p:nvPr/>
+        </p:nvSpPr>
+        <p:spPr>
+          <a:xfrm>
+            <a:off x="612550" y="2078850"/>
+            <a:ext cx="3915900" cy="507300"/>
+          </a:xfrm>
+          <a:prstGeom prst="rect">
+            <a:avLst/>
+          </a:prstGeom>
+          <a:noFill/>
+          <a:ln>
+            <a:noFill/>
+          </a:ln>
+        </p:spPr>
+        <p:txBody>
+          <a:bodyPr anchorCtr="0" anchor="t" bIns="91425" lIns="91425" spcFirstLastPara="1" rIns="91425" wrap="square" tIns="91425">
+            <a:noAutofit/>
+          </a:bodyPr>
+          <a:lstStyle/>
+          <a:p>
+            <a:pPr indent="0" lvl="0" marL="0" rtl="0" algn="ctr">
+              <a:spcBef>
+                <a:spcPts val="0"/>
+              </a:spcBef>
+              <a:spcAft>
+                <a:spcPts val="0"/>
+              </a:spcAft>
+              <a:buNone/>
+            </a:pPr>
+            <a:r>
+              <a:rPr lang="en" sz="2400">
+                <a:latin typeface="Lato"/>
+                <a:ea typeface="Lato"/>
+                <a:cs typeface="Lato"/>
+                <a:sym typeface="Lato"/>
+              </a:rPr>
+              <a:t>Quality Assurance</a:t>
+            </a:r>
+            <a:endParaRPr sz="2400">
+              <a:latin typeface="Lato"/>
+              <a:ea typeface="Lato"/>
+              <a:cs typeface="Lato"/>
+              <a:sym typeface="Lato"/>
+            </a:endParaRPr>
+          </a:p>
+        </p:txBody>
+      </p:sp>
+    </p:spTree>
+  </p:cSld>
+  <p:clrMapOvr>
+    <a:masterClrMapping/>
+  </p:clrMapOvr>
+</p:sld>
+</file>
+
+<file path=ppt/slides/slide7.xml><?xml version="1.0" encoding="utf-8"?>
+<p:sld xmlns:a="http://schemas.openxmlformats.org/drawingml/2006/main" xmlns:r="http://schemas.openxmlformats.org/officeDocument/2006/relationships" xmlns:mc="http://schemas.openxmlformats.org/markup-compatibility/2006" xmlns:mv="urn:schemas-microsoft-com:mac:vml" xmlns:p="http://schemas.openxmlformats.org/presentationml/2006/main" xmlns:c="http://schemas.openxmlformats.org/drawingml/2006/chart" xmlns:dgm="http://schemas.openxmlformats.org/drawingml/2006/diagram" xmlns:o="urn:schemas-microsoft-com:office:office" xmlns:v="urn:schemas-microsoft-com:vml" xmlns:pvml="urn:schemas-microsoft-com:office:powerpoint" xmlns:com="http://schemas.openxmlformats.org/drawingml/2006/compatibility" xmlns:p14="http://schemas.microsoft.com/office/powerpoint/2010/main" xmlns:p15="http://schemas.microsoft.com/office/powerpoint/2012/main">
+  <p:cSld>
+    <p:spTree>
+      <p:nvGrpSpPr>
+        <p:cNvPr id="129" name="Shape 129"/>
+        <p:cNvGrpSpPr/>
+        <p:nvPr/>
+      </p:nvGrpSpPr>
+      <p:grpSpPr>
+        <a:xfrm>
+          <a:off x="0" y="0"/>
+          <a:ext cx="0" cy="0"/>
+          <a:chOff x="0" y="0"/>
+          <a:chExt cx="0" cy="0"/>
+        </a:xfrm>
+      </p:grpSpPr>
+      <p:sp>
+        <p:nvSpPr>
+          <p:cNvPr id="130" name="Google Shape;130;p19"/>
           <p:cNvSpPr txBox="1"/>
           <p:nvPr>
             <p:ph type="title"/>
@@ -9055,7 +12960,7 @@
             </a:pPr>
             <a:r>
               <a:rPr lang="en"/>
-              <a:t>Project Sponsor</a:t>
+              <a:t>Existing System</a:t>
             </a:r>
             <a:endParaRPr/>
           </a:p>
@@ -9063,7 +12968,7 @@
       </p:sp>
       <p:sp>
         <p:nvSpPr>
-          <p:cNvPr id="99" name="Google Shape;99;p15"/>
+          <p:cNvPr id="131" name="Google Shape;131;p19"/>
           <p:cNvSpPr txBox="1"/>
           <p:nvPr>
             <p:ph idx="1" type="body"/>
@@ -9072,7 +12977,7 @@
         <p:spPr>
           <a:xfrm>
             <a:off x="729450" y="2078875"/>
-            <a:ext cx="7688700" cy="2261100"/>
+            <a:ext cx="7688700" cy="2718300"/>
           </a:xfrm>
           <a:prstGeom prst="rect">
             <a:avLst/>
@@ -9084,36 +12989,172 @@
           </a:bodyPr>
           <a:lstStyle/>
           <a:p>
-            <a:pPr indent="-311150" lvl="0" marL="457200" rtl="0" algn="l">
-              <a:spcBef>
-                <a:spcPts val="0"/>
-              </a:spcBef>
-              <a:spcAft>
-                <a:spcPts val="0"/>
-              </a:spcAft>
-              <a:buSzPts val="1300"/>
+            <a:pPr indent="-342900" lvl="0" marL="457200" rtl="0" algn="l">
+              <a:lnSpc>
+                <a:spcPct val="150000"/>
+              </a:lnSpc>
+              <a:spcBef>
+                <a:spcPts val="0"/>
+              </a:spcBef>
+              <a:spcAft>
+                <a:spcPts val="0"/>
+              </a:spcAft>
+              <a:buSzPts val="1800"/>
               <a:buChar char="●"/>
             </a:pPr>
             <a:r>
-              <a:rPr lang="en"/>
-              <a:t>Paula Langley - Library Services Manager</a:t>
-            </a:r>
-            <a:endParaRPr/>
-          </a:p>
-          <a:p>
-            <a:pPr indent="0" lvl="0" marL="457200" rtl="0" algn="l">
-              <a:spcBef>
-                <a:spcPts val="1600"/>
-              </a:spcBef>
-              <a:spcAft>
-                <a:spcPts val="1600"/>
-              </a:spcAft>
-              <a:buNone/>
-            </a:pPr>
-            <a:r>
-              <a:t/>
-            </a:r>
-            <a:endParaRPr/>
+              <a:rPr lang="en" sz="1800"/>
+              <a:t>Introduction of laptop loan program in 2015</a:t>
+            </a:r>
+            <a:endParaRPr sz="1800"/>
+          </a:p>
+          <a:p>
+            <a:pPr indent="-342900" lvl="0" marL="457200" rtl="0" algn="l">
+              <a:lnSpc>
+                <a:spcPct val="150000"/>
+              </a:lnSpc>
+              <a:spcBef>
+                <a:spcPts val="0"/>
+              </a:spcBef>
+              <a:spcAft>
+                <a:spcPts val="0"/>
+              </a:spcAft>
+              <a:buSzPts val="1800"/>
+              <a:buChar char="●"/>
+            </a:pPr>
+            <a:r>
+              <a:rPr lang="en" sz="1800"/>
+              <a:t>Three</a:t>
+            </a:r>
+            <a:r>
+              <a:rPr lang="en" sz="1800"/>
+              <a:t> </a:t>
+            </a:r>
+            <a:r>
+              <a:rPr lang="en" sz="1800"/>
+              <a:t>major revisions</a:t>
+            </a:r>
+            <a:r>
+              <a:rPr lang="en" sz="1800"/>
+              <a:t> conducted on the system since then</a:t>
+            </a:r>
+            <a:endParaRPr sz="1800"/>
+          </a:p>
+          <a:p>
+            <a:pPr indent="-342900" lvl="0" marL="457200" rtl="0" algn="l">
+              <a:lnSpc>
+                <a:spcPct val="150000"/>
+              </a:lnSpc>
+              <a:spcBef>
+                <a:spcPts val="0"/>
+              </a:spcBef>
+              <a:spcAft>
+                <a:spcPts val="0"/>
+              </a:spcAft>
+              <a:buSzPts val="1800"/>
+              <a:buChar char="●"/>
+            </a:pPr>
+            <a:r>
+              <a:rPr lang="en" sz="1800"/>
+              <a:t>Primarily</a:t>
+            </a:r>
+            <a:r>
+              <a:rPr lang="en" sz="1800"/>
+              <a:t> manual check in and check out</a:t>
+            </a:r>
+            <a:endParaRPr sz="1800"/>
+          </a:p>
+          <a:p>
+            <a:pPr indent="-342900" lvl="0" marL="457200" rtl="0" algn="l">
+              <a:lnSpc>
+                <a:spcPct val="150000"/>
+              </a:lnSpc>
+              <a:spcBef>
+                <a:spcPts val="0"/>
+              </a:spcBef>
+              <a:spcAft>
+                <a:spcPts val="0"/>
+              </a:spcAft>
+              <a:buSzPts val="1800"/>
+              <a:buChar char="●"/>
+            </a:pPr>
+            <a:r>
+              <a:rPr lang="en" sz="1800"/>
+              <a:t>Policies</a:t>
+            </a:r>
+            <a:r>
+              <a:rPr lang="en" sz="1800"/>
+              <a:t> and program lack </a:t>
+            </a:r>
+            <a:r>
+              <a:rPr lang="en" sz="1800"/>
+              <a:t>clarity</a:t>
+            </a:r>
+            <a:endParaRPr sz="1800"/>
+          </a:p>
+          <a:p>
+            <a:pPr indent="-342900" lvl="0" marL="457200" rtl="0" algn="l">
+              <a:lnSpc>
+                <a:spcPct val="150000"/>
+              </a:lnSpc>
+              <a:spcBef>
+                <a:spcPts val="0"/>
+              </a:spcBef>
+              <a:spcAft>
+                <a:spcPts val="0"/>
+              </a:spcAft>
+              <a:buSzPts val="1800"/>
+              <a:buChar char="●"/>
+            </a:pPr>
+            <a:r>
+              <a:rPr lang="en" sz="1800"/>
+              <a:t>Lackluster website with </a:t>
+            </a:r>
+            <a:r>
+              <a:rPr lang="en" sz="1800"/>
+              <a:t>outdated</a:t>
+            </a:r>
+            <a:r>
+              <a:rPr lang="en" sz="1800"/>
+              <a:t> user design</a:t>
+            </a:r>
+            <a:r>
+              <a:rPr lang="en" sz="1800"/>
+              <a:t> principles</a:t>
+            </a:r>
+            <a:endParaRPr sz="1800"/>
+          </a:p>
+          <a:p>
+            <a:pPr indent="-342900" lvl="0" marL="457200" rtl="0" algn="l">
+              <a:lnSpc>
+                <a:spcPct val="150000"/>
+              </a:lnSpc>
+              <a:spcBef>
+                <a:spcPts val="0"/>
+              </a:spcBef>
+              <a:spcAft>
+                <a:spcPts val="0"/>
+              </a:spcAft>
+              <a:buSzPts val="1800"/>
+              <a:buChar char="●"/>
+            </a:pPr>
+            <a:r>
+              <a:rPr lang="en" sz="1800"/>
+              <a:t>Flawed </a:t>
+            </a:r>
+            <a:r>
+              <a:rPr lang="en" sz="1800"/>
+              <a:t>and </a:t>
+            </a:r>
+            <a:r>
+              <a:rPr lang="en" sz="1800"/>
+              <a:t>unreliable </a:t>
+            </a:r>
+            <a:r>
+              <a:rPr lang="en" sz="1800"/>
+              <a:t>inventory management and tracking</a:t>
+            </a:r>
+            <a:endParaRPr sz="1800"/>
           </a:p>
         </p:txBody>
       </p:sp>
@@ -9125,12 +13166,12 @@
 </p:sld>
 </file>
 
-<file path=ppt/slides/slide4.xml><?xml version="1.0" encoding="utf-8"?>
+<file path=ppt/slides/slide8.xml><?xml version="1.0" encoding="utf-8"?>
 <p:sld xmlns:a="http://schemas.openxmlformats.org/drawingml/2006/main" xmlns:r="http://schemas.openxmlformats.org/officeDocument/2006/relationships" xmlns:mc="http://schemas.openxmlformats.org/markup-compatibility/2006" xmlns:mv="urn:schemas-microsoft-com:mac:vml" xmlns:p="http://schemas.openxmlformats.org/presentationml/2006/main" xmlns:c="http://schemas.openxmlformats.org/drawingml/2006/chart" xmlns:dgm="http://schemas.openxmlformats.org/drawingml/2006/diagram" xmlns:o="urn:schemas-microsoft-com:office:office" xmlns:v="urn:schemas-microsoft-com:vml" xmlns:pvml="urn:schemas-microsoft-com:office:powerpoint" xmlns:com="http://schemas.openxmlformats.org/drawingml/2006/compatibility" xmlns:p14="http://schemas.microsoft.com/office/powerpoint/2010/main" xmlns:p15="http://schemas.microsoft.com/office/powerpoint/2012/main">
   <p:cSld>
     <p:spTree>
       <p:nvGrpSpPr>
-        <p:cNvPr id="103" name="Shape 103"/>
+        <p:cNvPr id="135" name="Shape 135"/>
         <p:cNvGrpSpPr/>
         <p:nvPr/>
       </p:nvGrpSpPr>
@@ -9144,7 +13185,178 @@
       </p:grpSpPr>
       <p:sp>
         <p:nvSpPr>
-          <p:cNvPr id="104" name="Google Shape;104;p16"/>
+          <p:cNvPr id="136" name="Google Shape;136;p20"/>
+          <p:cNvSpPr txBox="1"/>
+          <p:nvPr>
+            <p:ph type="title"/>
+          </p:nvPr>
+        </p:nvSpPr>
+        <p:spPr>
+          <a:xfrm>
+            <a:off x="766450" y="1309400"/>
+            <a:ext cx="7688400" cy="535200"/>
+          </a:xfrm>
+          <a:prstGeom prst="rect">
+            <a:avLst/>
+          </a:prstGeom>
+        </p:spPr>
+        <p:txBody>
+          <a:bodyPr anchorCtr="0" anchor="t" bIns="91425" lIns="91425" spcFirstLastPara="1" rIns="91425" wrap="square" tIns="91425">
+            <a:noAutofit/>
+          </a:bodyPr>
+          <a:lstStyle/>
+          <a:p>
+            <a:pPr indent="0" lvl="0" marL="0" rtl="0" algn="l">
+              <a:spcBef>
+                <a:spcPts val="0"/>
+              </a:spcBef>
+              <a:spcAft>
+                <a:spcPts val="0"/>
+              </a:spcAft>
+              <a:buNone/>
+            </a:pPr>
+            <a:r>
+              <a:rPr lang="en"/>
+              <a:t>Live Demo</a:t>
+            </a:r>
+            <a:endParaRPr/>
+          </a:p>
+        </p:txBody>
+      </p:sp>
+      <p:sp>
+        <p:nvSpPr>
+          <p:cNvPr id="137" name="Google Shape;137;p20"/>
+          <p:cNvSpPr txBox="1"/>
+          <p:nvPr/>
+        </p:nvSpPr>
+        <p:spPr>
+          <a:xfrm>
+            <a:off x="777075" y="2220225"/>
+            <a:ext cx="7688400" cy="1609500"/>
+          </a:xfrm>
+          <a:prstGeom prst="rect">
+            <a:avLst/>
+          </a:prstGeom>
+          <a:noFill/>
+          <a:ln>
+            <a:noFill/>
+          </a:ln>
+        </p:spPr>
+        <p:txBody>
+          <a:bodyPr anchorCtr="0" anchor="t" bIns="91425" lIns="91425" spcFirstLastPara="1" rIns="91425" wrap="square" tIns="91425">
+            <a:noAutofit/>
+          </a:bodyPr>
+          <a:lstStyle/>
+          <a:p>
+            <a:pPr indent="0" lvl="0" marL="0" rtl="0" algn="l">
+              <a:spcBef>
+                <a:spcPts val="0"/>
+              </a:spcBef>
+              <a:spcAft>
+                <a:spcPts val="0"/>
+              </a:spcAft>
+              <a:buNone/>
+            </a:pPr>
+            <a:r>
+              <a:rPr lang="en" sz="3000" u="sng">
+                <a:solidFill>
+                  <a:schemeClr val="hlink"/>
+                </a:solidFill>
+                <a:latin typeface="Lato"/>
+                <a:ea typeface="Lato"/>
+                <a:cs typeface="Lato"/>
+                <a:sym typeface="Lato"/>
+                <a:hlinkClick r:id="rId3"/>
+              </a:rPr>
+              <a:t>http://lib.guides.umbc.edu/c.php?g=961173</a:t>
+            </a:r>
+            <a:endParaRPr sz="3000">
+              <a:latin typeface="Lato"/>
+              <a:ea typeface="Lato"/>
+              <a:cs typeface="Lato"/>
+              <a:sym typeface="Lato"/>
+            </a:endParaRPr>
+          </a:p>
+          <a:p>
+            <a:pPr indent="0" lvl="0" marL="0" rtl="0" algn="l">
+              <a:spcBef>
+                <a:spcPts val="0"/>
+              </a:spcBef>
+              <a:spcAft>
+                <a:spcPts val="0"/>
+              </a:spcAft>
+              <a:buNone/>
+            </a:pPr>
+            <a:r>
+              <a:t/>
+            </a:r>
+            <a:endParaRPr sz="3000">
+              <a:latin typeface="Lato"/>
+              <a:ea typeface="Lato"/>
+              <a:cs typeface="Lato"/>
+              <a:sym typeface="Lato"/>
+            </a:endParaRPr>
+          </a:p>
+          <a:p>
+            <a:pPr indent="0" lvl="0" marL="0" rtl="0" algn="l">
+              <a:spcBef>
+                <a:spcPts val="0"/>
+              </a:spcBef>
+              <a:spcAft>
+                <a:spcPts val="0"/>
+              </a:spcAft>
+              <a:buNone/>
+            </a:pPr>
+            <a:r>
+              <a:rPr lang="en" sz="3000" u="sng">
+                <a:solidFill>
+                  <a:schemeClr val="hlink"/>
+                </a:solidFill>
+                <a:latin typeface="Lato"/>
+                <a:ea typeface="Lato"/>
+                <a:cs typeface="Lato"/>
+                <a:sym typeface="Lato"/>
+                <a:hlinkClick r:id="rId4"/>
+              </a:rPr>
+              <a:t>https://library.umbc.edu/</a:t>
+            </a:r>
+            <a:endParaRPr sz="3000">
+              <a:latin typeface="Lato"/>
+              <a:ea typeface="Lato"/>
+              <a:cs typeface="Lato"/>
+              <a:sym typeface="Lato"/>
+            </a:endParaRPr>
+          </a:p>
+        </p:txBody>
+      </p:sp>
+    </p:spTree>
+  </p:cSld>
+  <p:clrMapOvr>
+    <a:masterClrMapping/>
+  </p:clrMapOvr>
+</p:sld>
+</file>
+
+<file path=ppt/slides/slide9.xml><?xml version="1.0" encoding="utf-8"?>
+<p:sld xmlns:a="http://schemas.openxmlformats.org/drawingml/2006/main" xmlns:r="http://schemas.openxmlformats.org/officeDocument/2006/relationships" xmlns:mc="http://schemas.openxmlformats.org/markup-compatibility/2006" xmlns:mv="urn:schemas-microsoft-com:mac:vml" xmlns:p="http://schemas.openxmlformats.org/presentationml/2006/main" xmlns:c="http://schemas.openxmlformats.org/drawingml/2006/chart" xmlns:dgm="http://schemas.openxmlformats.org/drawingml/2006/diagram" xmlns:o="urn:schemas-microsoft-com:office:office" xmlns:v="urn:schemas-microsoft-com:vml" xmlns:pvml="urn:schemas-microsoft-com:office:powerpoint" xmlns:com="http://schemas.openxmlformats.org/drawingml/2006/compatibility" xmlns:p14="http://schemas.microsoft.com/office/powerpoint/2010/main" xmlns:p15="http://schemas.microsoft.com/office/powerpoint/2012/main">
+  <p:cSld>
+    <p:spTree>
+      <p:nvGrpSpPr>
+        <p:cNvPr id="141" name="Shape 141"/>
+        <p:cNvGrpSpPr/>
+        <p:nvPr/>
+      </p:nvGrpSpPr>
+      <p:grpSpPr>
+        <a:xfrm>
+          <a:off x="0" y="0"/>
+          <a:ext cx="0" cy="0"/>
+          <a:chOff x="0" y="0"/>
+          <a:chExt cx="0" cy="0"/>
+        </a:xfrm>
+      </p:grpSpPr>
+      <p:sp>
+        <p:nvSpPr>
+          <p:cNvPr id="142" name="Google Shape;142;p21"/>
           <p:cNvSpPr txBox="1"/>
           <p:nvPr>
             <p:ph type="title"/>
@@ -9176,7 +13388,22 @@
             </a:pPr>
             <a:r>
               <a:rPr lang="en"/>
-              <a:t>Business Need</a:t>
+              <a:t>System Request - Purpose</a:t>
+            </a:r>
+            <a:endParaRPr/>
+          </a:p>
+          <a:p>
+            <a:pPr indent="0" lvl="0" marL="0" rtl="0" algn="l">
+              <a:spcBef>
+                <a:spcPts val="0"/>
+              </a:spcBef>
+              <a:spcAft>
+                <a:spcPts val="0"/>
+              </a:spcAft>
+              <a:buNone/>
+            </a:pPr>
+            <a:r>
+              <a:t/>
             </a:r>
             <a:endParaRPr/>
           </a:p>
@@ -9184,7 +13411,7 @@
       </p:sp>
       <p:sp>
         <p:nvSpPr>
-          <p:cNvPr id="105" name="Google Shape;105;p16"/>
+          <p:cNvPr id="143" name="Google Shape;143;p21"/>
           <p:cNvSpPr txBox="1"/>
           <p:nvPr>
             <p:ph idx="1" type="body"/>
@@ -9192,8 +13419,8 @@
         </p:nvSpPr>
         <p:spPr>
           <a:xfrm>
-            <a:off x="729450" y="2078875"/>
-            <a:ext cx="7688700" cy="2261100"/>
+            <a:off x="727650" y="2078875"/>
+            <a:ext cx="7688700" cy="2921700"/>
           </a:xfrm>
           <a:prstGeom prst="rect">
             <a:avLst/>
@@ -9205,591 +13432,149 @@
           </a:bodyPr>
           <a:lstStyle/>
           <a:p>
-            <a:pPr indent="0" lvl="0" marL="0" rtl="0" algn="l">
-              <a:spcBef>
-                <a:spcPts val="0"/>
-              </a:spcBef>
-              <a:spcAft>
-                <a:spcPts val="1600"/>
+            <a:pPr indent="-342900" lvl="0" marL="457200" rtl="0" algn="l">
+              <a:spcBef>
+                <a:spcPts val="0"/>
+              </a:spcBef>
+              <a:spcAft>
+                <a:spcPts val="0"/>
+              </a:spcAft>
+              <a:buSzPts val="1800"/>
+              <a:buChar char="●"/>
+            </a:pPr>
+            <a:r>
+              <a:rPr lang="en" sz="1800"/>
+              <a:t>Improve checkout and checkin </a:t>
+            </a:r>
+            <a:r>
+              <a:rPr lang="en" sz="1800"/>
+              <a:t>efficiency</a:t>
+            </a:r>
+            <a:endParaRPr sz="1800"/>
+          </a:p>
+          <a:p>
+            <a:pPr indent="-342900" lvl="0" marL="457200" rtl="0" algn="l">
+              <a:spcBef>
+                <a:spcPts val="0"/>
+              </a:spcBef>
+              <a:spcAft>
+                <a:spcPts val="0"/>
+              </a:spcAft>
+              <a:buSzPts val="1800"/>
+              <a:buChar char="●"/>
+            </a:pPr>
+            <a:r>
+              <a:rPr lang="en" sz="1800"/>
+              <a:t>Implement reliable program/system for inventory tracking and </a:t>
+            </a:r>
+            <a:r>
+              <a:rPr lang="en" sz="1800"/>
+              <a:t>management</a:t>
+            </a:r>
+            <a:endParaRPr sz="1800"/>
+          </a:p>
+          <a:p>
+            <a:pPr indent="-342900" lvl="0" marL="457200" rtl="0" algn="l">
+              <a:spcBef>
+                <a:spcPts val="0"/>
+              </a:spcBef>
+              <a:spcAft>
+                <a:spcPts val="0"/>
+              </a:spcAft>
+              <a:buSzPts val="1800"/>
+              <a:buChar char="●"/>
+            </a:pPr>
+            <a:r>
+              <a:rPr lang="en" sz="1800"/>
+              <a:t>Reduce patron errors and confusion</a:t>
+            </a:r>
+            <a:endParaRPr sz="1800"/>
+          </a:p>
+          <a:p>
+            <a:pPr indent="-342900" lvl="0" marL="457200" rtl="0" algn="l">
+              <a:spcBef>
+                <a:spcPts val="0"/>
+              </a:spcBef>
+              <a:spcAft>
+                <a:spcPts val="0"/>
+              </a:spcAft>
+              <a:buSzPts val="1800"/>
+              <a:buChar char="●"/>
+            </a:pPr>
+            <a:r>
+              <a:rPr lang="en" sz="1800"/>
+              <a:t>Reduce employee workload </a:t>
+            </a:r>
+            <a:r>
+              <a:rPr lang="en" sz="1800"/>
+              <a:t>significantly with</a:t>
+            </a:r>
+            <a:r>
+              <a:rPr lang="en" sz="1800"/>
+              <a:t> automation</a:t>
+            </a:r>
+            <a:endParaRPr sz="1800"/>
+          </a:p>
+          <a:p>
+            <a:pPr indent="-342900" lvl="0" marL="457200" rtl="0" algn="l">
+              <a:spcBef>
+                <a:spcPts val="0"/>
+              </a:spcBef>
+              <a:spcAft>
+                <a:spcPts val="0"/>
+              </a:spcAft>
+              <a:buSzPts val="1800"/>
+              <a:buChar char="●"/>
+            </a:pPr>
+            <a:r>
+              <a:rPr lang="en" sz="1800"/>
+              <a:t>Increase laptop loan and retention times </a:t>
+            </a:r>
+            <a:endParaRPr sz="1800"/>
+          </a:p>
+          <a:p>
+            <a:pPr indent="-342900" lvl="0" marL="457200" rtl="0" algn="l">
+              <a:spcBef>
+                <a:spcPts val="0"/>
+              </a:spcBef>
+              <a:spcAft>
+                <a:spcPts val="0"/>
+              </a:spcAft>
+              <a:buSzPts val="1800"/>
+              <a:buChar char="●"/>
+            </a:pPr>
+            <a:r>
+              <a:rPr lang="en" sz="1800"/>
+              <a:t>Raise patron accountability to reduce laptop repair and </a:t>
+            </a:r>
+            <a:r>
+              <a:rPr lang="en" sz="1800"/>
+              <a:t>maintenance</a:t>
+            </a:r>
+            <a:r>
+              <a:rPr lang="en" sz="1800"/>
+              <a:t> costs</a:t>
+            </a:r>
+            <a:endParaRPr b="1" sz="1800">
+              <a:solidFill>
+                <a:srgbClr val="000000"/>
+              </a:solidFill>
+            </a:endParaRPr>
+          </a:p>
+          <a:p>
+            <a:pPr indent="0" lvl="0" marL="457200" rtl="0" algn="l">
+              <a:spcBef>
+                <a:spcPts val="0"/>
+              </a:spcBef>
+              <a:spcAft>
+                <a:spcPts val="0"/>
               </a:spcAft>
               <a:buNone/>
             </a:pPr>
             <a:r>
               <a:t/>
             </a:r>
-            <a:endParaRPr/>
-          </a:p>
-        </p:txBody>
-      </p:sp>
-    </p:spTree>
-  </p:cSld>
-  <p:clrMapOvr>
-    <a:masterClrMapping/>
-  </p:clrMapOvr>
-</p:sld>
-</file>
-
-<file path=ppt/slides/slide5.xml><?xml version="1.0" encoding="utf-8"?>
-<p:sld xmlns:a="http://schemas.openxmlformats.org/drawingml/2006/main" xmlns:r="http://schemas.openxmlformats.org/officeDocument/2006/relationships" xmlns:mc="http://schemas.openxmlformats.org/markup-compatibility/2006" xmlns:mv="urn:schemas-microsoft-com:mac:vml" xmlns:p="http://schemas.openxmlformats.org/presentationml/2006/main" xmlns:c="http://schemas.openxmlformats.org/drawingml/2006/chart" xmlns:dgm="http://schemas.openxmlformats.org/drawingml/2006/diagram" xmlns:o="urn:schemas-microsoft-com:office:office" xmlns:v="urn:schemas-microsoft-com:vml" xmlns:pvml="urn:schemas-microsoft-com:office:powerpoint" xmlns:com="http://schemas.openxmlformats.org/drawingml/2006/compatibility" xmlns:p14="http://schemas.microsoft.com/office/powerpoint/2010/main" xmlns:p15="http://schemas.microsoft.com/office/powerpoint/2012/main">
-  <p:cSld>
-    <p:spTree>
-      <p:nvGrpSpPr>
-        <p:cNvPr id="109" name="Shape 109"/>
-        <p:cNvGrpSpPr/>
-        <p:nvPr/>
-      </p:nvGrpSpPr>
-      <p:grpSpPr>
-        <a:xfrm>
-          <a:off x="0" y="0"/>
-          <a:ext cx="0" cy="0"/>
-          <a:chOff x="0" y="0"/>
-          <a:chExt cx="0" cy="0"/>
-        </a:xfrm>
-      </p:grpSpPr>
-      <p:sp>
-        <p:nvSpPr>
-          <p:cNvPr id="110" name="Google Shape;110;p17"/>
-          <p:cNvSpPr txBox="1"/>
-          <p:nvPr>
-            <p:ph type="title"/>
-          </p:nvPr>
-        </p:nvSpPr>
-        <p:spPr>
-          <a:xfrm>
-            <a:off x="729450" y="1318650"/>
-            <a:ext cx="7688700" cy="535200"/>
-          </a:xfrm>
-          <a:prstGeom prst="rect">
-            <a:avLst/>
-          </a:prstGeom>
-        </p:spPr>
-        <p:txBody>
-          <a:bodyPr anchorCtr="0" anchor="t" bIns="91425" lIns="91425" spcFirstLastPara="1" rIns="91425" wrap="square" tIns="91425">
-            <a:noAutofit/>
-          </a:bodyPr>
-          <a:lstStyle/>
-          <a:p>
-            <a:pPr indent="0" lvl="0" marL="0" rtl="0" algn="l">
-              <a:spcBef>
-                <a:spcPts val="0"/>
-              </a:spcBef>
-              <a:spcAft>
-                <a:spcPts val="0"/>
-              </a:spcAft>
-              <a:buNone/>
-            </a:pPr>
-            <a:r>
-              <a:rPr lang="en"/>
-              <a:t>Business Requirement </a:t>
-            </a:r>
-            <a:endParaRPr/>
-          </a:p>
-        </p:txBody>
-      </p:sp>
-      <p:sp>
-        <p:nvSpPr>
-          <p:cNvPr id="111" name="Google Shape;111;p17"/>
-          <p:cNvSpPr txBox="1"/>
-          <p:nvPr>
-            <p:ph idx="1" type="body"/>
-          </p:nvPr>
-        </p:nvSpPr>
-        <p:spPr>
-          <a:xfrm>
-            <a:off x="729450" y="2078875"/>
-            <a:ext cx="7688700" cy="2261100"/>
-          </a:xfrm>
-          <a:prstGeom prst="rect">
-            <a:avLst/>
-          </a:prstGeom>
-        </p:spPr>
-        <p:txBody>
-          <a:bodyPr anchorCtr="0" anchor="t" bIns="91425" lIns="91425" spcFirstLastPara="1" rIns="91425" wrap="square" tIns="91425">
-            <a:noAutofit/>
-          </a:bodyPr>
-          <a:lstStyle/>
-          <a:p>
-            <a:pPr indent="0" lvl="0" marL="0" rtl="0" algn="l">
-              <a:spcBef>
-                <a:spcPts val="0"/>
-              </a:spcBef>
-              <a:spcAft>
-                <a:spcPts val="1600"/>
-              </a:spcAft>
-              <a:buNone/>
-            </a:pPr>
-            <a:r>
-              <a:t/>
-            </a:r>
-            <a:endParaRPr/>
-          </a:p>
-        </p:txBody>
-      </p:sp>
-    </p:spTree>
-  </p:cSld>
-  <p:clrMapOvr>
-    <a:masterClrMapping/>
-  </p:clrMapOvr>
-</p:sld>
-</file>
-
-<file path=ppt/slides/slide6.xml><?xml version="1.0" encoding="utf-8"?>
-<p:sld xmlns:a="http://schemas.openxmlformats.org/drawingml/2006/main" xmlns:r="http://schemas.openxmlformats.org/officeDocument/2006/relationships" xmlns:mc="http://schemas.openxmlformats.org/markup-compatibility/2006" xmlns:mv="urn:schemas-microsoft-com:mac:vml" xmlns:p="http://schemas.openxmlformats.org/presentationml/2006/main" xmlns:c="http://schemas.openxmlformats.org/drawingml/2006/chart" xmlns:dgm="http://schemas.openxmlformats.org/drawingml/2006/diagram" xmlns:o="urn:schemas-microsoft-com:office:office" xmlns:v="urn:schemas-microsoft-com:vml" xmlns:pvml="urn:schemas-microsoft-com:office:powerpoint" xmlns:com="http://schemas.openxmlformats.org/drawingml/2006/compatibility" xmlns:p14="http://schemas.microsoft.com/office/powerpoint/2010/main" xmlns:p15="http://schemas.microsoft.com/office/powerpoint/2012/main">
-  <p:cSld>
-    <p:spTree>
-      <p:nvGrpSpPr>
-        <p:cNvPr id="115" name="Shape 115"/>
-        <p:cNvGrpSpPr/>
-        <p:nvPr/>
-      </p:nvGrpSpPr>
-      <p:grpSpPr>
-        <a:xfrm>
-          <a:off x="0" y="0"/>
-          <a:ext cx="0" cy="0"/>
-          <a:chOff x="0" y="0"/>
-          <a:chExt cx="0" cy="0"/>
-        </a:xfrm>
-      </p:grpSpPr>
-      <p:sp>
-        <p:nvSpPr>
-          <p:cNvPr id="116" name="Google Shape;116;p18"/>
-          <p:cNvSpPr txBox="1"/>
-          <p:nvPr>
-            <p:ph type="title"/>
-          </p:nvPr>
-        </p:nvSpPr>
-        <p:spPr>
-          <a:xfrm>
-            <a:off x="729450" y="1318650"/>
-            <a:ext cx="7688700" cy="535200"/>
-          </a:xfrm>
-          <a:prstGeom prst="rect">
-            <a:avLst/>
-          </a:prstGeom>
-        </p:spPr>
-        <p:txBody>
-          <a:bodyPr anchorCtr="0" anchor="t" bIns="91425" lIns="91425" spcFirstLastPara="1" rIns="91425" wrap="square" tIns="91425">
-            <a:noAutofit/>
-          </a:bodyPr>
-          <a:lstStyle/>
-          <a:p>
-            <a:pPr indent="0" lvl="0" marL="0" rtl="0" algn="l">
-              <a:spcBef>
-                <a:spcPts val="0"/>
-              </a:spcBef>
-              <a:spcAft>
-                <a:spcPts val="0"/>
-              </a:spcAft>
-              <a:buNone/>
-            </a:pPr>
-            <a:r>
-              <a:rPr lang="en"/>
-              <a:t>Feasibility Analysis Part 1</a:t>
-            </a:r>
-            <a:endParaRPr/>
-          </a:p>
-        </p:txBody>
-      </p:sp>
-      <p:sp>
-        <p:nvSpPr>
-          <p:cNvPr id="117" name="Google Shape;117;p18"/>
-          <p:cNvSpPr txBox="1"/>
-          <p:nvPr>
-            <p:ph idx="1" type="body"/>
-          </p:nvPr>
-        </p:nvSpPr>
-        <p:spPr>
-          <a:xfrm>
-            <a:off x="729450" y="2078875"/>
-            <a:ext cx="7688700" cy="2261100"/>
-          </a:xfrm>
-          <a:prstGeom prst="rect">
-            <a:avLst/>
-          </a:prstGeom>
-        </p:spPr>
-        <p:txBody>
-          <a:bodyPr anchorCtr="0" anchor="t" bIns="91425" lIns="91425" spcFirstLastPara="1" rIns="91425" wrap="square" tIns="91425">
-            <a:noAutofit/>
-          </a:bodyPr>
-          <a:lstStyle/>
-          <a:p>
-            <a:pPr indent="0" lvl="0" marL="0" rtl="0" algn="l">
-              <a:spcBef>
-                <a:spcPts val="0"/>
-              </a:spcBef>
-              <a:spcAft>
-                <a:spcPts val="0"/>
-              </a:spcAft>
-              <a:buNone/>
-            </a:pPr>
-            <a:r>
-              <a:rPr lang="en"/>
-              <a:t>Technical Feasibility </a:t>
-            </a:r>
-            <a:endParaRPr/>
-          </a:p>
-          <a:p>
-            <a:pPr indent="0" lvl="0" marL="0" rtl="0" algn="l">
-              <a:spcBef>
-                <a:spcPts val="1600"/>
-              </a:spcBef>
-              <a:spcAft>
-                <a:spcPts val="1600"/>
-              </a:spcAft>
-              <a:buNone/>
-            </a:pPr>
-            <a:r>
-              <a:t/>
-            </a:r>
-            <a:endParaRPr/>
-          </a:p>
-        </p:txBody>
-      </p:sp>
-    </p:spTree>
-  </p:cSld>
-  <p:clrMapOvr>
-    <a:masterClrMapping/>
-  </p:clrMapOvr>
-</p:sld>
-</file>
-
-<file path=ppt/slides/slide7.xml><?xml version="1.0" encoding="utf-8"?>
-<p:sld xmlns:a="http://schemas.openxmlformats.org/drawingml/2006/main" xmlns:r="http://schemas.openxmlformats.org/officeDocument/2006/relationships" xmlns:mc="http://schemas.openxmlformats.org/markup-compatibility/2006" xmlns:mv="urn:schemas-microsoft-com:mac:vml" xmlns:p="http://schemas.openxmlformats.org/presentationml/2006/main" xmlns:c="http://schemas.openxmlformats.org/drawingml/2006/chart" xmlns:dgm="http://schemas.openxmlformats.org/drawingml/2006/diagram" xmlns:o="urn:schemas-microsoft-com:office:office" xmlns:v="urn:schemas-microsoft-com:vml" xmlns:pvml="urn:schemas-microsoft-com:office:powerpoint" xmlns:com="http://schemas.openxmlformats.org/drawingml/2006/compatibility" xmlns:p14="http://schemas.microsoft.com/office/powerpoint/2010/main" xmlns:p15="http://schemas.microsoft.com/office/powerpoint/2012/main">
-  <p:cSld>
-    <p:spTree>
-      <p:nvGrpSpPr>
-        <p:cNvPr id="121" name="Shape 121"/>
-        <p:cNvGrpSpPr/>
-        <p:nvPr/>
-      </p:nvGrpSpPr>
-      <p:grpSpPr>
-        <a:xfrm>
-          <a:off x="0" y="0"/>
-          <a:ext cx="0" cy="0"/>
-          <a:chOff x="0" y="0"/>
-          <a:chExt cx="0" cy="0"/>
-        </a:xfrm>
-      </p:grpSpPr>
-      <p:sp>
-        <p:nvSpPr>
-          <p:cNvPr id="122" name="Google Shape;122;p19"/>
-          <p:cNvSpPr txBox="1"/>
-          <p:nvPr>
-            <p:ph type="title"/>
-          </p:nvPr>
-        </p:nvSpPr>
-        <p:spPr>
-          <a:xfrm>
-            <a:off x="729450" y="1318650"/>
-            <a:ext cx="7688700" cy="535200"/>
-          </a:xfrm>
-          <a:prstGeom prst="rect">
-            <a:avLst/>
-          </a:prstGeom>
-        </p:spPr>
-        <p:txBody>
-          <a:bodyPr anchorCtr="0" anchor="t" bIns="91425" lIns="91425" spcFirstLastPara="1" rIns="91425" wrap="square" tIns="91425">
-            <a:noAutofit/>
-          </a:bodyPr>
-          <a:lstStyle/>
-          <a:p>
-            <a:pPr indent="0" lvl="0" marL="0" rtl="0" algn="l">
-              <a:spcBef>
-                <a:spcPts val="0"/>
-              </a:spcBef>
-              <a:spcAft>
-                <a:spcPts val="0"/>
-              </a:spcAft>
-              <a:buNone/>
-            </a:pPr>
-            <a:r>
-              <a:rPr lang="en"/>
-              <a:t>Feasibility Analysis Part 2</a:t>
-            </a:r>
-            <a:endParaRPr/>
-          </a:p>
-          <a:p>
-            <a:pPr indent="0" lvl="0" marL="0" rtl="0" algn="l">
-              <a:spcBef>
-                <a:spcPts val="0"/>
-              </a:spcBef>
-              <a:spcAft>
-                <a:spcPts val="0"/>
-              </a:spcAft>
-              <a:buNone/>
-            </a:pPr>
-            <a:r>
-              <a:t/>
-            </a:r>
-            <a:endParaRPr/>
-          </a:p>
-        </p:txBody>
-      </p:sp>
-      <p:sp>
-        <p:nvSpPr>
-          <p:cNvPr id="123" name="Google Shape;123;p19"/>
-          <p:cNvSpPr txBox="1"/>
-          <p:nvPr>
-            <p:ph idx="1" type="body"/>
-          </p:nvPr>
-        </p:nvSpPr>
-        <p:spPr>
-          <a:xfrm>
-            <a:off x="729450" y="2078875"/>
-            <a:ext cx="7688700" cy="2261100"/>
-          </a:xfrm>
-          <a:prstGeom prst="rect">
-            <a:avLst/>
-          </a:prstGeom>
-        </p:spPr>
-        <p:txBody>
-          <a:bodyPr anchorCtr="0" anchor="t" bIns="91425" lIns="91425" spcFirstLastPara="1" rIns="91425" wrap="square" tIns="91425">
-            <a:noAutofit/>
-          </a:bodyPr>
-          <a:lstStyle/>
-          <a:p>
-            <a:pPr indent="0" lvl="0" marL="0" rtl="0" algn="l">
-              <a:spcBef>
-                <a:spcPts val="0"/>
-              </a:spcBef>
-              <a:spcAft>
-                <a:spcPts val="0"/>
-              </a:spcAft>
-              <a:buNone/>
-            </a:pPr>
-            <a:r>
-              <a:rPr lang="en"/>
-              <a:t>Economic Feasibility</a:t>
-            </a:r>
-            <a:endParaRPr/>
-          </a:p>
-          <a:p>
-            <a:pPr indent="0" lvl="0" marL="0" rtl="0" algn="l">
-              <a:spcBef>
-                <a:spcPts val="1600"/>
-              </a:spcBef>
-              <a:spcAft>
-                <a:spcPts val="1600"/>
-              </a:spcAft>
-              <a:buNone/>
-            </a:pPr>
-            <a:r>
-              <a:t/>
-            </a:r>
-            <a:endParaRPr/>
-          </a:p>
-        </p:txBody>
-      </p:sp>
-    </p:spTree>
-  </p:cSld>
-  <p:clrMapOvr>
-    <a:masterClrMapping/>
-  </p:clrMapOvr>
-</p:sld>
-</file>
-
-<file path=ppt/slides/slide8.xml><?xml version="1.0" encoding="utf-8"?>
-<p:sld xmlns:a="http://schemas.openxmlformats.org/drawingml/2006/main" xmlns:r="http://schemas.openxmlformats.org/officeDocument/2006/relationships" xmlns:mc="http://schemas.openxmlformats.org/markup-compatibility/2006" xmlns:mv="urn:schemas-microsoft-com:mac:vml" xmlns:p="http://schemas.openxmlformats.org/presentationml/2006/main" xmlns:c="http://schemas.openxmlformats.org/drawingml/2006/chart" xmlns:dgm="http://schemas.openxmlformats.org/drawingml/2006/diagram" xmlns:o="urn:schemas-microsoft-com:office:office" xmlns:v="urn:schemas-microsoft-com:vml" xmlns:pvml="urn:schemas-microsoft-com:office:powerpoint" xmlns:com="http://schemas.openxmlformats.org/drawingml/2006/compatibility" xmlns:p14="http://schemas.microsoft.com/office/powerpoint/2010/main" xmlns:p15="http://schemas.microsoft.com/office/powerpoint/2012/main">
-  <p:cSld>
-    <p:spTree>
-      <p:nvGrpSpPr>
-        <p:cNvPr id="127" name="Shape 127"/>
-        <p:cNvGrpSpPr/>
-        <p:nvPr/>
-      </p:nvGrpSpPr>
-      <p:grpSpPr>
-        <a:xfrm>
-          <a:off x="0" y="0"/>
-          <a:ext cx="0" cy="0"/>
-          <a:chOff x="0" y="0"/>
-          <a:chExt cx="0" cy="0"/>
-        </a:xfrm>
-      </p:grpSpPr>
-      <p:sp>
-        <p:nvSpPr>
-          <p:cNvPr id="128" name="Google Shape;128;p20"/>
-          <p:cNvSpPr txBox="1"/>
-          <p:nvPr>
-            <p:ph type="title"/>
-          </p:nvPr>
-        </p:nvSpPr>
-        <p:spPr>
-          <a:xfrm>
-            <a:off x="729450" y="1318650"/>
-            <a:ext cx="7688700" cy="535200"/>
-          </a:xfrm>
-          <a:prstGeom prst="rect">
-            <a:avLst/>
-          </a:prstGeom>
-        </p:spPr>
-        <p:txBody>
-          <a:bodyPr anchorCtr="0" anchor="t" bIns="91425" lIns="91425" spcFirstLastPara="1" rIns="91425" wrap="square" tIns="91425">
-            <a:noAutofit/>
-          </a:bodyPr>
-          <a:lstStyle/>
-          <a:p>
-            <a:pPr indent="0" lvl="0" marL="0" rtl="0" algn="l">
-              <a:spcBef>
-                <a:spcPts val="0"/>
-              </a:spcBef>
-              <a:spcAft>
-                <a:spcPts val="0"/>
-              </a:spcAft>
-              <a:buNone/>
-            </a:pPr>
-            <a:r>
-              <a:rPr lang="en"/>
-              <a:t>Feasibility Analysis Part 3</a:t>
-            </a:r>
-            <a:endParaRPr/>
-          </a:p>
-        </p:txBody>
-      </p:sp>
-      <p:sp>
-        <p:nvSpPr>
-          <p:cNvPr id="129" name="Google Shape;129;p20"/>
-          <p:cNvSpPr txBox="1"/>
-          <p:nvPr>
-            <p:ph idx="1" type="body"/>
-          </p:nvPr>
-        </p:nvSpPr>
-        <p:spPr>
-          <a:xfrm>
-            <a:off x="729450" y="2078875"/>
-            <a:ext cx="7688700" cy="2261100"/>
-          </a:xfrm>
-          <a:prstGeom prst="rect">
-            <a:avLst/>
-          </a:prstGeom>
-        </p:spPr>
-        <p:txBody>
-          <a:bodyPr anchorCtr="0" anchor="t" bIns="91425" lIns="91425" spcFirstLastPara="1" rIns="91425" wrap="square" tIns="91425">
-            <a:noAutofit/>
-          </a:bodyPr>
-          <a:lstStyle/>
-          <a:p>
-            <a:pPr indent="0" lvl="0" marL="0" rtl="0" algn="l">
-              <a:spcBef>
-                <a:spcPts val="0"/>
-              </a:spcBef>
-              <a:spcAft>
-                <a:spcPts val="1600"/>
-              </a:spcAft>
-              <a:buNone/>
-            </a:pPr>
-            <a:r>
-              <a:rPr lang="en"/>
-              <a:t>Organizational</a:t>
-            </a:r>
-            <a:r>
-              <a:rPr lang="en"/>
-              <a:t> Feasibility</a:t>
-            </a:r>
-            <a:endParaRPr/>
-          </a:p>
-        </p:txBody>
-      </p:sp>
-    </p:spTree>
-  </p:cSld>
-  <p:clrMapOvr>
-    <a:masterClrMapping/>
-  </p:clrMapOvr>
-</p:sld>
-</file>
-
-<file path=ppt/slides/slide9.xml><?xml version="1.0" encoding="utf-8"?>
-<p:sld xmlns:a="http://schemas.openxmlformats.org/drawingml/2006/main" xmlns:r="http://schemas.openxmlformats.org/officeDocument/2006/relationships" xmlns:mc="http://schemas.openxmlformats.org/markup-compatibility/2006" xmlns:mv="urn:schemas-microsoft-com:mac:vml" xmlns:p="http://schemas.openxmlformats.org/presentationml/2006/main" xmlns:c="http://schemas.openxmlformats.org/drawingml/2006/chart" xmlns:dgm="http://schemas.openxmlformats.org/drawingml/2006/diagram" xmlns:o="urn:schemas-microsoft-com:office:office" xmlns:v="urn:schemas-microsoft-com:vml" xmlns:pvml="urn:schemas-microsoft-com:office:powerpoint" xmlns:com="http://schemas.openxmlformats.org/drawingml/2006/compatibility" xmlns:p14="http://schemas.microsoft.com/office/powerpoint/2010/main" xmlns:p15="http://schemas.microsoft.com/office/powerpoint/2012/main">
-  <p:cSld>
-    <p:spTree>
-      <p:nvGrpSpPr>
-        <p:cNvPr id="133" name="Shape 133"/>
-        <p:cNvGrpSpPr/>
-        <p:nvPr/>
-      </p:nvGrpSpPr>
-      <p:grpSpPr>
-        <a:xfrm>
-          <a:off x="0" y="0"/>
-          <a:ext cx="0" cy="0"/>
-          <a:chOff x="0" y="0"/>
-          <a:chExt cx="0" cy="0"/>
-        </a:xfrm>
-      </p:grpSpPr>
-      <p:sp>
-        <p:nvSpPr>
-          <p:cNvPr id="134" name="Google Shape;134;p21"/>
-          <p:cNvSpPr txBox="1"/>
-          <p:nvPr>
-            <p:ph type="title"/>
-          </p:nvPr>
-        </p:nvSpPr>
-        <p:spPr>
-          <a:xfrm>
-            <a:off x="729450" y="1318650"/>
-            <a:ext cx="7688700" cy="535200"/>
-          </a:xfrm>
-          <a:prstGeom prst="rect">
-            <a:avLst/>
-          </a:prstGeom>
-        </p:spPr>
-        <p:txBody>
-          <a:bodyPr anchorCtr="0" anchor="t" bIns="91425" lIns="91425" spcFirstLastPara="1" rIns="91425" wrap="square" tIns="91425">
-            <a:noAutofit/>
-          </a:bodyPr>
-          <a:lstStyle/>
-          <a:p>
-            <a:pPr indent="0" lvl="0" marL="0" rtl="0" algn="l">
-              <a:spcBef>
-                <a:spcPts val="0"/>
-              </a:spcBef>
-              <a:spcAft>
-                <a:spcPts val="0"/>
-              </a:spcAft>
-              <a:buNone/>
-            </a:pPr>
-            <a:r>
-              <a:rPr lang="en"/>
-              <a:t>Special Issues or Constraints </a:t>
-            </a:r>
-            <a:endParaRPr/>
-          </a:p>
-        </p:txBody>
-      </p:sp>
-      <p:sp>
-        <p:nvSpPr>
-          <p:cNvPr id="135" name="Google Shape;135;p21"/>
-          <p:cNvSpPr txBox="1"/>
-          <p:nvPr>
-            <p:ph idx="1" type="body"/>
-          </p:nvPr>
-        </p:nvSpPr>
-        <p:spPr>
-          <a:xfrm>
-            <a:off x="729450" y="2078875"/>
-            <a:ext cx="7688700" cy="2261100"/>
-          </a:xfrm>
-          <a:prstGeom prst="rect">
-            <a:avLst/>
-          </a:prstGeom>
-        </p:spPr>
-        <p:txBody>
-          <a:bodyPr anchorCtr="0" anchor="t" bIns="91425" lIns="91425" spcFirstLastPara="1" rIns="91425" wrap="square" tIns="91425">
-            <a:noAutofit/>
-          </a:bodyPr>
-          <a:lstStyle/>
-          <a:p>
-            <a:pPr indent="0" lvl="0" marL="0" rtl="0" algn="l">
-              <a:spcBef>
-                <a:spcPts val="0"/>
-              </a:spcBef>
-              <a:spcAft>
-                <a:spcPts val="1600"/>
-              </a:spcAft>
-              <a:buNone/>
-            </a:pPr>
-            <a:r>
-              <a:t/>
-            </a:r>
-            <a:endParaRPr/>
+            <a:endParaRPr sz="1800"/>
           </a:p>
         </p:txBody>
       </p:sp>

--- a/A.O.K. Laptop Overhaul System.pptx
+++ b/A.O.K. Laptop Overhaul System.pptx
@@ -2,49 +2,49 @@
 <file path=ppt/presentation.xml><?xml version="1.0" encoding="utf-8"?>
 <p:presentation xmlns:a="http://schemas.openxmlformats.org/drawingml/2006/main" xmlns:r="http://schemas.openxmlformats.org/officeDocument/2006/relationships" xmlns:mc="http://schemas.openxmlformats.org/markup-compatibility/2006" xmlns:mv="urn:schemas-microsoft-com:mac:vml" xmlns:p="http://schemas.openxmlformats.org/presentationml/2006/main" xmlns:c="http://schemas.openxmlformats.org/drawingml/2006/chart" xmlns:dgm="http://schemas.openxmlformats.org/drawingml/2006/diagram" xmlns:o="urn:schemas-microsoft-com:office:office" xmlns:v="urn:schemas-microsoft-com:vml" xmlns:pvml="urn:schemas-microsoft-com:office:powerpoint" xmlns:com="http://schemas.openxmlformats.org/drawingml/2006/compatibility" xmlns:p14="http://schemas.microsoft.com/office/powerpoint/2010/main" xmlns:p15="http://schemas.microsoft.com/office/powerpoint/2012/main" autoCompressPictures="0" embedTrueTypeFonts="1" strictFirstAndLastChars="0" saveSubsetFonts="1">
   <p:sldMasterIdLst>
-    <p:sldMasterId id="2147483659" r:id="rId5"/>
+    <p:sldMasterId id="2147483659" r:id="rId4"/>
   </p:sldMasterIdLst>
   <p:notesMasterIdLst>
-    <p:notesMasterId r:id="rId6"/>
+    <p:notesMasterId r:id="rId5"/>
   </p:notesMasterIdLst>
   <p:sldIdLst>
-    <p:sldId id="256" r:id="rId7"/>
-    <p:sldId id="257" r:id="rId8"/>
-    <p:sldId id="258" r:id="rId9"/>
-    <p:sldId id="259" r:id="rId10"/>
-    <p:sldId id="260" r:id="rId11"/>
-    <p:sldId id="261" r:id="rId12"/>
-    <p:sldId id="262" r:id="rId13"/>
-    <p:sldId id="263" r:id="rId14"/>
-    <p:sldId id="264" r:id="rId15"/>
-    <p:sldId id="265" r:id="rId16"/>
-    <p:sldId id="266" r:id="rId17"/>
-    <p:sldId id="267" r:id="rId18"/>
-    <p:sldId id="268" r:id="rId19"/>
-    <p:sldId id="269" r:id="rId20"/>
-    <p:sldId id="270" r:id="rId21"/>
-    <p:sldId id="271" r:id="rId22"/>
-    <p:sldId id="272" r:id="rId23"/>
-    <p:sldId id="273" r:id="rId24"/>
-    <p:sldId id="274" r:id="rId25"/>
-    <p:sldId id="275" r:id="rId26"/>
+    <p:sldId id="256" r:id="rId6"/>
+    <p:sldId id="257" r:id="rId7"/>
+    <p:sldId id="258" r:id="rId8"/>
+    <p:sldId id="259" r:id="rId9"/>
+    <p:sldId id="260" r:id="rId10"/>
+    <p:sldId id="261" r:id="rId11"/>
+    <p:sldId id="262" r:id="rId12"/>
+    <p:sldId id="263" r:id="rId13"/>
+    <p:sldId id="264" r:id="rId14"/>
+    <p:sldId id="265" r:id="rId15"/>
+    <p:sldId id="266" r:id="rId16"/>
+    <p:sldId id="267" r:id="rId17"/>
+    <p:sldId id="268" r:id="rId18"/>
+    <p:sldId id="269" r:id="rId19"/>
+    <p:sldId id="270" r:id="rId20"/>
+    <p:sldId id="271" r:id="rId21"/>
+    <p:sldId id="272" r:id="rId22"/>
+    <p:sldId id="273" r:id="rId23"/>
+    <p:sldId id="274" r:id="rId24"/>
+    <p:sldId id="275" r:id="rId25"/>
   </p:sldIdLst>
   <p:sldSz cy="5143500" cx="9144000"/>
   <p:notesSz cx="6858000" cy="9144000"/>
   <p:embeddedFontLst>
     <p:embeddedFont>
       <p:font typeface="Raleway"/>
-      <p:regular r:id="rId27"/>
-      <p:bold r:id="rId28"/>
-      <p:italic r:id="rId29"/>
-      <p:boldItalic r:id="rId30"/>
+      <p:regular r:id="rId26"/>
+      <p:bold r:id="rId27"/>
+      <p:italic r:id="rId28"/>
+      <p:boldItalic r:id="rId29"/>
     </p:embeddedFont>
     <p:embeddedFont>
       <p:font typeface="Lato"/>
-      <p:regular r:id="rId31"/>
-      <p:bold r:id="rId32"/>
-      <p:italic r:id="rId33"/>
-      <p:boldItalic r:id="rId34"/>
+      <p:regular r:id="rId30"/>
+      <p:bold r:id="rId31"/>
+      <p:italic r:id="rId32"/>
+      <p:boldItalic r:id="rId33"/>
     </p:embeddedFont>
   </p:embeddedFontLst>
   <p:defaultTextStyle>
@@ -293,26 +293,6 @@
     </p:ext>
   </p:extLst>
 </p:presentation>
-</file>
-
-<file path=ppt/commentAuthors.xml><?xml version="1.0" encoding="utf-8"?>
-<p:cmAuthorLst xmlns:a="http://schemas.openxmlformats.org/drawingml/2006/main" xmlns:r="http://schemas.openxmlformats.org/officeDocument/2006/relationships" xmlns:mc="http://schemas.openxmlformats.org/markup-compatibility/2006" xmlns:mv="urn:schemas-microsoft-com:mac:vml" xmlns:p="http://schemas.openxmlformats.org/presentationml/2006/main" xmlns:c="http://schemas.openxmlformats.org/drawingml/2006/chart" xmlns:dgm="http://schemas.openxmlformats.org/drawingml/2006/diagram" xmlns:o="urn:schemas-microsoft-com:office:office" xmlns:v="urn:schemas-microsoft-com:vml" xmlns:pvml="urn:schemas-microsoft-com:office:powerpoint" xmlns:com="http://schemas.openxmlformats.org/drawingml/2006/compatibility" xmlns:p14="http://schemas.microsoft.com/office/powerpoint/2010/main" xmlns:p15="http://schemas.microsoft.com/office/powerpoint/2012/main">
-  <p:cmAuthor clrIdx="0" id="0" initials="" lastIdx="1" name="Nima Roomi"/>
-  <p:cmAuthor clrIdx="1" id="1" initials="" lastIdx="1" name="Omar Al-Hedari"/>
-</p:cmAuthorLst>
-</file>
-
-<file path=ppt/comments/comment1.xml><?xml version="1.0" encoding="utf-8"?>
-<p:cmLst xmlns:a="http://schemas.openxmlformats.org/drawingml/2006/main" xmlns:r="http://schemas.openxmlformats.org/officeDocument/2006/relationships" xmlns:mc="http://schemas.openxmlformats.org/markup-compatibility/2006" xmlns:mv="urn:schemas-microsoft-com:mac:vml" xmlns:p="http://schemas.openxmlformats.org/presentationml/2006/main" xmlns:c="http://schemas.openxmlformats.org/drawingml/2006/chart" xmlns:dgm="http://schemas.openxmlformats.org/drawingml/2006/diagram" xmlns:o="urn:schemas-microsoft-com:office:office" xmlns:v="urn:schemas-microsoft-com:vml" xmlns:pvml="urn:schemas-microsoft-com:office:powerpoint" xmlns:com="http://schemas.openxmlformats.org/drawingml/2006/compatibility" xmlns:p14="http://schemas.microsoft.com/office/powerpoint/2010/main" xmlns:p15="http://schemas.microsoft.com/office/powerpoint/2012/main">
-  <p:cm authorId="0" idx="1" dt="2019-10-03T22:48:18.350">
-    <p:pos x="0" y="1809"/>
-    <p:text>WTF is this. This makes no sense grammatical</p:text>
-  </p:cm>
-  <p:cm authorId="1" idx="1" dt="2019-10-03T22:48:18.350">
-    <p:pos x="0" y="1809"/>
-    <p:text>What do you want me to change?</p:text>
-  </p:cm>
-</p:cmLst>
 </file>
 
 <file path=ppt/notesMasters/notesMaster1.xml><?xml version="1.0" encoding="utf-8"?>
@@ -868,7 +848,7 @@
   <p:cSld>
     <p:spTree>
       <p:nvGrpSpPr>
-        <p:cNvPr id="144" name="Shape 144"/>
+        <p:cNvPr id="150" name="Shape 150"/>
         <p:cNvGrpSpPr/>
         <p:nvPr/>
       </p:nvGrpSpPr>
@@ -882,7 +862,7 @@
       </p:grpSpPr>
       <p:sp>
         <p:nvSpPr>
-          <p:cNvPr id="145" name="Google Shape;145;g61fad319bb_0_969:notes"/>
+          <p:cNvPr id="151" name="Google Shape;151;g61fad319bb_0_969:notes"/>
           <p:cNvSpPr/>
           <p:nvPr>
             <p:ph idx="2" type="sldImg"/>
@@ -917,7 +897,7 @@
       </p:sp>
       <p:sp>
         <p:nvSpPr>
-          <p:cNvPr id="146" name="Google Shape;146;g61fad319bb_0_969:notes"/>
+          <p:cNvPr id="152" name="Google Shape;152;g61fad319bb_0_969:notes"/>
           <p:cNvSpPr txBox="1"/>
           <p:nvPr>
             <p:ph idx="1" type="body"/>
@@ -967,7 +947,7 @@
   <p:cSld>
     <p:spTree>
       <p:nvGrpSpPr>
-        <p:cNvPr id="150" name="Shape 150"/>
+        <p:cNvPr id="157" name="Shape 157"/>
         <p:cNvGrpSpPr/>
         <p:nvPr/>
       </p:nvGrpSpPr>
@@ -981,7 +961,7 @@
       </p:grpSpPr>
       <p:sp>
         <p:nvSpPr>
-          <p:cNvPr id="151" name="Google Shape;151;g61fad319bb_0_974:notes"/>
+          <p:cNvPr id="158" name="Google Shape;158;g61fad319bb_0_974:notes"/>
           <p:cNvSpPr/>
           <p:nvPr>
             <p:ph idx="2" type="sldImg"/>
@@ -1016,7 +996,7 @@
       </p:sp>
       <p:sp>
         <p:nvSpPr>
-          <p:cNvPr id="152" name="Google Shape;152;g61fad319bb_0_974:notes"/>
+          <p:cNvPr id="159" name="Google Shape;159;g61fad319bb_0_974:notes"/>
           <p:cNvSpPr txBox="1"/>
           <p:nvPr>
             <p:ph idx="1" type="body"/>
@@ -1066,7 +1046,7 @@
   <p:cSld>
     <p:spTree>
       <p:nvGrpSpPr>
-        <p:cNvPr id="156" name="Shape 156"/>
+        <p:cNvPr id="164" name="Shape 164"/>
         <p:cNvGrpSpPr/>
         <p:nvPr/>
       </p:nvGrpSpPr>
@@ -1080,7 +1060,7 @@
       </p:grpSpPr>
       <p:sp>
         <p:nvSpPr>
-          <p:cNvPr id="157" name="Google Shape;157;g62065c4480_0_2:notes"/>
+          <p:cNvPr id="165" name="Google Shape;165;g62065c4480_0_2:notes"/>
           <p:cNvSpPr/>
           <p:nvPr>
             <p:ph idx="2" type="sldImg"/>
@@ -1115,7 +1095,7 @@
       </p:sp>
       <p:sp>
         <p:nvSpPr>
-          <p:cNvPr id="158" name="Google Shape;158;g62065c4480_0_2:notes"/>
+          <p:cNvPr id="166" name="Google Shape;166;g62065c4480_0_2:notes"/>
           <p:cNvSpPr txBox="1"/>
           <p:nvPr>
             <p:ph idx="1" type="body"/>
@@ -1165,7 +1145,7 @@
   <p:cSld>
     <p:spTree>
       <p:nvGrpSpPr>
-        <p:cNvPr id="162" name="Shape 162"/>
+        <p:cNvPr id="171" name="Shape 171"/>
         <p:cNvGrpSpPr/>
         <p:nvPr/>
       </p:nvGrpSpPr>
@@ -1179,7 +1159,7 @@
       </p:grpSpPr>
       <p:sp>
         <p:nvSpPr>
-          <p:cNvPr id="163" name="Google Shape;163;g61fad319bb_0_979:notes"/>
+          <p:cNvPr id="172" name="Google Shape;172;g61fad319bb_0_979:notes"/>
           <p:cNvSpPr/>
           <p:nvPr>
             <p:ph idx="2" type="sldImg"/>
@@ -1214,7 +1194,7 @@
       </p:sp>
       <p:sp>
         <p:nvSpPr>
-          <p:cNvPr id="164" name="Google Shape;164;g61fad319bb_0_979:notes"/>
+          <p:cNvPr id="173" name="Google Shape;173;g61fad319bb_0_979:notes"/>
           <p:cNvSpPr txBox="1"/>
           <p:nvPr>
             <p:ph idx="1" type="body"/>
@@ -1264,7 +1244,7 @@
   <p:cSld>
     <p:spTree>
       <p:nvGrpSpPr>
-        <p:cNvPr id="168" name="Shape 168"/>
+        <p:cNvPr id="177" name="Shape 177"/>
         <p:cNvGrpSpPr/>
         <p:nvPr/>
       </p:nvGrpSpPr>
@@ -1278,7 +1258,7 @@
       </p:grpSpPr>
       <p:sp>
         <p:nvSpPr>
-          <p:cNvPr id="169" name="Google Shape;169;g61fad319bb_0_984:notes"/>
+          <p:cNvPr id="178" name="Google Shape;178;g61fad319bb_0_984:notes"/>
           <p:cNvSpPr/>
           <p:nvPr>
             <p:ph idx="2" type="sldImg"/>
@@ -1313,7 +1293,7 @@
       </p:sp>
       <p:sp>
         <p:nvSpPr>
-          <p:cNvPr id="170" name="Google Shape;170;g61fad319bb_0_984:notes"/>
+          <p:cNvPr id="179" name="Google Shape;179;g61fad319bb_0_984:notes"/>
           <p:cNvSpPr txBox="1"/>
           <p:nvPr>
             <p:ph idx="1" type="body"/>
@@ -1363,7 +1343,7 @@
   <p:cSld>
     <p:spTree>
       <p:nvGrpSpPr>
-        <p:cNvPr id="174" name="Shape 174"/>
+        <p:cNvPr id="184" name="Shape 184"/>
         <p:cNvGrpSpPr/>
         <p:nvPr/>
       </p:nvGrpSpPr>
@@ -1377,7 +1357,7 @@
       </p:grpSpPr>
       <p:sp>
         <p:nvSpPr>
-          <p:cNvPr id="175" name="Google Shape;175;g61fad319bb_0_989:notes"/>
+          <p:cNvPr id="185" name="Google Shape;185;g61fad319bb_0_989:notes"/>
           <p:cNvSpPr/>
           <p:nvPr>
             <p:ph idx="2" type="sldImg"/>
@@ -1412,7 +1392,7 @@
       </p:sp>
       <p:sp>
         <p:nvSpPr>
-          <p:cNvPr id="176" name="Google Shape;176;g61fad319bb_0_989:notes"/>
+          <p:cNvPr id="186" name="Google Shape;186;g61fad319bb_0_989:notes"/>
           <p:cNvSpPr txBox="1"/>
           <p:nvPr>
             <p:ph idx="1" type="body"/>
@@ -1462,7 +1442,7 @@
   <p:cSld>
     <p:spTree>
       <p:nvGrpSpPr>
-        <p:cNvPr id="180" name="Shape 180"/>
+        <p:cNvPr id="191" name="Shape 191"/>
         <p:cNvGrpSpPr/>
         <p:nvPr/>
       </p:nvGrpSpPr>
@@ -1476,7 +1456,7 @@
       </p:grpSpPr>
       <p:sp>
         <p:nvSpPr>
-          <p:cNvPr id="181" name="Google Shape;181;g61fe8b33db_1_0:notes"/>
+          <p:cNvPr id="192" name="Google Shape;192;g61fe8b33db_1_0:notes"/>
           <p:cNvSpPr/>
           <p:nvPr>
             <p:ph idx="2" type="sldImg"/>
@@ -1511,7 +1491,7 @@
       </p:sp>
       <p:sp>
         <p:nvSpPr>
-          <p:cNvPr id="182" name="Google Shape;182;g61fe8b33db_1_0:notes"/>
+          <p:cNvPr id="193" name="Google Shape;193;g61fe8b33db_1_0:notes"/>
           <p:cNvSpPr txBox="1"/>
           <p:nvPr>
             <p:ph idx="1" type="body"/>
@@ -1561,7 +1541,7 @@
   <p:cSld>
     <p:spTree>
       <p:nvGrpSpPr>
-        <p:cNvPr id="186" name="Shape 186"/>
+        <p:cNvPr id="198" name="Shape 198"/>
         <p:cNvGrpSpPr/>
         <p:nvPr/>
       </p:nvGrpSpPr>
@@ -1575,7 +1555,7 @@
       </p:grpSpPr>
       <p:sp>
         <p:nvSpPr>
-          <p:cNvPr id="187" name="Google Shape;187;g61fad319bb_0_994:notes"/>
+          <p:cNvPr id="199" name="Google Shape;199;g61fad319bb_0_994:notes"/>
           <p:cNvSpPr/>
           <p:nvPr>
             <p:ph idx="2" type="sldImg"/>
@@ -1610,7 +1590,7 @@
       </p:sp>
       <p:sp>
         <p:nvSpPr>
-          <p:cNvPr id="188" name="Google Shape;188;g61fad319bb_0_994:notes"/>
+          <p:cNvPr id="200" name="Google Shape;200;g61fad319bb_0_994:notes"/>
           <p:cNvSpPr txBox="1"/>
           <p:nvPr>
             <p:ph idx="1" type="body"/>
@@ -1660,7 +1640,7 @@
   <p:cSld>
     <p:spTree>
       <p:nvGrpSpPr>
-        <p:cNvPr id="192" name="Shape 192"/>
+        <p:cNvPr id="205" name="Shape 205"/>
         <p:cNvGrpSpPr/>
         <p:nvPr/>
       </p:nvGrpSpPr>
@@ -1674,7 +1654,7 @@
       </p:grpSpPr>
       <p:sp>
         <p:nvSpPr>
-          <p:cNvPr id="193" name="Google Shape;193;g61fad319bb_0_999:notes"/>
+          <p:cNvPr id="206" name="Google Shape;206;g61fad319bb_0_999:notes"/>
           <p:cNvSpPr/>
           <p:nvPr>
             <p:ph idx="2" type="sldImg"/>
@@ -1709,7 +1689,7 @@
       </p:sp>
       <p:sp>
         <p:nvSpPr>
-          <p:cNvPr id="194" name="Google Shape;194;g61fad319bb_0_999:notes"/>
+          <p:cNvPr id="207" name="Google Shape;207;g61fad319bb_0_999:notes"/>
           <p:cNvSpPr txBox="1"/>
           <p:nvPr>
             <p:ph idx="1" type="body"/>
@@ -1759,7 +1739,7 @@
   <p:cSld>
     <p:spTree>
       <p:nvGrpSpPr>
-        <p:cNvPr id="198" name="Shape 198"/>
+        <p:cNvPr id="212" name="Shape 212"/>
         <p:cNvGrpSpPr/>
         <p:nvPr/>
       </p:nvGrpSpPr>
@@ -1773,7 +1753,7 @@
       </p:grpSpPr>
       <p:sp>
         <p:nvSpPr>
-          <p:cNvPr id="199" name="Google Shape;199;g61fad319bb_0_1004:notes"/>
+          <p:cNvPr id="213" name="Google Shape;213;g61fad319bb_0_1004:notes"/>
           <p:cNvSpPr/>
           <p:nvPr>
             <p:ph idx="2" type="sldImg"/>
@@ -1808,7 +1788,7 @@
       </p:sp>
       <p:sp>
         <p:nvSpPr>
-          <p:cNvPr id="200" name="Google Shape;200;g61fad319bb_0_1004:notes"/>
+          <p:cNvPr id="214" name="Google Shape;214;g61fad319bb_0_1004:notes"/>
           <p:cNvSpPr txBox="1"/>
           <p:nvPr>
             <p:ph idx="1" type="body"/>
@@ -1957,7 +1937,7 @@
   <p:cSld>
     <p:spTree>
       <p:nvGrpSpPr>
-        <p:cNvPr id="204" name="Shape 204"/>
+        <p:cNvPr id="219" name="Shape 219"/>
         <p:cNvGrpSpPr/>
         <p:nvPr/>
       </p:nvGrpSpPr>
@@ -1971,7 +1951,7 @@
       </p:grpSpPr>
       <p:sp>
         <p:nvSpPr>
-          <p:cNvPr id="205" name="Google Shape;205;g61fad319bb_0_1009:notes"/>
+          <p:cNvPr id="220" name="Google Shape;220;g61fad319bb_0_1009:notes"/>
           <p:cNvSpPr/>
           <p:nvPr>
             <p:ph idx="2" type="sldImg"/>
@@ -2006,7 +1986,7 @@
       </p:sp>
       <p:sp>
         <p:nvSpPr>
-          <p:cNvPr id="206" name="Google Shape;206;g61fad319bb_0_1009:notes"/>
+          <p:cNvPr id="221" name="Google Shape;221;g61fad319bb_0_1009:notes"/>
           <p:cNvSpPr txBox="1"/>
           <p:nvPr>
             <p:ph idx="1" type="body"/>
@@ -2254,7 +2234,7 @@
   <p:cSld>
     <p:spTree>
       <p:nvGrpSpPr>
-        <p:cNvPr id="112" name="Shape 112"/>
+        <p:cNvPr id="113" name="Shape 113"/>
         <p:cNvGrpSpPr/>
         <p:nvPr/>
       </p:nvGrpSpPr>
@@ -2268,7 +2248,7 @@
       </p:grpSpPr>
       <p:sp>
         <p:nvSpPr>
-          <p:cNvPr id="113" name="Google Shape;113;g62065c4a45_1_38:notes"/>
+          <p:cNvPr id="114" name="Google Shape;114;g62065c4a45_1_38:notes"/>
           <p:cNvSpPr/>
           <p:nvPr>
             <p:ph idx="2" type="sldImg"/>
@@ -2303,7 +2283,7 @@
       </p:sp>
       <p:sp>
         <p:nvSpPr>
-          <p:cNvPr id="114" name="Google Shape;114;g62065c4a45_1_38:notes"/>
+          <p:cNvPr id="115" name="Google Shape;115;g62065c4a45_1_38:notes"/>
           <p:cNvSpPr txBox="1"/>
           <p:nvPr>
             <p:ph idx="1" type="body"/>
@@ -2353,7 +2333,7 @@
   <p:cSld>
     <p:spTree>
       <p:nvGrpSpPr>
-        <p:cNvPr id="119" name="Shape 119"/>
+        <p:cNvPr id="121" name="Shape 121"/>
         <p:cNvGrpSpPr/>
         <p:nvPr/>
       </p:nvGrpSpPr>
@@ -2367,7 +2347,7 @@
       </p:grpSpPr>
       <p:sp>
         <p:nvSpPr>
-          <p:cNvPr id="120" name="Google Shape;120;g62065c4a45_1_46:notes"/>
+          <p:cNvPr id="122" name="Google Shape;122;g62065c4a45_1_46:notes"/>
           <p:cNvSpPr/>
           <p:nvPr>
             <p:ph idx="2" type="sldImg"/>
@@ -2402,7 +2382,7 @@
       </p:sp>
       <p:sp>
         <p:nvSpPr>
-          <p:cNvPr id="121" name="Google Shape;121;g62065c4a45_1_46:notes"/>
+          <p:cNvPr id="123" name="Google Shape;123;g62065c4a45_1_46:notes"/>
           <p:cNvSpPr txBox="1"/>
           <p:nvPr>
             <p:ph idx="1" type="body"/>
@@ -2452,7 +2432,7 @@
   <p:cSld>
     <p:spTree>
       <p:nvGrpSpPr>
-        <p:cNvPr id="126" name="Shape 126"/>
+        <p:cNvPr id="129" name="Shape 129"/>
         <p:cNvGrpSpPr/>
         <p:nvPr/>
       </p:nvGrpSpPr>
@@ -2466,7 +2446,7 @@
       </p:grpSpPr>
       <p:sp>
         <p:nvSpPr>
-          <p:cNvPr id="127" name="Google Shape;127;g62065c4a45_1_56:notes"/>
+          <p:cNvPr id="130" name="Google Shape;130;g62065c4a45_1_56:notes"/>
           <p:cNvSpPr/>
           <p:nvPr>
             <p:ph idx="2" type="sldImg"/>
@@ -2501,7 +2481,7 @@
       </p:sp>
       <p:sp>
         <p:nvSpPr>
-          <p:cNvPr id="128" name="Google Shape;128;g62065c4a45_1_56:notes"/>
+          <p:cNvPr id="131" name="Google Shape;131;g62065c4a45_1_56:notes"/>
           <p:cNvSpPr txBox="1"/>
           <p:nvPr>
             <p:ph idx="1" type="body"/>
@@ -2551,7 +2531,7 @@
   <p:cSld>
     <p:spTree>
       <p:nvGrpSpPr>
-        <p:cNvPr id="132" name="Shape 132"/>
+        <p:cNvPr id="136" name="Shape 136"/>
         <p:cNvGrpSpPr/>
         <p:nvPr/>
       </p:nvGrpSpPr>
@@ -2565,7 +2545,7 @@
       </p:grpSpPr>
       <p:sp>
         <p:nvSpPr>
-          <p:cNvPr id="133" name="Google Shape;133;g62065c4a45_1_68:notes"/>
+          <p:cNvPr id="137" name="Google Shape;137;g62065c4a45_1_68:notes"/>
           <p:cNvSpPr/>
           <p:nvPr>
             <p:ph idx="2" type="sldImg"/>
@@ -2600,7 +2580,7 @@
       </p:sp>
       <p:sp>
         <p:nvSpPr>
-          <p:cNvPr id="134" name="Google Shape;134;g62065c4a45_1_68:notes"/>
+          <p:cNvPr id="138" name="Google Shape;138;g62065c4a45_1_68:notes"/>
           <p:cNvSpPr txBox="1"/>
           <p:nvPr>
             <p:ph idx="1" type="body"/>
@@ -2650,7 +2630,7 @@
   <p:cSld>
     <p:spTree>
       <p:nvGrpSpPr>
-        <p:cNvPr id="138" name="Shape 138"/>
+        <p:cNvPr id="143" name="Shape 143"/>
         <p:cNvGrpSpPr/>
         <p:nvPr/>
       </p:nvGrpSpPr>
@@ -2664,7 +2644,7 @@
       </p:grpSpPr>
       <p:sp>
         <p:nvSpPr>
-          <p:cNvPr id="139" name="Google Shape;139;g61fad319bb_0_964:notes"/>
+          <p:cNvPr id="144" name="Google Shape;144;g61fad319bb_0_964:notes"/>
           <p:cNvSpPr/>
           <p:nvPr>
             <p:ph idx="2" type="sldImg"/>
@@ -2699,7 +2679,7 @@
       </p:sp>
       <p:sp>
         <p:nvSpPr>
-          <p:cNvPr id="140" name="Google Shape;140;g61fad319bb_0_964:notes"/>
+          <p:cNvPr id="145" name="Google Shape;145;g61fad319bb_0_964:notes"/>
           <p:cNvSpPr txBox="1"/>
           <p:nvPr>
             <p:ph idx="1" type="body"/>
@@ -9615,261 +9595,6 @@
   <p:cSld>
     <p:spTree>
       <p:nvGrpSpPr>
-        <p:cNvPr id="147" name="Shape 147"/>
-        <p:cNvGrpSpPr/>
-        <p:nvPr/>
-      </p:nvGrpSpPr>
-      <p:grpSpPr>
-        <a:xfrm>
-          <a:off x="0" y="0"/>
-          <a:ext cx="0" cy="0"/>
-          <a:chOff x="0" y="0"/>
-          <a:chExt cx="0" cy="0"/>
-        </a:xfrm>
-      </p:grpSpPr>
-      <p:sp>
-        <p:nvSpPr>
-          <p:cNvPr id="148" name="Google Shape;148;p22"/>
-          <p:cNvSpPr txBox="1"/>
-          <p:nvPr>
-            <p:ph type="title"/>
-          </p:nvPr>
-        </p:nvSpPr>
-        <p:spPr>
-          <a:xfrm>
-            <a:off x="729450" y="1318650"/>
-            <a:ext cx="7688700" cy="535200"/>
-          </a:xfrm>
-          <a:prstGeom prst="rect">
-            <a:avLst/>
-          </a:prstGeom>
-        </p:spPr>
-        <p:txBody>
-          <a:bodyPr anchorCtr="0" anchor="t" bIns="91425" lIns="91425" spcFirstLastPara="1" rIns="91425" wrap="square" tIns="91425">
-            <a:noAutofit/>
-          </a:bodyPr>
-          <a:lstStyle/>
-          <a:p>
-            <a:pPr indent="0" lvl="0" marL="0" rtl="0" algn="l">
-              <a:spcBef>
-                <a:spcPts val="0"/>
-              </a:spcBef>
-              <a:spcAft>
-                <a:spcPts val="0"/>
-              </a:spcAft>
-              <a:buNone/>
-            </a:pPr>
-            <a:r>
-              <a:rPr lang="en"/>
-              <a:t>Project Sponsor</a:t>
-            </a:r>
-            <a:endParaRPr/>
-          </a:p>
-        </p:txBody>
-      </p:sp>
-      <p:sp>
-        <p:nvSpPr>
-          <p:cNvPr id="149" name="Google Shape;149;p22"/>
-          <p:cNvSpPr txBox="1"/>
-          <p:nvPr>
-            <p:ph idx="1" type="body"/>
-          </p:nvPr>
-        </p:nvSpPr>
-        <p:spPr>
-          <a:xfrm>
-            <a:off x="729450" y="2078875"/>
-            <a:ext cx="7688700" cy="2723700"/>
-          </a:xfrm>
-          <a:prstGeom prst="rect">
-            <a:avLst/>
-          </a:prstGeom>
-        </p:spPr>
-        <p:txBody>
-          <a:bodyPr anchorCtr="0" anchor="t" bIns="91425" lIns="91425" spcFirstLastPara="1" rIns="91425" wrap="square" tIns="91425">
-            <a:noAutofit/>
-          </a:bodyPr>
-          <a:lstStyle/>
-          <a:p>
-            <a:pPr indent="-342900" lvl="0" marL="457200" rtl="0" algn="l">
-              <a:lnSpc>
-                <a:spcPct val="150000"/>
-              </a:lnSpc>
-              <a:spcBef>
-                <a:spcPts val="0"/>
-              </a:spcBef>
-              <a:spcAft>
-                <a:spcPts val="0"/>
-              </a:spcAft>
-              <a:buSzPts val="1800"/>
-              <a:buChar char="●"/>
-            </a:pPr>
-            <a:r>
-              <a:rPr lang="en" sz="1800"/>
-              <a:t>Paula Langley - Library Services Manager</a:t>
-            </a:r>
-            <a:endParaRPr sz="1800"/>
-          </a:p>
-          <a:p>
-            <a:pPr indent="-342900" lvl="0" marL="457200" rtl="0" algn="l">
-              <a:lnSpc>
-                <a:spcPct val="150000"/>
-              </a:lnSpc>
-              <a:spcBef>
-                <a:spcPts val="0"/>
-              </a:spcBef>
-              <a:spcAft>
-                <a:spcPts val="0"/>
-              </a:spcAft>
-              <a:buSzPts val="1800"/>
-              <a:buChar char="●"/>
-            </a:pPr>
-            <a:r>
-              <a:rPr lang="en" sz="1800"/>
-              <a:t>B</a:t>
-            </a:r>
-            <a:r>
-              <a:rPr lang="en" sz="1800"/>
-              <a:t>riefed team with existing circulation systems</a:t>
-            </a:r>
-            <a:endParaRPr sz="1800"/>
-          </a:p>
-          <a:p>
-            <a:pPr indent="-342900" lvl="0" marL="457200" rtl="0" algn="l">
-              <a:lnSpc>
-                <a:spcPct val="150000"/>
-              </a:lnSpc>
-              <a:spcBef>
-                <a:spcPts val="0"/>
-              </a:spcBef>
-              <a:spcAft>
-                <a:spcPts val="0"/>
-              </a:spcAft>
-              <a:buSzPts val="1800"/>
-              <a:buChar char="●"/>
-            </a:pPr>
-            <a:r>
-              <a:rPr lang="en" sz="1800"/>
-              <a:t>Established communications with relevant personnel</a:t>
-            </a:r>
-            <a:endParaRPr sz="1800"/>
-          </a:p>
-          <a:p>
-            <a:pPr indent="-342900" lvl="0" marL="457200" rtl="0" algn="l">
-              <a:lnSpc>
-                <a:spcPct val="150000"/>
-              </a:lnSpc>
-              <a:spcBef>
-                <a:spcPts val="0"/>
-              </a:spcBef>
-              <a:spcAft>
-                <a:spcPts val="0"/>
-              </a:spcAft>
-              <a:buSzPts val="1800"/>
-              <a:buChar char="●"/>
-            </a:pPr>
-            <a:r>
-              <a:rPr lang="en" sz="1800"/>
-              <a:t>Approved system request</a:t>
-            </a:r>
-            <a:endParaRPr sz="1800"/>
-          </a:p>
-          <a:p>
-            <a:pPr indent="-342900" lvl="0" marL="457200" rtl="0" algn="l">
-              <a:lnSpc>
-                <a:spcPct val="150000"/>
-              </a:lnSpc>
-              <a:spcBef>
-                <a:spcPts val="0"/>
-              </a:spcBef>
-              <a:spcAft>
-                <a:spcPts val="0"/>
-              </a:spcAft>
-              <a:buSzPts val="1800"/>
-              <a:buChar char="●"/>
-            </a:pPr>
-            <a:r>
-              <a:rPr lang="en" sz="1800"/>
-              <a:t>Will provide our team with </a:t>
-            </a:r>
-            <a:r>
-              <a:rPr lang="en" sz="1800"/>
-              <a:t>appropriate</a:t>
-            </a:r>
-            <a:r>
-              <a:rPr lang="en" sz="1800"/>
-              <a:t> resources</a:t>
-            </a:r>
-            <a:endParaRPr sz="1800"/>
-          </a:p>
-          <a:p>
-            <a:pPr indent="-342900" lvl="0" marL="457200" rtl="0" algn="l">
-              <a:lnSpc>
-                <a:spcPct val="150000"/>
-              </a:lnSpc>
-              <a:spcBef>
-                <a:spcPts val="0"/>
-              </a:spcBef>
-              <a:spcAft>
-                <a:spcPts val="0"/>
-              </a:spcAft>
-              <a:buSzPts val="1800"/>
-              <a:buChar char="●"/>
-            </a:pPr>
-            <a:r>
-              <a:rPr lang="en" sz="1800"/>
-              <a:t>Provided </a:t>
-            </a:r>
-            <a:r>
-              <a:rPr lang="en" sz="1800"/>
-              <a:t>financial</a:t>
-            </a:r>
-            <a:r>
-              <a:rPr lang="en" sz="1800"/>
-              <a:t> data and designated the </a:t>
-            </a:r>
-            <a:r>
-              <a:rPr lang="en" sz="1800"/>
-              <a:t>overall</a:t>
-            </a:r>
-            <a:r>
-              <a:rPr lang="en" sz="1800"/>
-              <a:t> budget</a:t>
-            </a:r>
-            <a:endParaRPr sz="1800"/>
-          </a:p>
-          <a:p>
-            <a:pPr indent="0" lvl="0" marL="457200" rtl="0" algn="l">
-              <a:lnSpc>
-                <a:spcPct val="150000"/>
-              </a:lnSpc>
-              <a:spcBef>
-                <a:spcPts val="0"/>
-              </a:spcBef>
-              <a:spcAft>
-                <a:spcPts val="0"/>
-              </a:spcAft>
-              <a:buNone/>
-            </a:pPr>
-            <a:r>
-              <a:t/>
-            </a:r>
-            <a:endParaRPr sz="1800"/>
-          </a:p>
-        </p:txBody>
-      </p:sp>
-    </p:spTree>
-  </p:cSld>
-  <p:clrMapOvr>
-    <a:masterClrMapping/>
-  </p:clrMapOvr>
-</p:sld>
-</file>
-
-<file path=ppt/slides/slide11.xml><?xml version="1.0" encoding="utf-8"?>
-<p:sld xmlns:a="http://schemas.openxmlformats.org/drawingml/2006/main" xmlns:r="http://schemas.openxmlformats.org/officeDocument/2006/relationships" xmlns:mc="http://schemas.openxmlformats.org/markup-compatibility/2006" xmlns:mv="urn:schemas-microsoft-com:mac:vml" xmlns:p="http://schemas.openxmlformats.org/presentationml/2006/main" xmlns:c="http://schemas.openxmlformats.org/drawingml/2006/chart" xmlns:dgm="http://schemas.openxmlformats.org/drawingml/2006/diagram" xmlns:o="urn:schemas-microsoft-com:office:office" xmlns:v="urn:schemas-microsoft-com:vml" xmlns:pvml="urn:schemas-microsoft-com:office:powerpoint" xmlns:com="http://schemas.openxmlformats.org/drawingml/2006/compatibility" xmlns:p14="http://schemas.microsoft.com/office/powerpoint/2010/main" xmlns:p15="http://schemas.microsoft.com/office/powerpoint/2012/main">
-  <p:cSld>
-    <p:spTree>
-      <p:nvGrpSpPr>
         <p:cNvPr id="153" name="Shape 153"/>
         <p:cNvGrpSpPr/>
         <p:nvPr/>
@@ -9884,7 +9609,7 @@
       </p:grpSpPr>
       <p:sp>
         <p:nvSpPr>
-          <p:cNvPr id="154" name="Google Shape;154;p23"/>
+          <p:cNvPr id="154" name="Google Shape;154;p22"/>
           <p:cNvSpPr txBox="1"/>
           <p:nvPr>
             <p:ph type="title"/>
@@ -9916,7 +9641,7 @@
             </a:pPr>
             <a:r>
               <a:rPr lang="en"/>
-              <a:t>Business Needs</a:t>
+              <a:t>Project Sponsor</a:t>
             </a:r>
             <a:endParaRPr/>
           </a:p>
@@ -9924,7 +9649,7 @@
       </p:sp>
       <p:sp>
         <p:nvSpPr>
-          <p:cNvPr id="155" name="Google Shape;155;p23"/>
+          <p:cNvPr id="155" name="Google Shape;155;p22"/>
           <p:cNvSpPr txBox="1"/>
           <p:nvPr>
             <p:ph idx="1" type="body"/>
@@ -9932,8 +9657,8 @@
         </p:nvSpPr>
         <p:spPr>
           <a:xfrm>
-            <a:off x="636400" y="1853850"/>
-            <a:ext cx="8122200" cy="3057900"/>
+            <a:off x="729450" y="2078875"/>
+            <a:ext cx="7688700" cy="2723700"/>
           </a:xfrm>
           <a:prstGeom prst="rect">
             <a:avLst/>
@@ -9946,6 +9671,9 @@
           <a:lstStyle/>
           <a:p>
             <a:pPr indent="-342900" lvl="0" marL="457200" rtl="0" algn="l">
+              <a:lnSpc>
+                <a:spcPct val="150000"/>
+              </a:lnSpc>
               <a:spcBef>
                 <a:spcPts val="0"/>
               </a:spcBef>
@@ -9957,12 +9685,15 @@
             </a:pPr>
             <a:r>
               <a:rPr lang="en" sz="1800"/>
-              <a:t>Speeds up the checkout process, resulting in wait time periods during rush hours of operation to be minimized</a:t>
+              <a:t>Paula Langley - Library Services Manager</a:t>
             </a:r>
             <a:endParaRPr sz="1800"/>
           </a:p>
           <a:p>
             <a:pPr indent="-342900" lvl="0" marL="457200" rtl="0" algn="l">
+              <a:lnSpc>
+                <a:spcPct val="150000"/>
+              </a:lnSpc>
               <a:spcBef>
                 <a:spcPts val="0"/>
               </a:spcBef>
@@ -9974,12 +9705,19 @@
             </a:pPr>
             <a:r>
               <a:rPr lang="en" sz="1800"/>
-              <a:t>Online queue-dequeue, push notifications for more natural varying checkout times </a:t>
+              <a:t>B</a:t>
+            </a:r>
+            <a:r>
+              <a:rPr lang="en" sz="1800"/>
+              <a:t>riefed team with existing circulation systems</a:t>
             </a:r>
             <a:endParaRPr sz="1800"/>
           </a:p>
           <a:p>
             <a:pPr indent="-342900" lvl="0" marL="457200" rtl="0" algn="l">
+              <a:lnSpc>
+                <a:spcPct val="150000"/>
+              </a:lnSpc>
               <a:spcBef>
                 <a:spcPts val="0"/>
               </a:spcBef>
@@ -9991,12 +9729,15 @@
             </a:pPr>
             <a:r>
               <a:rPr lang="en" sz="1800"/>
-              <a:t>Boost employee morale by having a structured automated tasks</a:t>
+              <a:t>Established communications with relevant personnel</a:t>
             </a:r>
             <a:endParaRPr sz="1800"/>
           </a:p>
           <a:p>
             <a:pPr indent="-342900" lvl="0" marL="457200" rtl="0" algn="l">
+              <a:lnSpc>
+                <a:spcPct val="150000"/>
+              </a:lnSpc>
               <a:spcBef>
                 <a:spcPts val="0"/>
               </a:spcBef>
@@ -10008,12 +9749,15 @@
             </a:pPr>
             <a:r>
               <a:rPr lang="en" sz="1800"/>
-              <a:t>Reducing stress level of employees dealing with confusion to follow library procedures to lend laptops</a:t>
+              <a:t>Approved system request</a:t>
             </a:r>
             <a:endParaRPr sz="1800"/>
           </a:p>
           <a:p>
             <a:pPr indent="-342900" lvl="0" marL="457200" rtl="0" algn="l">
+              <a:lnSpc>
+                <a:spcPct val="150000"/>
+              </a:lnSpc>
               <a:spcBef>
                 <a:spcPts val="0"/>
               </a:spcBef>
@@ -10025,12 +9769,311 @@
             </a:pPr>
             <a:r>
               <a:rPr lang="en" sz="1800"/>
-              <a:t>Need of tracking to increase patrons liability on possible damages occurring when they check out the laptop</a:t>
+              <a:t>Will provide our team with </a:t>
+            </a:r>
+            <a:r>
+              <a:rPr lang="en" sz="1800"/>
+              <a:t>appropriate</a:t>
+            </a:r>
+            <a:r>
+              <a:rPr lang="en" sz="1800"/>
+              <a:t> resources</a:t>
+            </a:r>
+            <a:endParaRPr sz="1800"/>
+          </a:p>
+          <a:p>
+            <a:pPr indent="-342900" lvl="0" marL="457200" rtl="0" algn="l">
+              <a:lnSpc>
+                <a:spcPct val="150000"/>
+              </a:lnSpc>
+              <a:spcBef>
+                <a:spcPts val="0"/>
+              </a:spcBef>
+              <a:spcAft>
+                <a:spcPts val="0"/>
+              </a:spcAft>
+              <a:buSzPts val="1800"/>
+              <a:buChar char="●"/>
+            </a:pPr>
+            <a:r>
+              <a:rPr lang="en" sz="1800"/>
+              <a:t>Provided </a:t>
+            </a:r>
+            <a:r>
+              <a:rPr lang="en" sz="1800"/>
+              <a:t>financial</a:t>
+            </a:r>
+            <a:r>
+              <a:rPr lang="en" sz="1800"/>
+              <a:t> data and designated the </a:t>
+            </a:r>
+            <a:r>
+              <a:rPr lang="en" sz="1800"/>
+              <a:t>overall</a:t>
+            </a:r>
+            <a:r>
+              <a:rPr lang="en" sz="1800"/>
+              <a:t> budget</a:t>
+            </a:r>
+            <a:endParaRPr sz="1800"/>
+          </a:p>
+          <a:p>
+            <a:pPr indent="0" lvl="0" marL="457200" rtl="0" algn="l">
+              <a:lnSpc>
+                <a:spcPct val="150000"/>
+              </a:lnSpc>
+              <a:spcBef>
+                <a:spcPts val="0"/>
+              </a:spcBef>
+              <a:spcAft>
+                <a:spcPts val="0"/>
+              </a:spcAft>
+              <a:buNone/>
+            </a:pPr>
+            <a:r>
+              <a:t/>
             </a:r>
             <a:endParaRPr sz="1800"/>
           </a:p>
         </p:txBody>
       </p:sp>
+      <p:pic>
+        <p:nvPicPr>
+          <p:cNvPr id="156" name="Google Shape;156;p22"/>
+          <p:cNvPicPr preferRelativeResize="0"/>
+          <p:nvPr/>
+        </p:nvPicPr>
+        <p:blipFill>
+          <a:blip r:embed="rId3">
+            <a:alphaModFix/>
+          </a:blip>
+          <a:stretch>
+            <a:fillRect/>
+          </a:stretch>
+        </p:blipFill>
+        <p:spPr>
+          <a:xfrm>
+            <a:off x="6171400" y="824675"/>
+            <a:ext cx="1981676" cy="1396024"/>
+          </a:xfrm>
+          <a:prstGeom prst="rect">
+            <a:avLst/>
+          </a:prstGeom>
+          <a:noFill/>
+          <a:ln>
+            <a:noFill/>
+          </a:ln>
+        </p:spPr>
+      </p:pic>
+    </p:spTree>
+  </p:cSld>
+  <p:clrMapOvr>
+    <a:masterClrMapping/>
+  </p:clrMapOvr>
+</p:sld>
+</file>
+
+<file path=ppt/slides/slide11.xml><?xml version="1.0" encoding="utf-8"?>
+<p:sld xmlns:a="http://schemas.openxmlformats.org/drawingml/2006/main" xmlns:r="http://schemas.openxmlformats.org/officeDocument/2006/relationships" xmlns:mc="http://schemas.openxmlformats.org/markup-compatibility/2006" xmlns:mv="urn:schemas-microsoft-com:mac:vml" xmlns:p="http://schemas.openxmlformats.org/presentationml/2006/main" xmlns:c="http://schemas.openxmlformats.org/drawingml/2006/chart" xmlns:dgm="http://schemas.openxmlformats.org/drawingml/2006/diagram" xmlns:o="urn:schemas-microsoft-com:office:office" xmlns:v="urn:schemas-microsoft-com:vml" xmlns:pvml="urn:schemas-microsoft-com:office:powerpoint" xmlns:com="http://schemas.openxmlformats.org/drawingml/2006/compatibility" xmlns:p14="http://schemas.microsoft.com/office/powerpoint/2010/main" xmlns:p15="http://schemas.microsoft.com/office/powerpoint/2012/main">
+  <p:cSld>
+    <p:spTree>
+      <p:nvGrpSpPr>
+        <p:cNvPr id="160" name="Shape 160"/>
+        <p:cNvGrpSpPr/>
+        <p:nvPr/>
+      </p:nvGrpSpPr>
+      <p:grpSpPr>
+        <a:xfrm>
+          <a:off x="0" y="0"/>
+          <a:ext cx="0" cy="0"/>
+          <a:chOff x="0" y="0"/>
+          <a:chExt cx="0" cy="0"/>
+        </a:xfrm>
+      </p:grpSpPr>
+      <p:sp>
+        <p:nvSpPr>
+          <p:cNvPr id="161" name="Google Shape;161;p23"/>
+          <p:cNvSpPr txBox="1"/>
+          <p:nvPr>
+            <p:ph type="title"/>
+          </p:nvPr>
+        </p:nvSpPr>
+        <p:spPr>
+          <a:xfrm>
+            <a:off x="729450" y="1318650"/>
+            <a:ext cx="7688700" cy="535200"/>
+          </a:xfrm>
+          <a:prstGeom prst="rect">
+            <a:avLst/>
+          </a:prstGeom>
+        </p:spPr>
+        <p:txBody>
+          <a:bodyPr anchorCtr="0" anchor="t" bIns="91425" lIns="91425" spcFirstLastPara="1" rIns="91425" wrap="square" tIns="91425">
+            <a:noAutofit/>
+          </a:bodyPr>
+          <a:lstStyle/>
+          <a:p>
+            <a:pPr indent="0" lvl="0" marL="0" rtl="0" algn="l">
+              <a:spcBef>
+                <a:spcPts val="0"/>
+              </a:spcBef>
+              <a:spcAft>
+                <a:spcPts val="0"/>
+              </a:spcAft>
+              <a:buNone/>
+            </a:pPr>
+            <a:r>
+              <a:rPr lang="en"/>
+              <a:t>Business Needs</a:t>
+            </a:r>
+            <a:endParaRPr/>
+          </a:p>
+        </p:txBody>
+      </p:sp>
+      <p:sp>
+        <p:nvSpPr>
+          <p:cNvPr id="162" name="Google Shape;162;p23"/>
+          <p:cNvSpPr txBox="1"/>
+          <p:nvPr>
+            <p:ph idx="1" type="body"/>
+          </p:nvPr>
+        </p:nvSpPr>
+        <p:spPr>
+          <a:xfrm>
+            <a:off x="636400" y="1853850"/>
+            <a:ext cx="8122200" cy="3057900"/>
+          </a:xfrm>
+          <a:prstGeom prst="rect">
+            <a:avLst/>
+          </a:prstGeom>
+        </p:spPr>
+        <p:txBody>
+          <a:bodyPr anchorCtr="0" anchor="t" bIns="91425" lIns="91425" spcFirstLastPara="1" rIns="91425" wrap="square" tIns="91425">
+            <a:noAutofit/>
+          </a:bodyPr>
+          <a:lstStyle/>
+          <a:p>
+            <a:pPr indent="-342900" lvl="0" marL="457200" rtl="0" algn="l">
+              <a:spcBef>
+                <a:spcPts val="0"/>
+              </a:spcBef>
+              <a:spcAft>
+                <a:spcPts val="0"/>
+              </a:spcAft>
+              <a:buSzPts val="1800"/>
+              <a:buChar char="●"/>
+            </a:pPr>
+            <a:r>
+              <a:rPr lang="en" sz="1800"/>
+              <a:t>Speeds up the checkout process, resulting in wait time periods during rush hours of operation to be minimized</a:t>
+            </a:r>
+            <a:endParaRPr sz="1800"/>
+          </a:p>
+          <a:p>
+            <a:pPr indent="-342900" lvl="0" marL="457200" rtl="0" algn="l">
+              <a:spcBef>
+                <a:spcPts val="0"/>
+              </a:spcBef>
+              <a:spcAft>
+                <a:spcPts val="0"/>
+              </a:spcAft>
+              <a:buSzPts val="1800"/>
+              <a:buChar char="●"/>
+            </a:pPr>
+            <a:r>
+              <a:rPr lang="en" sz="1800"/>
+              <a:t>Online queue-dequeue, push notifications for more natural varying checkout times </a:t>
+            </a:r>
+            <a:endParaRPr sz="1800"/>
+          </a:p>
+          <a:p>
+            <a:pPr indent="-342900" lvl="0" marL="457200" rtl="0" algn="l">
+              <a:spcBef>
+                <a:spcPts val="0"/>
+              </a:spcBef>
+              <a:spcAft>
+                <a:spcPts val="0"/>
+              </a:spcAft>
+              <a:buSzPts val="1800"/>
+              <a:buChar char="●"/>
+            </a:pPr>
+            <a:r>
+              <a:rPr lang="en" sz="1800"/>
+              <a:t>Boost employee morale by having a structured automated tasks</a:t>
+            </a:r>
+            <a:endParaRPr sz="1800"/>
+          </a:p>
+          <a:p>
+            <a:pPr indent="-342900" lvl="0" marL="457200" rtl="0" algn="l">
+              <a:spcBef>
+                <a:spcPts val="0"/>
+              </a:spcBef>
+              <a:spcAft>
+                <a:spcPts val="0"/>
+              </a:spcAft>
+              <a:buSzPts val="1800"/>
+              <a:buChar char="●"/>
+            </a:pPr>
+            <a:r>
+              <a:rPr lang="en" sz="1800"/>
+              <a:t>Reducing stress level of employees dealing with confusion to follow library procedures to lend laptops</a:t>
+            </a:r>
+            <a:endParaRPr sz="1800"/>
+          </a:p>
+          <a:p>
+            <a:pPr indent="-342900" lvl="0" marL="457200" rtl="0" algn="l">
+              <a:spcBef>
+                <a:spcPts val="0"/>
+              </a:spcBef>
+              <a:spcAft>
+                <a:spcPts val="0"/>
+              </a:spcAft>
+              <a:buSzPts val="1800"/>
+              <a:buChar char="●"/>
+            </a:pPr>
+            <a:r>
+              <a:rPr lang="en" sz="1800"/>
+              <a:t>Need of tracking to increase patrons liability on possible damages occurring when they check out the laptop</a:t>
+            </a:r>
+            <a:endParaRPr sz="1800"/>
+          </a:p>
+        </p:txBody>
+      </p:sp>
+      <p:pic>
+        <p:nvPicPr>
+          <p:cNvPr id="163" name="Google Shape;163;p23"/>
+          <p:cNvPicPr preferRelativeResize="0"/>
+          <p:nvPr/>
+        </p:nvPicPr>
+        <p:blipFill>
+          <a:blip r:embed="rId3">
+            <a:alphaModFix/>
+          </a:blip>
+          <a:stretch>
+            <a:fillRect/>
+          </a:stretch>
+        </p:blipFill>
+        <p:spPr>
+          <a:xfrm>
+            <a:off x="5167125" y="687975"/>
+            <a:ext cx="2373850" cy="1046875"/>
+          </a:xfrm>
+          <a:prstGeom prst="rect">
+            <a:avLst/>
+          </a:prstGeom>
+          <a:noFill/>
+          <a:ln>
+            <a:noFill/>
+          </a:ln>
+          <a:effectLst>
+            <a:outerShdw blurRad="57150" rotWithShape="0" algn="bl" dir="5400000" dist="19050">
+              <a:srgbClr val="000000">
+                <a:alpha val="50000"/>
+              </a:srgbClr>
+            </a:outerShdw>
+          </a:effectLst>
+        </p:spPr>
+      </p:pic>
     </p:spTree>
   </p:cSld>
   <p:clrMapOvr>
@@ -10044,7 +10087,7 @@
   <p:cSld>
     <p:spTree>
       <p:nvGrpSpPr>
-        <p:cNvPr id="159" name="Shape 159"/>
+        <p:cNvPr id="167" name="Shape 167"/>
         <p:cNvGrpSpPr/>
         <p:nvPr/>
       </p:nvGrpSpPr>
@@ -10058,7 +10101,7 @@
       </p:grpSpPr>
       <p:sp>
         <p:nvSpPr>
-          <p:cNvPr id="160" name="Google Shape;160;p24"/>
+          <p:cNvPr id="168" name="Google Shape;168;p24"/>
           <p:cNvSpPr txBox="1"/>
           <p:nvPr>
             <p:ph type="title"/>
@@ -10113,7 +10156,7 @@
       </p:sp>
       <p:sp>
         <p:nvSpPr>
-          <p:cNvPr id="161" name="Google Shape;161;p24"/>
+          <p:cNvPr id="169" name="Google Shape;169;p24"/>
           <p:cNvSpPr txBox="1"/>
           <p:nvPr>
             <p:ph idx="1" type="body"/>
@@ -10203,6 +10246,41 @@
           </a:p>
         </p:txBody>
       </p:sp>
+      <p:pic>
+        <p:nvPicPr>
+          <p:cNvPr id="170" name="Google Shape;170;p24"/>
+          <p:cNvPicPr preferRelativeResize="0"/>
+          <p:nvPr/>
+        </p:nvPicPr>
+        <p:blipFill>
+          <a:blip r:embed="rId3">
+            <a:alphaModFix/>
+          </a:blip>
+          <a:stretch>
+            <a:fillRect/>
+          </a:stretch>
+        </p:blipFill>
+        <p:spPr>
+          <a:xfrm>
+            <a:off x="5167125" y="687975"/>
+            <a:ext cx="2373850" cy="1046875"/>
+          </a:xfrm>
+          <a:prstGeom prst="rect">
+            <a:avLst/>
+          </a:prstGeom>
+          <a:noFill/>
+          <a:ln>
+            <a:noFill/>
+          </a:ln>
+          <a:effectLst>
+            <a:outerShdw blurRad="57150" rotWithShape="0" algn="bl" dir="5400000" dist="19050">
+              <a:srgbClr val="000000">
+                <a:alpha val="50000"/>
+              </a:srgbClr>
+            </a:outerShdw>
+          </a:effectLst>
+        </p:spPr>
+      </p:pic>
     </p:spTree>
   </p:cSld>
   <p:clrMapOvr>
@@ -10216,7 +10294,7 @@
   <p:cSld>
     <p:spTree>
       <p:nvGrpSpPr>
-        <p:cNvPr id="165" name="Shape 165"/>
+        <p:cNvPr id="174" name="Shape 174"/>
         <p:cNvGrpSpPr/>
         <p:nvPr/>
       </p:nvGrpSpPr>
@@ -10230,7 +10308,7 @@
       </p:grpSpPr>
       <p:sp>
         <p:nvSpPr>
-          <p:cNvPr id="166" name="Google Shape;166;p25"/>
+          <p:cNvPr id="175" name="Google Shape;175;p25"/>
           <p:cNvSpPr txBox="1"/>
           <p:nvPr>
             <p:ph type="title"/>
@@ -10270,7 +10348,7 @@
       </p:sp>
       <p:sp>
         <p:nvSpPr>
-          <p:cNvPr id="167" name="Google Shape;167;p25"/>
+          <p:cNvPr id="176" name="Google Shape;176;p25"/>
           <p:cNvSpPr txBox="1"/>
           <p:nvPr>
             <p:ph idx="1" type="body"/>
@@ -10405,7 +10483,7 @@
   <p:cSld>
     <p:spTree>
       <p:nvGrpSpPr>
-        <p:cNvPr id="171" name="Shape 171"/>
+        <p:cNvPr id="180" name="Shape 180"/>
         <p:cNvGrpSpPr/>
         <p:nvPr/>
       </p:nvGrpSpPr>
@@ -10419,7 +10497,7 @@
       </p:grpSpPr>
       <p:sp>
         <p:nvSpPr>
-          <p:cNvPr id="172" name="Google Shape;172;p26"/>
+          <p:cNvPr id="181" name="Google Shape;181;p26"/>
           <p:cNvSpPr txBox="1"/>
           <p:nvPr>
             <p:ph type="title"/>
@@ -10459,7 +10537,7 @@
       </p:sp>
       <p:sp>
         <p:nvSpPr>
-          <p:cNvPr id="173" name="Google Shape;173;p26"/>
+          <p:cNvPr id="182" name="Google Shape;182;p26"/>
           <p:cNvSpPr txBox="1"/>
           <p:nvPr>
             <p:ph idx="1" type="body"/>
@@ -10496,6 +10574,48 @@
             <a:endParaRPr/>
           </a:p>
           <a:p>
+            <a:pPr indent="-323850" lvl="0" marL="457200" rtl="0" algn="l">
+              <a:spcBef>
+                <a:spcPts val="0"/>
+              </a:spcBef>
+              <a:spcAft>
+                <a:spcPts val="0"/>
+              </a:spcAft>
+              <a:buSzPts val="1500"/>
+              <a:buChar char="●"/>
+            </a:pPr>
+            <a:r>
+              <a:rPr lang="en" sz="1500"/>
+              <a:t>There are so</a:t>
+            </a:r>
+            <a:r>
+              <a:rPr lang="en" sz="1500"/>
+              <a:t>me risks that occur when implementing this system, such as user familiarity with the technology. </a:t>
+            </a:r>
+            <a:r>
+              <a:rPr lang="en" sz="1500"/>
+              <a:t>For example, because ALEPH does not store pictures, we would have to implement an additional system to be able to store the pictures of laptops to check for damages. </a:t>
+            </a:r>
+            <a:endParaRPr sz="1500"/>
+          </a:p>
+          <a:p>
+            <a:pPr indent="-323850" lvl="0" marL="457200" rtl="0" algn="l">
+              <a:spcBef>
+                <a:spcPts val="0"/>
+              </a:spcBef>
+              <a:spcAft>
+                <a:spcPts val="0"/>
+              </a:spcAft>
+              <a:buSzPts val="1500"/>
+              <a:buChar char="●"/>
+            </a:pPr>
+            <a:r>
+              <a:rPr lang="en" sz="1500"/>
+              <a:t>The change can cause confusion with the library employees, but we can fix this issue by requiring a seminar for all employees to familiarize the workers with the new system.  </a:t>
+            </a:r>
+            <a:endParaRPr sz="1500"/>
+          </a:p>
+          <a:p>
             <a:pPr indent="-317500" lvl="0" marL="457200" rtl="0" algn="l">
               <a:spcBef>
                 <a:spcPts val="0"/>
@@ -10507,50 +10627,12 @@
               <a:buChar char="●"/>
             </a:pPr>
             <a:r>
+              <a:rPr lang="en" sz="1500"/>
+              <a:t>Project size: The development team for the app will consist of 2 freelancers, the mobile app will take 6 months to develop, and the new system will be compatible with ALEPH</a:t>
+            </a:r>
+            <a:r>
               <a:rPr lang="en" sz="1400"/>
-              <a:t>There are so</a:t>
-            </a:r>
-            <a:r>
-              <a:rPr lang="en" sz="1400"/>
-              <a:t>me risks that occur when implementing this system, such as user familiarity with the technology. </a:t>
-            </a:r>
-            <a:r>
-              <a:rPr lang="en" sz="1400"/>
-              <a:t>For example, because ALEPH does not store pictures, we would have to implement an additional system to be able to store the pictures of laptops to check for damages. </a:t>
-            </a:r>
-            <a:endParaRPr sz="1400"/>
-          </a:p>
-          <a:p>
-            <a:pPr indent="-317500" lvl="0" marL="457200" rtl="0" algn="l">
-              <a:spcBef>
-                <a:spcPts val="0"/>
-              </a:spcBef>
-              <a:spcAft>
-                <a:spcPts val="0"/>
-              </a:spcAft>
-              <a:buSzPts val="1400"/>
-              <a:buChar char="●"/>
-            </a:pPr>
-            <a:r>
-              <a:rPr lang="en" sz="1400"/>
-              <a:t>The change can cause confusion with the library employees, but we can fix this issue by requiring a seminar for all employees to familiarize the workers with the new system.  </a:t>
-            </a:r>
-            <a:endParaRPr sz="1400"/>
-          </a:p>
-          <a:p>
-            <a:pPr indent="-317500" lvl="0" marL="457200" rtl="0" algn="l">
-              <a:spcBef>
-                <a:spcPts val="0"/>
-              </a:spcBef>
-              <a:spcAft>
-                <a:spcPts val="0"/>
-              </a:spcAft>
-              <a:buSzPts val="1400"/>
-              <a:buChar char="●"/>
-            </a:pPr>
-            <a:r>
-              <a:rPr lang="en" sz="1400"/>
-              <a:t>Project size: The development team for the app will consist of 2 freelancers, the mobile app will take 6 months to develop, and the new system will be compatible with ALEPH.</a:t>
+              <a:t>.</a:t>
             </a:r>
             <a:endParaRPr sz="1400"/>
           </a:p>
@@ -10586,6 +10668,40 @@
           </a:p>
         </p:txBody>
       </p:sp>
+      <p:pic>
+        <p:nvPicPr>
+          <p:cNvPr id="183" name="Google Shape;183;p26"/>
+          <p:cNvPicPr preferRelativeResize="0"/>
+          <p:nvPr/>
+        </p:nvPicPr>
+        <p:blipFill rotWithShape="1">
+          <a:blip r:embed="rId3">
+            <a:alphaModFix/>
+          </a:blip>
+          <a:srcRect b="7188" l="15318" r="14990" t="9220"/>
+          <a:stretch/>
+        </p:blipFill>
+        <p:spPr>
+          <a:xfrm>
+            <a:off x="5755650" y="765150"/>
+            <a:ext cx="2006375" cy="1181725"/>
+          </a:xfrm>
+          <a:prstGeom prst="rect">
+            <a:avLst/>
+          </a:prstGeom>
+          <a:noFill/>
+          <a:ln>
+            <a:noFill/>
+          </a:ln>
+          <a:effectLst>
+            <a:outerShdw blurRad="57150" rotWithShape="0" algn="bl" dir="5400000" dist="19050">
+              <a:srgbClr val="000000">
+                <a:alpha val="50000"/>
+              </a:srgbClr>
+            </a:outerShdw>
+          </a:effectLst>
+        </p:spPr>
+      </p:pic>
     </p:spTree>
   </p:cSld>
   <p:clrMapOvr>
@@ -10599,7 +10715,7 @@
   <p:cSld>
     <p:spTree>
       <p:nvGrpSpPr>
-        <p:cNvPr id="177" name="Shape 177"/>
+        <p:cNvPr id="187" name="Shape 187"/>
         <p:cNvGrpSpPr/>
         <p:nvPr/>
       </p:nvGrpSpPr>
@@ -10613,7 +10729,7 @@
       </p:grpSpPr>
       <p:sp>
         <p:nvSpPr>
-          <p:cNvPr id="178" name="Google Shape;178;p27"/>
+          <p:cNvPr id="188" name="Google Shape;188;p27"/>
           <p:cNvSpPr txBox="1"/>
           <p:nvPr>
             <p:ph type="title"/>
@@ -10668,7 +10784,7 @@
       </p:sp>
       <p:sp>
         <p:nvSpPr>
-          <p:cNvPr id="179" name="Google Shape;179;p27"/>
+          <p:cNvPr id="189" name="Google Shape;189;p27"/>
           <p:cNvSpPr txBox="1"/>
           <p:nvPr>
             <p:ph idx="1" type="body"/>
@@ -10676,8 +10792,8 @@
         </p:nvSpPr>
         <p:spPr>
           <a:xfrm>
-            <a:off x="729450" y="2078875"/>
-            <a:ext cx="7688700" cy="2983200"/>
+            <a:off x="623125" y="1853850"/>
+            <a:ext cx="7688700" cy="3159900"/>
           </a:xfrm>
           <a:prstGeom prst="rect">
             <a:avLst/>
@@ -10705,192 +10821,120 @@
             <a:endParaRPr/>
           </a:p>
           <a:p>
-            <a:pPr indent="-304800" lvl="0" marL="914400" rtl="0" algn="l">
-              <a:spcBef>
-                <a:spcPts val="0"/>
-              </a:spcBef>
-              <a:spcAft>
-                <a:spcPts val="0"/>
-              </a:spcAft>
-              <a:buSzPts val="1200"/>
-              <a:buFont typeface="Arial"/>
+            <a:pPr indent="-330200" lvl="0" marL="457200" rtl="0" algn="l">
+              <a:spcBef>
+                <a:spcPts val="0"/>
+              </a:spcBef>
+              <a:spcAft>
+                <a:spcPts val="0"/>
+              </a:spcAft>
+              <a:buSzPts val="1600"/>
               <a:buChar char="●"/>
             </a:pPr>
             <a:r>
-              <a:rPr lang="en" sz="1200">
-                <a:latin typeface="Arial"/>
-                <a:ea typeface="Arial"/>
-                <a:cs typeface="Arial"/>
-                <a:sym typeface="Arial"/>
-              </a:rPr>
+              <a:rPr lang="en" sz="1600"/>
               <a:t>Economically feasible due to no need of profit from the library to lend laptops to patrons.</a:t>
             </a:r>
-            <a:endParaRPr sz="1200">
-              <a:latin typeface="Arial"/>
-              <a:ea typeface="Arial"/>
-              <a:cs typeface="Arial"/>
-              <a:sym typeface="Arial"/>
-            </a:endParaRPr>
-          </a:p>
-          <a:p>
-            <a:pPr indent="-304800" lvl="0" marL="914400" rtl="0" algn="l">
-              <a:spcBef>
-                <a:spcPts val="0"/>
-              </a:spcBef>
-              <a:spcAft>
-                <a:spcPts val="0"/>
-              </a:spcAft>
-              <a:buSzPts val="1200"/>
-              <a:buFont typeface="Arial"/>
+            <a:endParaRPr sz="1600"/>
+          </a:p>
+          <a:p>
+            <a:pPr indent="-330200" lvl="0" marL="457200" rtl="0" algn="l">
+              <a:spcBef>
+                <a:spcPts val="0"/>
+              </a:spcBef>
+              <a:spcAft>
+                <a:spcPts val="0"/>
+              </a:spcAft>
+              <a:buSzPts val="1600"/>
               <a:buChar char="●"/>
             </a:pPr>
             <a:r>
-              <a:rPr lang="en" sz="1200">
-                <a:latin typeface="Arial"/>
-                <a:ea typeface="Arial"/>
-                <a:cs typeface="Arial"/>
-                <a:sym typeface="Arial"/>
-              </a:rPr>
+              <a:rPr lang="en" sz="1600"/>
               <a:t>Loaning laptops to UMBC students is a student service that helps students who don’t have one</a:t>
             </a:r>
-            <a:endParaRPr sz="1200">
-              <a:latin typeface="Arial"/>
-              <a:ea typeface="Arial"/>
-              <a:cs typeface="Arial"/>
-              <a:sym typeface="Arial"/>
-            </a:endParaRPr>
-          </a:p>
-          <a:p>
-            <a:pPr indent="-304800" lvl="0" marL="914400" rtl="0" algn="l">
-              <a:spcBef>
-                <a:spcPts val="0"/>
-              </a:spcBef>
-              <a:spcAft>
-                <a:spcPts val="0"/>
-              </a:spcAft>
-              <a:buSzPts val="1200"/>
-              <a:buFont typeface="Arial"/>
+            <a:endParaRPr sz="1600"/>
+          </a:p>
+          <a:p>
+            <a:pPr indent="-330200" lvl="0" marL="457200" rtl="0" algn="l">
+              <a:spcBef>
+                <a:spcPts val="0"/>
+              </a:spcBef>
+              <a:spcAft>
+                <a:spcPts val="0"/>
+              </a:spcAft>
+              <a:buSzPts val="1600"/>
               <a:buChar char="●"/>
             </a:pPr>
             <a:r>
-              <a:rPr lang="en" sz="1200">
-                <a:latin typeface="Arial"/>
-                <a:ea typeface="Arial"/>
-                <a:cs typeface="Arial"/>
-                <a:sym typeface="Arial"/>
-              </a:rPr>
+              <a:rPr lang="en" sz="1600"/>
               <a:t>Reduces the necessary work of the administrative and technical staff while will reduce operational costs. </a:t>
             </a:r>
-            <a:endParaRPr sz="1200">
-              <a:latin typeface="Arial"/>
-              <a:ea typeface="Arial"/>
-              <a:cs typeface="Arial"/>
-              <a:sym typeface="Arial"/>
-            </a:endParaRPr>
-          </a:p>
-          <a:p>
-            <a:pPr indent="-304800" lvl="0" marL="914400" rtl="0" algn="l">
-              <a:spcBef>
-                <a:spcPts val="0"/>
-              </a:spcBef>
-              <a:spcAft>
-                <a:spcPts val="0"/>
-              </a:spcAft>
-              <a:buSzPts val="1200"/>
-              <a:buFont typeface="Arial"/>
+            <a:endParaRPr sz="1600"/>
+          </a:p>
+          <a:p>
+            <a:pPr indent="-330200" lvl="0" marL="457200" rtl="0" algn="l">
+              <a:spcBef>
+                <a:spcPts val="0"/>
+              </a:spcBef>
+              <a:spcAft>
+                <a:spcPts val="0"/>
+              </a:spcAft>
+              <a:buSzPts val="1600"/>
               <a:buChar char="●"/>
             </a:pPr>
             <a:r>
-              <a:rPr lang="en" sz="1200">
-                <a:latin typeface="Arial"/>
-                <a:ea typeface="Arial"/>
-                <a:cs typeface="Arial"/>
-                <a:sym typeface="Arial"/>
-              </a:rPr>
+              <a:rPr lang="en" sz="1600"/>
               <a:t>Ability to track damages of laptops with pictures to make the right decision on whom to charge for it.</a:t>
             </a:r>
-            <a:endParaRPr sz="1200">
-              <a:latin typeface="Arial"/>
-              <a:ea typeface="Arial"/>
-              <a:cs typeface="Arial"/>
-              <a:sym typeface="Arial"/>
-            </a:endParaRPr>
-          </a:p>
-          <a:p>
-            <a:pPr indent="-304800" lvl="0" marL="914400" rtl="0" algn="l">
-              <a:spcBef>
-                <a:spcPts val="0"/>
-              </a:spcBef>
-              <a:spcAft>
-                <a:spcPts val="0"/>
-              </a:spcAft>
-              <a:buSzPts val="1200"/>
-              <a:buFont typeface="Arial"/>
+            <a:endParaRPr sz="1600"/>
+          </a:p>
+          <a:p>
+            <a:pPr indent="-330200" lvl="0" marL="457200" rtl="0" algn="l">
+              <a:spcBef>
+                <a:spcPts val="0"/>
+              </a:spcBef>
+              <a:spcAft>
+                <a:spcPts val="0"/>
+              </a:spcAft>
+              <a:buSzPts val="1600"/>
               <a:buChar char="●"/>
             </a:pPr>
             <a:r>
-              <a:rPr lang="en" sz="1200">
-                <a:latin typeface="Arial"/>
-                <a:ea typeface="Arial"/>
-                <a:cs typeface="Arial"/>
-                <a:sym typeface="Arial"/>
-              </a:rPr>
+              <a:rPr lang="en" sz="1600"/>
               <a:t>Cut down some of the miscellaneous expenses such as printing cost, paper, and the storing cost for paper file storage and documents.</a:t>
-            </a:r>
-            <a:endParaRPr sz="1200">
-              <a:latin typeface="Arial"/>
-              <a:ea typeface="Arial"/>
-              <a:cs typeface="Arial"/>
-              <a:sym typeface="Arial"/>
-            </a:endParaRPr>
-          </a:p>
-          <a:p>
-            <a:pPr indent="0" lvl="0" marL="914400" rtl="0" algn="l">
-              <a:spcBef>
-                <a:spcPts val="0"/>
-              </a:spcBef>
-              <a:spcAft>
-                <a:spcPts val="0"/>
-              </a:spcAft>
-              <a:buNone/>
-            </a:pPr>
-            <a:r>
-              <a:t/>
-            </a:r>
-            <a:endParaRPr/>
-          </a:p>
-          <a:p>
-            <a:pPr indent="0" lvl="0" marL="0" rtl="0" algn="l">
-              <a:spcBef>
-                <a:spcPts val="0"/>
-              </a:spcBef>
-              <a:spcAft>
-                <a:spcPts val="0"/>
-              </a:spcAft>
-              <a:buNone/>
-            </a:pPr>
-            <a:r>
-              <a:t/>
-            </a:r>
-            <a:endParaRPr/>
-          </a:p>
-          <a:p>
-            <a:pPr indent="0" lvl="0" marL="0" rtl="0" algn="l">
-              <a:spcBef>
-                <a:spcPts val="0"/>
-              </a:spcBef>
-              <a:spcAft>
-                <a:spcPts val="0"/>
-              </a:spcAft>
-              <a:buNone/>
-            </a:pPr>
-            <a:r>
-              <a:t/>
             </a:r>
             <a:endParaRPr/>
           </a:p>
         </p:txBody>
       </p:sp>
+      <p:pic>
+        <p:nvPicPr>
+          <p:cNvPr id="190" name="Google Shape;190;p27"/>
+          <p:cNvPicPr preferRelativeResize="0"/>
+          <p:nvPr/>
+        </p:nvPicPr>
+        <p:blipFill>
+          <a:blip r:embed="rId3">
+            <a:alphaModFix/>
+          </a:blip>
+          <a:stretch>
+            <a:fillRect/>
+          </a:stretch>
+        </p:blipFill>
+        <p:spPr>
+          <a:xfrm>
+            <a:off x="5257575" y="932125"/>
+            <a:ext cx="2979635" cy="1013850"/>
+          </a:xfrm>
+          <a:prstGeom prst="rect">
+            <a:avLst/>
+          </a:prstGeom>
+          <a:noFill/>
+          <a:ln>
+            <a:noFill/>
+          </a:ln>
+        </p:spPr>
+      </p:pic>
     </p:spTree>
   </p:cSld>
   <p:clrMapOvr>
@@ -10904,7 +10948,7 @@
   <p:cSld>
     <p:spTree>
       <p:nvGrpSpPr>
-        <p:cNvPr id="183" name="Shape 183"/>
+        <p:cNvPr id="194" name="Shape 194"/>
         <p:cNvGrpSpPr/>
         <p:nvPr/>
       </p:nvGrpSpPr>
@@ -10918,7 +10962,7 @@
       </p:grpSpPr>
       <p:sp>
         <p:nvSpPr>
-          <p:cNvPr id="184" name="Google Shape;184;p28"/>
+          <p:cNvPr id="195" name="Google Shape;195;p28"/>
           <p:cNvSpPr txBox="1"/>
           <p:nvPr>
             <p:ph type="title"/>
@@ -10958,7 +11002,7 @@
       </p:sp>
       <p:sp>
         <p:nvSpPr>
-          <p:cNvPr id="185" name="Google Shape;185;p28"/>
+          <p:cNvPr id="196" name="Google Shape;196;p28"/>
           <p:cNvSpPr txBox="1"/>
           <p:nvPr>
             <p:ph idx="1" type="body"/>
@@ -10990,7 +11034,7 @@
             </a:pPr>
             <a:r>
               <a:rPr lang="en"/>
-              <a:t>Economic Feasibility </a:t>
+              <a:t>Economic Feasibility</a:t>
             </a:r>
             <a:endParaRPr/>
           </a:p>
@@ -11011,22 +11055,105 @@
           </a:p>
           <a:p>
             <a:pPr indent="0" lvl="0" marL="0" rtl="0" algn="l">
-              <a:spcBef>
-                <a:spcPts val="0"/>
-              </a:spcBef>
-              <a:spcAft>
-                <a:spcPts val="0"/>
-              </a:spcAft>
-              <a:buNone/>
-            </a:pPr>
-            <a:r>
-              <a:rPr lang="en" sz="1200">
+              <a:lnSpc>
+                <a:spcPct val="150000"/>
+              </a:lnSpc>
+              <a:spcBef>
+                <a:spcPts val="0"/>
+              </a:spcBef>
+              <a:spcAft>
+                <a:spcPts val="0"/>
+              </a:spcAft>
+              <a:buNone/>
+            </a:pPr>
+            <a:r>
+              <a:rPr b="1" lang="en">
                 <a:latin typeface="Arial"/>
                 <a:ea typeface="Arial"/>
                 <a:cs typeface="Arial"/>
                 <a:sym typeface="Arial"/>
               </a:rPr>
-              <a:t>Intangible:</a:t>
+              <a:t>Intangible elements</a:t>
+            </a:r>
+            <a:endParaRPr b="1">
+              <a:latin typeface="Arial"/>
+              <a:ea typeface="Arial"/>
+              <a:cs typeface="Arial"/>
+              <a:sym typeface="Arial"/>
+            </a:endParaRPr>
+          </a:p>
+          <a:p>
+            <a:pPr indent="-342900" lvl="0" marL="457200" rtl="0" algn="l">
+              <a:lnSpc>
+                <a:spcPct val="150000"/>
+              </a:lnSpc>
+              <a:spcBef>
+                <a:spcPts val="0"/>
+              </a:spcBef>
+              <a:spcAft>
+                <a:spcPts val="0"/>
+              </a:spcAft>
+              <a:buSzPts val="1800"/>
+              <a:buChar char="●"/>
+            </a:pPr>
+            <a:r>
+              <a:rPr lang="en"/>
+              <a:t>Provide effective and efficient customer service by avoiding operational inefficiencies. </a:t>
+            </a:r>
+            <a:endParaRPr/>
+          </a:p>
+          <a:p>
+            <a:pPr indent="-342900" lvl="0" marL="457200" rtl="0" algn="l">
+              <a:lnSpc>
+                <a:spcPct val="150000"/>
+              </a:lnSpc>
+              <a:spcBef>
+                <a:spcPts val="0"/>
+              </a:spcBef>
+              <a:spcAft>
+                <a:spcPts val="0"/>
+              </a:spcAft>
+              <a:buSzPts val="1800"/>
+              <a:buChar char="●"/>
+            </a:pPr>
+            <a:r>
+              <a:rPr lang="en"/>
+              <a:t>Boost employee morale leading up to an increase of goodwill of the library. </a:t>
+            </a:r>
+            <a:endParaRPr/>
+          </a:p>
+          <a:p>
+            <a:pPr indent="-342900" lvl="0" marL="457200" rtl="0" algn="l">
+              <a:lnSpc>
+                <a:spcPct val="150000"/>
+              </a:lnSpc>
+              <a:spcBef>
+                <a:spcPts val="0"/>
+              </a:spcBef>
+              <a:spcAft>
+                <a:spcPts val="0"/>
+              </a:spcAft>
+              <a:buSzPts val="1800"/>
+              <a:buChar char="●"/>
+            </a:pPr>
+            <a:r>
+              <a:rPr lang="en"/>
+              <a:t>Environmentally friendly due to less consumption of paper.</a:t>
+            </a:r>
+            <a:endParaRPr/>
+          </a:p>
+          <a:p>
+            <a:pPr indent="0" lvl="0" marL="457200" rtl="0" algn="l">
+              <a:spcBef>
+                <a:spcPts val="0"/>
+              </a:spcBef>
+              <a:spcAft>
+                <a:spcPts val="0"/>
+              </a:spcAft>
+              <a:buNone/>
+            </a:pPr>
+            <a:r>
+              <a:t/>
             </a:r>
             <a:endParaRPr sz="1200">
               <a:latin typeface="Arial"/>
@@ -11048,101 +11175,38 @@
             <a:r>
               <a:t/>
             </a:r>
-            <a:endParaRPr sz="1200">
-              <a:latin typeface="Arial"/>
-              <a:ea typeface="Arial"/>
-              <a:cs typeface="Arial"/>
-              <a:sym typeface="Arial"/>
-            </a:endParaRPr>
-          </a:p>
-          <a:p>
-            <a:pPr indent="-330200" lvl="0" marL="457200" rtl="0" algn="l">
-              <a:spcBef>
-                <a:spcPts val="0"/>
-              </a:spcBef>
-              <a:spcAft>
-                <a:spcPts val="0"/>
-              </a:spcAft>
-              <a:buSzPts val="1600"/>
-              <a:buChar char="●"/>
-            </a:pPr>
-            <a:r>
-              <a:rPr lang="en" sz="1600"/>
-              <a:t>Provide effective and efficient customer service by avoiding operational inefficiencies. </a:t>
-            </a:r>
-            <a:endParaRPr sz="1600"/>
-          </a:p>
-          <a:p>
-            <a:pPr indent="-330200" lvl="0" marL="457200" rtl="0" algn="l">
-              <a:spcBef>
-                <a:spcPts val="0"/>
-              </a:spcBef>
-              <a:spcAft>
-                <a:spcPts val="0"/>
-              </a:spcAft>
-              <a:buSzPts val="1600"/>
-              <a:buChar char="●"/>
-            </a:pPr>
-            <a:r>
-              <a:rPr lang="en" sz="1600"/>
-              <a:t>Boost employee morale leading up to an increase of goodwill of the library. </a:t>
-            </a:r>
-            <a:endParaRPr sz="1600"/>
-          </a:p>
-          <a:p>
-            <a:pPr indent="-330200" lvl="0" marL="457200" rtl="0" algn="l">
-              <a:spcBef>
-                <a:spcPts val="0"/>
-              </a:spcBef>
-              <a:spcAft>
-                <a:spcPts val="0"/>
-              </a:spcAft>
-              <a:buSzPts val="1600"/>
-              <a:buChar char="●"/>
-            </a:pPr>
-            <a:r>
-              <a:rPr lang="en" sz="1600"/>
-              <a:t>Environmentally friendly due to less consumption of paper.</a:t>
-            </a:r>
-            <a:endParaRPr sz="1600"/>
-          </a:p>
-          <a:p>
-            <a:pPr indent="0" lvl="0" marL="457200" rtl="0" algn="l">
-              <a:spcBef>
-                <a:spcPts val="0"/>
-              </a:spcBef>
-              <a:spcAft>
-                <a:spcPts val="0"/>
-              </a:spcAft>
-              <a:buNone/>
-            </a:pPr>
-            <a:r>
-              <a:t/>
-            </a:r>
-            <a:endParaRPr sz="1200">
-              <a:latin typeface="Arial"/>
-              <a:ea typeface="Arial"/>
-              <a:cs typeface="Arial"/>
-              <a:sym typeface="Arial"/>
-            </a:endParaRPr>
-          </a:p>
-          <a:p>
-            <a:pPr indent="0" lvl="0" marL="0" rtl="0" algn="l">
-              <a:spcBef>
-                <a:spcPts val="0"/>
-              </a:spcBef>
-              <a:spcAft>
-                <a:spcPts val="0"/>
-              </a:spcAft>
-              <a:buNone/>
-            </a:pPr>
-            <a:r>
-              <a:t/>
-            </a:r>
             <a:endParaRPr/>
           </a:p>
         </p:txBody>
       </p:sp>
+      <p:pic>
+        <p:nvPicPr>
+          <p:cNvPr id="197" name="Google Shape;197;p28"/>
+          <p:cNvPicPr preferRelativeResize="0"/>
+          <p:nvPr/>
+        </p:nvPicPr>
+        <p:blipFill>
+          <a:blip r:embed="rId3">
+            <a:alphaModFix/>
+          </a:blip>
+          <a:stretch>
+            <a:fillRect/>
+          </a:stretch>
+        </p:blipFill>
+        <p:spPr>
+          <a:xfrm>
+            <a:off x="5257600" y="1079325"/>
+            <a:ext cx="2979635" cy="1013850"/>
+          </a:xfrm>
+          <a:prstGeom prst="rect">
+            <a:avLst/>
+          </a:prstGeom>
+          <a:noFill/>
+          <a:ln>
+            <a:noFill/>
+          </a:ln>
+        </p:spPr>
+      </p:pic>
     </p:spTree>
   </p:cSld>
   <p:clrMapOvr>
@@ -11152,374 +11216,6 @@
 </file>
 
 <file path=ppt/slides/slide17.xml><?xml version="1.0" encoding="utf-8"?>
-<p:sld xmlns:a="http://schemas.openxmlformats.org/drawingml/2006/main" xmlns:r="http://schemas.openxmlformats.org/officeDocument/2006/relationships" xmlns:mc="http://schemas.openxmlformats.org/markup-compatibility/2006" xmlns:mv="urn:schemas-microsoft-com:mac:vml" xmlns:p="http://schemas.openxmlformats.org/presentationml/2006/main" xmlns:c="http://schemas.openxmlformats.org/drawingml/2006/chart" xmlns:dgm="http://schemas.openxmlformats.org/drawingml/2006/diagram" xmlns:o="urn:schemas-microsoft-com:office:office" xmlns:v="urn:schemas-microsoft-com:vml" xmlns:pvml="urn:schemas-microsoft-com:office:powerpoint" xmlns:com="http://schemas.openxmlformats.org/drawingml/2006/compatibility" xmlns:p14="http://schemas.microsoft.com/office/powerpoint/2010/main" xmlns:p15="http://schemas.microsoft.com/office/powerpoint/2012/main">
-  <p:cSld>
-    <p:spTree>
-      <p:nvGrpSpPr>
-        <p:cNvPr id="189" name="Shape 189"/>
-        <p:cNvGrpSpPr/>
-        <p:nvPr/>
-      </p:nvGrpSpPr>
-      <p:grpSpPr>
-        <a:xfrm>
-          <a:off x="0" y="0"/>
-          <a:ext cx="0" cy="0"/>
-          <a:chOff x="0" y="0"/>
-          <a:chExt cx="0" cy="0"/>
-        </a:xfrm>
-      </p:grpSpPr>
-      <p:sp>
-        <p:nvSpPr>
-          <p:cNvPr id="190" name="Google Shape;190;p29"/>
-          <p:cNvSpPr txBox="1"/>
-          <p:nvPr>
-            <p:ph type="title"/>
-          </p:nvPr>
-        </p:nvSpPr>
-        <p:spPr>
-          <a:xfrm>
-            <a:off x="729450" y="1318650"/>
-            <a:ext cx="7688700" cy="535200"/>
-          </a:xfrm>
-          <a:prstGeom prst="rect">
-            <a:avLst/>
-          </a:prstGeom>
-        </p:spPr>
-        <p:txBody>
-          <a:bodyPr anchorCtr="0" anchor="t" bIns="91425" lIns="91425" spcFirstLastPara="1" rIns="91425" wrap="square" tIns="91425">
-            <a:noAutofit/>
-          </a:bodyPr>
-          <a:lstStyle/>
-          <a:p>
-            <a:pPr indent="0" lvl="0" marL="0" rtl="0" algn="l">
-              <a:spcBef>
-                <a:spcPts val="0"/>
-              </a:spcBef>
-              <a:spcAft>
-                <a:spcPts val="0"/>
-              </a:spcAft>
-              <a:buNone/>
-            </a:pPr>
-            <a:r>
-              <a:rPr lang="en"/>
-              <a:t>Feasibility Analysis Part 4</a:t>
-            </a:r>
-            <a:endParaRPr/>
-          </a:p>
-        </p:txBody>
-      </p:sp>
-      <p:sp>
-        <p:nvSpPr>
-          <p:cNvPr id="191" name="Google Shape;191;p29"/>
-          <p:cNvSpPr txBox="1"/>
-          <p:nvPr>
-            <p:ph idx="1" type="body"/>
-          </p:nvPr>
-        </p:nvSpPr>
-        <p:spPr>
-          <a:xfrm>
-            <a:off x="729450" y="1925650"/>
-            <a:ext cx="7688700" cy="3167400"/>
-          </a:xfrm>
-          <a:prstGeom prst="rect">
-            <a:avLst/>
-          </a:prstGeom>
-        </p:spPr>
-        <p:txBody>
-          <a:bodyPr anchorCtr="0" anchor="t" bIns="91425" lIns="91425" spcFirstLastPara="1" rIns="91425" wrap="square" tIns="91425">
-            <a:noAutofit/>
-          </a:bodyPr>
-          <a:lstStyle/>
-          <a:p>
-            <a:pPr indent="0" lvl="0" marL="0" rtl="0" algn="l">
-              <a:spcBef>
-                <a:spcPts val="0"/>
-              </a:spcBef>
-              <a:spcAft>
-                <a:spcPts val="0"/>
-              </a:spcAft>
-              <a:buNone/>
-            </a:pPr>
-            <a:r>
-              <a:rPr lang="en"/>
-              <a:t>Organizational</a:t>
-            </a:r>
-            <a:r>
-              <a:rPr lang="en"/>
-              <a:t> Feasibility</a:t>
-            </a:r>
-            <a:endParaRPr/>
-          </a:p>
-          <a:p>
-            <a:pPr indent="-311150" lvl="0" marL="457200" rtl="0" algn="l">
-              <a:spcBef>
-                <a:spcPts val="0"/>
-              </a:spcBef>
-              <a:spcAft>
-                <a:spcPts val="0"/>
-              </a:spcAft>
-              <a:buSzPts val="1300"/>
-              <a:buChar char="●"/>
-            </a:pPr>
-            <a:r>
-              <a:rPr lang="en" sz="1200">
-                <a:latin typeface="Arial"/>
-                <a:ea typeface="Arial"/>
-                <a:cs typeface="Arial"/>
-                <a:sym typeface="Arial"/>
-              </a:rPr>
-              <a:t>A</a:t>
-            </a:r>
-            <a:r>
-              <a:rPr lang="en"/>
-              <a:t>ddress existing issues of the UMBC Laptop loaning problem</a:t>
-            </a:r>
-            <a:endParaRPr/>
-          </a:p>
-          <a:p>
-            <a:pPr indent="-342900" lvl="0" marL="457200" rtl="0" algn="l">
-              <a:spcBef>
-                <a:spcPts val="0"/>
-              </a:spcBef>
-              <a:spcAft>
-                <a:spcPts val="0"/>
-              </a:spcAft>
-              <a:buSzPts val="1800"/>
-              <a:buChar char="●"/>
-            </a:pPr>
-            <a:r>
-              <a:rPr lang="en"/>
-              <a:t>System will reduce workload and any inconvenience for both the department and its patron. </a:t>
-            </a:r>
-            <a:endParaRPr/>
-          </a:p>
-          <a:p>
-            <a:pPr indent="-342900" lvl="0" marL="457200" rtl="0" algn="l">
-              <a:spcBef>
-                <a:spcPts val="0"/>
-              </a:spcBef>
-              <a:spcAft>
-                <a:spcPts val="0"/>
-              </a:spcAft>
-              <a:buSzPts val="1800"/>
-              <a:buChar char="●"/>
-            </a:pPr>
-            <a:r>
-              <a:rPr lang="en"/>
-              <a:t>Library has enough space to accommodate hardware devices so the implementation of the system would not affect any organizational structure</a:t>
-            </a:r>
-            <a:endParaRPr/>
-          </a:p>
-          <a:p>
-            <a:pPr indent="-342900" lvl="0" marL="457200" rtl="0" algn="l">
-              <a:spcBef>
-                <a:spcPts val="0"/>
-              </a:spcBef>
-              <a:spcAft>
-                <a:spcPts val="0"/>
-              </a:spcAft>
-              <a:buSzPts val="1800"/>
-              <a:buChar char="●"/>
-            </a:pPr>
-            <a:r>
-              <a:rPr lang="en"/>
-              <a:t>System can be implemented within existing hardware devices of the library.</a:t>
-            </a:r>
-            <a:endParaRPr/>
-          </a:p>
-          <a:p>
-            <a:pPr indent="-342900" lvl="0" marL="457200" rtl="0" algn="l">
-              <a:spcBef>
-                <a:spcPts val="0"/>
-              </a:spcBef>
-              <a:spcAft>
-                <a:spcPts val="0"/>
-              </a:spcAft>
-              <a:buSzPts val="1800"/>
-              <a:buChar char="●"/>
-            </a:pPr>
-            <a:r>
-              <a:rPr lang="en"/>
-              <a:t>User friendly with current library employees</a:t>
-            </a:r>
-            <a:endParaRPr/>
-          </a:p>
-          <a:p>
-            <a:pPr indent="0" lvl="0" marL="457200" rtl="0" algn="l">
-              <a:spcBef>
-                <a:spcPts val="0"/>
-              </a:spcBef>
-              <a:spcAft>
-                <a:spcPts val="0"/>
-              </a:spcAft>
-              <a:buNone/>
-            </a:pPr>
-            <a:r>
-              <a:t/>
-            </a:r>
-            <a:endParaRPr/>
-          </a:p>
-          <a:p>
-            <a:pPr indent="0" lvl="0" marL="0" rtl="0" algn="l">
-              <a:spcBef>
-                <a:spcPts val="0"/>
-              </a:spcBef>
-              <a:spcAft>
-                <a:spcPts val="0"/>
-              </a:spcAft>
-              <a:buNone/>
-            </a:pPr>
-            <a:r>
-              <a:t/>
-            </a:r>
-            <a:endParaRPr/>
-          </a:p>
-        </p:txBody>
-      </p:sp>
-    </p:spTree>
-  </p:cSld>
-  <p:clrMapOvr>
-    <a:masterClrMapping/>
-  </p:clrMapOvr>
-</p:sld>
-</file>
-
-<file path=ppt/slides/slide18.xml><?xml version="1.0" encoding="utf-8"?>
-<p:sld xmlns:a="http://schemas.openxmlformats.org/drawingml/2006/main" xmlns:r="http://schemas.openxmlformats.org/officeDocument/2006/relationships" xmlns:mc="http://schemas.openxmlformats.org/markup-compatibility/2006" xmlns:mv="urn:schemas-microsoft-com:mac:vml" xmlns:p="http://schemas.openxmlformats.org/presentationml/2006/main" xmlns:c="http://schemas.openxmlformats.org/drawingml/2006/chart" xmlns:dgm="http://schemas.openxmlformats.org/drawingml/2006/diagram" xmlns:o="urn:schemas-microsoft-com:office:office" xmlns:v="urn:schemas-microsoft-com:vml" xmlns:pvml="urn:schemas-microsoft-com:office:powerpoint" xmlns:com="http://schemas.openxmlformats.org/drawingml/2006/compatibility" xmlns:p14="http://schemas.microsoft.com/office/powerpoint/2010/main" xmlns:p15="http://schemas.microsoft.com/office/powerpoint/2012/main">
-  <p:cSld>
-    <p:spTree>
-      <p:nvGrpSpPr>
-        <p:cNvPr id="195" name="Shape 195"/>
-        <p:cNvGrpSpPr/>
-        <p:nvPr/>
-      </p:nvGrpSpPr>
-      <p:grpSpPr>
-        <a:xfrm>
-          <a:off x="0" y="0"/>
-          <a:ext cx="0" cy="0"/>
-          <a:chOff x="0" y="0"/>
-          <a:chExt cx="0" cy="0"/>
-        </a:xfrm>
-      </p:grpSpPr>
-      <p:sp>
-        <p:nvSpPr>
-          <p:cNvPr id="196" name="Google Shape;196;p30"/>
-          <p:cNvSpPr txBox="1"/>
-          <p:nvPr>
-            <p:ph type="title"/>
-          </p:nvPr>
-        </p:nvSpPr>
-        <p:spPr>
-          <a:xfrm>
-            <a:off x="729450" y="1318650"/>
-            <a:ext cx="7688700" cy="535200"/>
-          </a:xfrm>
-          <a:prstGeom prst="rect">
-            <a:avLst/>
-          </a:prstGeom>
-        </p:spPr>
-        <p:txBody>
-          <a:bodyPr anchorCtr="0" anchor="t" bIns="91425" lIns="91425" spcFirstLastPara="1" rIns="91425" wrap="square" tIns="91425">
-            <a:noAutofit/>
-          </a:bodyPr>
-          <a:lstStyle/>
-          <a:p>
-            <a:pPr indent="0" lvl="0" marL="0" rtl="0" algn="l">
-              <a:spcBef>
-                <a:spcPts val="0"/>
-              </a:spcBef>
-              <a:spcAft>
-                <a:spcPts val="0"/>
-              </a:spcAft>
-              <a:buNone/>
-            </a:pPr>
-            <a:r>
-              <a:rPr lang="en"/>
-              <a:t>Special Issues or Constraints </a:t>
-            </a:r>
-            <a:endParaRPr/>
-          </a:p>
-        </p:txBody>
-      </p:sp>
-      <p:sp>
-        <p:nvSpPr>
-          <p:cNvPr id="197" name="Google Shape;197;p30"/>
-          <p:cNvSpPr txBox="1"/>
-          <p:nvPr>
-            <p:ph idx="1" type="body"/>
-          </p:nvPr>
-        </p:nvSpPr>
-        <p:spPr>
-          <a:xfrm>
-            <a:off x="729450" y="2078875"/>
-            <a:ext cx="7688700" cy="2261100"/>
-          </a:xfrm>
-          <a:prstGeom prst="rect">
-            <a:avLst/>
-          </a:prstGeom>
-        </p:spPr>
-        <p:txBody>
-          <a:bodyPr anchorCtr="0" anchor="t" bIns="91425" lIns="91425" spcFirstLastPara="1" rIns="91425" wrap="square" tIns="91425">
-            <a:noAutofit/>
-          </a:bodyPr>
-          <a:lstStyle/>
-          <a:p>
-            <a:pPr indent="-311150" lvl="0" marL="457200" rtl="0" algn="l">
-              <a:lnSpc>
-                <a:spcPct val="100000"/>
-              </a:lnSpc>
-              <a:spcBef>
-                <a:spcPts val="0"/>
-              </a:spcBef>
-              <a:spcAft>
-                <a:spcPts val="0"/>
-              </a:spcAft>
-              <a:buSzPts val="1300"/>
-              <a:buChar char="●"/>
-            </a:pPr>
-            <a:r>
-              <a:rPr lang="en">
-                <a:solidFill>
-                  <a:srgbClr val="000000"/>
-                </a:solidFill>
-              </a:rPr>
-              <a:t>Potential scalability and interfacing problems due to integration of online reservation on myUMBC site due to the site being able to be accessed from different departments of UMBC</a:t>
-            </a:r>
-            <a:endParaRPr>
-              <a:solidFill>
-                <a:srgbClr val="000000"/>
-              </a:solidFill>
-            </a:endParaRPr>
-          </a:p>
-          <a:p>
-            <a:pPr indent="0" lvl="0" marL="0" rtl="0" algn="l">
-              <a:lnSpc>
-                <a:spcPct val="100000"/>
-              </a:lnSpc>
-              <a:spcBef>
-                <a:spcPts val="0"/>
-              </a:spcBef>
-              <a:spcAft>
-                <a:spcPts val="0"/>
-              </a:spcAft>
-              <a:buNone/>
-            </a:pPr>
-            <a:r>
-              <a:t/>
-            </a:r>
-            <a:endParaRPr/>
-          </a:p>
-        </p:txBody>
-      </p:sp>
-    </p:spTree>
-  </p:cSld>
-  <p:clrMapOvr>
-    <a:masterClrMapping/>
-  </p:clrMapOvr>
-</p:sld>
-</file>
-
-<file path=ppt/slides/slide19.xml><?xml version="1.0" encoding="utf-8"?>
 <p:sld xmlns:a="http://schemas.openxmlformats.org/drawingml/2006/main" xmlns:r="http://schemas.openxmlformats.org/officeDocument/2006/relationships" xmlns:mc="http://schemas.openxmlformats.org/markup-compatibility/2006" xmlns:mv="urn:schemas-microsoft-com:mac:vml" xmlns:p="http://schemas.openxmlformats.org/presentationml/2006/main" xmlns:c="http://schemas.openxmlformats.org/drawingml/2006/chart" xmlns:dgm="http://schemas.openxmlformats.org/drawingml/2006/diagram" xmlns:o="urn:schemas-microsoft-com:office:office" xmlns:v="urn:schemas-microsoft-com:vml" xmlns:pvml="urn:schemas-microsoft-com:office:powerpoint" xmlns:com="http://schemas.openxmlformats.org/drawingml/2006/compatibility" xmlns:p14="http://schemas.microsoft.com/office/powerpoint/2010/main" xmlns:p15="http://schemas.microsoft.com/office/powerpoint/2012/main">
   <p:cSld>
     <p:spTree>
@@ -11538,7 +11234,7 @@
       </p:grpSpPr>
       <p:sp>
         <p:nvSpPr>
-          <p:cNvPr id="202" name="Google Shape;202;p31"/>
+          <p:cNvPr id="202" name="Google Shape;202;p29"/>
           <p:cNvSpPr txBox="1"/>
           <p:nvPr>
             <p:ph type="title"/>
@@ -11570,7 +11266,7 @@
             </a:pPr>
             <a:r>
               <a:rPr lang="en"/>
-              <a:t>Project Methodology</a:t>
+              <a:t>Feasibility Analysis Part 4</a:t>
             </a:r>
             <a:endParaRPr/>
           </a:p>
@@ -11578,7 +11274,7 @@
       </p:sp>
       <p:sp>
         <p:nvSpPr>
-          <p:cNvPr id="203" name="Google Shape;203;p31"/>
+          <p:cNvPr id="203" name="Google Shape;203;p29"/>
           <p:cNvSpPr txBox="1"/>
           <p:nvPr>
             <p:ph idx="1" type="body"/>
@@ -11586,8 +11282,8 @@
         </p:nvSpPr>
         <p:spPr>
           <a:xfrm>
-            <a:off x="729450" y="2078875"/>
-            <a:ext cx="7688700" cy="2261100"/>
+            <a:off x="264275" y="1792750"/>
+            <a:ext cx="7688700" cy="3167400"/>
           </a:xfrm>
           <a:prstGeom prst="rect">
             <a:avLst/>
@@ -11599,6 +11295,268 @@
           </a:bodyPr>
           <a:lstStyle/>
           <a:p>
+            <a:pPr indent="0" lvl="0" marL="0" rtl="0" algn="l">
+              <a:spcBef>
+                <a:spcPts val="0"/>
+              </a:spcBef>
+              <a:spcAft>
+                <a:spcPts val="0"/>
+              </a:spcAft>
+              <a:buNone/>
+            </a:pPr>
+            <a:r>
+              <a:rPr lang="en"/>
+              <a:t>Organizational</a:t>
+            </a:r>
+            <a:r>
+              <a:rPr lang="en"/>
+              <a:t> Feasibility</a:t>
+            </a:r>
+            <a:endParaRPr/>
+          </a:p>
+          <a:p>
+            <a:pPr indent="-342900" lvl="0" marL="457200" rtl="0" algn="l">
+              <a:spcBef>
+                <a:spcPts val="0"/>
+              </a:spcBef>
+              <a:spcAft>
+                <a:spcPts val="0"/>
+              </a:spcAft>
+              <a:buSzPts val="1800"/>
+              <a:buChar char="●"/>
+            </a:pPr>
+            <a:r>
+              <a:rPr lang="en"/>
+              <a:t>Address e</a:t>
+            </a:r>
+            <a:r>
+              <a:rPr lang="en"/>
+              <a:t>xisting issues of the UMBC Laptop loaning problem</a:t>
+            </a:r>
+            <a:endParaRPr/>
+          </a:p>
+          <a:p>
+            <a:pPr indent="-342900" lvl="0" marL="457200" rtl="0" algn="l">
+              <a:spcBef>
+                <a:spcPts val="0"/>
+              </a:spcBef>
+              <a:spcAft>
+                <a:spcPts val="0"/>
+              </a:spcAft>
+              <a:buSzPts val="1800"/>
+              <a:buChar char="●"/>
+            </a:pPr>
+            <a:r>
+              <a:rPr lang="en"/>
+              <a:t>System will reduce workload and any inconvenience for both the department and its patron. </a:t>
+            </a:r>
+            <a:endParaRPr/>
+          </a:p>
+          <a:p>
+            <a:pPr indent="-342900" lvl="0" marL="457200" rtl="0" algn="l">
+              <a:spcBef>
+                <a:spcPts val="0"/>
+              </a:spcBef>
+              <a:spcAft>
+                <a:spcPts val="0"/>
+              </a:spcAft>
+              <a:buSzPts val="1800"/>
+              <a:buChar char="●"/>
+            </a:pPr>
+            <a:r>
+              <a:rPr lang="en"/>
+              <a:t>Library has enough space to accommodate hardware devices so the implementation of the system would not affect any organizational structure</a:t>
+            </a:r>
+            <a:endParaRPr/>
+          </a:p>
+          <a:p>
+            <a:pPr indent="-342900" lvl="0" marL="457200" rtl="0" algn="l">
+              <a:spcBef>
+                <a:spcPts val="0"/>
+              </a:spcBef>
+              <a:spcAft>
+                <a:spcPts val="0"/>
+              </a:spcAft>
+              <a:buSzPts val="1800"/>
+              <a:buChar char="●"/>
+            </a:pPr>
+            <a:r>
+              <a:rPr lang="en"/>
+              <a:t>System can be implemented within existing hardware devices of the library.</a:t>
+            </a:r>
+            <a:endParaRPr/>
+          </a:p>
+          <a:p>
+            <a:pPr indent="-342900" lvl="0" marL="457200" rtl="0" algn="l">
+              <a:spcBef>
+                <a:spcPts val="0"/>
+              </a:spcBef>
+              <a:spcAft>
+                <a:spcPts val="0"/>
+              </a:spcAft>
+              <a:buSzPts val="1800"/>
+              <a:buChar char="●"/>
+            </a:pPr>
+            <a:r>
+              <a:rPr lang="en"/>
+              <a:t>User friendly with current library employees</a:t>
+            </a:r>
+            <a:endParaRPr/>
+          </a:p>
+          <a:p>
+            <a:pPr indent="0" lvl="0" marL="457200" rtl="0" algn="l">
+              <a:spcBef>
+                <a:spcPts val="0"/>
+              </a:spcBef>
+              <a:spcAft>
+                <a:spcPts val="0"/>
+              </a:spcAft>
+              <a:buNone/>
+            </a:pPr>
+            <a:r>
+              <a:t/>
+            </a:r>
+            <a:endParaRPr/>
+          </a:p>
+          <a:p>
+            <a:pPr indent="0" lvl="0" marL="0" rtl="0" algn="l">
+              <a:spcBef>
+                <a:spcPts val="0"/>
+              </a:spcBef>
+              <a:spcAft>
+                <a:spcPts val="0"/>
+              </a:spcAft>
+              <a:buNone/>
+            </a:pPr>
+            <a:r>
+              <a:t/>
+            </a:r>
+            <a:endParaRPr/>
+          </a:p>
+        </p:txBody>
+      </p:sp>
+      <p:pic>
+        <p:nvPicPr>
+          <p:cNvPr id="204" name="Google Shape;204;p29"/>
+          <p:cNvPicPr preferRelativeResize="0"/>
+          <p:nvPr/>
+        </p:nvPicPr>
+        <p:blipFill rotWithShape="1">
+          <a:blip r:embed="rId3">
+            <a:alphaModFix/>
+          </a:blip>
+          <a:srcRect b="0" l="2322" r="1698" t="0"/>
+          <a:stretch/>
+        </p:blipFill>
+        <p:spPr>
+          <a:xfrm>
+            <a:off x="5271025" y="671275"/>
+            <a:ext cx="3528200" cy="1376075"/>
+          </a:xfrm>
+          <a:prstGeom prst="rect">
+            <a:avLst/>
+          </a:prstGeom>
+          <a:noFill/>
+          <a:ln>
+            <a:noFill/>
+          </a:ln>
+          <a:effectLst>
+            <a:outerShdw blurRad="57150" rotWithShape="0" algn="bl" dir="5400000" dist="19050">
+              <a:srgbClr val="000000">
+                <a:alpha val="50000"/>
+              </a:srgbClr>
+            </a:outerShdw>
+          </a:effectLst>
+        </p:spPr>
+      </p:pic>
+    </p:spTree>
+  </p:cSld>
+  <p:clrMapOvr>
+    <a:masterClrMapping/>
+  </p:clrMapOvr>
+</p:sld>
+</file>
+
+<file path=ppt/slides/slide18.xml><?xml version="1.0" encoding="utf-8"?>
+<p:sld xmlns:a="http://schemas.openxmlformats.org/drawingml/2006/main" xmlns:r="http://schemas.openxmlformats.org/officeDocument/2006/relationships" xmlns:mc="http://schemas.openxmlformats.org/markup-compatibility/2006" xmlns:mv="urn:schemas-microsoft-com:mac:vml" xmlns:p="http://schemas.openxmlformats.org/presentationml/2006/main" xmlns:c="http://schemas.openxmlformats.org/drawingml/2006/chart" xmlns:dgm="http://schemas.openxmlformats.org/drawingml/2006/diagram" xmlns:o="urn:schemas-microsoft-com:office:office" xmlns:v="urn:schemas-microsoft-com:vml" xmlns:pvml="urn:schemas-microsoft-com:office:powerpoint" xmlns:com="http://schemas.openxmlformats.org/drawingml/2006/compatibility" xmlns:p14="http://schemas.microsoft.com/office/powerpoint/2010/main" xmlns:p15="http://schemas.microsoft.com/office/powerpoint/2012/main">
+  <p:cSld>
+    <p:spTree>
+      <p:nvGrpSpPr>
+        <p:cNvPr id="208" name="Shape 208"/>
+        <p:cNvGrpSpPr/>
+        <p:nvPr/>
+      </p:nvGrpSpPr>
+      <p:grpSpPr>
+        <a:xfrm>
+          <a:off x="0" y="0"/>
+          <a:ext cx="0" cy="0"/>
+          <a:chOff x="0" y="0"/>
+          <a:chExt cx="0" cy="0"/>
+        </a:xfrm>
+      </p:grpSpPr>
+      <p:sp>
+        <p:nvSpPr>
+          <p:cNvPr id="209" name="Google Shape;209;p30"/>
+          <p:cNvSpPr txBox="1"/>
+          <p:nvPr>
+            <p:ph type="title"/>
+          </p:nvPr>
+        </p:nvSpPr>
+        <p:spPr>
+          <a:xfrm>
+            <a:off x="729450" y="1318650"/>
+            <a:ext cx="7688700" cy="535200"/>
+          </a:xfrm>
+          <a:prstGeom prst="rect">
+            <a:avLst/>
+          </a:prstGeom>
+        </p:spPr>
+        <p:txBody>
+          <a:bodyPr anchorCtr="0" anchor="t" bIns="91425" lIns="91425" spcFirstLastPara="1" rIns="91425" wrap="square" tIns="91425">
+            <a:noAutofit/>
+          </a:bodyPr>
+          <a:lstStyle/>
+          <a:p>
+            <a:pPr indent="0" lvl="0" marL="0" rtl="0" algn="l">
+              <a:spcBef>
+                <a:spcPts val="0"/>
+              </a:spcBef>
+              <a:spcAft>
+                <a:spcPts val="0"/>
+              </a:spcAft>
+              <a:buNone/>
+            </a:pPr>
+            <a:r>
+              <a:rPr lang="en"/>
+              <a:t>Special Issues or Constraints </a:t>
+            </a:r>
+            <a:endParaRPr/>
+          </a:p>
+        </p:txBody>
+      </p:sp>
+      <p:sp>
+        <p:nvSpPr>
+          <p:cNvPr id="210" name="Google Shape;210;p30"/>
+          <p:cNvSpPr txBox="1"/>
+          <p:nvPr>
+            <p:ph idx="1" type="body"/>
+          </p:nvPr>
+        </p:nvSpPr>
+        <p:spPr>
+          <a:xfrm>
+            <a:off x="729450" y="2078875"/>
+            <a:ext cx="7688700" cy="2261100"/>
+          </a:xfrm>
+          <a:prstGeom prst="rect">
+            <a:avLst/>
+          </a:prstGeom>
+        </p:spPr>
+        <p:txBody>
+          <a:bodyPr anchorCtr="0" anchor="t" bIns="91425" lIns="91425" spcFirstLastPara="1" rIns="91425" wrap="square" tIns="91425">
+            <a:noAutofit/>
+          </a:bodyPr>
+          <a:lstStyle/>
+          <a:p>
             <a:pPr indent="-342900" lvl="0" marL="457200" rtl="0" algn="l">
               <a:lnSpc>
                 <a:spcPct val="150000"/>
@@ -11614,7 +11572,7 @@
             </a:pPr>
             <a:r>
               <a:rPr lang="en"/>
-              <a:t>Design and implement our project using Agile methodology</a:t>
+              <a:t>Potential scalability and interfacing problems due to integration of online reservation on myUMBC site due to the site being able to be accessed from different departments of UMBC</a:t>
             </a:r>
             <a:endParaRPr/>
           </a:p>
@@ -11634,7 +11592,15 @@
             </a:pPr>
             <a:r>
               <a:rPr lang="en"/>
-              <a:t>The methodology will give us the  opportunity to work through prototyping to improve every iteration in the development cycle.</a:t>
+              <a:t>Limited space for </a:t>
+            </a:r>
+            <a:r>
+              <a:rPr lang="en"/>
+              <a:t>additional</a:t>
+            </a:r>
+            <a:r>
+              <a:rPr lang="en"/>
+              <a:t> hardware</a:t>
             </a:r>
             <a:endParaRPr/>
           </a:p>
@@ -11654,10 +11620,133 @@
             </a:pPr>
             <a:r>
               <a:rPr lang="en"/>
-              <a:t>Best fit to address specific requirement changes</a:t>
+              <a:t>Such as servers</a:t>
             </a:r>
             <a:endParaRPr/>
           </a:p>
+        </p:txBody>
+      </p:sp>
+      <p:pic>
+        <p:nvPicPr>
+          <p:cNvPr id="211" name="Google Shape;211;p30"/>
+          <p:cNvPicPr preferRelativeResize="0"/>
+          <p:nvPr/>
+        </p:nvPicPr>
+        <p:blipFill rotWithShape="1">
+          <a:blip r:embed="rId3">
+            <a:alphaModFix/>
+          </a:blip>
+          <a:srcRect b="14311" l="15073" r="3140" t="9480"/>
+          <a:stretch/>
+        </p:blipFill>
+        <p:spPr>
+          <a:xfrm>
+            <a:off x="5473225" y="3392150"/>
+            <a:ext cx="2944925" cy="1513300"/>
+          </a:xfrm>
+          <a:prstGeom prst="rect">
+            <a:avLst/>
+          </a:prstGeom>
+          <a:noFill/>
+          <a:ln>
+            <a:noFill/>
+          </a:ln>
+          <a:effectLst>
+            <a:outerShdw blurRad="57150" rotWithShape="0" algn="bl" dir="5400000" dist="19050">
+              <a:srgbClr val="000000">
+                <a:alpha val="50000"/>
+              </a:srgbClr>
+            </a:outerShdw>
+          </a:effectLst>
+        </p:spPr>
+      </p:pic>
+    </p:spTree>
+  </p:cSld>
+  <p:clrMapOvr>
+    <a:masterClrMapping/>
+  </p:clrMapOvr>
+</p:sld>
+</file>
+
+<file path=ppt/slides/slide19.xml><?xml version="1.0" encoding="utf-8"?>
+<p:sld xmlns:a="http://schemas.openxmlformats.org/drawingml/2006/main" xmlns:r="http://schemas.openxmlformats.org/officeDocument/2006/relationships" xmlns:mc="http://schemas.openxmlformats.org/markup-compatibility/2006" xmlns:mv="urn:schemas-microsoft-com:mac:vml" xmlns:p="http://schemas.openxmlformats.org/presentationml/2006/main" xmlns:c="http://schemas.openxmlformats.org/drawingml/2006/chart" xmlns:dgm="http://schemas.openxmlformats.org/drawingml/2006/diagram" xmlns:o="urn:schemas-microsoft-com:office:office" xmlns:v="urn:schemas-microsoft-com:vml" xmlns:pvml="urn:schemas-microsoft-com:office:powerpoint" xmlns:com="http://schemas.openxmlformats.org/drawingml/2006/compatibility" xmlns:p14="http://schemas.microsoft.com/office/powerpoint/2010/main" xmlns:p15="http://schemas.microsoft.com/office/powerpoint/2012/main">
+  <p:cSld>
+    <p:spTree>
+      <p:nvGrpSpPr>
+        <p:cNvPr id="215" name="Shape 215"/>
+        <p:cNvGrpSpPr/>
+        <p:nvPr/>
+      </p:nvGrpSpPr>
+      <p:grpSpPr>
+        <a:xfrm>
+          <a:off x="0" y="0"/>
+          <a:ext cx="0" cy="0"/>
+          <a:chOff x="0" y="0"/>
+          <a:chExt cx="0" cy="0"/>
+        </a:xfrm>
+      </p:grpSpPr>
+      <p:sp>
+        <p:nvSpPr>
+          <p:cNvPr id="216" name="Google Shape;216;p31"/>
+          <p:cNvSpPr txBox="1"/>
+          <p:nvPr>
+            <p:ph type="title"/>
+          </p:nvPr>
+        </p:nvSpPr>
+        <p:spPr>
+          <a:xfrm>
+            <a:off x="729450" y="1318650"/>
+            <a:ext cx="7688700" cy="535200"/>
+          </a:xfrm>
+          <a:prstGeom prst="rect">
+            <a:avLst/>
+          </a:prstGeom>
+        </p:spPr>
+        <p:txBody>
+          <a:bodyPr anchorCtr="0" anchor="t" bIns="91425" lIns="91425" spcFirstLastPara="1" rIns="91425" wrap="square" tIns="91425">
+            <a:noAutofit/>
+          </a:bodyPr>
+          <a:lstStyle/>
+          <a:p>
+            <a:pPr indent="0" lvl="0" marL="0" rtl="0" algn="l">
+              <a:spcBef>
+                <a:spcPts val="0"/>
+              </a:spcBef>
+              <a:spcAft>
+                <a:spcPts val="0"/>
+              </a:spcAft>
+              <a:buNone/>
+            </a:pPr>
+            <a:r>
+              <a:rPr lang="en"/>
+              <a:t>Project Methodology</a:t>
+            </a:r>
+            <a:endParaRPr/>
+          </a:p>
+        </p:txBody>
+      </p:sp>
+      <p:sp>
+        <p:nvSpPr>
+          <p:cNvPr id="217" name="Google Shape;217;p31"/>
+          <p:cNvSpPr txBox="1"/>
+          <p:nvPr>
+            <p:ph idx="1" type="body"/>
+          </p:nvPr>
+        </p:nvSpPr>
+        <p:spPr>
+          <a:xfrm>
+            <a:off x="729450" y="2078875"/>
+            <a:ext cx="7688700" cy="2261100"/>
+          </a:xfrm>
+          <a:prstGeom prst="rect">
+            <a:avLst/>
+          </a:prstGeom>
+        </p:spPr>
+        <p:txBody>
+          <a:bodyPr anchorCtr="0" anchor="t" bIns="91425" lIns="91425" spcFirstLastPara="1" rIns="91425" wrap="square" tIns="91425">
+            <a:noAutofit/>
+          </a:bodyPr>
+          <a:lstStyle/>
           <a:p>
             <a:pPr indent="-342900" lvl="0" marL="457200" rtl="0" algn="l">
               <a:lnSpc>
@@ -11674,12 +11763,116 @@
             </a:pPr>
             <a:r>
               <a:rPr lang="en"/>
+              <a:t>Design and implement our project using </a:t>
+            </a:r>
+            <a:r>
+              <a:rPr b="1" lang="en"/>
+              <a:t>Agile methodology</a:t>
+            </a:r>
+            <a:endParaRPr b="1"/>
+          </a:p>
+          <a:p>
+            <a:pPr indent="-342900" lvl="0" marL="457200" rtl="0" algn="l">
+              <a:lnSpc>
+                <a:spcPct val="150000"/>
+              </a:lnSpc>
+              <a:spcBef>
+                <a:spcPts val="0"/>
+              </a:spcBef>
+              <a:spcAft>
+                <a:spcPts val="0"/>
+              </a:spcAft>
+              <a:buSzPts val="1800"/>
+              <a:buChar char="●"/>
+            </a:pPr>
+            <a:r>
+              <a:rPr lang="en"/>
+              <a:t>The methodology will give us the  opportunity to work through prototyping to improve every iteration in the development cycle.</a:t>
+            </a:r>
+            <a:endParaRPr/>
+          </a:p>
+          <a:p>
+            <a:pPr indent="-342900" lvl="0" marL="457200" rtl="0" algn="l">
+              <a:lnSpc>
+                <a:spcPct val="150000"/>
+              </a:lnSpc>
+              <a:spcBef>
+                <a:spcPts val="0"/>
+              </a:spcBef>
+              <a:spcAft>
+                <a:spcPts val="0"/>
+              </a:spcAft>
+              <a:buSzPts val="1800"/>
+              <a:buChar char="●"/>
+            </a:pPr>
+            <a:r>
+              <a:rPr lang="en"/>
+              <a:t>Best fit to address specific requirement changes</a:t>
+            </a:r>
+            <a:endParaRPr/>
+          </a:p>
+          <a:p>
+            <a:pPr indent="-342900" lvl="0" marL="457200" rtl="0" algn="l">
+              <a:lnSpc>
+                <a:spcPct val="150000"/>
+              </a:lnSpc>
+              <a:spcBef>
+                <a:spcPts val="0"/>
+              </a:spcBef>
+              <a:spcAft>
+                <a:spcPts val="0"/>
+              </a:spcAft>
+              <a:buSzPts val="1800"/>
+              <a:buChar char="●"/>
+            </a:pPr>
+            <a:r>
+              <a:rPr lang="en"/>
               <a:t>Flexible with increase of productivity for the team. </a:t>
             </a:r>
             <a:endParaRPr/>
           </a:p>
         </p:txBody>
       </p:sp>
+      <p:pic>
+        <p:nvPicPr>
+          <p:cNvPr id="218" name="Google Shape;218;p31"/>
+          <p:cNvPicPr preferRelativeResize="0"/>
+          <p:nvPr/>
+        </p:nvPicPr>
+        <p:blipFill rotWithShape="1">
+          <a:blip r:embed="rId3">
+            <a:alphaModFix/>
+          </a:blip>
+          <a:srcRect b="5937" l="15824" r="16198" t="4649"/>
+          <a:stretch/>
+        </p:blipFill>
+        <p:spPr>
+          <a:xfrm>
+            <a:off x="7311425" y="529550"/>
+            <a:ext cx="1564300" cy="1617325"/>
+          </a:xfrm>
+          <a:prstGeom prst="rect">
+            <a:avLst/>
+          </a:prstGeom>
+          <a:noFill/>
+          <a:ln cap="flat" cmpd="sng" w="19050">
+            <a:solidFill>
+              <a:schemeClr val="lt2"/>
+            </a:solidFill>
+            <a:prstDash val="solid"/>
+            <a:round/>
+            <a:headEnd len="sm" w="sm" type="none"/>
+            <a:tailEnd len="sm" w="sm" type="none"/>
+          </a:ln>
+          <a:effectLst>
+            <a:outerShdw blurRad="57150" rotWithShape="0" algn="bl" dir="5400000" dist="19050">
+              <a:srgbClr val="000000">
+                <a:alpha val="50000"/>
+              </a:srgbClr>
+            </a:outerShdw>
+          </a:effectLst>
+        </p:spPr>
+      </p:pic>
     </p:spTree>
   </p:cSld>
   <p:clrMapOvr>
@@ -11786,7 +11979,7 @@
   <p:cSld>
     <p:spTree>
       <p:nvGrpSpPr>
-        <p:cNvPr id="207" name="Shape 207"/>
+        <p:cNvPr id="222" name="Shape 222"/>
         <p:cNvGrpSpPr/>
         <p:nvPr/>
       </p:nvGrpSpPr>
@@ -11800,7 +11993,7 @@
       </p:grpSpPr>
       <p:sp>
         <p:nvSpPr>
-          <p:cNvPr id="208" name="Google Shape;208;p32"/>
+          <p:cNvPr id="223" name="Google Shape;223;p32"/>
           <p:cNvSpPr txBox="1"/>
           <p:nvPr>
             <p:ph type="title"/>
@@ -11840,7 +12033,7 @@
       </p:sp>
       <p:sp>
         <p:nvSpPr>
-          <p:cNvPr id="209" name="Google Shape;209;p32"/>
+          <p:cNvPr id="224" name="Google Shape;224;p32"/>
           <p:cNvSpPr txBox="1"/>
           <p:nvPr>
             <p:ph idx="1" type="body"/>
@@ -11879,7 +12072,7 @@
       </p:sp>
       <p:pic>
         <p:nvPicPr>
-          <p:cNvPr id="210" name="Google Shape;210;p32"/>
+          <p:cNvPr id="225" name="Google Shape;225;p32"/>
           <p:cNvPicPr preferRelativeResize="0"/>
           <p:nvPr/>
         </p:nvPicPr>
@@ -12022,12 +12215,52 @@
               <a:buChar char="●"/>
             </a:pPr>
             <a:r>
+              <a:rPr lang="en">
+                <a:highlight>
+                  <a:srgbClr val="FFFFFF"/>
+                </a:highlight>
+              </a:rPr>
+              <a:t>S</a:t>
+            </a:r>
+            <a:r>
               <a:rPr lang="en" sz="1800">
                 <a:highlight>
                   <a:srgbClr val="FFFFFF"/>
                 </a:highlight>
               </a:rPr>
-              <a:t>Lead the success of  </a:t>
+              <a:t>uccessfully </a:t>
+            </a:r>
+            <a:r>
+              <a:rPr lang="en">
+                <a:highlight>
+                  <a:srgbClr val="FFFFFF"/>
+                </a:highlight>
+              </a:rPr>
+              <a:t>lead</a:t>
+            </a:r>
+            <a:r>
+              <a:rPr lang="en" sz="1800">
+                <a:highlight>
+                  <a:srgbClr val="FFFFFF"/>
+                </a:highlight>
+              </a:rPr>
+              <a:t> o</a:t>
+            </a:r>
+            <a:r>
+              <a:rPr lang="en">
+                <a:highlight>
+                  <a:srgbClr val="FFFFFF"/>
+                </a:highlight>
+              </a:rPr>
+              <a:t>n</a:t>
+            </a:r>
+            <a:r>
+              <a:rPr lang="en" sz="1800">
+                <a:highlight>
+                  <a:srgbClr val="FFFFFF"/>
+                </a:highlight>
+              </a:rPr>
+              <a:t>  </a:t>
             </a:r>
             <a:r>
               <a:rPr b="1" lang="en" sz="1800">
@@ -12232,7 +12465,7 @@
           <p:nvPr/>
         </p:nvPicPr>
         <p:blipFill>
-          <a:blip r:embed="rId4">
+          <a:blip r:embed="rId3">
             <a:alphaModFix/>
           </a:blip>
           <a:stretch>
@@ -12273,7 +12506,7 @@
           <p:nvPr/>
         </p:nvPicPr>
         <p:blipFill>
-          <a:blip r:embed="rId5">
+          <a:blip r:embed="rId4">
             <a:alphaModFix/>
           </a:blip>
           <a:stretch>
@@ -12499,6 +12732,41 @@
           </a:p>
         </p:txBody>
       </p:sp>
+      <p:pic>
+        <p:nvPicPr>
+          <p:cNvPr id="112" name="Google Shape;112;p16"/>
+          <p:cNvPicPr preferRelativeResize="0"/>
+          <p:nvPr/>
+        </p:nvPicPr>
+        <p:blipFill>
+          <a:blip r:embed="rId3">
+            <a:alphaModFix/>
+          </a:blip>
+          <a:stretch>
+            <a:fillRect/>
+          </a:stretch>
+        </p:blipFill>
+        <p:spPr>
+          <a:xfrm>
+            <a:off x="5028900" y="537875"/>
+            <a:ext cx="3734850" cy="1972200"/>
+          </a:xfrm>
+          <a:prstGeom prst="rect">
+            <a:avLst/>
+          </a:prstGeom>
+          <a:noFill/>
+          <a:ln>
+            <a:noFill/>
+          </a:ln>
+          <a:effectLst>
+            <a:outerShdw blurRad="57150" rotWithShape="0" algn="bl" dir="5400000" dist="19050">
+              <a:srgbClr val="000000">
+                <a:alpha val="50000"/>
+              </a:srgbClr>
+            </a:outerShdw>
+          </a:effectLst>
+        </p:spPr>
+      </p:pic>
     </p:spTree>
   </p:cSld>
   <p:clrMapOvr>
@@ -12512,7 +12780,7 @@
   <p:cSld>
     <p:spTree>
       <p:nvGrpSpPr>
-        <p:cNvPr id="115" name="Shape 115"/>
+        <p:cNvPr id="116" name="Shape 116"/>
         <p:cNvGrpSpPr/>
         <p:nvPr/>
       </p:nvGrpSpPr>
@@ -12526,7 +12794,7 @@
       </p:grpSpPr>
       <p:sp>
         <p:nvSpPr>
-          <p:cNvPr id="116" name="Google Shape;116;p17"/>
+          <p:cNvPr id="117" name="Google Shape;117;p17"/>
           <p:cNvSpPr txBox="1"/>
           <p:nvPr>
             <p:ph type="title"/>
@@ -12566,7 +12834,7 @@
       </p:sp>
       <p:sp>
         <p:nvSpPr>
-          <p:cNvPr id="117" name="Google Shape;117;p17"/>
+          <p:cNvPr id="118" name="Google Shape;118;p17"/>
           <p:cNvSpPr txBox="1"/>
           <p:nvPr>
             <p:ph idx="1" type="body"/>
@@ -12650,7 +12918,7 @@
       </p:sp>
       <p:sp>
         <p:nvSpPr>
-          <p:cNvPr id="118" name="Google Shape;118;p17"/>
+          <p:cNvPr id="119" name="Google Shape;119;p17"/>
           <p:cNvSpPr txBox="1"/>
           <p:nvPr/>
         </p:nvSpPr>
@@ -12700,6 +12968,41 @@
           </a:p>
         </p:txBody>
       </p:sp>
+      <p:pic>
+        <p:nvPicPr>
+          <p:cNvPr id="120" name="Google Shape;120;p17"/>
+          <p:cNvPicPr preferRelativeResize="0"/>
+          <p:nvPr/>
+        </p:nvPicPr>
+        <p:blipFill>
+          <a:blip r:embed="rId3">
+            <a:alphaModFix/>
+          </a:blip>
+          <a:stretch>
+            <a:fillRect/>
+          </a:stretch>
+        </p:blipFill>
+        <p:spPr>
+          <a:xfrm>
+            <a:off x="5333251" y="597437"/>
+            <a:ext cx="3418725" cy="2202625"/>
+          </a:xfrm>
+          <a:prstGeom prst="rect">
+            <a:avLst/>
+          </a:prstGeom>
+          <a:noFill/>
+          <a:ln>
+            <a:noFill/>
+          </a:ln>
+          <a:effectLst>
+            <a:outerShdw blurRad="57150" rotWithShape="0" algn="bl" dir="5400000" dist="19050">
+              <a:srgbClr val="000000">
+                <a:alpha val="50000"/>
+              </a:srgbClr>
+            </a:outerShdw>
+          </a:effectLst>
+        </p:spPr>
+      </p:pic>
     </p:spTree>
   </p:cSld>
   <p:clrMapOvr>
@@ -12713,7 +13016,7 @@
   <p:cSld>
     <p:spTree>
       <p:nvGrpSpPr>
-        <p:cNvPr id="122" name="Shape 122"/>
+        <p:cNvPr id="124" name="Shape 124"/>
         <p:cNvGrpSpPr/>
         <p:nvPr/>
       </p:nvGrpSpPr>
@@ -12727,7 +13030,7 @@
       </p:grpSpPr>
       <p:sp>
         <p:nvSpPr>
-          <p:cNvPr id="123" name="Google Shape;123;p18"/>
+          <p:cNvPr id="125" name="Google Shape;125;p18"/>
           <p:cNvSpPr txBox="1"/>
           <p:nvPr>
             <p:ph type="title"/>
@@ -12767,7 +13070,7 @@
       </p:sp>
       <p:sp>
         <p:nvSpPr>
-          <p:cNvPr id="124" name="Google Shape;124;p18"/>
+          <p:cNvPr id="126" name="Google Shape;126;p18"/>
           <p:cNvSpPr txBox="1"/>
           <p:nvPr>
             <p:ph idx="1" type="body"/>
@@ -12851,7 +13154,7 @@
       </p:sp>
       <p:sp>
         <p:nvSpPr>
-          <p:cNvPr id="125" name="Google Shape;125;p18"/>
+          <p:cNvPr id="127" name="Google Shape;127;p18"/>
           <p:cNvSpPr txBox="1"/>
           <p:nvPr/>
         </p:nvSpPr>
@@ -12901,6 +13204,41 @@
           </a:p>
         </p:txBody>
       </p:sp>
+      <p:pic>
+        <p:nvPicPr>
+          <p:cNvPr id="128" name="Google Shape;128;p18"/>
+          <p:cNvPicPr preferRelativeResize="0"/>
+          <p:nvPr/>
+        </p:nvPicPr>
+        <p:blipFill>
+          <a:blip r:embed="rId3">
+            <a:alphaModFix/>
+          </a:blip>
+          <a:stretch>
+            <a:fillRect/>
+          </a:stretch>
+        </p:blipFill>
+        <p:spPr>
+          <a:xfrm>
+            <a:off x="5103625" y="698975"/>
+            <a:ext cx="3787850" cy="2251550"/>
+          </a:xfrm>
+          <a:prstGeom prst="rect">
+            <a:avLst/>
+          </a:prstGeom>
+          <a:noFill/>
+          <a:ln>
+            <a:noFill/>
+          </a:ln>
+          <a:effectLst>
+            <a:outerShdw blurRad="57150" rotWithShape="0" algn="bl" dir="5400000" dist="19050">
+              <a:srgbClr val="000000">
+                <a:alpha val="50000"/>
+              </a:srgbClr>
+            </a:outerShdw>
+          </a:effectLst>
+        </p:spPr>
+      </p:pic>
     </p:spTree>
   </p:cSld>
   <p:clrMapOvr>
@@ -12914,7 +13252,7 @@
   <p:cSld>
     <p:spTree>
       <p:nvGrpSpPr>
-        <p:cNvPr id="129" name="Shape 129"/>
+        <p:cNvPr id="132" name="Shape 132"/>
         <p:cNvGrpSpPr/>
         <p:nvPr/>
       </p:nvGrpSpPr>
@@ -12928,7 +13266,7 @@
       </p:grpSpPr>
       <p:sp>
         <p:nvSpPr>
-          <p:cNvPr id="130" name="Google Shape;130;p19"/>
+          <p:cNvPr id="133" name="Google Shape;133;p19"/>
           <p:cNvSpPr txBox="1"/>
           <p:nvPr>
             <p:ph type="title"/>
@@ -12968,7 +13306,7 @@
       </p:sp>
       <p:sp>
         <p:nvSpPr>
-          <p:cNvPr id="131" name="Google Shape;131;p19"/>
+          <p:cNvPr id="134" name="Google Shape;134;p19"/>
           <p:cNvSpPr txBox="1"/>
           <p:nvPr>
             <p:ph idx="1" type="body"/>
@@ -13158,6 +13496,33 @@
           </a:p>
         </p:txBody>
       </p:sp>
+      <p:pic>
+        <p:nvPicPr>
+          <p:cNvPr id="135" name="Google Shape;135;p19"/>
+          <p:cNvPicPr preferRelativeResize="0"/>
+          <p:nvPr/>
+        </p:nvPicPr>
+        <p:blipFill rotWithShape="1">
+          <a:blip r:embed="rId3">
+            <a:alphaModFix/>
+          </a:blip>
+          <a:srcRect b="0" l="13321" r="12212" t="0"/>
+          <a:stretch/>
+        </p:blipFill>
+        <p:spPr>
+          <a:xfrm>
+            <a:off x="4731425" y="560300"/>
+            <a:ext cx="3686725" cy="1404575"/>
+          </a:xfrm>
+          <a:prstGeom prst="rect">
+            <a:avLst/>
+          </a:prstGeom>
+          <a:noFill/>
+          <a:ln>
+            <a:noFill/>
+          </a:ln>
+        </p:spPr>
+      </p:pic>
     </p:spTree>
   </p:cSld>
   <p:clrMapOvr>
@@ -13171,7 +13536,7 @@
   <p:cSld>
     <p:spTree>
       <p:nvGrpSpPr>
-        <p:cNvPr id="135" name="Shape 135"/>
+        <p:cNvPr id="139" name="Shape 139"/>
         <p:cNvGrpSpPr/>
         <p:nvPr/>
       </p:nvGrpSpPr>
@@ -13185,7 +13550,7 @@
       </p:grpSpPr>
       <p:sp>
         <p:nvSpPr>
-          <p:cNvPr id="136" name="Google Shape;136;p20"/>
+          <p:cNvPr id="140" name="Google Shape;140;p20"/>
           <p:cNvSpPr txBox="1"/>
           <p:nvPr>
             <p:ph type="title"/>
@@ -13225,7 +13590,7 @@
       </p:sp>
       <p:sp>
         <p:nvSpPr>
-          <p:cNvPr id="137" name="Google Shape;137;p20"/>
+          <p:cNvPr id="141" name="Google Shape;141;p20"/>
           <p:cNvSpPr txBox="1"/>
           <p:nvPr/>
         </p:nvSpPr>
@@ -13329,6 +13694,34 @@
           </a:p>
         </p:txBody>
       </p:sp>
+      <p:pic>
+        <p:nvPicPr>
+          <p:cNvPr id="142" name="Google Shape;142;p20"/>
+          <p:cNvPicPr preferRelativeResize="0"/>
+          <p:nvPr/>
+        </p:nvPicPr>
+        <p:blipFill>
+          <a:blip r:embed="rId5">
+            <a:alphaModFix/>
+          </a:blip>
+          <a:stretch>
+            <a:fillRect/>
+          </a:stretch>
+        </p:blipFill>
+        <p:spPr>
+          <a:xfrm>
+            <a:off x="3761250" y="531625"/>
+            <a:ext cx="4972675" cy="1867350"/>
+          </a:xfrm>
+          <a:prstGeom prst="rect">
+            <a:avLst/>
+          </a:prstGeom>
+          <a:noFill/>
+          <a:ln>
+            <a:noFill/>
+          </a:ln>
+        </p:spPr>
+      </p:pic>
     </p:spTree>
   </p:cSld>
   <p:clrMapOvr>
@@ -13342,7 +13735,7 @@
   <p:cSld>
     <p:spTree>
       <p:nvGrpSpPr>
-        <p:cNvPr id="141" name="Shape 141"/>
+        <p:cNvPr id="146" name="Shape 146"/>
         <p:cNvGrpSpPr/>
         <p:nvPr/>
       </p:nvGrpSpPr>
@@ -13356,7 +13749,7 @@
       </p:grpSpPr>
       <p:sp>
         <p:nvSpPr>
-          <p:cNvPr id="142" name="Google Shape;142;p21"/>
+          <p:cNvPr id="147" name="Google Shape;147;p21"/>
           <p:cNvSpPr txBox="1"/>
           <p:nvPr>
             <p:ph type="title"/>
@@ -13364,7 +13757,7 @@
         </p:nvSpPr>
         <p:spPr>
           <a:xfrm>
-            <a:off x="729450" y="1318650"/>
+            <a:off x="556650" y="1318650"/>
             <a:ext cx="7688700" cy="535200"/>
           </a:xfrm>
           <a:prstGeom prst="rect">
@@ -13411,7 +13804,7 @@
       </p:sp>
       <p:sp>
         <p:nvSpPr>
-          <p:cNvPr id="143" name="Google Shape;143;p21"/>
+          <p:cNvPr id="148" name="Google Shape;148;p21"/>
           <p:cNvSpPr txBox="1"/>
           <p:nvPr>
             <p:ph idx="1" type="body"/>
@@ -13578,6 +13971,41 @@
           </a:p>
         </p:txBody>
       </p:sp>
+      <p:pic>
+        <p:nvPicPr>
+          <p:cNvPr id="149" name="Google Shape;149;p21"/>
+          <p:cNvPicPr preferRelativeResize="0"/>
+          <p:nvPr/>
+        </p:nvPicPr>
+        <p:blipFill>
+          <a:blip r:embed="rId3">
+            <a:alphaModFix/>
+          </a:blip>
+          <a:stretch>
+            <a:fillRect/>
+          </a:stretch>
+        </p:blipFill>
+        <p:spPr>
+          <a:xfrm>
+            <a:off x="5500575" y="837765"/>
+            <a:ext cx="2915775" cy="1139085"/>
+          </a:xfrm>
+          <a:prstGeom prst="rect">
+            <a:avLst/>
+          </a:prstGeom>
+          <a:noFill/>
+          <a:ln>
+            <a:noFill/>
+          </a:ln>
+          <a:effectLst>
+            <a:outerShdw blurRad="57150" rotWithShape="0" algn="bl" dir="5400000" dist="19050">
+              <a:srgbClr val="000000">
+                <a:alpha val="50000"/>
+              </a:srgbClr>
+            </a:outerShdw>
+          </a:effectLst>
+        </p:spPr>
+      </p:pic>
     </p:spTree>
   </p:cSld>
   <p:clrMapOvr>
@@ -13587,6 +14015,285 @@
 </file>
 
 <file path=ppt/theme/theme1.xml><?xml version="1.0" encoding="utf-8"?>
+<a:theme xmlns:a="http://schemas.openxmlformats.org/drawingml/2006/main" xmlns:r="http://schemas.openxmlformats.org/officeDocument/2006/relationships">
+  <a:themeElements>
+    <a:clrScheme name="Default">
+      <a:dk1>
+        <a:srgbClr val="000000"/>
+      </a:dk1>
+      <a:lt1>
+        <a:srgbClr val="FFFFFF"/>
+      </a:lt1>
+      <a:dk2>
+        <a:srgbClr val="158158"/>
+      </a:dk2>
+      <a:lt2>
+        <a:srgbClr val="F3F3F3"/>
+      </a:lt2>
+      <a:accent1>
+        <a:srgbClr val="058DC7"/>
+      </a:accent1>
+      <a:accent2>
+        <a:srgbClr val="50B432"/>
+      </a:accent2>
+      <a:accent3>
+        <a:srgbClr val="ED561B"/>
+      </a:accent3>
+      <a:accent4>
+        <a:srgbClr val="EDEF00"/>
+      </a:accent4>
+      <a:accent5>
+        <a:srgbClr val="24CBE5"/>
+      </a:accent5>
+      <a:accent6>
+        <a:srgbClr val="64E572"/>
+      </a:accent6>
+      <a:hlink>
+        <a:srgbClr val="2200CC"/>
+      </a:hlink>
+      <a:folHlink>
+        <a:srgbClr val="551A8B"/>
+      </a:folHlink>
+    </a:clrScheme>
+    <a:fontScheme name="Office">
+      <a:majorFont>
+        <a:latin typeface="Arial"/>
+        <a:ea typeface=""/>
+        <a:cs typeface=""/>
+        <a:font script="Jpan" typeface="ＭＳ Ｐゴシック"/>
+        <a:font script="Hang" typeface="맑은 고딕"/>
+        <a:font script="Hans" typeface="宋体"/>
+        <a:font script="Hant" typeface="新細明體"/>
+        <a:font script="Arab" typeface="Times New Roman"/>
+        <a:font script="Hebr" typeface="Times New Roman"/>
+        <a:font script="Thai" typeface="Angsana New"/>
+        <a:font script="Ethi" typeface="Nyala"/>
+        <a:font script="Beng" typeface="Vrinda"/>
+        <a:font script="Gujr" typeface="Shruti"/>
+        <a:font script="Khmr" typeface="MoolBoran"/>
+        <a:font script="Knda" typeface="Tunga"/>
+        <a:font script="Guru" typeface="Raavi"/>
+        <a:font script="Cans" typeface="Euphemia"/>
+        <a:font script="Cher" typeface="Plantagenet Cherokee"/>
+        <a:font script="Yiii" typeface="Microsoft Yi Baiti"/>
+        <a:font script="Tibt" typeface="Microsoft Himalaya"/>
+        <a:font script="Thaa" typeface="MV Boli"/>
+        <a:font script="Deva" typeface="Mangal"/>
+        <a:font script="Telu" typeface="Gautami"/>
+        <a:font script="Taml" typeface="Latha"/>
+        <a:font script="Syrc" typeface="Estrangelo Edessa"/>
+        <a:font script="Orya" typeface="Kalinga"/>
+        <a:font script="Mlym" typeface="Kartika"/>
+        <a:font script="Laoo" typeface="DokChampa"/>
+        <a:font script="Sinh" typeface="Iskoola Pota"/>
+        <a:font script="Mong" typeface="Mongolian Baiti"/>
+        <a:font script="Viet" typeface="Times New Roman"/>
+        <a:font script="Uigh" typeface="Microsoft Uighur"/>
+        <a:font script="Geor" typeface="Sylfaen"/>
+      </a:majorFont>
+      <a:minorFont>
+        <a:latin typeface="Arial"/>
+        <a:ea typeface=""/>
+        <a:cs typeface=""/>
+        <a:font script="Jpan" typeface="ＭＳ Ｐゴシック"/>
+        <a:font script="Hang" typeface="맑은 고딕"/>
+        <a:font script="Hans" typeface="宋体"/>
+        <a:font script="Hant" typeface="新細明體"/>
+        <a:font script="Arab" typeface="Arial"/>
+        <a:font script="Hebr" typeface="Arial"/>
+        <a:font script="Thai" typeface="Cordia New"/>
+        <a:font script="Ethi" typeface="Nyala"/>
+        <a:font script="Beng" typeface="Vrinda"/>
+        <a:font script="Gujr" typeface="Shruti"/>
+        <a:font script="Khmr" typeface="DaunPenh"/>
+        <a:font script="Knda" typeface="Tunga"/>
+        <a:font script="Guru" typeface="Raavi"/>
+        <a:font script="Cans" typeface="Euphemia"/>
+        <a:font script="Cher" typeface="Plantagenet Cherokee"/>
+        <a:font script="Yiii" typeface="Microsoft Yi Baiti"/>
+        <a:font script="Tibt" typeface="Microsoft Himalaya"/>
+        <a:font script="Thaa" typeface="MV Boli"/>
+        <a:font script="Deva" typeface="Mangal"/>
+        <a:font script="Telu" typeface="Gautami"/>
+        <a:font script="Taml" typeface="Latha"/>
+        <a:font script="Syrc" typeface="Estrangelo Edessa"/>
+        <a:font script="Orya" typeface="Kalinga"/>
+        <a:font script="Mlym" typeface="Kartika"/>
+        <a:font script="Laoo" typeface="DokChampa"/>
+        <a:font script="Sinh" typeface="Iskoola Pota"/>
+        <a:font script="Mong" typeface="Mongolian Baiti"/>
+        <a:font script="Viet" typeface="Arial"/>
+        <a:font script="Uigh" typeface="Microsoft Uighur"/>
+        <a:font script="Geor" typeface="Sylfaen"/>
+      </a:minorFont>
+    </a:fontScheme>
+    <a:fmtScheme name="Office">
+      <a:fillStyleLst>
+        <a:solidFill>
+          <a:schemeClr val="phClr"/>
+        </a:solidFill>
+        <a:gradFill rotWithShape="1">
+          <a:gsLst>
+            <a:gs pos="0">
+              <a:schemeClr val="phClr">
+                <a:tint val="50000"/>
+                <a:satMod val="300000"/>
+              </a:schemeClr>
+            </a:gs>
+            <a:gs pos="35000">
+              <a:schemeClr val="phClr">
+                <a:tint val="37000"/>
+                <a:satMod val="300000"/>
+              </a:schemeClr>
+            </a:gs>
+            <a:gs pos="100000">
+              <a:schemeClr val="phClr">
+                <a:tint val="15000"/>
+                <a:satMod val="350000"/>
+              </a:schemeClr>
+            </a:gs>
+          </a:gsLst>
+          <a:lin ang="16200000" scaled="1"/>
+        </a:gradFill>
+        <a:gradFill rotWithShape="1">
+          <a:gsLst>
+            <a:gs pos="0">
+              <a:schemeClr val="phClr">
+                <a:tint val="100000"/>
+                <a:shade val="100000"/>
+                <a:satMod val="130000"/>
+              </a:schemeClr>
+            </a:gs>
+            <a:gs pos="100000">
+              <a:schemeClr val="phClr">
+                <a:tint val="50000"/>
+                <a:shade val="100000"/>
+                <a:satMod val="350000"/>
+              </a:schemeClr>
+            </a:gs>
+          </a:gsLst>
+          <a:lin ang="16200000" scaled="0"/>
+        </a:gradFill>
+      </a:fillStyleLst>
+      <a:lnStyleLst>
+        <a:ln w="9525" cap="flat" cmpd="sng" algn="ctr">
+          <a:solidFill>
+            <a:schemeClr val="phClr">
+              <a:shade val="95000"/>
+              <a:satMod val="105000"/>
+            </a:schemeClr>
+          </a:solidFill>
+          <a:prstDash val="solid"/>
+        </a:ln>
+        <a:ln w="25400" cap="flat" cmpd="sng" algn="ctr">
+          <a:solidFill>
+            <a:schemeClr val="phClr"/>
+          </a:solidFill>
+          <a:prstDash val="solid"/>
+        </a:ln>
+        <a:ln w="38100" cap="flat" cmpd="sng" algn="ctr">
+          <a:solidFill>
+            <a:schemeClr val="phClr"/>
+          </a:solidFill>
+          <a:prstDash val="solid"/>
+        </a:ln>
+      </a:lnStyleLst>
+      <a:effectStyleLst>
+        <a:effectStyle>
+          <a:effectLst>
+            <a:outerShdw blurRad="40000" dist="20000" dir="5400000" rotWithShape="0">
+              <a:srgbClr val="000000">
+                <a:alpha val="38000"/>
+              </a:srgbClr>
+            </a:outerShdw>
+          </a:effectLst>
+        </a:effectStyle>
+        <a:effectStyle>
+          <a:effectLst>
+            <a:outerShdw blurRad="40000" dist="23000" dir="5400000" rotWithShape="0">
+              <a:srgbClr val="000000">
+                <a:alpha val="35000"/>
+              </a:srgbClr>
+            </a:outerShdw>
+          </a:effectLst>
+        </a:effectStyle>
+        <a:effectStyle>
+          <a:effectLst>
+            <a:outerShdw blurRad="40000" dist="23000" dir="5400000" rotWithShape="0">
+              <a:srgbClr val="000000">
+                <a:alpha val="35000"/>
+              </a:srgbClr>
+            </a:outerShdw>
+          </a:effectLst>
+          <a:scene3d>
+            <a:camera prst="orthographicFront">
+              <a:rot lat="0" lon="0" rev="0"/>
+            </a:camera>
+            <a:lightRig rig="threePt" dir="t">
+              <a:rot lat="0" lon="0" rev="1200000"/>
+            </a:lightRig>
+          </a:scene3d>
+          <a:sp3d>
+            <a:bevelT w="63500" h="25400"/>
+          </a:sp3d>
+        </a:effectStyle>
+      </a:effectStyleLst>
+      <a:bgFillStyleLst>
+        <a:solidFill>
+          <a:schemeClr val="phClr"/>
+        </a:solidFill>
+        <a:gradFill rotWithShape="1">
+          <a:gsLst>
+            <a:gs pos="0">
+              <a:schemeClr val="phClr">
+                <a:tint val="40000"/>
+                <a:satMod val="350000"/>
+              </a:schemeClr>
+            </a:gs>
+            <a:gs pos="40000">
+              <a:schemeClr val="phClr">
+                <a:tint val="45000"/>
+                <a:shade val="99000"/>
+                <a:satMod val="350000"/>
+              </a:schemeClr>
+            </a:gs>
+            <a:gs pos="100000">
+              <a:schemeClr val="phClr">
+                <a:shade val="20000"/>
+                <a:satMod val="255000"/>
+              </a:schemeClr>
+            </a:gs>
+          </a:gsLst>
+          <a:path path="circle">
+            <a:fillToRect l="50000" t="-80000" r="50000" b="180000"/>
+          </a:path>
+        </a:gradFill>
+        <a:gradFill rotWithShape="1">
+          <a:gsLst>
+            <a:gs pos="0">
+              <a:schemeClr val="phClr">
+                <a:tint val="80000"/>
+                <a:satMod val="300000"/>
+              </a:schemeClr>
+            </a:gs>
+            <a:gs pos="100000">
+              <a:schemeClr val="phClr">
+                <a:shade val="30000"/>
+                <a:satMod val="200000"/>
+              </a:schemeClr>
+            </a:gs>
+          </a:gsLst>
+          <a:path path="circle">
+            <a:fillToRect l="50000" t="50000" r="50000" b="50000"/>
+          </a:path>
+        </a:gradFill>
+      </a:bgFillStyleLst>
+    </a:fmtScheme>
+  </a:themeElements>
+</a:theme>
+</file>
+
+<file path=ppt/theme/theme2.xml><?xml version="1.0" encoding="utf-8"?>
 <a:theme xmlns:a="http://schemas.openxmlformats.org/drawingml/2006/main" xmlns:r="http://schemas.openxmlformats.org/officeDocument/2006/relationships" name="Streamline">
   <a:themeElements>
     <a:clrScheme name="Streamline">
@@ -13863,283 +14570,4 @@
     </a:fmtScheme>
   </a:themeElements>
 </a:theme>
-</file>
-
-<file path=ppt/theme/theme2.xml><?xml version="1.0" encoding="utf-8"?>
-<a:theme xmlns:a="http://schemas.openxmlformats.org/drawingml/2006/main" xmlns:r="http://schemas.openxmlformats.org/officeDocument/2006/relationships">
-  <a:themeElements>
-    <a:clrScheme name="Default">
-      <a:dk1>
-        <a:srgbClr val="000000"/>
-      </a:dk1>
-      <a:lt1>
-        <a:srgbClr val="FFFFFF"/>
-      </a:lt1>
-      <a:dk2>
-        <a:srgbClr val="158158"/>
-      </a:dk2>
-      <a:lt2>
-        <a:srgbClr val="F3F3F3"/>
-      </a:lt2>
-      <a:accent1>
-        <a:srgbClr val="058DC7"/>
-      </a:accent1>
-      <a:accent2>
-        <a:srgbClr val="50B432"/>
-      </a:accent2>
-      <a:accent3>
-        <a:srgbClr val="ED561B"/>
-      </a:accent3>
-      <a:accent4>
-        <a:srgbClr val="EDEF00"/>
-      </a:accent4>
-      <a:accent5>
-        <a:srgbClr val="24CBE5"/>
-      </a:accent5>
-      <a:accent6>
-        <a:srgbClr val="64E572"/>
-      </a:accent6>
-      <a:hlink>
-        <a:srgbClr val="2200CC"/>
-      </a:hlink>
-      <a:folHlink>
-        <a:srgbClr val="551A8B"/>
-      </a:folHlink>
-    </a:clrScheme>
-    <a:fontScheme name="Office">
-      <a:majorFont>
-        <a:latin typeface="Arial"/>
-        <a:ea typeface=""/>
-        <a:cs typeface=""/>
-        <a:font script="Jpan" typeface="ＭＳ Ｐゴシック"/>
-        <a:font script="Hang" typeface="맑은 고딕"/>
-        <a:font script="Hans" typeface="宋体"/>
-        <a:font script="Hant" typeface="新細明體"/>
-        <a:font script="Arab" typeface="Times New Roman"/>
-        <a:font script="Hebr" typeface="Times New Roman"/>
-        <a:font script="Thai" typeface="Angsana New"/>
-        <a:font script="Ethi" typeface="Nyala"/>
-        <a:font script="Beng" typeface="Vrinda"/>
-        <a:font script="Gujr" typeface="Shruti"/>
-        <a:font script="Khmr" typeface="MoolBoran"/>
-        <a:font script="Knda" typeface="Tunga"/>
-        <a:font script="Guru" typeface="Raavi"/>
-        <a:font script="Cans" typeface="Euphemia"/>
-        <a:font script="Cher" typeface="Plantagenet Cherokee"/>
-        <a:font script="Yiii" typeface="Microsoft Yi Baiti"/>
-        <a:font script="Tibt" typeface="Microsoft Himalaya"/>
-        <a:font script="Thaa" typeface="MV Boli"/>
-        <a:font script="Deva" typeface="Mangal"/>
-        <a:font script="Telu" typeface="Gautami"/>
-        <a:font script="Taml" typeface="Latha"/>
-        <a:font script="Syrc" typeface="Estrangelo Edessa"/>
-        <a:font script="Orya" typeface="Kalinga"/>
-        <a:font script="Mlym" typeface="Kartika"/>
-        <a:font script="Laoo" typeface="DokChampa"/>
-        <a:font script="Sinh" typeface="Iskoola Pota"/>
-        <a:font script="Mong" typeface="Mongolian Baiti"/>
-        <a:font script="Viet" typeface="Times New Roman"/>
-        <a:font script="Uigh" typeface="Microsoft Uighur"/>
-        <a:font script="Geor" typeface="Sylfaen"/>
-      </a:majorFont>
-      <a:minorFont>
-        <a:latin typeface="Arial"/>
-        <a:ea typeface=""/>
-        <a:cs typeface=""/>
-        <a:font script="Jpan" typeface="ＭＳ Ｐゴシック"/>
-        <a:font script="Hang" typeface="맑은 고딕"/>
-        <a:font script="Hans" typeface="宋体"/>
-        <a:font script="Hant" typeface="新細明體"/>
-        <a:font script="Arab" typeface="Arial"/>
-        <a:font script="Hebr" typeface="Arial"/>
-        <a:font script="Thai" typeface="Cordia New"/>
-        <a:font script="Ethi" typeface="Nyala"/>
-        <a:font script="Beng" typeface="Vrinda"/>
-        <a:font script="Gujr" typeface="Shruti"/>
-        <a:font script="Khmr" typeface="DaunPenh"/>
-        <a:font script="Knda" typeface="Tunga"/>
-        <a:font script="Guru" typeface="Raavi"/>
-        <a:font script="Cans" typeface="Euphemia"/>
-        <a:font script="Cher" typeface="Plantagenet Cherokee"/>
-        <a:font script="Yiii" typeface="Microsoft Yi Baiti"/>
-        <a:font script="Tibt" typeface="Microsoft Himalaya"/>
-        <a:font script="Thaa" typeface="MV Boli"/>
-        <a:font script="Deva" typeface="Mangal"/>
-        <a:font script="Telu" typeface="Gautami"/>
-        <a:font script="Taml" typeface="Latha"/>
-        <a:font script="Syrc" typeface="Estrangelo Edessa"/>
-        <a:font script="Orya" typeface="Kalinga"/>
-        <a:font script="Mlym" typeface="Kartika"/>
-        <a:font script="Laoo" typeface="DokChampa"/>
-        <a:font script="Sinh" typeface="Iskoola Pota"/>
-        <a:font script="Mong" typeface="Mongolian Baiti"/>
-        <a:font script="Viet" typeface="Arial"/>
-        <a:font script="Uigh" typeface="Microsoft Uighur"/>
-        <a:font script="Geor" typeface="Sylfaen"/>
-      </a:minorFont>
-    </a:fontScheme>
-    <a:fmtScheme name="Office">
-      <a:fillStyleLst>
-        <a:solidFill>
-          <a:schemeClr val="phClr"/>
-        </a:solidFill>
-        <a:gradFill rotWithShape="1">
-          <a:gsLst>
-            <a:gs pos="0">
-              <a:schemeClr val="phClr">
-                <a:tint val="50000"/>
-                <a:satMod val="300000"/>
-              </a:schemeClr>
-            </a:gs>
-            <a:gs pos="35000">
-              <a:schemeClr val="phClr">
-                <a:tint val="37000"/>
-                <a:satMod val="300000"/>
-              </a:schemeClr>
-            </a:gs>
-            <a:gs pos="100000">
-              <a:schemeClr val="phClr">
-                <a:tint val="15000"/>
-                <a:satMod val="350000"/>
-              </a:schemeClr>
-            </a:gs>
-          </a:gsLst>
-          <a:lin ang="16200000" scaled="1"/>
-        </a:gradFill>
-        <a:gradFill rotWithShape="1">
-          <a:gsLst>
-            <a:gs pos="0">
-              <a:schemeClr val="phClr">
-                <a:tint val="100000"/>
-                <a:shade val="100000"/>
-                <a:satMod val="130000"/>
-              </a:schemeClr>
-            </a:gs>
-            <a:gs pos="100000">
-              <a:schemeClr val="phClr">
-                <a:tint val="50000"/>
-                <a:shade val="100000"/>
-                <a:satMod val="350000"/>
-              </a:schemeClr>
-            </a:gs>
-          </a:gsLst>
-          <a:lin ang="16200000" scaled="0"/>
-        </a:gradFill>
-      </a:fillStyleLst>
-      <a:lnStyleLst>
-        <a:ln w="9525" cap="flat" cmpd="sng" algn="ctr">
-          <a:solidFill>
-            <a:schemeClr val="phClr">
-              <a:shade val="95000"/>
-              <a:satMod val="105000"/>
-            </a:schemeClr>
-          </a:solidFill>
-          <a:prstDash val="solid"/>
-        </a:ln>
-        <a:ln w="25400" cap="flat" cmpd="sng" algn="ctr">
-          <a:solidFill>
-            <a:schemeClr val="phClr"/>
-          </a:solidFill>
-          <a:prstDash val="solid"/>
-        </a:ln>
-        <a:ln w="38100" cap="flat" cmpd="sng" algn="ctr">
-          <a:solidFill>
-            <a:schemeClr val="phClr"/>
-          </a:solidFill>
-          <a:prstDash val="solid"/>
-        </a:ln>
-      </a:lnStyleLst>
-      <a:effectStyleLst>
-        <a:effectStyle>
-          <a:effectLst>
-            <a:outerShdw blurRad="40000" dist="20000" dir="5400000" rotWithShape="0">
-              <a:srgbClr val="000000">
-                <a:alpha val="38000"/>
-              </a:srgbClr>
-            </a:outerShdw>
-          </a:effectLst>
-        </a:effectStyle>
-        <a:effectStyle>
-          <a:effectLst>
-            <a:outerShdw blurRad="40000" dist="23000" dir="5400000" rotWithShape="0">
-              <a:srgbClr val="000000">
-                <a:alpha val="35000"/>
-              </a:srgbClr>
-            </a:outerShdw>
-          </a:effectLst>
-        </a:effectStyle>
-        <a:effectStyle>
-          <a:effectLst>
-            <a:outerShdw blurRad="40000" dist="23000" dir="5400000" rotWithShape="0">
-              <a:srgbClr val="000000">
-                <a:alpha val="35000"/>
-              </a:srgbClr>
-            </a:outerShdw>
-          </a:effectLst>
-          <a:scene3d>
-            <a:camera prst="orthographicFront">
-              <a:rot lat="0" lon="0" rev="0"/>
-            </a:camera>
-            <a:lightRig rig="threePt" dir="t">
-              <a:rot lat="0" lon="0" rev="1200000"/>
-            </a:lightRig>
-          </a:scene3d>
-          <a:sp3d>
-            <a:bevelT w="63500" h="25400"/>
-          </a:sp3d>
-        </a:effectStyle>
-      </a:effectStyleLst>
-      <a:bgFillStyleLst>
-        <a:solidFill>
-          <a:schemeClr val="phClr"/>
-        </a:solidFill>
-        <a:gradFill rotWithShape="1">
-          <a:gsLst>
-            <a:gs pos="0">
-              <a:schemeClr val="phClr">
-                <a:tint val="40000"/>
-                <a:satMod val="350000"/>
-              </a:schemeClr>
-            </a:gs>
-            <a:gs pos="40000">
-              <a:schemeClr val="phClr">
-                <a:tint val="45000"/>
-                <a:shade val="99000"/>
-                <a:satMod val="350000"/>
-              </a:schemeClr>
-            </a:gs>
-            <a:gs pos="100000">
-              <a:schemeClr val="phClr">
-                <a:shade val="20000"/>
-                <a:satMod val="255000"/>
-              </a:schemeClr>
-            </a:gs>
-          </a:gsLst>
-          <a:path path="circle">
-            <a:fillToRect l="50000" t="-80000" r="50000" b="180000"/>
-          </a:path>
-        </a:gradFill>
-        <a:gradFill rotWithShape="1">
-          <a:gsLst>
-            <a:gs pos="0">
-              <a:schemeClr val="phClr">
-                <a:tint val="80000"/>
-                <a:satMod val="300000"/>
-              </a:schemeClr>
-            </a:gs>
-            <a:gs pos="100000">
-              <a:schemeClr val="phClr">
-                <a:shade val="30000"/>
-                <a:satMod val="200000"/>
-              </a:schemeClr>
-            </a:gs>
-          </a:gsLst>
-          <a:path path="circle">
-            <a:fillToRect l="50000" t="50000" r="50000" b="50000"/>
-          </a:path>
-        </a:gradFill>
-      </a:bgFillStyleLst>
-    </a:fmtScheme>
-  </a:themeElements>
-</a:theme>
 </file>
--- a/A.O.K. Laptop Overhaul System.pptx
+++ b/A.O.K. Laptop Overhaul System.pptx
@@ -13502,13 +13502,7 @@
           <p:cNvPicPr preferRelativeResize="0"/>
           <p:nvPr/>
         </p:nvPicPr>
-        <p:blipFill rotWithShape="1">
-          <a:blip r:embed="rId3">
-            <a:alphaModFix/>
-          </a:blip>
-          <a:srcRect b="0" l="13321" r="12212" t="0"/>
-          <a:stretch/>
-        </p:blipFill>
+        <p:blipFill/>
         <p:spPr>
           <a:xfrm>
             <a:off x="4731425" y="560300"/>
@@ -14015,6 +14009,285 @@
 </file>
 
 <file path=ppt/theme/theme1.xml><?xml version="1.0" encoding="utf-8"?>
+<a:theme xmlns:a="http://schemas.openxmlformats.org/drawingml/2006/main" xmlns:r="http://schemas.openxmlformats.org/officeDocument/2006/relationships" name="Streamline">
+  <a:themeElements>
+    <a:clrScheme name="Streamline">
+      <a:dk1>
+        <a:srgbClr val="1A9988"/>
+      </a:dk1>
+      <a:lt1>
+        <a:srgbClr val="FFFFFF"/>
+      </a:lt1>
+      <a:dk2>
+        <a:srgbClr val="1A1A1A"/>
+      </a:dk2>
+      <a:lt2>
+        <a:srgbClr val="E9EDEE"/>
+      </a:lt2>
+      <a:accent1>
+        <a:srgbClr val="595959"/>
+      </a:accent1>
+      <a:accent2>
+        <a:srgbClr val="6AA4C8"/>
+      </a:accent2>
+      <a:accent3>
+        <a:srgbClr val="EB5600"/>
+      </a:accent3>
+      <a:accent4>
+        <a:srgbClr val="A2FFE8"/>
+      </a:accent4>
+      <a:accent5>
+        <a:srgbClr val="1C3678"/>
+      </a:accent5>
+      <a:accent6>
+        <a:srgbClr val="FFB8A2"/>
+      </a:accent6>
+      <a:hlink>
+        <a:srgbClr val="1C3678"/>
+      </a:hlink>
+      <a:folHlink>
+        <a:srgbClr val="1C3678"/>
+      </a:folHlink>
+    </a:clrScheme>
+    <a:fontScheme name="Office">
+      <a:majorFont>
+        <a:latin typeface="Arial"/>
+        <a:ea typeface=""/>
+        <a:cs typeface=""/>
+        <a:font script="Jpan" typeface="ＭＳ Ｐゴシック"/>
+        <a:font script="Hang" typeface="맑은 고딕"/>
+        <a:font script="Hans" typeface="宋体"/>
+        <a:font script="Hant" typeface="新細明體"/>
+        <a:font script="Arab" typeface="Times New Roman"/>
+        <a:font script="Hebr" typeface="Times New Roman"/>
+        <a:font script="Thai" typeface="Angsana New"/>
+        <a:font script="Ethi" typeface="Nyala"/>
+        <a:font script="Beng" typeface="Vrinda"/>
+        <a:font script="Gujr" typeface="Shruti"/>
+        <a:font script="Khmr" typeface="MoolBoran"/>
+        <a:font script="Knda" typeface="Tunga"/>
+        <a:font script="Guru" typeface="Raavi"/>
+        <a:font script="Cans" typeface="Euphemia"/>
+        <a:font script="Cher" typeface="Plantagenet Cherokee"/>
+        <a:font script="Yiii" typeface="Microsoft Yi Baiti"/>
+        <a:font script="Tibt" typeface="Microsoft Himalaya"/>
+        <a:font script="Thaa" typeface="MV Boli"/>
+        <a:font script="Deva" typeface="Mangal"/>
+        <a:font script="Telu" typeface="Gautami"/>
+        <a:font script="Taml" typeface="Latha"/>
+        <a:font script="Syrc" typeface="Estrangelo Edessa"/>
+        <a:font script="Orya" typeface="Kalinga"/>
+        <a:font script="Mlym" typeface="Kartika"/>
+        <a:font script="Laoo" typeface="DokChampa"/>
+        <a:font script="Sinh" typeface="Iskoola Pota"/>
+        <a:font script="Mong" typeface="Mongolian Baiti"/>
+        <a:font script="Viet" typeface="Times New Roman"/>
+        <a:font script="Uigh" typeface="Microsoft Uighur"/>
+        <a:font script="Geor" typeface="Sylfaen"/>
+      </a:majorFont>
+      <a:minorFont>
+        <a:latin typeface="Arial"/>
+        <a:ea typeface=""/>
+        <a:cs typeface=""/>
+        <a:font script="Jpan" typeface="ＭＳ Ｐゴシック"/>
+        <a:font script="Hang" typeface="맑은 고딕"/>
+        <a:font script="Hans" typeface="宋体"/>
+        <a:font script="Hant" typeface="新細明體"/>
+        <a:font script="Arab" typeface="Arial"/>
+        <a:font script="Hebr" typeface="Arial"/>
+        <a:font script="Thai" typeface="Cordia New"/>
+        <a:font script="Ethi" typeface="Nyala"/>
+        <a:font script="Beng" typeface="Vrinda"/>
+        <a:font script="Gujr" typeface="Shruti"/>
+        <a:font script="Khmr" typeface="DaunPenh"/>
+        <a:font script="Knda" typeface="Tunga"/>
+        <a:font script="Guru" typeface="Raavi"/>
+        <a:font script="Cans" typeface="Euphemia"/>
+        <a:font script="Cher" typeface="Plantagenet Cherokee"/>
+        <a:font script="Yiii" typeface="Microsoft Yi Baiti"/>
+        <a:font script="Tibt" typeface="Microsoft Himalaya"/>
+        <a:font script="Thaa" typeface="MV Boli"/>
+        <a:font script="Deva" typeface="Mangal"/>
+        <a:font script="Telu" typeface="Gautami"/>
+        <a:font script="Taml" typeface="Latha"/>
+        <a:font script="Syrc" typeface="Estrangelo Edessa"/>
+        <a:font script="Orya" typeface="Kalinga"/>
+        <a:font script="Mlym" typeface="Kartika"/>
+        <a:font script="Laoo" typeface="DokChampa"/>
+        <a:font script="Sinh" typeface="Iskoola Pota"/>
+        <a:font script="Mong" typeface="Mongolian Baiti"/>
+        <a:font script="Viet" typeface="Arial"/>
+        <a:font script="Uigh" typeface="Microsoft Uighur"/>
+        <a:font script="Geor" typeface="Sylfaen"/>
+      </a:minorFont>
+    </a:fontScheme>
+    <a:fmtScheme name="Office">
+      <a:fillStyleLst>
+        <a:solidFill>
+          <a:schemeClr val="phClr"/>
+        </a:solidFill>
+        <a:gradFill rotWithShape="1">
+          <a:gsLst>
+            <a:gs pos="0">
+              <a:schemeClr val="phClr">
+                <a:tint val="50000"/>
+                <a:satMod val="300000"/>
+              </a:schemeClr>
+            </a:gs>
+            <a:gs pos="35000">
+              <a:schemeClr val="phClr">
+                <a:tint val="37000"/>
+                <a:satMod val="300000"/>
+              </a:schemeClr>
+            </a:gs>
+            <a:gs pos="100000">
+              <a:schemeClr val="phClr">
+                <a:tint val="15000"/>
+                <a:satMod val="350000"/>
+              </a:schemeClr>
+            </a:gs>
+          </a:gsLst>
+          <a:lin ang="16200000" scaled="1"/>
+        </a:gradFill>
+        <a:gradFill rotWithShape="1">
+          <a:gsLst>
+            <a:gs pos="0">
+              <a:schemeClr val="phClr">
+                <a:tint val="100000"/>
+                <a:shade val="100000"/>
+                <a:satMod val="130000"/>
+              </a:schemeClr>
+            </a:gs>
+            <a:gs pos="100000">
+              <a:schemeClr val="phClr">
+                <a:tint val="50000"/>
+                <a:shade val="100000"/>
+                <a:satMod val="350000"/>
+              </a:schemeClr>
+            </a:gs>
+          </a:gsLst>
+          <a:lin ang="16200000" scaled="0"/>
+        </a:gradFill>
+      </a:fillStyleLst>
+      <a:lnStyleLst>
+        <a:ln w="9525" cap="flat" cmpd="sng" algn="ctr">
+          <a:solidFill>
+            <a:schemeClr val="phClr">
+              <a:shade val="95000"/>
+              <a:satMod val="105000"/>
+            </a:schemeClr>
+          </a:solidFill>
+          <a:prstDash val="solid"/>
+        </a:ln>
+        <a:ln w="25400" cap="flat" cmpd="sng" algn="ctr">
+          <a:solidFill>
+            <a:schemeClr val="phClr"/>
+          </a:solidFill>
+          <a:prstDash val="solid"/>
+        </a:ln>
+        <a:ln w="38100" cap="flat" cmpd="sng" algn="ctr">
+          <a:solidFill>
+            <a:schemeClr val="phClr"/>
+          </a:solidFill>
+          <a:prstDash val="solid"/>
+        </a:ln>
+      </a:lnStyleLst>
+      <a:effectStyleLst>
+        <a:effectStyle>
+          <a:effectLst>
+            <a:outerShdw blurRad="40000" dist="20000" dir="5400000" rotWithShape="0">
+              <a:srgbClr val="000000">
+                <a:alpha val="38000"/>
+              </a:srgbClr>
+            </a:outerShdw>
+          </a:effectLst>
+        </a:effectStyle>
+        <a:effectStyle>
+          <a:effectLst>
+            <a:outerShdw blurRad="40000" dist="23000" dir="5400000" rotWithShape="0">
+              <a:srgbClr val="000000">
+                <a:alpha val="35000"/>
+              </a:srgbClr>
+            </a:outerShdw>
+          </a:effectLst>
+        </a:effectStyle>
+        <a:effectStyle>
+          <a:effectLst>
+            <a:outerShdw blurRad="40000" dist="23000" dir="5400000" rotWithShape="0">
+              <a:srgbClr val="000000">
+                <a:alpha val="35000"/>
+              </a:srgbClr>
+            </a:outerShdw>
+          </a:effectLst>
+          <a:scene3d>
+            <a:camera prst="orthographicFront">
+              <a:rot lat="0" lon="0" rev="0"/>
+            </a:camera>
+            <a:lightRig rig="threePt" dir="t">
+              <a:rot lat="0" lon="0" rev="1200000"/>
+            </a:lightRig>
+          </a:scene3d>
+          <a:sp3d>
+            <a:bevelT w="63500" h="25400"/>
+          </a:sp3d>
+        </a:effectStyle>
+      </a:effectStyleLst>
+      <a:bgFillStyleLst>
+        <a:solidFill>
+          <a:schemeClr val="phClr"/>
+        </a:solidFill>
+        <a:gradFill rotWithShape="1">
+          <a:gsLst>
+            <a:gs pos="0">
+              <a:schemeClr val="phClr">
+                <a:tint val="40000"/>
+                <a:satMod val="350000"/>
+              </a:schemeClr>
+            </a:gs>
+            <a:gs pos="40000">
+              <a:schemeClr val="phClr">
+                <a:tint val="45000"/>
+                <a:shade val="99000"/>
+                <a:satMod val="350000"/>
+              </a:schemeClr>
+            </a:gs>
+            <a:gs pos="100000">
+              <a:schemeClr val="phClr">
+                <a:shade val="20000"/>
+                <a:satMod val="255000"/>
+              </a:schemeClr>
+            </a:gs>
+          </a:gsLst>
+          <a:path path="circle">
+            <a:fillToRect l="50000" t="-80000" r="50000" b="180000"/>
+          </a:path>
+        </a:gradFill>
+        <a:gradFill rotWithShape="1">
+          <a:gsLst>
+            <a:gs pos="0">
+              <a:schemeClr val="phClr">
+                <a:tint val="80000"/>
+                <a:satMod val="300000"/>
+              </a:schemeClr>
+            </a:gs>
+            <a:gs pos="100000">
+              <a:schemeClr val="phClr">
+                <a:shade val="30000"/>
+                <a:satMod val="200000"/>
+              </a:schemeClr>
+            </a:gs>
+          </a:gsLst>
+          <a:path path="circle">
+            <a:fillToRect l="50000" t="50000" r="50000" b="50000"/>
+          </a:path>
+        </a:gradFill>
+      </a:bgFillStyleLst>
+    </a:fmtScheme>
+  </a:themeElements>
+</a:theme>
+</file>
+
+<file path=ppt/theme/theme2.xml><?xml version="1.0" encoding="utf-8"?>
 <a:theme xmlns:a="http://schemas.openxmlformats.org/drawingml/2006/main" xmlns:r="http://schemas.openxmlformats.org/officeDocument/2006/relationships">
   <a:themeElements>
     <a:clrScheme name="Default">
@@ -14291,283 +14564,4 @@
     </a:fmtScheme>
   </a:themeElements>
 </a:theme>
-</file>
-
-<file path=ppt/theme/theme2.xml><?xml version="1.0" encoding="utf-8"?>
-<a:theme xmlns:a="http://schemas.openxmlformats.org/drawingml/2006/main" xmlns:r="http://schemas.openxmlformats.org/officeDocument/2006/relationships" name="Streamline">
-  <a:themeElements>
-    <a:clrScheme name="Streamline">
-      <a:dk1>
-        <a:srgbClr val="1A9988"/>
-      </a:dk1>
-      <a:lt1>
-        <a:srgbClr val="FFFFFF"/>
-      </a:lt1>
-      <a:dk2>
-        <a:srgbClr val="1A1A1A"/>
-      </a:dk2>
-      <a:lt2>
-        <a:srgbClr val="E9EDEE"/>
-      </a:lt2>
-      <a:accent1>
-        <a:srgbClr val="595959"/>
-      </a:accent1>
-      <a:accent2>
-        <a:srgbClr val="6AA4C8"/>
-      </a:accent2>
-      <a:accent3>
-        <a:srgbClr val="EB5600"/>
-      </a:accent3>
-      <a:accent4>
-        <a:srgbClr val="A2FFE8"/>
-      </a:accent4>
-      <a:accent5>
-        <a:srgbClr val="1C3678"/>
-      </a:accent5>
-      <a:accent6>
-        <a:srgbClr val="FFB8A2"/>
-      </a:accent6>
-      <a:hlink>
-        <a:srgbClr val="1C3678"/>
-      </a:hlink>
-      <a:folHlink>
-        <a:srgbClr val="1C3678"/>
-      </a:folHlink>
-    </a:clrScheme>
-    <a:fontScheme name="Office">
-      <a:majorFont>
-        <a:latin typeface="Arial"/>
-        <a:ea typeface=""/>
-        <a:cs typeface=""/>
-        <a:font script="Jpan" typeface="ＭＳ Ｐゴシック"/>
-        <a:font script="Hang" typeface="맑은 고딕"/>
-        <a:font script="Hans" typeface="宋体"/>
-        <a:font script="Hant" typeface="新細明體"/>
-        <a:font script="Arab" typeface="Times New Roman"/>
-        <a:font script="Hebr" typeface="Times New Roman"/>
-        <a:font script="Thai" typeface="Angsana New"/>
-        <a:font script="Ethi" typeface="Nyala"/>
-        <a:font script="Beng" typeface="Vrinda"/>
-        <a:font script="Gujr" typeface="Shruti"/>
-        <a:font script="Khmr" typeface="MoolBoran"/>
-        <a:font script="Knda" typeface="Tunga"/>
-        <a:font script="Guru" typeface="Raavi"/>
-        <a:font script="Cans" typeface="Euphemia"/>
-        <a:font script="Cher" typeface="Plantagenet Cherokee"/>
-        <a:font script="Yiii" typeface="Microsoft Yi Baiti"/>
-        <a:font script="Tibt" typeface="Microsoft Himalaya"/>
-        <a:font script="Thaa" typeface="MV Boli"/>
-        <a:font script="Deva" typeface="Mangal"/>
-        <a:font script="Telu" typeface="Gautami"/>
-        <a:font script="Taml" typeface="Latha"/>
-        <a:font script="Syrc" typeface="Estrangelo Edessa"/>
-        <a:font script="Orya" typeface="Kalinga"/>
-        <a:font script="Mlym" typeface="Kartika"/>
-        <a:font script="Laoo" typeface="DokChampa"/>
-        <a:font script="Sinh" typeface="Iskoola Pota"/>
-        <a:font script="Mong" typeface="Mongolian Baiti"/>
-        <a:font script="Viet" typeface="Times New Roman"/>
-        <a:font script="Uigh" typeface="Microsoft Uighur"/>
-        <a:font script="Geor" typeface="Sylfaen"/>
-      </a:majorFont>
-      <a:minorFont>
-        <a:latin typeface="Arial"/>
-        <a:ea typeface=""/>
-        <a:cs typeface=""/>
-        <a:font script="Jpan" typeface="ＭＳ Ｐゴシック"/>
-        <a:font script="Hang" typeface="맑은 고딕"/>
-        <a:font script="Hans" typeface="宋体"/>
-        <a:font script="Hant" typeface="新細明體"/>
-        <a:font script="Arab" typeface="Arial"/>
-        <a:font script="Hebr" typeface="Arial"/>
-        <a:font script="Thai" typeface="Cordia New"/>
-        <a:font script="Ethi" typeface="Nyala"/>
-        <a:font script="Beng" typeface="Vrinda"/>
-        <a:font script="Gujr" typeface="Shruti"/>
-        <a:font script="Khmr" typeface="DaunPenh"/>
-        <a:font script="Knda" typeface="Tunga"/>
-        <a:font script="Guru" typeface="Raavi"/>
-        <a:font script="Cans" typeface="Euphemia"/>
-        <a:font script="Cher" typeface="Plantagenet Cherokee"/>
-        <a:font script="Yiii" typeface="Microsoft Yi Baiti"/>
-        <a:font script="Tibt" typeface="Microsoft Himalaya"/>
-        <a:font script="Thaa" typeface="MV Boli"/>
-        <a:font script="Deva" typeface="Mangal"/>
-        <a:font script="Telu" typeface="Gautami"/>
-        <a:font script="Taml" typeface="Latha"/>
-        <a:font script="Syrc" typeface="Estrangelo Edessa"/>
-        <a:font script="Orya" typeface="Kalinga"/>
-        <a:font script="Mlym" typeface="Kartika"/>
-        <a:font script="Laoo" typeface="DokChampa"/>
-        <a:font script="Sinh" typeface="Iskoola Pota"/>
-        <a:font script="Mong" typeface="Mongolian Baiti"/>
-        <a:font script="Viet" typeface="Arial"/>
-        <a:font script="Uigh" typeface="Microsoft Uighur"/>
-        <a:font script="Geor" typeface="Sylfaen"/>
-      </a:minorFont>
-    </a:fontScheme>
-    <a:fmtScheme name="Office">
-      <a:fillStyleLst>
-        <a:solidFill>
-          <a:schemeClr val="phClr"/>
-        </a:solidFill>
-        <a:gradFill rotWithShape="1">
-          <a:gsLst>
-            <a:gs pos="0">
-              <a:schemeClr val="phClr">
-                <a:tint val="50000"/>
-                <a:satMod val="300000"/>
-              </a:schemeClr>
-            </a:gs>
-            <a:gs pos="35000">
-              <a:schemeClr val="phClr">
-                <a:tint val="37000"/>
-                <a:satMod val="300000"/>
-              </a:schemeClr>
-            </a:gs>
-            <a:gs pos="100000">
-              <a:schemeClr val="phClr">
-                <a:tint val="15000"/>
-                <a:satMod val="350000"/>
-              </a:schemeClr>
-            </a:gs>
-          </a:gsLst>
-          <a:lin ang="16200000" scaled="1"/>
-        </a:gradFill>
-        <a:gradFill rotWithShape="1">
-          <a:gsLst>
-            <a:gs pos="0">
-              <a:schemeClr val="phClr">
-                <a:tint val="100000"/>
-                <a:shade val="100000"/>
-                <a:satMod val="130000"/>
-              </a:schemeClr>
-            </a:gs>
-            <a:gs pos="100000">
-              <a:schemeClr val="phClr">
-                <a:tint val="50000"/>
-                <a:shade val="100000"/>
-                <a:satMod val="350000"/>
-              </a:schemeClr>
-            </a:gs>
-          </a:gsLst>
-          <a:lin ang="16200000" scaled="0"/>
-        </a:gradFill>
-      </a:fillStyleLst>
-      <a:lnStyleLst>
-        <a:ln w="9525" cap="flat" cmpd="sng" algn="ctr">
-          <a:solidFill>
-            <a:schemeClr val="phClr">
-              <a:shade val="95000"/>
-              <a:satMod val="105000"/>
-            </a:schemeClr>
-          </a:solidFill>
-          <a:prstDash val="solid"/>
-        </a:ln>
-        <a:ln w="25400" cap="flat" cmpd="sng" algn="ctr">
-          <a:solidFill>
-            <a:schemeClr val="phClr"/>
-          </a:solidFill>
-          <a:prstDash val="solid"/>
-        </a:ln>
-        <a:ln w="38100" cap="flat" cmpd="sng" algn="ctr">
-          <a:solidFill>
-            <a:schemeClr val="phClr"/>
-          </a:solidFill>
-          <a:prstDash val="solid"/>
-        </a:ln>
-      </a:lnStyleLst>
-      <a:effectStyleLst>
-        <a:effectStyle>
-          <a:effectLst>
-            <a:outerShdw blurRad="40000" dist="20000" dir="5400000" rotWithShape="0">
-              <a:srgbClr val="000000">
-                <a:alpha val="38000"/>
-              </a:srgbClr>
-            </a:outerShdw>
-          </a:effectLst>
-        </a:effectStyle>
-        <a:effectStyle>
-          <a:effectLst>
-            <a:outerShdw blurRad="40000" dist="23000" dir="5400000" rotWithShape="0">
-              <a:srgbClr val="000000">
-                <a:alpha val="35000"/>
-              </a:srgbClr>
-            </a:outerShdw>
-          </a:effectLst>
-        </a:effectStyle>
-        <a:effectStyle>
-          <a:effectLst>
-            <a:outerShdw blurRad="40000" dist="23000" dir="5400000" rotWithShape="0">
-              <a:srgbClr val="000000">
-                <a:alpha val="35000"/>
-              </a:srgbClr>
-            </a:outerShdw>
-          </a:effectLst>
-          <a:scene3d>
-            <a:camera prst="orthographicFront">
-              <a:rot lat="0" lon="0" rev="0"/>
-            </a:camera>
-            <a:lightRig rig="threePt" dir="t">
-              <a:rot lat="0" lon="0" rev="1200000"/>
-            </a:lightRig>
-          </a:scene3d>
-          <a:sp3d>
-            <a:bevelT w="63500" h="25400"/>
-          </a:sp3d>
-        </a:effectStyle>
-      </a:effectStyleLst>
-      <a:bgFillStyleLst>
-        <a:solidFill>
-          <a:schemeClr val="phClr"/>
-        </a:solidFill>
-        <a:gradFill rotWithShape="1">
-          <a:gsLst>
-            <a:gs pos="0">
-              <a:schemeClr val="phClr">
-                <a:tint val="40000"/>
-                <a:satMod val="350000"/>
-              </a:schemeClr>
-            </a:gs>
-            <a:gs pos="40000">
-              <a:schemeClr val="phClr">
-                <a:tint val="45000"/>
-                <a:shade val="99000"/>
-                <a:satMod val="350000"/>
-              </a:schemeClr>
-            </a:gs>
-            <a:gs pos="100000">
-              <a:schemeClr val="phClr">
-                <a:shade val="20000"/>
-                <a:satMod val="255000"/>
-              </a:schemeClr>
-            </a:gs>
-          </a:gsLst>
-          <a:path path="circle">
-            <a:fillToRect l="50000" t="-80000" r="50000" b="180000"/>
-          </a:path>
-        </a:gradFill>
-        <a:gradFill rotWithShape="1">
-          <a:gsLst>
-            <a:gs pos="0">
-              <a:schemeClr val="phClr">
-                <a:tint val="80000"/>
-                <a:satMod val="300000"/>
-              </a:schemeClr>
-            </a:gs>
-            <a:gs pos="100000">
-              <a:schemeClr val="phClr">
-                <a:shade val="30000"/>
-                <a:satMod val="200000"/>
-              </a:schemeClr>
-            </a:gs>
-          </a:gsLst>
-          <a:path path="circle">
-            <a:fillToRect l="50000" t="50000" r="50000" b="50000"/>
-          </a:path>
-        </a:gradFill>
-      </a:bgFillStyleLst>
-    </a:fmtScheme>
-  </a:themeElements>
-</a:theme>
 </file>